--- a/Tuto_decoup_TWAV.pptx
+++ b/Tuto_decoup_TWAV.pptx
@@ -7,10 +7,11 @@
   <p:sldIdLst>
     <p:sldId id="262" r:id="rId2"/>
     <p:sldId id="256" r:id="rId3"/>
-    <p:sldId id="258" r:id="rId4"/>
-    <p:sldId id="257" r:id="rId5"/>
-    <p:sldId id="260" r:id="rId6"/>
-    <p:sldId id="261" r:id="rId7"/>
+    <p:sldId id="263" r:id="rId4"/>
+    <p:sldId id="258" r:id="rId5"/>
+    <p:sldId id="257" r:id="rId6"/>
+    <p:sldId id="260" r:id="rId7"/>
+    <p:sldId id="261" r:id="rId8"/>
   </p:sldIdLst>
   <p:sldSz cx="12192000" cy="6858000"/>
   <p:notesSz cx="6858000" cy="9144000"/>
@@ -264,7 +265,7 @@
           <a:p>
             <a:fld id="{2A59F47B-E7C1-4F23-BE41-37F7E26DCCF7}" type="datetimeFigureOut">
               <a:rPr lang="fr-FR" smtClean="0"/>
-              <a:t>09/05/2023</a:t>
+              <a:t>26/05/2023</a:t>
             </a:fld>
             <a:endParaRPr lang="fr-FR"/>
           </a:p>
@@ -462,7 +463,7 @@
           <a:p>
             <a:fld id="{2A59F47B-E7C1-4F23-BE41-37F7E26DCCF7}" type="datetimeFigureOut">
               <a:rPr lang="fr-FR" smtClean="0"/>
-              <a:t>09/05/2023</a:t>
+              <a:t>26/05/2023</a:t>
             </a:fld>
             <a:endParaRPr lang="fr-FR"/>
           </a:p>
@@ -670,7 +671,7 @@
           <a:p>
             <a:fld id="{2A59F47B-E7C1-4F23-BE41-37F7E26DCCF7}" type="datetimeFigureOut">
               <a:rPr lang="fr-FR" smtClean="0"/>
-              <a:t>09/05/2023</a:t>
+              <a:t>26/05/2023</a:t>
             </a:fld>
             <a:endParaRPr lang="fr-FR"/>
           </a:p>
@@ -868,7 +869,7 @@
           <a:p>
             <a:fld id="{2A59F47B-E7C1-4F23-BE41-37F7E26DCCF7}" type="datetimeFigureOut">
               <a:rPr lang="fr-FR" smtClean="0"/>
-              <a:t>09/05/2023</a:t>
+              <a:t>26/05/2023</a:t>
             </a:fld>
             <a:endParaRPr lang="fr-FR"/>
           </a:p>
@@ -1143,7 +1144,7 @@
           <a:p>
             <a:fld id="{2A59F47B-E7C1-4F23-BE41-37F7E26DCCF7}" type="datetimeFigureOut">
               <a:rPr lang="fr-FR" smtClean="0"/>
-              <a:t>09/05/2023</a:t>
+              <a:t>26/05/2023</a:t>
             </a:fld>
             <a:endParaRPr lang="fr-FR"/>
           </a:p>
@@ -1408,7 +1409,7 @@
           <a:p>
             <a:fld id="{2A59F47B-E7C1-4F23-BE41-37F7E26DCCF7}" type="datetimeFigureOut">
               <a:rPr lang="fr-FR" smtClean="0"/>
-              <a:t>09/05/2023</a:t>
+              <a:t>26/05/2023</a:t>
             </a:fld>
             <a:endParaRPr lang="fr-FR"/>
           </a:p>
@@ -1820,7 +1821,7 @@
           <a:p>
             <a:fld id="{2A59F47B-E7C1-4F23-BE41-37F7E26DCCF7}" type="datetimeFigureOut">
               <a:rPr lang="fr-FR" smtClean="0"/>
-              <a:t>09/05/2023</a:t>
+              <a:t>26/05/2023</a:t>
             </a:fld>
             <a:endParaRPr lang="fr-FR"/>
           </a:p>
@@ -1961,7 +1962,7 @@
           <a:p>
             <a:fld id="{2A59F47B-E7C1-4F23-BE41-37F7E26DCCF7}" type="datetimeFigureOut">
               <a:rPr lang="fr-FR" smtClean="0"/>
-              <a:t>09/05/2023</a:t>
+              <a:t>26/05/2023</a:t>
             </a:fld>
             <a:endParaRPr lang="fr-FR"/>
           </a:p>
@@ -2074,7 +2075,7 @@
           <a:p>
             <a:fld id="{2A59F47B-E7C1-4F23-BE41-37F7E26DCCF7}" type="datetimeFigureOut">
               <a:rPr lang="fr-FR" smtClean="0"/>
-              <a:t>09/05/2023</a:t>
+              <a:t>26/05/2023</a:t>
             </a:fld>
             <a:endParaRPr lang="fr-FR"/>
           </a:p>
@@ -2385,7 +2386,7 @@
           <a:p>
             <a:fld id="{2A59F47B-E7C1-4F23-BE41-37F7E26DCCF7}" type="datetimeFigureOut">
               <a:rPr lang="fr-FR" smtClean="0"/>
-              <a:t>09/05/2023</a:t>
+              <a:t>26/05/2023</a:t>
             </a:fld>
             <a:endParaRPr lang="fr-FR"/>
           </a:p>
@@ -2673,7 +2674,7 @@
           <a:p>
             <a:fld id="{2A59F47B-E7C1-4F23-BE41-37F7E26DCCF7}" type="datetimeFigureOut">
               <a:rPr lang="fr-FR" smtClean="0"/>
-              <a:t>09/05/2023</a:t>
+              <a:t>26/05/2023</a:t>
             </a:fld>
             <a:endParaRPr lang="fr-FR"/>
           </a:p>
@@ -2914,7 +2915,7 @@
           <a:p>
             <a:fld id="{2A59F47B-E7C1-4F23-BE41-37F7E26DCCF7}" type="datetimeFigureOut">
               <a:rPr lang="fr-FR" smtClean="0"/>
-              <a:t>09/05/2023</a:t>
+              <a:t>26/05/2023</a:t>
             </a:fld>
             <a:endParaRPr lang="fr-FR"/>
           </a:p>
@@ -3471,15 +3472,7 @@
             </a:br>
             <a:r>
               <a:rPr lang="fr-FR" dirty="0"/>
-              <a:t>Ce script permet de découper les T.Wav en .</a:t>
-            </a:r>
-            <a:r>
-              <a:rPr lang="fr-FR" dirty="0" err="1"/>
-              <a:t>Wav</a:t>
-            </a:r>
-            <a:r>
-              <a:rPr lang="fr-FR" dirty="0"/>
-              <a:t> quelle que soit l’arborescence de vos dossiers.</a:t>
+              <a:t>Ce script permet de découper les T.Wav en .Wav quelle que soit l’arborescence de vos dossiers.</a:t>
             </a:r>
           </a:p>
           <a:p>
@@ -3491,21 +3484,8 @@
           <a:p>
             <a:r>
               <a:rPr lang="fr-FR" dirty="0"/>
-              <a:t>Le script copie l’arborescence des dossiers contenant des fichiers </a:t>
-            </a:r>
-            <a:r>
-              <a:rPr lang="fr-FR" dirty="0" err="1"/>
-              <a:t>T.Wav</a:t>
-            </a:r>
-            <a:r>
-              <a:rPr lang="fr-FR" dirty="0"/>
-              <a:t> et les remplace par des .</a:t>
-            </a:r>
-            <a:r>
-              <a:rPr lang="fr-FR" dirty="0" err="1"/>
-              <a:t>Wav</a:t>
-            </a:r>
-            <a:endParaRPr lang="fr-FR" dirty="0"/>
+              <a:t>Le script copie l’arborescence des dossiers contenant des fichiers T.Wav et les remplace par des .Wav</a:t>
+            </a:r>
           </a:p>
         </p:txBody>
       </p:sp>
@@ -3669,7 +3649,7 @@
         <p:spPr>
           <a:xfrm>
             <a:off x="797979" y="2860962"/>
-            <a:ext cx="11190243" cy="3785652"/>
+            <a:ext cx="11190243" cy="3508653"/>
           </a:xfrm>
           <a:prstGeom prst="rect">
             <a:avLst/>
@@ -3725,33 +3705,7 @@
             <a:endParaRPr lang="fr-FR" dirty="0"/>
           </a:p>
           <a:p>
-            <a:pPr marL="742950" lvl="1" indent="-285750">
-              <a:buFont typeface="Arial" panose="020B0604020202020204" pitchFamily="34" charset="0"/>
-              <a:buChar char="•"/>
-            </a:pPr>
-            <a:r>
-              <a:rPr lang="fr-FR" dirty="0"/>
-              <a:t>Télécharger le dossier « TWAV_splitter » (350 Mo) : </a:t>
-            </a:r>
-            <a:r>
-              <a:rPr lang="fr-FR" dirty="0" err="1">
-                <a:solidFill>
-                  <a:srgbClr val="0563C1"/>
-                </a:solidFill>
-              </a:rPr>
-              <a:t>lien_github</a:t>
-            </a:r>
-            <a:endParaRPr lang="fr-FR" dirty="0">
-              <a:solidFill>
-                <a:srgbClr val="0563C1"/>
-              </a:solidFill>
-            </a:endParaRPr>
-          </a:p>
-          <a:p>
-            <a:pPr marL="742950" lvl="1" indent="-285750">
-              <a:buFont typeface="Arial" panose="020B0604020202020204" pitchFamily="34" charset="0"/>
-              <a:buChar char="•"/>
-            </a:pPr>
+            <a:pPr lvl="1"/>
             <a:endParaRPr lang="fr-FR" dirty="0"/>
           </a:p>
           <a:p>
@@ -3773,15 +3727,7 @@
             </a:r>
             <a:r>
               <a:rPr lang="fr-FR" dirty="0"/>
-              <a:t>qui contient tous les fichiers </a:t>
-            </a:r>
-            <a:r>
-              <a:rPr lang="fr-FR" dirty="0" err="1"/>
-              <a:t>T.Wav</a:t>
-            </a:r>
-            <a:r>
-              <a:rPr lang="fr-FR" dirty="0"/>
-              <a:t> </a:t>
+              <a:t>qui contient tous les fichiers T.Wav </a:t>
             </a:r>
             <a:r>
               <a:rPr lang="fr-FR" b="1" dirty="0"/>
@@ -3937,12 +3883,92 @@
           <a:chExt cx="0" cy="0"/>
         </a:xfrm>
       </p:grpSpPr>
+      <p:sp>
+        <p:nvSpPr>
+          <p:cNvPr id="6" name="ZoneTexte 5">
+            <a:extLst>
+              <a:ext uri="{FF2B5EF4-FFF2-40B4-BE49-F238E27FC236}">
+                <a16:creationId xmlns:a16="http://schemas.microsoft.com/office/drawing/2014/main" id="{37B338AB-5BD3-10FD-5BC4-C19462AA0371}"/>
+              </a:ext>
+            </a:extLst>
+          </p:cNvPr>
+          <p:cNvSpPr txBox="1"/>
+          <p:nvPr/>
+        </p:nvSpPr>
+        <p:spPr>
+          <a:xfrm>
+            <a:off x="504203" y="688885"/>
+            <a:ext cx="7583936" cy="461665"/>
+          </a:xfrm>
+          <a:prstGeom prst="rect">
+            <a:avLst/>
+          </a:prstGeom>
+          <a:noFill/>
+        </p:spPr>
+        <p:txBody>
+          <a:bodyPr wrap="none" rtlCol="0">
+            <a:spAutoFit/>
+          </a:bodyPr>
+          <a:lstStyle/>
+          <a:p>
+            <a:r>
+              <a:rPr lang="fr-FR" sz="2400" b="1" dirty="0"/>
+              <a:t>1. Télécharger le script « TWAV_splitter-main » sur GitHub</a:t>
+            </a:r>
+          </a:p>
+        </p:txBody>
+      </p:sp>
+      <p:sp>
+        <p:nvSpPr>
+          <p:cNvPr id="9" name="ZoneTexte 8">
+            <a:extLst>
+              <a:ext uri="{FF2B5EF4-FFF2-40B4-BE49-F238E27FC236}">
+                <a16:creationId xmlns:a16="http://schemas.microsoft.com/office/drawing/2014/main" id="{122A2EB6-AAD3-A287-CBAE-B9551BA5A115}"/>
+              </a:ext>
+            </a:extLst>
+          </p:cNvPr>
+          <p:cNvSpPr txBox="1"/>
+          <p:nvPr/>
+        </p:nvSpPr>
+        <p:spPr>
+          <a:xfrm>
+            <a:off x="504203" y="1471548"/>
+            <a:ext cx="4288162" cy="646331"/>
+          </a:xfrm>
+          <a:prstGeom prst="rect">
+            <a:avLst/>
+          </a:prstGeom>
+          <a:noFill/>
+        </p:spPr>
+        <p:txBody>
+          <a:bodyPr wrap="none" rtlCol="0">
+            <a:spAutoFit/>
+          </a:bodyPr>
+          <a:lstStyle/>
+          <a:p>
+            <a:r>
+              <a:rPr lang="fr-FR" dirty="0"/>
+              <a:t>Rendez-vous sur le site : </a:t>
+            </a:r>
+            <a:br>
+              <a:rPr lang="fr-FR" dirty="0"/>
+            </a:br>
+            <a:r>
+              <a:rPr lang="fr-FR" dirty="0">
+                <a:hlinkClick r:id="rId2"/>
+              </a:rPr>
+              <a:t>https://github.com/CEREMA/TWAV_splitter</a:t>
+            </a:r>
+            <a:endParaRPr lang="fr-FR" dirty="0"/>
+          </a:p>
+        </p:txBody>
+      </p:sp>
       <p:grpSp>
         <p:nvGrpSpPr>
-          <p:cNvPr id="17" name="Groupe 16">
-            <a:extLst>
-              <a:ext uri="{FF2B5EF4-FFF2-40B4-BE49-F238E27FC236}">
-                <a16:creationId xmlns:a16="http://schemas.microsoft.com/office/drawing/2014/main" id="{66E030AF-4FCA-AA85-8F24-A545383072DA}"/>
+          <p:cNvPr id="13" name="Groupe 12">
+            <a:extLst>
+              <a:ext uri="{FF2B5EF4-FFF2-40B4-BE49-F238E27FC236}">
+                <a16:creationId xmlns:a16="http://schemas.microsoft.com/office/drawing/2014/main" id="{2F64A28C-EC00-F834-E863-6D0902CA901E}"/>
               </a:ext>
             </a:extLst>
           </p:cNvPr>
@@ -3951,18 +3977,18 @@
         </p:nvGrpSpPr>
         <p:grpSpPr>
           <a:xfrm>
-            <a:off x="504203" y="3156726"/>
-            <a:ext cx="5040963" cy="2343458"/>
-            <a:chOff x="504203" y="1716014"/>
-            <a:chExt cx="5040963" cy="2343458"/>
+            <a:off x="504203" y="2438877"/>
+            <a:ext cx="5496547" cy="3259547"/>
+            <a:chOff x="504203" y="2161878"/>
+            <a:chExt cx="6751176" cy="4003564"/>
           </a:xfrm>
         </p:grpSpPr>
         <p:pic>
           <p:nvPicPr>
-            <p:cNvPr id="11" name="Image 10">
+            <p:cNvPr id="5" name="Image 4">
               <a:extLst>
                 <a:ext uri="{FF2B5EF4-FFF2-40B4-BE49-F238E27FC236}">
-                  <a16:creationId xmlns:a16="http://schemas.microsoft.com/office/drawing/2014/main" id="{39D4D46B-235D-2477-CCB7-1CE362341F77}"/>
+                  <a16:creationId xmlns:a16="http://schemas.microsoft.com/office/drawing/2014/main" id="{C289F919-470A-1969-EA24-EF20920E8968}"/>
                 </a:ext>
               </a:extLst>
             </p:cNvPr>
@@ -3972,32 +3998,84 @@
             <p:nvPr/>
           </p:nvPicPr>
           <p:blipFill>
-            <a:blip r:embed="rId2"/>
+            <a:blip r:embed="rId3"/>
             <a:stretch>
               <a:fillRect/>
             </a:stretch>
           </p:blipFill>
           <p:spPr>
             <a:xfrm>
-              <a:off x="504203" y="1716014"/>
-              <a:ext cx="5040963" cy="2343458"/>
+              <a:off x="504203" y="2161878"/>
+              <a:ext cx="6751176" cy="4003564"/>
             </a:xfrm>
             <a:prstGeom prst="rect">
               <a:avLst/>
             </a:prstGeom>
-            <a:ln>
+            <a:ln w="12700">
               <a:solidFill>
                 <a:schemeClr val="tx1"/>
               </a:solidFill>
             </a:ln>
           </p:spPr>
         </p:pic>
+        <p:sp>
+          <p:nvSpPr>
+            <p:cNvPr id="10" name="Rectangle 9">
+              <a:extLst>
+                <a:ext uri="{FF2B5EF4-FFF2-40B4-BE49-F238E27FC236}">
+                  <a16:creationId xmlns:a16="http://schemas.microsoft.com/office/drawing/2014/main" id="{5241C381-ADF5-F6C6-06DE-8F213A8C96CD}"/>
+                </a:ext>
+              </a:extLst>
+            </p:cNvPr>
+            <p:cNvSpPr/>
+            <p:nvPr/>
+          </p:nvSpPr>
+          <p:spPr>
+            <a:xfrm>
+              <a:off x="4852988" y="3590925"/>
+              <a:ext cx="519906" cy="233110"/>
+            </a:xfrm>
+            <a:prstGeom prst="rect">
+              <a:avLst/>
+            </a:prstGeom>
+            <a:noFill/>
+            <a:ln w="38100">
+              <a:solidFill>
+                <a:srgbClr val="FF0000"/>
+              </a:solidFill>
+            </a:ln>
+          </p:spPr>
+          <p:style>
+            <a:lnRef idx="2">
+              <a:schemeClr val="accent1">
+                <a:shade val="50000"/>
+              </a:schemeClr>
+            </a:lnRef>
+            <a:fillRef idx="1">
+              <a:schemeClr val="accent1"/>
+            </a:fillRef>
+            <a:effectRef idx="0">
+              <a:schemeClr val="accent1"/>
+            </a:effectRef>
+            <a:fontRef idx="minor">
+              <a:schemeClr val="lt1"/>
+            </a:fontRef>
+          </p:style>
+          <p:txBody>
+            <a:bodyPr rtlCol="0" anchor="ctr"/>
+            <a:lstStyle/>
+            <a:p>
+              <a:pPr algn="ctr"/>
+              <a:endParaRPr lang="fr-FR" dirty="0"/>
+            </a:p>
+          </p:txBody>
+        </p:sp>
         <p:pic>
           <p:nvPicPr>
-            <p:cNvPr id="8" name="Image 7">
+            <p:cNvPr id="11" name="Image 10">
               <a:extLst>
                 <a:ext uri="{FF2B5EF4-FFF2-40B4-BE49-F238E27FC236}">
-                  <a16:creationId xmlns:a16="http://schemas.microsoft.com/office/drawing/2014/main" id="{A4B491E4-77AC-889F-8C3B-33A820524C0E}"/>
+                  <a16:creationId xmlns:a16="http://schemas.microsoft.com/office/drawing/2014/main" id="{0552A64C-B7C5-2772-4A6E-FB66839414C1}"/>
                 </a:ext>
               </a:extLst>
             </p:cNvPr>
@@ -4007,7 +4085,7 @@
             <p:nvPr/>
           </p:nvPicPr>
           <p:blipFill>
-            <a:blip r:embed="rId3">
+            <a:blip r:embed="rId4">
               <a:extLst>
                 <a:ext uri="{28A0092B-C50C-407E-A947-70E740481C1C}">
                   <a14:useLocalDpi xmlns:a14="http://schemas.microsoft.com/office/drawing/2010/main" val="0"/>
@@ -4020,21 +4098,24 @@
           </p:blipFill>
           <p:spPr>
             <a:xfrm>
-              <a:off x="1938897" y="2115127"/>
+              <a:off x="3947159" y="5316273"/>
               <a:ext cx="280141" cy="280141"/>
             </a:xfrm>
             <a:prstGeom prst="rect">
               <a:avLst/>
             </a:prstGeom>
+            <a:ln w="12700">
+              <a:noFill/>
+            </a:ln>
           </p:spPr>
         </p:pic>
       </p:grpSp>
       <p:sp>
         <p:nvSpPr>
-          <p:cNvPr id="9" name="ZoneTexte 8">
-            <a:extLst>
-              <a:ext uri="{FF2B5EF4-FFF2-40B4-BE49-F238E27FC236}">
-                <a16:creationId xmlns:a16="http://schemas.microsoft.com/office/drawing/2014/main" id="{BE7E9142-4CA7-3DD9-6675-22A589BF34F2}"/>
+          <p:cNvPr id="12" name="ZoneTexte 11">
+            <a:extLst>
+              <a:ext uri="{FF2B5EF4-FFF2-40B4-BE49-F238E27FC236}">
+                <a16:creationId xmlns:a16="http://schemas.microsoft.com/office/drawing/2014/main" id="{C4D68A35-73B2-9204-0B13-A15FF1CBE16B}"/>
               </a:ext>
             </a:extLst>
           </p:cNvPr>
@@ -4043,8 +4124,8 @@
         </p:nvSpPr>
         <p:spPr>
           <a:xfrm>
-            <a:off x="504203" y="5705386"/>
-            <a:ext cx="5040963" cy="646331"/>
+            <a:off x="627686" y="5808166"/>
+            <a:ext cx="5249579" cy="369332"/>
           </a:xfrm>
           <a:prstGeom prst="rect">
             <a:avLst/>
@@ -4060,17 +4141,52 @@
             <a:pPr algn="ctr"/>
             <a:r>
               <a:rPr lang="fr-FR" dirty="0"/>
-              <a:t>Cliquer ici pour obtenir le chemin d’accès jusqu’au dossier « TWAV_splitter »</a:t>
+              <a:t>Cliquer sur le bouton vert Code puis sur Download ZIP</a:t>
+            </a:r>
+          </a:p>
+        </p:txBody>
+      </p:sp>
+      <p:sp>
+        <p:nvSpPr>
+          <p:cNvPr id="14" name="ZoneTexte 13">
+            <a:extLst>
+              <a:ext uri="{FF2B5EF4-FFF2-40B4-BE49-F238E27FC236}">
+                <a16:creationId xmlns:a16="http://schemas.microsoft.com/office/drawing/2014/main" id="{D7AAA7A9-7188-710B-910F-3B79EF17B71F}"/>
+              </a:ext>
+            </a:extLst>
+          </p:cNvPr>
+          <p:cNvSpPr txBox="1"/>
+          <p:nvPr/>
+        </p:nvSpPr>
+        <p:spPr>
+          <a:xfrm>
+            <a:off x="6407183" y="1471548"/>
+            <a:ext cx="2695161" cy="369332"/>
+          </a:xfrm>
+          <a:prstGeom prst="rect">
+            <a:avLst/>
+          </a:prstGeom>
+          <a:noFill/>
+        </p:spPr>
+        <p:txBody>
+          <a:bodyPr wrap="none" rtlCol="0">
+            <a:spAutoFit/>
+          </a:bodyPr>
+          <a:lstStyle/>
+          <a:p>
+            <a:r>
+              <a:rPr lang="fr-FR" dirty="0"/>
+              <a:t>Extraire les fichiers du ZIP :</a:t>
             </a:r>
           </a:p>
         </p:txBody>
       </p:sp>
       <p:pic>
         <p:nvPicPr>
-          <p:cNvPr id="13" name="Image 12">
-            <a:extLst>
-              <a:ext uri="{FF2B5EF4-FFF2-40B4-BE49-F238E27FC236}">
-                <a16:creationId xmlns:a16="http://schemas.microsoft.com/office/drawing/2014/main" id="{40462DDB-C674-B3D5-8479-D10720937FD9}"/>
+          <p:cNvPr id="23" name="Image 22">
+            <a:extLst>
+              <a:ext uri="{FF2B5EF4-FFF2-40B4-BE49-F238E27FC236}">
+                <a16:creationId xmlns:a16="http://schemas.microsoft.com/office/drawing/2014/main" id="{1137CDD8-E265-2867-00CA-8DE2D4940E84}"/>
               </a:ext>
             </a:extLst>
           </p:cNvPr>
@@ -4080,20 +4196,20 @@
           <p:nvPr/>
         </p:nvPicPr>
         <p:blipFill>
-          <a:blip r:embed="rId4"/>
+          <a:blip r:embed="rId5"/>
           <a:stretch>
             <a:fillRect/>
           </a:stretch>
         </p:blipFill>
         <p:spPr>
           <a:xfrm>
-            <a:off x="6643261" y="3156725"/>
-            <a:ext cx="5044536" cy="2343458"/>
+            <a:off x="6495318" y="2038156"/>
+            <a:ext cx="2991581" cy="1091927"/>
           </a:xfrm>
           <a:prstGeom prst="rect">
             <a:avLst/>
           </a:prstGeom>
-          <a:ln>
+          <a:ln w="12700">
             <a:solidFill>
               <a:schemeClr val="tx1"/>
             </a:solidFill>
@@ -4102,46 +4218,62 @@
       </p:pic>
       <p:sp>
         <p:nvSpPr>
-          <p:cNvPr id="14" name="ZoneTexte 13">
-            <a:extLst>
-              <a:ext uri="{FF2B5EF4-FFF2-40B4-BE49-F238E27FC236}">
-                <a16:creationId xmlns:a16="http://schemas.microsoft.com/office/drawing/2014/main" id="{CE621427-5222-37E0-522F-824E02C71150}"/>
-              </a:ext>
-            </a:extLst>
-          </p:cNvPr>
-          <p:cNvSpPr txBox="1"/>
+          <p:cNvPr id="26" name="Rectangle 25">
+            <a:extLst>
+              <a:ext uri="{FF2B5EF4-FFF2-40B4-BE49-F238E27FC236}">
+                <a16:creationId xmlns:a16="http://schemas.microsoft.com/office/drawing/2014/main" id="{42E95AD2-0AD9-8F7E-04A2-7004E48AEAD7}"/>
+              </a:ext>
+            </a:extLst>
+          </p:cNvPr>
+          <p:cNvSpPr/>
           <p:nvPr/>
         </p:nvSpPr>
         <p:spPr>
           <a:xfrm>
-            <a:off x="6643261" y="5705385"/>
-            <a:ext cx="5040963" cy="369332"/>
+            <a:off x="7281862" y="2931320"/>
+            <a:ext cx="642935" cy="217814"/>
           </a:xfrm>
           <a:prstGeom prst="rect">
             <a:avLst/>
           </a:prstGeom>
           <a:noFill/>
-        </p:spPr>
-        <p:txBody>
-          <a:bodyPr wrap="square" rtlCol="0">
-            <a:spAutoFit/>
-          </a:bodyPr>
+          <a:ln w="38100">
+            <a:solidFill>
+              <a:srgbClr val="FF0000"/>
+            </a:solidFill>
+          </a:ln>
+        </p:spPr>
+        <p:style>
+          <a:lnRef idx="2">
+            <a:schemeClr val="accent1">
+              <a:shade val="50000"/>
+            </a:schemeClr>
+          </a:lnRef>
+          <a:fillRef idx="1">
+            <a:schemeClr val="accent1"/>
+          </a:fillRef>
+          <a:effectRef idx="0">
+            <a:schemeClr val="accent1"/>
+          </a:effectRef>
+          <a:fontRef idx="minor">
+            <a:schemeClr val="lt1"/>
+          </a:fontRef>
+        </p:style>
+        <p:txBody>
+          <a:bodyPr rtlCol="0" anchor="ctr"/>
           <a:lstStyle/>
           <a:p>
             <a:pPr algn="ctr"/>
-            <a:r>
-              <a:rPr lang="fr-FR" dirty="0"/>
-              <a:t>[Ctrl C] pour copier le chemin d’accès</a:t>
-            </a:r>
-          </a:p>
-        </p:txBody>
-      </p:sp>
-      <p:sp>
-        <p:nvSpPr>
-          <p:cNvPr id="19" name="ZoneTexte 18">
-            <a:extLst>
-              <a:ext uri="{FF2B5EF4-FFF2-40B4-BE49-F238E27FC236}">
-                <a16:creationId xmlns:a16="http://schemas.microsoft.com/office/drawing/2014/main" id="{22F30263-2387-4D8E-859D-C5EBC4C33433}"/>
+            <a:endParaRPr lang="fr-FR" dirty="0"/>
+          </a:p>
+        </p:txBody>
+      </p:sp>
+      <p:sp>
+        <p:nvSpPr>
+          <p:cNvPr id="35" name="ZoneTexte 34">
+            <a:extLst>
+              <a:ext uri="{FF2B5EF4-FFF2-40B4-BE49-F238E27FC236}">
+                <a16:creationId xmlns:a16="http://schemas.microsoft.com/office/drawing/2014/main" id="{0EE82A0D-C99B-1EE1-1068-FF5364080055}"/>
               </a:ext>
             </a:extLst>
           </p:cNvPr>
@@ -4150,8 +4282,8 @@
         </p:nvSpPr>
         <p:spPr>
           <a:xfrm>
-            <a:off x="504203" y="688885"/>
-            <a:ext cx="9005799" cy="461665"/>
+            <a:off x="9591672" y="4063237"/>
+            <a:ext cx="2517449" cy="923330"/>
           </a:xfrm>
           <a:prstGeom prst="rect">
             <a:avLst/>
@@ -4159,53 +4291,172 @@
           <a:noFill/>
         </p:spPr>
         <p:txBody>
-          <a:bodyPr wrap="none" rtlCol="0">
+          <a:bodyPr wrap="square" rtlCol="0">
             <a:spAutoFit/>
           </a:bodyPr>
           <a:lstStyle/>
           <a:p>
-            <a:r>
-              <a:rPr lang="fr-FR" sz="2400" b="1" dirty="0"/>
-              <a:t>1. Récupérer le chemin d’accès au répertoire de travail TWAV_splitter</a:t>
-            </a:r>
-          </a:p>
-        </p:txBody>
-      </p:sp>
-      <p:pic>
-        <p:nvPicPr>
-          <p:cNvPr id="3" name="Image 2">
-            <a:extLst>
-              <a:ext uri="{FF2B5EF4-FFF2-40B4-BE49-F238E27FC236}">
-                <a16:creationId xmlns:a16="http://schemas.microsoft.com/office/drawing/2014/main" id="{D5F9F927-8E7F-F605-35F1-A729B92DC1F1}"/>
-              </a:ext>
-            </a:extLst>
-          </p:cNvPr>
-          <p:cNvPicPr>
-            <a:picLocks noChangeAspect="1"/>
-          </p:cNvPicPr>
+            <a:pPr algn="just"/>
+            <a:r>
+              <a:rPr lang="fr-FR" dirty="0"/>
+              <a:t>Choisissez où extraire les fichiers et appuyer sur le bouton extraire. </a:t>
+            </a:r>
+          </a:p>
+        </p:txBody>
+      </p:sp>
+      <p:grpSp>
+        <p:nvGrpSpPr>
+          <p:cNvPr id="39" name="Groupe 38">
+            <a:extLst>
+              <a:ext uri="{FF2B5EF4-FFF2-40B4-BE49-F238E27FC236}">
+                <a16:creationId xmlns:a16="http://schemas.microsoft.com/office/drawing/2014/main" id="{DD53F370-40A0-AD84-E4B0-E249D9D3F6CF}"/>
+              </a:ext>
+            </a:extLst>
+          </p:cNvPr>
+          <p:cNvGrpSpPr/>
           <p:nvPr/>
-        </p:nvPicPr>
-        <p:blipFill rotWithShape="1">
-          <a:blip r:embed="rId5"/>
-          <a:srcRect l="14460" t="17241" r="18251" b="16671"/>
-          <a:stretch/>
-        </p:blipFill>
-        <p:spPr>
-          <a:xfrm>
-            <a:off x="504203" y="1646611"/>
-            <a:ext cx="1352551" cy="963253"/>
-          </a:xfrm>
-          <a:prstGeom prst="rect">
-            <a:avLst/>
-          </a:prstGeom>
-        </p:spPr>
-      </p:pic>
-      <p:sp>
-        <p:nvSpPr>
-          <p:cNvPr id="4" name="ZoneTexte 3">
-            <a:extLst>
-              <a:ext uri="{FF2B5EF4-FFF2-40B4-BE49-F238E27FC236}">
-                <a16:creationId xmlns:a16="http://schemas.microsoft.com/office/drawing/2014/main" id="{CAF4FCA3-4F91-29B5-FE12-7D4B46D90F1D}"/>
+        </p:nvGrpSpPr>
+        <p:grpSpPr>
+          <a:xfrm>
+            <a:off x="6495318" y="3354467"/>
+            <a:ext cx="2991581" cy="2340870"/>
+            <a:chOff x="6495318" y="3260185"/>
+            <a:chExt cx="2991581" cy="2340870"/>
+          </a:xfrm>
+        </p:grpSpPr>
+        <p:pic>
+          <p:nvPicPr>
+            <p:cNvPr id="33" name="Image 32">
+              <a:extLst>
+                <a:ext uri="{FF2B5EF4-FFF2-40B4-BE49-F238E27FC236}">
+                  <a16:creationId xmlns:a16="http://schemas.microsoft.com/office/drawing/2014/main" id="{55E0AAF8-9B33-156C-2356-A47AB673FE1B}"/>
+                </a:ext>
+              </a:extLst>
+            </p:cNvPr>
+            <p:cNvPicPr>
+              <a:picLocks noChangeAspect="1"/>
+            </p:cNvPicPr>
+            <p:nvPr/>
+          </p:nvPicPr>
+          <p:blipFill>
+            <a:blip r:embed="rId6"/>
+            <a:stretch>
+              <a:fillRect/>
+            </a:stretch>
+          </p:blipFill>
+          <p:spPr>
+            <a:xfrm>
+              <a:off x="6495318" y="3260185"/>
+              <a:ext cx="2991581" cy="2340870"/>
+            </a:xfrm>
+            <a:prstGeom prst="rect">
+              <a:avLst/>
+            </a:prstGeom>
+            <a:ln w="12700">
+              <a:solidFill>
+                <a:schemeClr val="tx1"/>
+              </a:solidFill>
+            </a:ln>
+          </p:spPr>
+        </p:pic>
+        <p:pic>
+          <p:nvPicPr>
+            <p:cNvPr id="34" name="Image 33">
+              <a:extLst>
+                <a:ext uri="{FF2B5EF4-FFF2-40B4-BE49-F238E27FC236}">
+                  <a16:creationId xmlns:a16="http://schemas.microsoft.com/office/drawing/2014/main" id="{0688ACDC-BADB-E2CC-9C9F-E4FA27431EFB}"/>
+                </a:ext>
+              </a:extLst>
+            </p:cNvPr>
+            <p:cNvPicPr>
+              <a:picLocks noChangeAspect="1"/>
+            </p:cNvPicPr>
+            <p:nvPr/>
+          </p:nvPicPr>
+          <p:blipFill>
+            <a:blip r:embed="rId4">
+              <a:extLst>
+                <a:ext uri="{28A0092B-C50C-407E-A947-70E740481C1C}">
+                  <a14:useLocalDpi xmlns:a14="http://schemas.microsoft.com/office/drawing/2010/main" val="0"/>
+                </a:ext>
+              </a:extLst>
+            </a:blip>
+            <a:stretch>
+              <a:fillRect/>
+            </a:stretch>
+          </p:blipFill>
+          <p:spPr>
+            <a:xfrm rot="5400000">
+              <a:off x="8538464" y="5356915"/>
+              <a:ext cx="228080" cy="228080"/>
+            </a:xfrm>
+            <a:prstGeom prst="rect">
+              <a:avLst/>
+            </a:prstGeom>
+            <a:ln w="12700">
+              <a:noFill/>
+            </a:ln>
+          </p:spPr>
+        </p:pic>
+        <p:sp>
+          <p:nvSpPr>
+            <p:cNvPr id="36" name="Rectangle 35">
+              <a:extLst>
+                <a:ext uri="{FF2B5EF4-FFF2-40B4-BE49-F238E27FC236}">
+                  <a16:creationId xmlns:a16="http://schemas.microsoft.com/office/drawing/2014/main" id="{43BF8ED3-9357-A567-69A3-EB3FCFF5374C}"/>
+                </a:ext>
+              </a:extLst>
+            </p:cNvPr>
+            <p:cNvSpPr/>
+            <p:nvPr/>
+          </p:nvSpPr>
+          <p:spPr>
+            <a:xfrm>
+              <a:off x="8858250" y="4190042"/>
+              <a:ext cx="426244" cy="184238"/>
+            </a:xfrm>
+            <a:prstGeom prst="rect">
+              <a:avLst/>
+            </a:prstGeom>
+            <a:noFill/>
+            <a:ln w="38100">
+              <a:solidFill>
+                <a:srgbClr val="FF0000"/>
+              </a:solidFill>
+            </a:ln>
+          </p:spPr>
+          <p:style>
+            <a:lnRef idx="2">
+              <a:schemeClr val="accent1">
+                <a:shade val="50000"/>
+              </a:schemeClr>
+            </a:lnRef>
+            <a:fillRef idx="1">
+              <a:schemeClr val="accent1"/>
+            </a:fillRef>
+            <a:effectRef idx="0">
+              <a:schemeClr val="accent1"/>
+            </a:effectRef>
+            <a:fontRef idx="minor">
+              <a:schemeClr val="lt1"/>
+            </a:fontRef>
+          </p:style>
+          <p:txBody>
+            <a:bodyPr rtlCol="0" anchor="ctr"/>
+            <a:lstStyle/>
+            <a:p>
+              <a:pPr algn="ctr"/>
+              <a:endParaRPr lang="fr-FR" dirty="0"/>
+            </a:p>
+          </p:txBody>
+        </p:sp>
+      </p:grpSp>
+      <p:sp>
+        <p:nvSpPr>
+          <p:cNvPr id="37" name="ZoneTexte 36">
+            <a:extLst>
+              <a:ext uri="{FF2B5EF4-FFF2-40B4-BE49-F238E27FC236}">
+                <a16:creationId xmlns:a16="http://schemas.microsoft.com/office/drawing/2014/main" id="{F459BE84-620B-2E7A-EDB7-C0CAFD143E56}"/>
               </a:ext>
             </a:extLst>
           </p:cNvPr>
@@ -4214,8 +4465,8 @@
         </p:nvSpPr>
         <p:spPr>
           <a:xfrm>
-            <a:off x="1938897" y="1989738"/>
-            <a:ext cx="3455818" cy="369332"/>
+            <a:off x="9591672" y="2260953"/>
+            <a:ext cx="2517449" cy="646331"/>
           </a:xfrm>
           <a:prstGeom prst="rect">
             <a:avLst/>
@@ -4223,14 +4474,15 @@
           <a:noFill/>
         </p:spPr>
         <p:txBody>
-          <a:bodyPr wrap="none" rtlCol="0">
+          <a:bodyPr wrap="square" rtlCol="0">
             <a:spAutoFit/>
           </a:bodyPr>
           <a:lstStyle/>
           <a:p>
+            <a:pPr algn="just"/>
             <a:r>
               <a:rPr lang="fr-FR" dirty="0"/>
-              <a:t>Ouvrir le dossier « TWAV_splitter »</a:t>
+              <a:t>Clic droit sur le dossier puis Extraire tout…</a:t>
             </a:r>
           </a:p>
         </p:txBody>
@@ -4238,7 +4490,7 @@
     </p:spTree>
     <p:extLst>
       <p:ext uri="{BB962C8B-B14F-4D97-AF65-F5344CB8AC3E}">
-        <p14:creationId xmlns:p14="http://schemas.microsoft.com/office/powerpoint/2010/main" val="3132208709"/>
+        <p14:creationId xmlns:p14="http://schemas.microsoft.com/office/powerpoint/2010/main" val="378487392"/>
       </p:ext>
     </p:extLst>
   </p:cSld>
@@ -4267,10 +4519,10 @@
       </p:grpSpPr>
       <p:sp>
         <p:nvSpPr>
-          <p:cNvPr id="4" name="ZoneTexte 3">
-            <a:extLst>
-              <a:ext uri="{FF2B5EF4-FFF2-40B4-BE49-F238E27FC236}">
-                <a16:creationId xmlns:a16="http://schemas.microsoft.com/office/drawing/2014/main" id="{F64181D5-3D5B-12A1-3772-AC7716CB8E58}"/>
+          <p:cNvPr id="9" name="ZoneTexte 8">
+            <a:extLst>
+              <a:ext uri="{FF2B5EF4-FFF2-40B4-BE49-F238E27FC236}">
+                <a16:creationId xmlns:a16="http://schemas.microsoft.com/office/drawing/2014/main" id="{BE7E9142-4CA7-3DD9-6675-22A589BF34F2}"/>
               </a:ext>
             </a:extLst>
           </p:cNvPr>
@@ -4279,8 +4531,8 @@
         </p:nvSpPr>
         <p:spPr>
           <a:xfrm>
-            <a:off x="504203" y="688886"/>
-            <a:ext cx="9960355" cy="461665"/>
+            <a:off x="504203" y="5705386"/>
+            <a:ext cx="5040963" cy="646331"/>
           </a:xfrm>
           <a:prstGeom prst="rect">
             <a:avLst/>
@@ -4288,6 +4540,86 @@
           <a:noFill/>
         </p:spPr>
         <p:txBody>
+          <a:bodyPr wrap="square" rtlCol="0">
+            <a:spAutoFit/>
+          </a:bodyPr>
+          <a:lstStyle/>
+          <a:p>
+            <a:pPr algn="ctr"/>
+            <a:r>
+              <a:rPr lang="fr-FR" dirty="0"/>
+              <a:t>Cliquer ici pour obtenir le chemin d’accès jusqu’au dossier « </a:t>
+            </a:r>
+            <a:r>
+              <a:rPr lang="fr-FR" dirty="0" err="1"/>
+              <a:t>TWAV_splitter_main</a:t>
+            </a:r>
+            <a:r>
+              <a:rPr lang="fr-FR" dirty="0"/>
+              <a:t> »</a:t>
+            </a:r>
+          </a:p>
+        </p:txBody>
+      </p:sp>
+      <p:sp>
+        <p:nvSpPr>
+          <p:cNvPr id="14" name="ZoneTexte 13">
+            <a:extLst>
+              <a:ext uri="{FF2B5EF4-FFF2-40B4-BE49-F238E27FC236}">
+                <a16:creationId xmlns:a16="http://schemas.microsoft.com/office/drawing/2014/main" id="{CE621427-5222-37E0-522F-824E02C71150}"/>
+              </a:ext>
+            </a:extLst>
+          </p:cNvPr>
+          <p:cNvSpPr txBox="1"/>
+          <p:nvPr/>
+        </p:nvSpPr>
+        <p:spPr>
+          <a:xfrm>
+            <a:off x="6643261" y="5705385"/>
+            <a:ext cx="5040963" cy="369332"/>
+          </a:xfrm>
+          <a:prstGeom prst="rect">
+            <a:avLst/>
+          </a:prstGeom>
+          <a:noFill/>
+        </p:spPr>
+        <p:txBody>
+          <a:bodyPr wrap="square" rtlCol="0">
+            <a:spAutoFit/>
+          </a:bodyPr>
+          <a:lstStyle/>
+          <a:p>
+            <a:pPr algn="ctr"/>
+            <a:r>
+              <a:rPr lang="fr-FR" dirty="0"/>
+              <a:t>[Ctrl C] pour copier le chemin d’accès</a:t>
+            </a:r>
+          </a:p>
+        </p:txBody>
+      </p:sp>
+      <p:sp>
+        <p:nvSpPr>
+          <p:cNvPr id="19" name="ZoneTexte 18">
+            <a:extLst>
+              <a:ext uri="{FF2B5EF4-FFF2-40B4-BE49-F238E27FC236}">
+                <a16:creationId xmlns:a16="http://schemas.microsoft.com/office/drawing/2014/main" id="{22F30263-2387-4D8E-859D-C5EBC4C33433}"/>
+              </a:ext>
+            </a:extLst>
+          </p:cNvPr>
+          <p:cNvSpPr txBox="1"/>
+          <p:nvPr/>
+        </p:nvSpPr>
+        <p:spPr>
+          <a:xfrm>
+            <a:off x="504203" y="688885"/>
+            <a:ext cx="9005799" cy="461665"/>
+          </a:xfrm>
+          <a:prstGeom prst="rect">
+            <a:avLst/>
+          </a:prstGeom>
+          <a:noFill/>
+        </p:spPr>
+        <p:txBody>
           <a:bodyPr wrap="none" rtlCol="0">
             <a:spAutoFit/>
           </a:bodyPr>
@@ -4295,7 +4627,260 @@
           <a:p>
             <a:r>
               <a:rPr lang="fr-FR" sz="2400" b="1" dirty="0"/>
-              <a:t>2. Définir le chemin d’accès au répertoire de travail sur l’invite de commande</a:t>
+              <a:t>2. Récupérer le chemin d’accès au répertoire de travail TWAV_splitter</a:t>
+            </a:r>
+          </a:p>
+        </p:txBody>
+      </p:sp>
+      <p:sp>
+        <p:nvSpPr>
+          <p:cNvPr id="4" name="ZoneTexte 3">
+            <a:extLst>
+              <a:ext uri="{FF2B5EF4-FFF2-40B4-BE49-F238E27FC236}">
+                <a16:creationId xmlns:a16="http://schemas.microsoft.com/office/drawing/2014/main" id="{CAF4FCA3-4F91-29B5-FE12-7D4B46D90F1D}"/>
+              </a:ext>
+            </a:extLst>
+          </p:cNvPr>
+          <p:cNvSpPr txBox="1"/>
+          <p:nvPr/>
+        </p:nvSpPr>
+        <p:spPr>
+          <a:xfrm>
+            <a:off x="1938897" y="1659486"/>
+            <a:ext cx="9745327" cy="923330"/>
+          </a:xfrm>
+          <a:prstGeom prst="rect">
+            <a:avLst/>
+          </a:prstGeom>
+          <a:noFill/>
+        </p:spPr>
+        <p:txBody>
+          <a:bodyPr wrap="square" rtlCol="0">
+            <a:spAutoFit/>
+          </a:bodyPr>
+          <a:lstStyle/>
+          <a:p>
+            <a:r>
+              <a:rPr lang="fr-FR" dirty="0"/>
+              <a:t>Ouvrir le dossier « TWAV_splitter-main »</a:t>
+            </a:r>
+            <a:br>
+              <a:rPr lang="fr-FR" dirty="0"/>
+            </a:br>
+            <a:r>
+              <a:rPr lang="fr-FR" dirty="0">
+                <a:solidFill>
+                  <a:schemeClr val="bg1">
+                    <a:lumMod val="65000"/>
+                  </a:schemeClr>
+                </a:solidFill>
+              </a:rPr>
+              <a:t>Il se peut que l’extraction des fichiers ait créé un autre dossier du même nom qui contient le dossier « TWAV_splitter-main » ; ouvrez le dernier des deux pour voir tous les fichiers comme ci-dessous :</a:t>
+            </a:r>
+          </a:p>
+        </p:txBody>
+      </p:sp>
+      <p:pic>
+        <p:nvPicPr>
+          <p:cNvPr id="5" name="Image 4">
+            <a:extLst>
+              <a:ext uri="{FF2B5EF4-FFF2-40B4-BE49-F238E27FC236}">
+                <a16:creationId xmlns:a16="http://schemas.microsoft.com/office/drawing/2014/main" id="{EEB9CFEB-3864-DD99-E7FD-63BA774D48E5}"/>
+              </a:ext>
+            </a:extLst>
+          </p:cNvPr>
+          <p:cNvPicPr>
+            <a:picLocks noChangeAspect="1"/>
+          </p:cNvPicPr>
+          <p:nvPr/>
+        </p:nvPicPr>
+        <p:blipFill>
+          <a:blip r:embed="rId2"/>
+          <a:stretch>
+            <a:fillRect/>
+          </a:stretch>
+        </p:blipFill>
+        <p:spPr>
+          <a:xfrm>
+            <a:off x="504203" y="1523004"/>
+            <a:ext cx="1288941" cy="1302800"/>
+          </a:xfrm>
+          <a:prstGeom prst="rect">
+            <a:avLst/>
+          </a:prstGeom>
+          <a:ln>
+            <a:solidFill>
+              <a:schemeClr val="tx1"/>
+            </a:solidFill>
+          </a:ln>
+        </p:spPr>
+      </p:pic>
+      <p:pic>
+        <p:nvPicPr>
+          <p:cNvPr id="7" name="Image 6">
+            <a:extLst>
+              <a:ext uri="{FF2B5EF4-FFF2-40B4-BE49-F238E27FC236}">
+                <a16:creationId xmlns:a16="http://schemas.microsoft.com/office/drawing/2014/main" id="{230B4DC0-CA2C-3ABB-4C60-DC85148A7908}"/>
+              </a:ext>
+            </a:extLst>
+          </p:cNvPr>
+          <p:cNvPicPr>
+            <a:picLocks noChangeAspect="1"/>
+          </p:cNvPicPr>
+          <p:nvPr/>
+        </p:nvPicPr>
+        <p:blipFill rotWithShape="1">
+          <a:blip r:embed="rId3"/>
+          <a:srcRect b="342"/>
+          <a:stretch/>
+        </p:blipFill>
+        <p:spPr>
+          <a:xfrm>
+            <a:off x="632229" y="3156725"/>
+            <a:ext cx="4784909" cy="2337203"/>
+          </a:xfrm>
+          <a:prstGeom prst="rect">
+            <a:avLst/>
+          </a:prstGeom>
+          <a:ln>
+            <a:solidFill>
+              <a:schemeClr val="tx1"/>
+            </a:solidFill>
+          </a:ln>
+        </p:spPr>
+      </p:pic>
+      <p:pic>
+        <p:nvPicPr>
+          <p:cNvPr id="10" name="Image 9">
+            <a:extLst>
+              <a:ext uri="{FF2B5EF4-FFF2-40B4-BE49-F238E27FC236}">
+                <a16:creationId xmlns:a16="http://schemas.microsoft.com/office/drawing/2014/main" id="{5FF28F05-B8D5-EC8A-2DA8-100270B09792}"/>
+              </a:ext>
+            </a:extLst>
+          </p:cNvPr>
+          <p:cNvPicPr>
+            <a:picLocks noChangeAspect="1"/>
+          </p:cNvPicPr>
+          <p:nvPr/>
+        </p:nvPicPr>
+        <p:blipFill>
+          <a:blip r:embed="rId4">
+            <a:extLst>
+              <a:ext uri="{28A0092B-C50C-407E-A947-70E740481C1C}">
+                <a14:useLocalDpi xmlns:a14="http://schemas.microsoft.com/office/drawing/2010/main" val="0"/>
+              </a:ext>
+            </a:extLst>
+          </a:blip>
+          <a:stretch>
+            <a:fillRect/>
+          </a:stretch>
+        </p:blipFill>
+        <p:spPr>
+          <a:xfrm>
+            <a:off x="1972234" y="3505039"/>
+            <a:ext cx="280141" cy="280141"/>
+          </a:xfrm>
+          <a:prstGeom prst="rect">
+            <a:avLst/>
+          </a:prstGeom>
+        </p:spPr>
+      </p:pic>
+      <p:pic>
+        <p:nvPicPr>
+          <p:cNvPr id="15" name="Image 14">
+            <a:extLst>
+              <a:ext uri="{FF2B5EF4-FFF2-40B4-BE49-F238E27FC236}">
+                <a16:creationId xmlns:a16="http://schemas.microsoft.com/office/drawing/2014/main" id="{645764B6-E4B1-05B6-9A4D-AA84FCD4B751}"/>
+              </a:ext>
+            </a:extLst>
+          </p:cNvPr>
+          <p:cNvPicPr>
+            <a:picLocks noChangeAspect="1"/>
+          </p:cNvPicPr>
+          <p:nvPr/>
+        </p:nvPicPr>
+        <p:blipFill>
+          <a:blip r:embed="rId5"/>
+          <a:stretch>
+            <a:fillRect/>
+          </a:stretch>
+        </p:blipFill>
+        <p:spPr>
+          <a:xfrm>
+            <a:off x="6774864" y="3156623"/>
+            <a:ext cx="4784910" cy="2337305"/>
+          </a:xfrm>
+          <a:prstGeom prst="rect">
+            <a:avLst/>
+          </a:prstGeom>
+          <a:ln>
+            <a:solidFill>
+              <a:schemeClr val="tx1"/>
+            </a:solidFill>
+          </a:ln>
+        </p:spPr>
+      </p:pic>
+    </p:spTree>
+    <p:extLst>
+      <p:ext uri="{BB962C8B-B14F-4D97-AF65-F5344CB8AC3E}">
+        <p14:creationId xmlns:p14="http://schemas.microsoft.com/office/powerpoint/2010/main" val="3132208709"/>
+      </p:ext>
+    </p:extLst>
+  </p:cSld>
+  <p:clrMapOvr>
+    <a:masterClrMapping/>
+  </p:clrMapOvr>
+</p:sld>
+</file>
+
+<file path=ppt/slides/slide5.xml><?xml version="1.0" encoding="utf-8"?>
+<p:sld xmlns:a="http://schemas.openxmlformats.org/drawingml/2006/main" xmlns:r="http://schemas.openxmlformats.org/officeDocument/2006/relationships" xmlns:p="http://schemas.openxmlformats.org/presentationml/2006/main">
+  <p:cSld>
+    <p:spTree>
+      <p:nvGrpSpPr>
+        <p:cNvPr id="1" name=""/>
+        <p:cNvGrpSpPr/>
+        <p:nvPr/>
+      </p:nvGrpSpPr>
+      <p:grpSpPr>
+        <a:xfrm>
+          <a:off x="0" y="0"/>
+          <a:ext cx="0" cy="0"/>
+          <a:chOff x="0" y="0"/>
+          <a:chExt cx="0" cy="0"/>
+        </a:xfrm>
+      </p:grpSpPr>
+      <p:sp>
+        <p:nvSpPr>
+          <p:cNvPr id="4" name="ZoneTexte 3">
+            <a:extLst>
+              <a:ext uri="{FF2B5EF4-FFF2-40B4-BE49-F238E27FC236}">
+                <a16:creationId xmlns:a16="http://schemas.microsoft.com/office/drawing/2014/main" id="{F64181D5-3D5B-12A1-3772-AC7716CB8E58}"/>
+              </a:ext>
+            </a:extLst>
+          </p:cNvPr>
+          <p:cNvSpPr txBox="1"/>
+          <p:nvPr/>
+        </p:nvSpPr>
+        <p:spPr>
+          <a:xfrm>
+            <a:off x="504203" y="688886"/>
+            <a:ext cx="9960355" cy="461665"/>
+          </a:xfrm>
+          <a:prstGeom prst="rect">
+            <a:avLst/>
+          </a:prstGeom>
+          <a:noFill/>
+        </p:spPr>
+        <p:txBody>
+          <a:bodyPr wrap="none" rtlCol="0">
+            <a:spAutoFit/>
+          </a:bodyPr>
+          <a:lstStyle/>
+          <a:p>
+            <a:r>
+              <a:rPr lang="fr-FR" sz="2400" b="1" dirty="0"/>
+              <a:t>3. Définir le chemin d’accès au répertoire de travail sur l’invite de commande</a:t>
             </a:r>
           </a:p>
         </p:txBody>
@@ -4496,12 +5081,84 @@
           </a:p>
         </p:txBody>
       </p:sp>
+      <p:sp>
+        <p:nvSpPr>
+          <p:cNvPr id="17" name="ZoneTexte 16">
+            <a:extLst>
+              <a:ext uri="{FF2B5EF4-FFF2-40B4-BE49-F238E27FC236}">
+                <a16:creationId xmlns:a16="http://schemas.microsoft.com/office/drawing/2014/main" id="{F6534F37-B3BB-767D-3065-5AD69CCBDB43}"/>
+              </a:ext>
+            </a:extLst>
+          </p:cNvPr>
+          <p:cNvSpPr txBox="1"/>
+          <p:nvPr/>
+        </p:nvSpPr>
+        <p:spPr>
+          <a:xfrm>
+            <a:off x="5939538" y="3105834"/>
+            <a:ext cx="5793621" cy="646331"/>
+          </a:xfrm>
+          <a:prstGeom prst="rect">
+            <a:avLst/>
+          </a:prstGeom>
+          <a:noFill/>
+        </p:spPr>
+        <p:txBody>
+          <a:bodyPr wrap="square" rtlCol="0">
+            <a:spAutoFit/>
+          </a:bodyPr>
+          <a:lstStyle/>
+          <a:p>
+            <a:pPr algn="ctr"/>
+            <a:r>
+              <a:rPr lang="fr-FR" dirty="0"/>
+              <a:t>Écrire cd suivi d’un espace et du chemin d’accès [Ctrl V] puis appuyer sur la touche [Entrée] </a:t>
+            </a:r>
+          </a:p>
+        </p:txBody>
+      </p:sp>
+      <p:sp>
+        <p:nvSpPr>
+          <p:cNvPr id="22" name="ZoneTexte 21">
+            <a:extLst>
+              <a:ext uri="{FF2B5EF4-FFF2-40B4-BE49-F238E27FC236}">
+                <a16:creationId xmlns:a16="http://schemas.microsoft.com/office/drawing/2014/main" id="{7D9FA73F-76F5-CE34-1BAE-7D1D2578C840}"/>
+              </a:ext>
+            </a:extLst>
+          </p:cNvPr>
+          <p:cNvSpPr txBox="1"/>
+          <p:nvPr/>
+        </p:nvSpPr>
+        <p:spPr>
+          <a:xfrm>
+            <a:off x="5939538" y="5476616"/>
+            <a:ext cx="5793621" cy="646331"/>
+          </a:xfrm>
+          <a:prstGeom prst="rect">
+            <a:avLst/>
+          </a:prstGeom>
+          <a:noFill/>
+        </p:spPr>
+        <p:txBody>
+          <a:bodyPr wrap="square" rtlCol="0">
+            <a:spAutoFit/>
+          </a:bodyPr>
+          <a:lstStyle/>
+          <a:p>
+            <a:pPr algn="ctr"/>
+            <a:r>
+              <a:rPr lang="fr-FR" dirty="0"/>
+              <a:t>« \TWAV_splitter-main&gt; » doit maintenant apparaître à la fin du chemin d’accès</a:t>
+            </a:r>
+          </a:p>
+        </p:txBody>
+      </p:sp>
       <p:pic>
         <p:nvPicPr>
-          <p:cNvPr id="15" name="Image 14">
-            <a:extLst>
-              <a:ext uri="{FF2B5EF4-FFF2-40B4-BE49-F238E27FC236}">
-                <a16:creationId xmlns:a16="http://schemas.microsoft.com/office/drawing/2014/main" id="{2992C09E-0153-2E7A-F4ED-98B6471003DC}"/>
+          <p:cNvPr id="7" name="Image 6">
+            <a:extLst>
+              <a:ext uri="{FF2B5EF4-FFF2-40B4-BE49-F238E27FC236}">
+                <a16:creationId xmlns:a16="http://schemas.microsoft.com/office/drawing/2014/main" id="{082C4A13-5AEB-80B8-415B-8632BC23CEAC}"/>
               </a:ext>
             </a:extLst>
           </p:cNvPr>
@@ -4510,15 +5167,16 @@
           </p:cNvPicPr>
           <p:nvPr/>
         </p:nvPicPr>
-        <p:blipFill rotWithShape="1">
+        <p:blipFill>
           <a:blip r:embed="rId3"/>
-          <a:srcRect b="34051"/>
-          <a:stretch/>
+          <a:stretch>
+            <a:fillRect/>
+          </a:stretch>
         </p:blipFill>
         <p:spPr>
           <a:xfrm>
-            <a:off x="5939538" y="2009912"/>
-            <a:ext cx="5793622" cy="1214823"/>
+            <a:off x="5939538" y="1738175"/>
+            <a:ext cx="5793622" cy="1290397"/>
           </a:xfrm>
           <a:prstGeom prst="rect">
             <a:avLst/>
@@ -4532,189 +5190,10 @@
       </p:pic>
       <p:sp>
         <p:nvSpPr>
-          <p:cNvPr id="17" name="ZoneTexte 16">
-            <a:extLst>
-              <a:ext uri="{FF2B5EF4-FFF2-40B4-BE49-F238E27FC236}">
-                <a16:creationId xmlns:a16="http://schemas.microsoft.com/office/drawing/2014/main" id="{F6534F37-B3BB-767D-3065-5AD69CCBDB43}"/>
-              </a:ext>
-            </a:extLst>
-          </p:cNvPr>
-          <p:cNvSpPr txBox="1"/>
-          <p:nvPr/>
-        </p:nvSpPr>
-        <p:spPr>
-          <a:xfrm>
-            <a:off x="5939538" y="3224735"/>
-            <a:ext cx="5793621" cy="646331"/>
-          </a:xfrm>
-          <a:prstGeom prst="rect">
-            <a:avLst/>
-          </a:prstGeom>
-          <a:noFill/>
-        </p:spPr>
-        <p:txBody>
-          <a:bodyPr wrap="square" rtlCol="0">
-            <a:spAutoFit/>
-          </a:bodyPr>
-          <a:lstStyle/>
-          <a:p>
-            <a:pPr algn="ctr"/>
-            <a:r>
-              <a:rPr lang="fr-FR" dirty="0"/>
-              <a:t>Écrire cd suivi d’un espace et du chemin d’accès [Ctrl V] puis appuyer sur la touche [Entrée] </a:t>
-            </a:r>
-          </a:p>
-        </p:txBody>
-      </p:sp>
-      <p:grpSp>
-        <p:nvGrpSpPr>
-          <p:cNvPr id="21" name="Groupe 20">
-            <a:extLst>
-              <a:ext uri="{FF2B5EF4-FFF2-40B4-BE49-F238E27FC236}">
-                <a16:creationId xmlns:a16="http://schemas.microsoft.com/office/drawing/2014/main" id="{28C88A3A-E226-46DD-6FC5-0E5B02CB164A}"/>
-              </a:ext>
-            </a:extLst>
-          </p:cNvPr>
-          <p:cNvGrpSpPr/>
-          <p:nvPr/>
-        </p:nvGrpSpPr>
-        <p:grpSpPr>
-          <a:xfrm>
-            <a:off x="5939540" y="4292324"/>
-            <a:ext cx="5793621" cy="1179960"/>
-            <a:chOff x="5939540" y="3641018"/>
-            <a:chExt cx="5793621" cy="1179960"/>
-          </a:xfrm>
-        </p:grpSpPr>
-        <p:pic>
-          <p:nvPicPr>
-            <p:cNvPr id="19" name="Image 18">
-              <a:extLst>
-                <a:ext uri="{FF2B5EF4-FFF2-40B4-BE49-F238E27FC236}">
-                  <a16:creationId xmlns:a16="http://schemas.microsoft.com/office/drawing/2014/main" id="{D9A821C0-6669-8A6F-8E8D-4E6B3ACFEE7D}"/>
-                </a:ext>
-              </a:extLst>
-            </p:cNvPr>
-            <p:cNvPicPr>
-              <a:picLocks noChangeAspect="1"/>
-            </p:cNvPicPr>
-            <p:nvPr/>
-          </p:nvPicPr>
-          <p:blipFill rotWithShape="1">
-            <a:blip r:embed="rId4"/>
-            <a:srcRect t="478" b="35960"/>
-            <a:stretch/>
-          </p:blipFill>
-          <p:spPr>
-            <a:xfrm>
-              <a:off x="5939540" y="3641018"/>
-              <a:ext cx="5793621" cy="1179960"/>
-            </a:xfrm>
-            <a:prstGeom prst="rect">
-              <a:avLst/>
-            </a:prstGeom>
-            <a:ln>
-              <a:solidFill>
-                <a:schemeClr val="tx1"/>
-              </a:solidFill>
-            </a:ln>
-          </p:spPr>
-        </p:pic>
-        <p:sp>
-          <p:nvSpPr>
-            <p:cNvPr id="20" name="Rectangle 19">
-              <a:extLst>
-                <a:ext uri="{FF2B5EF4-FFF2-40B4-BE49-F238E27FC236}">
-                  <a16:creationId xmlns:a16="http://schemas.microsoft.com/office/drawing/2014/main" id="{A21635A2-C91B-E6DA-D1DC-12606C2D1982}"/>
-                </a:ext>
-              </a:extLst>
-            </p:cNvPr>
-            <p:cNvSpPr/>
-            <p:nvPr/>
-          </p:nvSpPr>
-          <p:spPr>
-            <a:xfrm>
-              <a:off x="7300913" y="4306843"/>
-              <a:ext cx="752474" cy="201826"/>
-            </a:xfrm>
-            <a:prstGeom prst="rect">
-              <a:avLst/>
-            </a:prstGeom>
-            <a:noFill/>
-            <a:ln w="38100">
-              <a:solidFill>
-                <a:srgbClr val="FF0000"/>
-              </a:solidFill>
-            </a:ln>
-          </p:spPr>
-          <p:style>
-            <a:lnRef idx="2">
-              <a:schemeClr val="accent1">
-                <a:shade val="50000"/>
-              </a:schemeClr>
-            </a:lnRef>
-            <a:fillRef idx="1">
-              <a:schemeClr val="accent1"/>
-            </a:fillRef>
-            <a:effectRef idx="0">
-              <a:schemeClr val="accent1"/>
-            </a:effectRef>
-            <a:fontRef idx="minor">
-              <a:schemeClr val="lt1"/>
-            </a:fontRef>
-          </p:style>
-          <p:txBody>
-            <a:bodyPr rtlCol="0" anchor="ctr"/>
-            <a:lstStyle/>
-            <a:p>
-              <a:pPr algn="ctr"/>
-              <a:endParaRPr lang="fr-FR" dirty="0"/>
-            </a:p>
-          </p:txBody>
-        </p:sp>
-      </p:grpSp>
-      <p:sp>
-        <p:nvSpPr>
-          <p:cNvPr id="22" name="ZoneTexte 21">
-            <a:extLst>
-              <a:ext uri="{FF2B5EF4-FFF2-40B4-BE49-F238E27FC236}">
-                <a16:creationId xmlns:a16="http://schemas.microsoft.com/office/drawing/2014/main" id="{7D9FA73F-76F5-CE34-1BAE-7D1D2578C840}"/>
-              </a:ext>
-            </a:extLst>
-          </p:cNvPr>
-          <p:cNvSpPr txBox="1"/>
-          <p:nvPr/>
-        </p:nvSpPr>
-        <p:spPr>
-          <a:xfrm>
-            <a:off x="5939538" y="5476616"/>
-            <a:ext cx="5793621" cy="646331"/>
-          </a:xfrm>
-          <a:prstGeom prst="rect">
-            <a:avLst/>
-          </a:prstGeom>
-          <a:noFill/>
-        </p:spPr>
-        <p:txBody>
-          <a:bodyPr wrap="square" rtlCol="0">
-            <a:spAutoFit/>
-          </a:bodyPr>
-          <a:lstStyle/>
-          <a:p>
-            <a:pPr algn="ctr"/>
-            <a:r>
-              <a:rPr lang="fr-FR" dirty="0"/>
-              <a:t>« \TWAV_splitter&gt; » doit maintenant apparaître à la fin du chemin d’accès</a:t>
-            </a:r>
-          </a:p>
-        </p:txBody>
-      </p:sp>
-      <p:sp>
-        <p:nvSpPr>
-          <p:cNvPr id="2" name="Rectangle 1">
-            <a:extLst>
-              <a:ext uri="{FF2B5EF4-FFF2-40B4-BE49-F238E27FC236}">
-                <a16:creationId xmlns:a16="http://schemas.microsoft.com/office/drawing/2014/main" id="{359ADB9D-9604-2C80-C1C1-23C6297EDF89}"/>
+          <p:cNvPr id="8" name="Rectangle 7">
+            <a:extLst>
+              <a:ext uri="{FF2B5EF4-FFF2-40B4-BE49-F238E27FC236}">
+                <a16:creationId xmlns:a16="http://schemas.microsoft.com/office/drawing/2014/main" id="{F8D5BC9B-E7D7-B71B-D66D-864E3EA78EE0}"/>
               </a:ext>
             </a:extLst>
           </p:cNvPr>
@@ -4723,8 +5202,8 @@
         </p:nvSpPr>
         <p:spPr>
           <a:xfrm>
-            <a:off x="6908800" y="2468949"/>
-            <a:ext cx="2280444" cy="201826"/>
+            <a:off x="7434263" y="2391033"/>
+            <a:ext cx="3698557" cy="201826"/>
           </a:xfrm>
           <a:prstGeom prst="rect">
             <a:avLst/>
@@ -4761,453 +5240,96 @@
           </a:p>
         </p:txBody>
       </p:sp>
+      <p:pic>
+        <p:nvPicPr>
+          <p:cNvPr id="18" name="Image 17">
+            <a:extLst>
+              <a:ext uri="{FF2B5EF4-FFF2-40B4-BE49-F238E27FC236}">
+                <a16:creationId xmlns:a16="http://schemas.microsoft.com/office/drawing/2014/main" id="{D90C29F4-9898-A270-56D5-F143E2C53BDA}"/>
+              </a:ext>
+            </a:extLst>
+          </p:cNvPr>
+          <p:cNvPicPr>
+            <a:picLocks noChangeAspect="1"/>
+          </p:cNvPicPr>
+          <p:nvPr/>
+        </p:nvPicPr>
+        <p:blipFill rotWithShape="1">
+          <a:blip r:embed="rId4"/>
+          <a:srcRect b="29711"/>
+          <a:stretch/>
+        </p:blipFill>
+        <p:spPr>
+          <a:xfrm>
+            <a:off x="5939845" y="4174656"/>
+            <a:ext cx="5793314" cy="1297628"/>
+          </a:xfrm>
+          <a:prstGeom prst="rect">
+            <a:avLst/>
+          </a:prstGeom>
+          <a:ln>
+            <a:solidFill>
+              <a:schemeClr val="tx1"/>
+            </a:solidFill>
+          </a:ln>
+        </p:spPr>
+      </p:pic>
+      <p:sp>
+        <p:nvSpPr>
+          <p:cNvPr id="23" name="Rectangle 22">
+            <a:extLst>
+              <a:ext uri="{FF2B5EF4-FFF2-40B4-BE49-F238E27FC236}">
+                <a16:creationId xmlns:a16="http://schemas.microsoft.com/office/drawing/2014/main" id="{D4F0ED20-EFAD-2D6E-F818-05AFF1F0A950}"/>
+              </a:ext>
+            </a:extLst>
+          </p:cNvPr>
+          <p:cNvSpPr/>
+          <p:nvPr/>
+        </p:nvSpPr>
+        <p:spPr>
+          <a:xfrm>
+            <a:off x="7961313" y="5123120"/>
+            <a:ext cx="1468437" cy="201826"/>
+          </a:xfrm>
+          <a:prstGeom prst="rect">
+            <a:avLst/>
+          </a:prstGeom>
+          <a:noFill/>
+          <a:ln w="38100">
+            <a:solidFill>
+              <a:srgbClr val="FF0000"/>
+            </a:solidFill>
+          </a:ln>
+        </p:spPr>
+        <p:style>
+          <a:lnRef idx="2">
+            <a:schemeClr val="accent1">
+              <a:shade val="50000"/>
+            </a:schemeClr>
+          </a:lnRef>
+          <a:fillRef idx="1">
+            <a:schemeClr val="accent1"/>
+          </a:fillRef>
+          <a:effectRef idx="0">
+            <a:schemeClr val="accent1"/>
+          </a:effectRef>
+          <a:fontRef idx="minor">
+            <a:schemeClr val="lt1"/>
+          </a:fontRef>
+        </p:style>
+        <p:txBody>
+          <a:bodyPr rtlCol="0" anchor="ctr"/>
+          <a:lstStyle/>
+          <a:p>
+            <a:pPr algn="ctr"/>
+            <a:endParaRPr lang="fr-FR" dirty="0"/>
+          </a:p>
+        </p:txBody>
+      </p:sp>
     </p:spTree>
     <p:extLst>
       <p:ext uri="{BB962C8B-B14F-4D97-AF65-F5344CB8AC3E}">
         <p14:creationId xmlns:p14="http://schemas.microsoft.com/office/powerpoint/2010/main" val="2656967942"/>
-      </p:ext>
-    </p:extLst>
-  </p:cSld>
-  <p:clrMapOvr>
-    <a:masterClrMapping/>
-  </p:clrMapOvr>
-</p:sld>
-</file>
-
-<file path=ppt/slides/slide5.xml><?xml version="1.0" encoding="utf-8"?>
-<p:sld xmlns:a="http://schemas.openxmlformats.org/drawingml/2006/main" xmlns:r="http://schemas.openxmlformats.org/officeDocument/2006/relationships" xmlns:p="http://schemas.openxmlformats.org/presentationml/2006/main">
-  <p:cSld>
-    <p:spTree>
-      <p:nvGrpSpPr>
-        <p:cNvPr id="1" name=""/>
-        <p:cNvGrpSpPr/>
-        <p:nvPr/>
-      </p:nvGrpSpPr>
-      <p:grpSpPr>
-        <a:xfrm>
-          <a:off x="0" y="0"/>
-          <a:ext cx="0" cy="0"/>
-          <a:chOff x="0" y="0"/>
-          <a:chExt cx="0" cy="0"/>
-        </a:xfrm>
-      </p:grpSpPr>
-      <p:sp>
-        <p:nvSpPr>
-          <p:cNvPr id="5" name="ZoneTexte 4">
-            <a:extLst>
-              <a:ext uri="{FF2B5EF4-FFF2-40B4-BE49-F238E27FC236}">
-                <a16:creationId xmlns:a16="http://schemas.microsoft.com/office/drawing/2014/main" id="{626AA162-95AD-CBC2-B5F0-1D3AB49269BB}"/>
-              </a:ext>
-            </a:extLst>
-          </p:cNvPr>
-          <p:cNvSpPr txBox="1"/>
-          <p:nvPr/>
-        </p:nvSpPr>
-        <p:spPr>
-          <a:xfrm>
-            <a:off x="504203" y="688885"/>
-            <a:ext cx="4579202" cy="461665"/>
-          </a:xfrm>
-          <a:prstGeom prst="rect">
-            <a:avLst/>
-          </a:prstGeom>
-          <a:noFill/>
-        </p:spPr>
-        <p:txBody>
-          <a:bodyPr wrap="none" rtlCol="0">
-            <a:spAutoFit/>
-          </a:bodyPr>
-          <a:lstStyle/>
-          <a:p>
-            <a:r>
-              <a:rPr lang="fr-FR" sz="2400" b="1" dirty="0"/>
-              <a:t>3. Exécuter le programme vigie.py </a:t>
-            </a:r>
-          </a:p>
-        </p:txBody>
-      </p:sp>
-      <p:sp>
-        <p:nvSpPr>
-          <p:cNvPr id="8" name="ZoneTexte 7">
-            <a:extLst>
-              <a:ext uri="{FF2B5EF4-FFF2-40B4-BE49-F238E27FC236}">
-                <a16:creationId xmlns:a16="http://schemas.microsoft.com/office/drawing/2014/main" id="{608F3690-D37A-7A77-C561-9551F30E17A3}"/>
-              </a:ext>
-            </a:extLst>
-          </p:cNvPr>
-          <p:cNvSpPr txBox="1"/>
-          <p:nvPr/>
-        </p:nvSpPr>
-        <p:spPr>
-          <a:xfrm>
-            <a:off x="-1" y="5063638"/>
-            <a:ext cx="12191999" cy="1354217"/>
-          </a:xfrm>
-          <a:prstGeom prst="rect">
-            <a:avLst/>
-          </a:prstGeom>
-          <a:noFill/>
-        </p:spPr>
-        <p:txBody>
-          <a:bodyPr wrap="square" rtlCol="0">
-            <a:spAutoFit/>
-          </a:bodyPr>
-          <a:lstStyle/>
-          <a:p>
-            <a:pPr algn="ctr"/>
-            <a:r>
-              <a:rPr lang="fr-FR" dirty="0"/>
-              <a:t>Écrire en respectant les espaces :</a:t>
-            </a:r>
-            <a:br>
-              <a:rPr lang="fr-FR" dirty="0"/>
-            </a:br>
-            <a:r>
-              <a:rPr lang="fr-FR" dirty="0"/>
-              <a:t>vigie.py -i </a:t>
-            </a:r>
-            <a:r>
-              <a:rPr lang="fr-FR" b="1" dirty="0"/>
-              <a:t>coller le chemin d’accès au </a:t>
-            </a:r>
-            <a:r>
-              <a:rPr lang="fr-FR" b="1" dirty="0">
-                <a:solidFill>
-                  <a:srgbClr val="3E8E5B"/>
-                </a:solidFill>
-              </a:rPr>
-              <a:t>dossier source</a:t>
-            </a:r>
-            <a:r>
-              <a:rPr lang="fr-FR" dirty="0">
-                <a:solidFill>
-                  <a:srgbClr val="3E8E5B"/>
-                </a:solidFill>
-              </a:rPr>
-              <a:t> </a:t>
-            </a:r>
-            <a:r>
-              <a:rPr lang="fr-FR" dirty="0"/>
-              <a:t>-o </a:t>
-            </a:r>
-            <a:r>
-              <a:rPr lang="fr-FR" b="1" dirty="0"/>
-              <a:t>coller le chemin d’accès au </a:t>
-            </a:r>
-            <a:r>
-              <a:rPr lang="fr-FR" b="1" dirty="0">
-                <a:solidFill>
-                  <a:srgbClr val="3E8E5B"/>
-                </a:solidFill>
-              </a:rPr>
-              <a:t>dossier de sortie</a:t>
-            </a:r>
-            <a:endParaRPr lang="fr-FR" dirty="0"/>
-          </a:p>
-          <a:p>
-            <a:pPr algn="ctr"/>
-            <a:r>
-              <a:rPr lang="fr-FR" sz="1200" dirty="0"/>
-              <a:t>(Pour récupérer les chemins d’accès aux dossiers T.Wav et .Wav, suivre la méthode vu à l’étape 1 : Ouvrir le dossier » cliquer » Copier [Ctrl C] » Coller [Ctrl V])</a:t>
-            </a:r>
-          </a:p>
-          <a:p>
-            <a:pPr algn="ctr"/>
-            <a:endParaRPr lang="fr-FR" sz="1400" dirty="0"/>
-          </a:p>
-          <a:p>
-            <a:pPr algn="ctr"/>
-            <a:r>
-              <a:rPr lang="fr-FR" dirty="0"/>
-              <a:t>Continuer avec l’étape 4 ou exécuter le programme en appuyant sur la touche [Entrée]</a:t>
-            </a:r>
-            <a:endParaRPr lang="fr-FR" b="1" dirty="0"/>
-          </a:p>
-        </p:txBody>
-      </p:sp>
-      <p:grpSp>
-        <p:nvGrpSpPr>
-          <p:cNvPr id="34" name="Groupe 33">
-            <a:extLst>
-              <a:ext uri="{FF2B5EF4-FFF2-40B4-BE49-F238E27FC236}">
-                <a16:creationId xmlns:a16="http://schemas.microsoft.com/office/drawing/2014/main" id="{CE8F14A8-2D5F-296D-2B82-14A761B7C7E6}"/>
-              </a:ext>
-            </a:extLst>
-          </p:cNvPr>
-          <p:cNvGrpSpPr/>
-          <p:nvPr/>
-        </p:nvGrpSpPr>
-        <p:grpSpPr>
-          <a:xfrm>
-            <a:off x="885099" y="1427148"/>
-            <a:ext cx="10402750" cy="3230311"/>
-            <a:chOff x="885099" y="1427148"/>
-            <a:chExt cx="10402750" cy="3230311"/>
-          </a:xfrm>
-        </p:grpSpPr>
-        <p:pic>
-          <p:nvPicPr>
-            <p:cNvPr id="22" name="Image 21">
-              <a:extLst>
-                <a:ext uri="{FF2B5EF4-FFF2-40B4-BE49-F238E27FC236}">
-                  <a16:creationId xmlns:a16="http://schemas.microsoft.com/office/drawing/2014/main" id="{F2C28478-71E1-D106-EBFE-449F3DE0D916}"/>
-                </a:ext>
-              </a:extLst>
-            </p:cNvPr>
-            <p:cNvPicPr>
-              <a:picLocks noChangeAspect="1"/>
-            </p:cNvPicPr>
-            <p:nvPr/>
-          </p:nvPicPr>
-          <p:blipFill rotWithShape="1">
-            <a:blip r:embed="rId2"/>
-            <a:srcRect t="81024" b="162"/>
-            <a:stretch/>
-          </p:blipFill>
-          <p:spPr>
-            <a:xfrm>
-              <a:off x="904150" y="3550361"/>
-              <a:ext cx="10383699" cy="1107098"/>
-            </a:xfrm>
-            <a:prstGeom prst="rect">
-              <a:avLst/>
-            </a:prstGeom>
-            <a:ln>
-              <a:solidFill>
-                <a:schemeClr val="tx1"/>
-              </a:solidFill>
-            </a:ln>
-          </p:spPr>
-        </p:pic>
-        <p:pic>
-          <p:nvPicPr>
-            <p:cNvPr id="23" name="Image 22">
-              <a:extLst>
-                <a:ext uri="{FF2B5EF4-FFF2-40B4-BE49-F238E27FC236}">
-                  <a16:creationId xmlns:a16="http://schemas.microsoft.com/office/drawing/2014/main" id="{F98177F0-9782-8EC3-5E86-DFB16464011F}"/>
-                </a:ext>
-              </a:extLst>
-            </p:cNvPr>
-            <p:cNvPicPr>
-              <a:picLocks noChangeAspect="1"/>
-            </p:cNvPicPr>
-            <p:nvPr/>
-          </p:nvPicPr>
-          <p:blipFill rotWithShape="1">
-            <a:blip r:embed="rId2"/>
-            <a:srcRect t="439" b="65541"/>
-            <a:stretch/>
-          </p:blipFill>
-          <p:spPr>
-            <a:xfrm>
-              <a:off x="904148" y="1427148"/>
-              <a:ext cx="10383699" cy="2001852"/>
-            </a:xfrm>
-            <a:prstGeom prst="rect">
-              <a:avLst/>
-            </a:prstGeom>
-            <a:ln>
-              <a:solidFill>
-                <a:schemeClr val="tx1"/>
-              </a:solidFill>
-            </a:ln>
-          </p:spPr>
-        </p:pic>
-        <p:sp>
-          <p:nvSpPr>
-            <p:cNvPr id="26" name="Rectangle 25">
-              <a:extLst>
-                <a:ext uri="{FF2B5EF4-FFF2-40B4-BE49-F238E27FC236}">
-                  <a16:creationId xmlns:a16="http://schemas.microsoft.com/office/drawing/2014/main" id="{5FFAEF32-8F37-1149-C8F4-663A7F9B6F36}"/>
-                </a:ext>
-              </a:extLst>
-            </p:cNvPr>
-            <p:cNvSpPr/>
-            <p:nvPr/>
-          </p:nvSpPr>
-          <p:spPr>
-            <a:xfrm>
-              <a:off x="3920217" y="2352967"/>
-              <a:ext cx="6785883" cy="201826"/>
-            </a:xfrm>
-            <a:prstGeom prst="rect">
-              <a:avLst/>
-            </a:prstGeom>
-            <a:noFill/>
-            <a:ln w="38100">
-              <a:solidFill>
-                <a:srgbClr val="FF0000"/>
-              </a:solidFill>
-            </a:ln>
-          </p:spPr>
-          <p:style>
-            <a:lnRef idx="2">
-              <a:schemeClr val="accent1">
-                <a:shade val="50000"/>
-              </a:schemeClr>
-            </a:lnRef>
-            <a:fillRef idx="1">
-              <a:schemeClr val="accent1"/>
-            </a:fillRef>
-            <a:effectRef idx="0">
-              <a:schemeClr val="accent1"/>
-            </a:effectRef>
-            <a:fontRef idx="minor">
-              <a:schemeClr val="lt1"/>
-            </a:fontRef>
-          </p:style>
-          <p:txBody>
-            <a:bodyPr rtlCol="0" anchor="ctr"/>
-            <a:lstStyle/>
-            <a:p>
-              <a:pPr algn="ctr"/>
-              <a:endParaRPr lang="fr-FR" dirty="0"/>
-            </a:p>
-          </p:txBody>
-        </p:sp>
-        <p:sp>
-          <p:nvSpPr>
-            <p:cNvPr id="28" name="Rectangle 27">
-              <a:extLst>
-                <a:ext uri="{FF2B5EF4-FFF2-40B4-BE49-F238E27FC236}">
-                  <a16:creationId xmlns:a16="http://schemas.microsoft.com/office/drawing/2014/main" id="{AF8D95A1-6CBF-50B8-08E1-320682792AD2}"/>
-                </a:ext>
-              </a:extLst>
-            </p:cNvPr>
-            <p:cNvSpPr/>
-            <p:nvPr/>
-          </p:nvSpPr>
-          <p:spPr>
-            <a:xfrm>
-              <a:off x="885099" y="4108659"/>
-              <a:ext cx="1061812" cy="201826"/>
-            </a:xfrm>
-            <a:prstGeom prst="rect">
-              <a:avLst/>
-            </a:prstGeom>
-            <a:noFill/>
-            <a:ln w="38100">
-              <a:solidFill>
-                <a:schemeClr val="accent2">
-                  <a:lumMod val="75000"/>
-                </a:schemeClr>
-              </a:solidFill>
-            </a:ln>
-          </p:spPr>
-          <p:style>
-            <a:lnRef idx="2">
-              <a:schemeClr val="accent1">
-                <a:shade val="50000"/>
-              </a:schemeClr>
-            </a:lnRef>
-            <a:fillRef idx="1">
-              <a:schemeClr val="accent1"/>
-            </a:fillRef>
-            <a:effectRef idx="0">
-              <a:schemeClr val="accent1"/>
-            </a:effectRef>
-            <a:fontRef idx="minor">
-              <a:schemeClr val="lt1"/>
-            </a:fontRef>
-          </p:style>
-          <p:txBody>
-            <a:bodyPr rtlCol="0" anchor="ctr"/>
-            <a:lstStyle/>
-            <a:p>
-              <a:pPr algn="ctr"/>
-              <a:endParaRPr lang="fr-FR" dirty="0"/>
-            </a:p>
-          </p:txBody>
-        </p:sp>
-        <p:sp>
-          <p:nvSpPr>
-            <p:cNvPr id="27" name="ZoneTexte 26">
-              <a:extLst>
-                <a:ext uri="{FF2B5EF4-FFF2-40B4-BE49-F238E27FC236}">
-                  <a16:creationId xmlns:a16="http://schemas.microsoft.com/office/drawing/2014/main" id="{2FFA05D0-3B70-DC04-FE31-6E9BA00AFBDF}"/>
-                </a:ext>
-              </a:extLst>
-            </p:cNvPr>
-            <p:cNvSpPr txBox="1"/>
-            <p:nvPr/>
-          </p:nvSpPr>
-          <p:spPr>
-            <a:xfrm>
-              <a:off x="2104686" y="4024906"/>
-              <a:ext cx="3314818" cy="369332"/>
-            </a:xfrm>
-            <a:prstGeom prst="rect">
-              <a:avLst/>
-            </a:prstGeom>
-            <a:noFill/>
-          </p:spPr>
-          <p:txBody>
-            <a:bodyPr wrap="none" rtlCol="0">
-              <a:spAutoFit/>
-            </a:bodyPr>
-            <a:lstStyle/>
-            <a:p>
-              <a:r>
-                <a:rPr lang="fr-FR" dirty="0">
-                  <a:solidFill>
-                    <a:schemeClr val="accent2">
-                      <a:lumMod val="75000"/>
-                    </a:schemeClr>
-                  </a:solidFill>
-                  <a:sym typeface="Wingdings" panose="05000000000000000000" pitchFamily="2" charset="2"/>
-                </a:rPr>
-                <a:t>durée d’exécution du programme</a:t>
-              </a:r>
-              <a:endParaRPr lang="fr-FR" dirty="0">
-                <a:solidFill>
-                  <a:schemeClr val="accent2">
-                    <a:lumMod val="75000"/>
-                  </a:schemeClr>
-                </a:solidFill>
-              </a:endParaRPr>
-            </a:p>
-          </p:txBody>
-        </p:sp>
-        <p:sp>
-          <p:nvSpPr>
-            <p:cNvPr id="33" name="ZoneTexte 32">
-              <a:extLst>
-                <a:ext uri="{FF2B5EF4-FFF2-40B4-BE49-F238E27FC236}">
-                  <a16:creationId xmlns:a16="http://schemas.microsoft.com/office/drawing/2014/main" id="{2B530253-D20B-DEBA-BED8-61BF3A22FEBE}"/>
-                </a:ext>
-              </a:extLst>
-            </p:cNvPr>
-            <p:cNvSpPr txBox="1"/>
-            <p:nvPr/>
-          </p:nvSpPr>
-          <p:spPr>
-            <a:xfrm>
-              <a:off x="904148" y="3243032"/>
-              <a:ext cx="343364" cy="369332"/>
-            </a:xfrm>
-            <a:prstGeom prst="rect">
-              <a:avLst/>
-            </a:prstGeom>
-            <a:noFill/>
-          </p:spPr>
-          <p:txBody>
-            <a:bodyPr wrap="none" rtlCol="0">
-              <a:spAutoFit/>
-            </a:bodyPr>
-            <a:lstStyle/>
-            <a:p>
-              <a:r>
-                <a:rPr lang="fr-FR" dirty="0"/>
-                <a:t>…</a:t>
-              </a:r>
-            </a:p>
-          </p:txBody>
-        </p:sp>
-      </p:grpSp>
-    </p:spTree>
-    <p:extLst>
-      <p:ext uri="{BB962C8B-B14F-4D97-AF65-F5344CB8AC3E}">
-        <p14:creationId xmlns:p14="http://schemas.microsoft.com/office/powerpoint/2010/main" val="725568094"/>
       </p:ext>
     </p:extLst>
   </p:cSld>
@@ -5234,12 +5356,170 @@
           <a:chExt cx="0" cy="0"/>
         </a:xfrm>
       </p:grpSpPr>
+      <p:sp>
+        <p:nvSpPr>
+          <p:cNvPr id="5" name="ZoneTexte 4">
+            <a:extLst>
+              <a:ext uri="{FF2B5EF4-FFF2-40B4-BE49-F238E27FC236}">
+                <a16:creationId xmlns:a16="http://schemas.microsoft.com/office/drawing/2014/main" id="{626AA162-95AD-CBC2-B5F0-1D3AB49269BB}"/>
+              </a:ext>
+            </a:extLst>
+          </p:cNvPr>
+          <p:cNvSpPr txBox="1"/>
+          <p:nvPr/>
+        </p:nvSpPr>
+        <p:spPr>
+          <a:xfrm>
+            <a:off x="504203" y="688885"/>
+            <a:ext cx="4579202" cy="461665"/>
+          </a:xfrm>
+          <a:prstGeom prst="rect">
+            <a:avLst/>
+          </a:prstGeom>
+          <a:noFill/>
+        </p:spPr>
+        <p:txBody>
+          <a:bodyPr wrap="none" rtlCol="0">
+            <a:spAutoFit/>
+          </a:bodyPr>
+          <a:lstStyle/>
+          <a:p>
+            <a:r>
+              <a:rPr lang="fr-FR" sz="2400" b="1" dirty="0"/>
+              <a:t>4. Exécuter le programme vigie.py </a:t>
+            </a:r>
+          </a:p>
+        </p:txBody>
+      </p:sp>
+      <p:sp>
+        <p:nvSpPr>
+          <p:cNvPr id="8" name="ZoneTexte 7">
+            <a:extLst>
+              <a:ext uri="{FF2B5EF4-FFF2-40B4-BE49-F238E27FC236}">
+                <a16:creationId xmlns:a16="http://schemas.microsoft.com/office/drawing/2014/main" id="{608F3690-D37A-7A77-C561-9551F30E17A3}"/>
+              </a:ext>
+            </a:extLst>
+          </p:cNvPr>
+          <p:cNvSpPr txBox="1"/>
+          <p:nvPr/>
+        </p:nvSpPr>
+        <p:spPr>
+          <a:xfrm>
+            <a:off x="-1" y="5063638"/>
+            <a:ext cx="12191999" cy="1354217"/>
+          </a:xfrm>
+          <a:prstGeom prst="rect">
+            <a:avLst/>
+          </a:prstGeom>
+          <a:noFill/>
+        </p:spPr>
+        <p:txBody>
+          <a:bodyPr wrap="square" rtlCol="0">
+            <a:spAutoFit/>
+          </a:bodyPr>
+          <a:lstStyle/>
+          <a:p>
+            <a:pPr algn="ctr"/>
+            <a:r>
+              <a:rPr lang="fr-FR" dirty="0"/>
+              <a:t>Écrire en respectant les espaces et les majuscules :</a:t>
+            </a:r>
+            <a:br>
+              <a:rPr lang="fr-FR" dirty="0"/>
+            </a:br>
+            <a:r>
+              <a:rPr lang="fr-FR" dirty="0"/>
+              <a:t>TWAV_Splitter.py -i </a:t>
+            </a:r>
+            <a:r>
+              <a:rPr lang="fr-FR" b="1" dirty="0"/>
+              <a:t>coller le chemin d’accès au </a:t>
+            </a:r>
+            <a:r>
+              <a:rPr lang="fr-FR" b="1" dirty="0">
+                <a:solidFill>
+                  <a:srgbClr val="3E8E5B"/>
+                </a:solidFill>
+              </a:rPr>
+              <a:t>dossier source</a:t>
+            </a:r>
+            <a:r>
+              <a:rPr lang="fr-FR" dirty="0">
+                <a:solidFill>
+                  <a:srgbClr val="3E8E5B"/>
+                </a:solidFill>
+              </a:rPr>
+              <a:t> </a:t>
+            </a:r>
+            <a:r>
+              <a:rPr lang="fr-FR" dirty="0"/>
+              <a:t>-o </a:t>
+            </a:r>
+            <a:r>
+              <a:rPr lang="fr-FR" b="1" dirty="0"/>
+              <a:t>coller le chemin d’accès au </a:t>
+            </a:r>
+            <a:r>
+              <a:rPr lang="fr-FR" b="1" dirty="0">
+                <a:solidFill>
+                  <a:srgbClr val="3E8E5B"/>
+                </a:solidFill>
+              </a:rPr>
+              <a:t>dossier de sortie</a:t>
+            </a:r>
+            <a:endParaRPr lang="fr-FR" dirty="0"/>
+          </a:p>
+          <a:p>
+            <a:pPr algn="ctr"/>
+            <a:r>
+              <a:rPr lang="fr-FR" sz="1200" dirty="0"/>
+              <a:t>(Pour récupérer les chemins d’accès aux dossiers T.Wav (</a:t>
+            </a:r>
+            <a:r>
+              <a:rPr lang="fr-FR" sz="1200" dirty="0">
+                <a:solidFill>
+                  <a:srgbClr val="3E8E5B"/>
+                </a:solidFill>
+              </a:rPr>
+              <a:t>source</a:t>
+            </a:r>
+            <a:r>
+              <a:rPr lang="fr-FR" sz="1200" dirty="0"/>
+              <a:t>) et .Wav (</a:t>
+            </a:r>
+            <a:r>
+              <a:rPr lang="fr-FR" sz="1200" dirty="0">
+                <a:solidFill>
+                  <a:srgbClr val="3E8E5B"/>
+                </a:solidFill>
+              </a:rPr>
+              <a:t>de sortie</a:t>
+            </a:r>
+            <a:r>
+              <a:rPr lang="fr-FR" sz="1200" dirty="0"/>
+              <a:t>), suivre la méthode vu à l’étape 1 : Ouvrir le dossier » cliquer » Copier [Ctrl C] » Coller [Ctrl V])</a:t>
+            </a:r>
+          </a:p>
+          <a:p>
+            <a:pPr algn="ctr"/>
+            <a:endParaRPr lang="fr-FR" sz="1400" dirty="0"/>
+          </a:p>
+          <a:p>
+            <a:pPr algn="ctr"/>
+            <a:r>
+              <a:rPr lang="fr-FR" dirty="0"/>
+              <a:t>Continuer avec l’étape 5 ou exécuter le programme en appuyant sur la touche [Entrée]</a:t>
+            </a:r>
+            <a:endParaRPr lang="fr-FR" b="1" dirty="0"/>
+          </a:p>
+        </p:txBody>
+      </p:sp>
       <p:pic>
         <p:nvPicPr>
-          <p:cNvPr id="21" name="Image 20">
-            <a:extLst>
-              <a:ext uri="{FF2B5EF4-FFF2-40B4-BE49-F238E27FC236}">
-                <a16:creationId xmlns:a16="http://schemas.microsoft.com/office/drawing/2014/main" id="{A6249991-E28A-AA45-7632-492BFB9979E1}"/>
+          <p:cNvPr id="3" name="Image 2">
+            <a:extLst>
+              <a:ext uri="{FF2B5EF4-FFF2-40B4-BE49-F238E27FC236}">
+                <a16:creationId xmlns:a16="http://schemas.microsoft.com/office/drawing/2014/main" id="{C56FE0C4-44C0-4D54-CF5C-B98755F281AA}"/>
               </a:ext>
             </a:extLst>
           </p:cNvPr>
@@ -5256,8 +5536,8 @@
         </p:blipFill>
         <p:spPr>
           <a:xfrm>
-            <a:off x="358368" y="2819315"/>
-            <a:ext cx="9717502" cy="1072276"/>
+            <a:off x="885099" y="1418953"/>
+            <a:ext cx="10421802" cy="1894135"/>
           </a:xfrm>
           <a:prstGeom prst="rect">
             <a:avLst/>
@@ -5266,388 +5546,10 @@
       </p:pic>
       <p:sp>
         <p:nvSpPr>
-          <p:cNvPr id="5" name="ZoneTexte 4">
-            <a:extLst>
-              <a:ext uri="{FF2B5EF4-FFF2-40B4-BE49-F238E27FC236}">
-                <a16:creationId xmlns:a16="http://schemas.microsoft.com/office/drawing/2014/main" id="{626AA162-95AD-CBC2-B5F0-1D3AB49269BB}"/>
-              </a:ext>
-            </a:extLst>
-          </p:cNvPr>
-          <p:cNvSpPr txBox="1"/>
-          <p:nvPr/>
-        </p:nvSpPr>
-        <p:spPr>
-          <a:xfrm>
-            <a:off x="504203" y="688885"/>
-            <a:ext cx="10923760" cy="461665"/>
-          </a:xfrm>
-          <a:prstGeom prst="rect">
-            <a:avLst/>
-          </a:prstGeom>
-          <a:noFill/>
-        </p:spPr>
-        <p:txBody>
-          <a:bodyPr wrap="none" rtlCol="0">
-            <a:spAutoFit/>
-          </a:bodyPr>
-          <a:lstStyle/>
-          <a:p>
-            <a:r>
-              <a:rPr lang="fr-FR" sz="2400" b="1" dirty="0"/>
-              <a:t>4. Accélérer le traitement en précisant le nombre de processus simultanés </a:t>
-            </a:r>
-            <a:r>
-              <a:rPr lang="fr-FR" sz="2400" dirty="0"/>
-              <a:t>(facultatif)</a:t>
-            </a:r>
-          </a:p>
-        </p:txBody>
-      </p:sp>
-      <p:sp>
-        <p:nvSpPr>
-          <p:cNvPr id="4" name="ZoneTexte 3">
-            <a:extLst>
-              <a:ext uri="{FF2B5EF4-FFF2-40B4-BE49-F238E27FC236}">
-                <a16:creationId xmlns:a16="http://schemas.microsoft.com/office/drawing/2014/main" id="{DE5FDE47-91B8-F569-DA32-E98A8952B6EB}"/>
-              </a:ext>
-            </a:extLst>
-          </p:cNvPr>
-          <p:cNvSpPr txBox="1"/>
-          <p:nvPr/>
-        </p:nvSpPr>
-        <p:spPr>
-          <a:xfrm>
-            <a:off x="0" y="1150550"/>
-            <a:ext cx="12191999" cy="923330"/>
-          </a:xfrm>
-          <a:prstGeom prst="rect">
-            <a:avLst/>
-          </a:prstGeom>
-          <a:noFill/>
-        </p:spPr>
-        <p:txBody>
-          <a:bodyPr wrap="square" rtlCol="0">
-            <a:spAutoFit/>
-          </a:bodyPr>
-          <a:lstStyle/>
-          <a:p>
-            <a:pPr algn="ctr"/>
-            <a:r>
-              <a:rPr lang="fr-FR" dirty="0"/>
-              <a:t>Ajouter en respectant les espaces : </a:t>
-            </a:r>
-            <a:r>
-              <a:rPr lang="fr-FR" dirty="0">
-                <a:solidFill>
-                  <a:schemeClr val="bg1">
-                    <a:lumMod val="75000"/>
-                  </a:schemeClr>
-                </a:solidFill>
-              </a:rPr>
-              <a:t>vigie.py -i dossier source -o dossier de sortie</a:t>
-            </a:r>
-            <a:r>
-              <a:rPr lang="fr-FR" dirty="0"/>
-              <a:t> -n </a:t>
-            </a:r>
-            <a:r>
-              <a:rPr lang="fr-FR" b="1" dirty="0">
-                <a:solidFill>
-                  <a:schemeClr val="accent2">
-                    <a:lumMod val="75000"/>
-                  </a:schemeClr>
-                </a:solidFill>
-              </a:rPr>
-              <a:t>X</a:t>
-            </a:r>
-          </a:p>
-          <a:p>
-            <a:pPr algn="ctr"/>
-            <a:r>
-              <a:rPr lang="fr-FR" b="1" dirty="0">
-                <a:solidFill>
-                  <a:schemeClr val="accent2">
-                    <a:lumMod val="75000"/>
-                  </a:schemeClr>
-                </a:solidFill>
-              </a:rPr>
-              <a:t>X </a:t>
-            </a:r>
-            <a:r>
-              <a:rPr lang="fr-FR" dirty="0"/>
-              <a:t>: un chiffre entier ; 2 est la valeur par défaut ; 6 semble bien fonctionner</a:t>
-            </a:r>
-          </a:p>
-          <a:p>
-            <a:pPr algn="ctr"/>
-            <a:r>
-              <a:rPr lang="fr-FR" b="1" dirty="0">
-                <a:solidFill>
-                  <a:schemeClr val="accent2">
-                    <a:lumMod val="75000"/>
-                  </a:schemeClr>
-                </a:solidFill>
-              </a:rPr>
-              <a:t>X</a:t>
-            </a:r>
-            <a:r>
-              <a:rPr lang="fr-FR" dirty="0"/>
-              <a:t> est le nombre de fichiers T.Wav traité en même temps, vous pouvez le faire varier pour trouver ce qui fonctionne le mieux</a:t>
-            </a:r>
-            <a:endParaRPr lang="fr-FR" b="1" dirty="0">
-              <a:solidFill>
-                <a:schemeClr val="accent2">
-                  <a:lumMod val="75000"/>
-                </a:schemeClr>
-              </a:solidFill>
-            </a:endParaRPr>
-          </a:p>
-        </p:txBody>
-      </p:sp>
-      <p:pic>
-        <p:nvPicPr>
-          <p:cNvPr id="17" name="Image 16">
-            <a:extLst>
-              <a:ext uri="{FF2B5EF4-FFF2-40B4-BE49-F238E27FC236}">
-                <a16:creationId xmlns:a16="http://schemas.microsoft.com/office/drawing/2014/main" id="{35E816F5-F48F-28BB-5503-37C4168E25D9}"/>
-              </a:ext>
-            </a:extLst>
-          </p:cNvPr>
-          <p:cNvPicPr>
-            <a:picLocks noChangeAspect="1"/>
-          </p:cNvPicPr>
-          <p:nvPr/>
-        </p:nvPicPr>
-        <p:blipFill rotWithShape="1">
-          <a:blip r:embed="rId3"/>
-          <a:srcRect l="1963"/>
-          <a:stretch/>
-        </p:blipFill>
-        <p:spPr>
-          <a:xfrm>
-            <a:off x="358368" y="4041656"/>
-            <a:ext cx="993735" cy="150789"/>
-          </a:xfrm>
-          <a:prstGeom prst="rect">
-            <a:avLst/>
-          </a:prstGeom>
-          <a:ln w="19050">
-            <a:solidFill>
-              <a:srgbClr val="C55A11"/>
-            </a:solidFill>
-          </a:ln>
-        </p:spPr>
-      </p:pic>
-      <p:sp>
-        <p:nvSpPr>
-          <p:cNvPr id="19" name="ZoneTexte 18">
-            <a:extLst>
-              <a:ext uri="{FF2B5EF4-FFF2-40B4-BE49-F238E27FC236}">
-                <a16:creationId xmlns:a16="http://schemas.microsoft.com/office/drawing/2014/main" id="{9340EFF1-3B07-2E35-C9AD-8C4CD30F7A3E}"/>
-              </a:ext>
-            </a:extLst>
-          </p:cNvPr>
-          <p:cNvSpPr txBox="1"/>
-          <p:nvPr/>
-        </p:nvSpPr>
-        <p:spPr>
-          <a:xfrm>
-            <a:off x="358368" y="2447013"/>
-            <a:ext cx="2712024" cy="369332"/>
-          </a:xfrm>
-          <a:prstGeom prst="rect">
-            <a:avLst/>
-          </a:prstGeom>
-          <a:noFill/>
-        </p:spPr>
-        <p:txBody>
-          <a:bodyPr wrap="none" rtlCol="0">
-            <a:spAutoFit/>
-          </a:bodyPr>
-          <a:lstStyle/>
-          <a:p>
-            <a:r>
-              <a:rPr lang="fr-FR" dirty="0"/>
-              <a:t>Par défaut, 12.9 secondes :</a:t>
-            </a:r>
-          </a:p>
-        </p:txBody>
-      </p:sp>
-      <p:sp>
-        <p:nvSpPr>
-          <p:cNvPr id="22" name="ZoneTexte 21">
-            <a:extLst>
-              <a:ext uri="{FF2B5EF4-FFF2-40B4-BE49-F238E27FC236}">
-                <a16:creationId xmlns:a16="http://schemas.microsoft.com/office/drawing/2014/main" id="{401867B0-9988-4114-01FF-0006B71ABBD0}"/>
-              </a:ext>
-            </a:extLst>
-          </p:cNvPr>
-          <p:cNvSpPr txBox="1"/>
-          <p:nvPr/>
-        </p:nvSpPr>
-        <p:spPr>
-          <a:xfrm>
-            <a:off x="306883" y="3727733"/>
-            <a:ext cx="343364" cy="369332"/>
-          </a:xfrm>
-          <a:prstGeom prst="rect">
-            <a:avLst/>
-          </a:prstGeom>
-          <a:noFill/>
-        </p:spPr>
-        <p:txBody>
-          <a:bodyPr wrap="none" rtlCol="0">
-            <a:spAutoFit/>
-          </a:bodyPr>
-          <a:lstStyle/>
-          <a:p>
-            <a:r>
-              <a:rPr lang="fr-FR" dirty="0"/>
-              <a:t>…</a:t>
-            </a:r>
-          </a:p>
-        </p:txBody>
-      </p:sp>
-      <p:pic>
-        <p:nvPicPr>
-          <p:cNvPr id="25" name="Image 24">
-            <a:extLst>
-              <a:ext uri="{FF2B5EF4-FFF2-40B4-BE49-F238E27FC236}">
-                <a16:creationId xmlns:a16="http://schemas.microsoft.com/office/drawing/2014/main" id="{03473D79-1F76-80E1-CC04-27B864C6C0F8}"/>
-              </a:ext>
-            </a:extLst>
-          </p:cNvPr>
-          <p:cNvPicPr>
-            <a:picLocks noChangeAspect="1"/>
-          </p:cNvPicPr>
-          <p:nvPr/>
-        </p:nvPicPr>
-        <p:blipFill rotWithShape="1">
-          <a:blip r:embed="rId4"/>
-          <a:srcRect l="86"/>
-          <a:stretch/>
-        </p:blipFill>
-        <p:spPr>
-          <a:xfrm>
-            <a:off x="358369" y="4800009"/>
-            <a:ext cx="9717502" cy="1625168"/>
-          </a:xfrm>
-          <a:prstGeom prst="rect">
-            <a:avLst/>
-          </a:prstGeom>
-        </p:spPr>
-      </p:pic>
-      <p:sp>
-        <p:nvSpPr>
-          <p:cNvPr id="27" name="ZoneTexte 26">
-            <a:extLst>
-              <a:ext uri="{FF2B5EF4-FFF2-40B4-BE49-F238E27FC236}">
-                <a16:creationId xmlns:a16="http://schemas.microsoft.com/office/drawing/2014/main" id="{DF63F269-91D3-51CB-56CB-30FD60AB772C}"/>
-              </a:ext>
-            </a:extLst>
-          </p:cNvPr>
-          <p:cNvSpPr txBox="1"/>
-          <p:nvPr/>
-        </p:nvSpPr>
-        <p:spPr>
-          <a:xfrm>
-            <a:off x="306883" y="6294544"/>
-            <a:ext cx="343364" cy="369332"/>
-          </a:xfrm>
-          <a:prstGeom prst="rect">
-            <a:avLst/>
-          </a:prstGeom>
-          <a:noFill/>
-        </p:spPr>
-        <p:txBody>
-          <a:bodyPr wrap="none" rtlCol="0">
-            <a:spAutoFit/>
-          </a:bodyPr>
-          <a:lstStyle/>
-          <a:p>
-            <a:r>
-              <a:rPr lang="fr-FR" dirty="0"/>
-              <a:t>…</a:t>
-            </a:r>
-          </a:p>
-        </p:txBody>
-      </p:sp>
-      <p:pic>
-        <p:nvPicPr>
-          <p:cNvPr id="29" name="Image 28">
-            <a:extLst>
-              <a:ext uri="{FF2B5EF4-FFF2-40B4-BE49-F238E27FC236}">
-                <a16:creationId xmlns:a16="http://schemas.microsoft.com/office/drawing/2014/main" id="{7469C8DC-89B1-1A32-C9E3-29B7A3513FC1}"/>
-              </a:ext>
-            </a:extLst>
-          </p:cNvPr>
-          <p:cNvPicPr>
-            <a:picLocks noChangeAspect="1"/>
-          </p:cNvPicPr>
-          <p:nvPr/>
-        </p:nvPicPr>
-        <p:blipFill>
-          <a:blip r:embed="rId5"/>
-          <a:stretch>
-            <a:fillRect/>
-          </a:stretch>
-        </p:blipFill>
-        <p:spPr>
-          <a:xfrm>
-            <a:off x="358368" y="6617720"/>
-            <a:ext cx="993735" cy="171334"/>
-          </a:xfrm>
-          <a:prstGeom prst="rect">
-            <a:avLst/>
-          </a:prstGeom>
-          <a:ln w="19050">
-            <a:solidFill>
-              <a:srgbClr val="C55A11"/>
-            </a:solidFill>
-          </a:ln>
-        </p:spPr>
-      </p:pic>
-      <p:sp>
-        <p:nvSpPr>
-          <p:cNvPr id="30" name="ZoneTexte 29">
-            <a:extLst>
-              <a:ext uri="{FF2B5EF4-FFF2-40B4-BE49-F238E27FC236}">
-                <a16:creationId xmlns:a16="http://schemas.microsoft.com/office/drawing/2014/main" id="{6807A695-3458-0692-87FE-F7C815821061}"/>
-              </a:ext>
-            </a:extLst>
-          </p:cNvPr>
-          <p:cNvSpPr txBox="1"/>
-          <p:nvPr/>
-        </p:nvSpPr>
-        <p:spPr>
-          <a:xfrm>
-            <a:off x="358368" y="4430677"/>
-            <a:ext cx="11798423" cy="369332"/>
-          </a:xfrm>
-          <a:prstGeom prst="rect">
-            <a:avLst/>
-          </a:prstGeom>
-          <a:noFill/>
-        </p:spPr>
-        <p:txBody>
-          <a:bodyPr wrap="none" rtlCol="0">
-            <a:spAutoFit/>
-          </a:bodyPr>
-          <a:lstStyle/>
-          <a:p>
-            <a:r>
-              <a:rPr lang="fr-FR" dirty="0"/>
-              <a:t>Avec -n 6, on passe à 6.2 secondes soit plus de 2 fois plus rapide (peut être intéressant avec beaucoup de fichiers à traiter) </a:t>
-            </a:r>
-          </a:p>
-        </p:txBody>
-      </p:sp>
-      <p:sp>
-        <p:nvSpPr>
-          <p:cNvPr id="32" name="Rectangle 31">
-            <a:extLst>
-              <a:ext uri="{FF2B5EF4-FFF2-40B4-BE49-F238E27FC236}">
-                <a16:creationId xmlns:a16="http://schemas.microsoft.com/office/drawing/2014/main" id="{ED4DAC33-86D3-0493-D07F-249E3649AD75}"/>
+          <p:cNvPr id="6" name="Rectangle 5">
+            <a:extLst>
+              <a:ext uri="{FF2B5EF4-FFF2-40B4-BE49-F238E27FC236}">
+                <a16:creationId xmlns:a16="http://schemas.microsoft.com/office/drawing/2014/main" id="{A643D0C3-418F-6323-649A-102C801DA51B}"/>
               </a:ext>
             </a:extLst>
           </p:cNvPr>
@@ -5656,8 +5558,8 @@
         </p:nvSpPr>
         <p:spPr>
           <a:xfrm>
-            <a:off x="9584531" y="4800009"/>
-            <a:ext cx="402432" cy="141085"/>
+            <a:off x="4002881" y="2281776"/>
+            <a:ext cx="6703219" cy="201826"/>
           </a:xfrm>
           <a:prstGeom prst="rect">
             <a:avLst/>
@@ -5694,12 +5596,572 @@
           </a:p>
         </p:txBody>
       </p:sp>
+      <p:sp>
+        <p:nvSpPr>
+          <p:cNvPr id="9" name="ZoneTexte 8">
+            <a:extLst>
+              <a:ext uri="{FF2B5EF4-FFF2-40B4-BE49-F238E27FC236}">
+                <a16:creationId xmlns:a16="http://schemas.microsoft.com/office/drawing/2014/main" id="{07DD5BAC-2620-C092-601F-A4385786692D}"/>
+              </a:ext>
+            </a:extLst>
+          </p:cNvPr>
+          <p:cNvSpPr txBox="1"/>
+          <p:nvPr/>
+        </p:nvSpPr>
+        <p:spPr>
+          <a:xfrm>
+            <a:off x="885098" y="3259224"/>
+            <a:ext cx="343364" cy="369332"/>
+          </a:xfrm>
+          <a:prstGeom prst="rect">
+            <a:avLst/>
+          </a:prstGeom>
+          <a:noFill/>
+        </p:spPr>
+        <p:txBody>
+          <a:bodyPr wrap="none" rtlCol="0">
+            <a:spAutoFit/>
+          </a:bodyPr>
+          <a:lstStyle/>
+          <a:p>
+            <a:r>
+              <a:rPr lang="fr-FR" dirty="0"/>
+              <a:t>…</a:t>
+            </a:r>
+          </a:p>
+        </p:txBody>
+      </p:sp>
+      <p:pic>
+        <p:nvPicPr>
+          <p:cNvPr id="11" name="Image 10">
+            <a:extLst>
+              <a:ext uri="{FF2B5EF4-FFF2-40B4-BE49-F238E27FC236}">
+                <a16:creationId xmlns:a16="http://schemas.microsoft.com/office/drawing/2014/main" id="{CF2E08B2-742D-B1C6-391A-2546D3D24C86}"/>
+              </a:ext>
+            </a:extLst>
+          </p:cNvPr>
+          <p:cNvPicPr>
+            <a:picLocks noChangeAspect="1"/>
+          </p:cNvPicPr>
+          <p:nvPr/>
+        </p:nvPicPr>
+        <p:blipFill>
+          <a:blip r:embed="rId3"/>
+          <a:stretch>
+            <a:fillRect/>
+          </a:stretch>
+        </p:blipFill>
+        <p:spPr>
+          <a:xfrm>
+            <a:off x="885098" y="3668086"/>
+            <a:ext cx="10421803" cy="1040554"/>
+          </a:xfrm>
+          <a:prstGeom prst="rect">
+            <a:avLst/>
+          </a:prstGeom>
+        </p:spPr>
+      </p:pic>
+      <p:sp>
+        <p:nvSpPr>
+          <p:cNvPr id="12" name="Rectangle 11">
+            <a:extLst>
+              <a:ext uri="{FF2B5EF4-FFF2-40B4-BE49-F238E27FC236}">
+                <a16:creationId xmlns:a16="http://schemas.microsoft.com/office/drawing/2014/main" id="{67A62301-ADF7-6A22-9B66-BFBDA92B67DD}"/>
+              </a:ext>
+            </a:extLst>
+          </p:cNvPr>
+          <p:cNvSpPr/>
+          <p:nvPr/>
+        </p:nvSpPr>
+        <p:spPr>
+          <a:xfrm>
+            <a:off x="885098" y="4217471"/>
+            <a:ext cx="1061812" cy="201826"/>
+          </a:xfrm>
+          <a:prstGeom prst="rect">
+            <a:avLst/>
+          </a:prstGeom>
+          <a:noFill/>
+          <a:ln w="38100">
+            <a:solidFill>
+              <a:schemeClr val="accent2">
+                <a:lumMod val="75000"/>
+              </a:schemeClr>
+            </a:solidFill>
+          </a:ln>
+        </p:spPr>
+        <p:style>
+          <a:lnRef idx="2">
+            <a:schemeClr val="accent1">
+              <a:shade val="50000"/>
+            </a:schemeClr>
+          </a:lnRef>
+          <a:fillRef idx="1">
+            <a:schemeClr val="accent1"/>
+          </a:fillRef>
+          <a:effectRef idx="0">
+            <a:schemeClr val="accent1"/>
+          </a:effectRef>
+          <a:fontRef idx="minor">
+            <a:schemeClr val="lt1"/>
+          </a:fontRef>
+        </p:style>
+        <p:txBody>
+          <a:bodyPr rtlCol="0" anchor="ctr"/>
+          <a:lstStyle/>
+          <a:p>
+            <a:pPr algn="ctr"/>
+            <a:endParaRPr lang="fr-FR" dirty="0"/>
+          </a:p>
+        </p:txBody>
+      </p:sp>
+      <p:sp>
+        <p:nvSpPr>
+          <p:cNvPr id="13" name="ZoneTexte 12">
+            <a:extLst>
+              <a:ext uri="{FF2B5EF4-FFF2-40B4-BE49-F238E27FC236}">
+                <a16:creationId xmlns:a16="http://schemas.microsoft.com/office/drawing/2014/main" id="{B6978C69-D1B5-0048-9E50-265C5570EC1D}"/>
+              </a:ext>
+            </a:extLst>
+          </p:cNvPr>
+          <p:cNvSpPr txBox="1"/>
+          <p:nvPr/>
+        </p:nvSpPr>
+        <p:spPr>
+          <a:xfrm>
+            <a:off x="2026349" y="4133718"/>
+            <a:ext cx="3314818" cy="369332"/>
+          </a:xfrm>
+          <a:prstGeom prst="rect">
+            <a:avLst/>
+          </a:prstGeom>
+          <a:noFill/>
+        </p:spPr>
+        <p:txBody>
+          <a:bodyPr wrap="none" rtlCol="0">
+            <a:spAutoFit/>
+          </a:bodyPr>
+          <a:lstStyle/>
+          <a:p>
+            <a:r>
+              <a:rPr lang="fr-FR" dirty="0">
+                <a:solidFill>
+                  <a:schemeClr val="accent2">
+                    <a:lumMod val="75000"/>
+                  </a:schemeClr>
+                </a:solidFill>
+                <a:sym typeface="Wingdings" panose="05000000000000000000" pitchFamily="2" charset="2"/>
+              </a:rPr>
+              <a:t>durée d’exécution du programme</a:t>
+            </a:r>
+            <a:endParaRPr lang="fr-FR" dirty="0">
+              <a:solidFill>
+                <a:schemeClr val="accent2">
+                  <a:lumMod val="75000"/>
+                </a:schemeClr>
+              </a:solidFill>
+            </a:endParaRPr>
+          </a:p>
+        </p:txBody>
+      </p:sp>
+    </p:spTree>
+    <p:extLst>
+      <p:ext uri="{BB962C8B-B14F-4D97-AF65-F5344CB8AC3E}">
+        <p14:creationId xmlns:p14="http://schemas.microsoft.com/office/powerpoint/2010/main" val="725568094"/>
+      </p:ext>
+    </p:extLst>
+  </p:cSld>
+  <p:clrMapOvr>
+    <a:masterClrMapping/>
+  </p:clrMapOvr>
+</p:sld>
+</file>
+
+<file path=ppt/slides/slide7.xml><?xml version="1.0" encoding="utf-8"?>
+<p:sld xmlns:a="http://schemas.openxmlformats.org/drawingml/2006/main" xmlns:r="http://schemas.openxmlformats.org/officeDocument/2006/relationships" xmlns:p="http://schemas.openxmlformats.org/presentationml/2006/main">
+  <p:cSld>
+    <p:spTree>
+      <p:nvGrpSpPr>
+        <p:cNvPr id="1" name=""/>
+        <p:cNvGrpSpPr/>
+        <p:nvPr/>
+      </p:nvGrpSpPr>
+      <p:grpSpPr>
+        <a:xfrm>
+          <a:off x="0" y="0"/>
+          <a:ext cx="0" cy="0"/>
+          <a:chOff x="0" y="0"/>
+          <a:chExt cx="0" cy="0"/>
+        </a:xfrm>
+      </p:grpSpPr>
+      <p:pic>
+        <p:nvPicPr>
+          <p:cNvPr id="12" name="Image 11">
+            <a:extLst>
+              <a:ext uri="{FF2B5EF4-FFF2-40B4-BE49-F238E27FC236}">
+                <a16:creationId xmlns:a16="http://schemas.microsoft.com/office/drawing/2014/main" id="{08136B92-EF90-AFFB-4471-93D4CD157719}"/>
+              </a:ext>
+            </a:extLst>
+          </p:cNvPr>
+          <p:cNvPicPr>
+            <a:picLocks noChangeAspect="1"/>
+          </p:cNvPicPr>
+          <p:nvPr/>
+        </p:nvPicPr>
+        <p:blipFill>
+          <a:blip r:embed="rId2"/>
+          <a:stretch>
+            <a:fillRect/>
+          </a:stretch>
+        </p:blipFill>
+        <p:spPr>
+          <a:xfrm>
+            <a:off x="358368" y="4807433"/>
+            <a:ext cx="9717502" cy="1478415"/>
+          </a:xfrm>
+          <a:prstGeom prst="rect">
+            <a:avLst/>
+          </a:prstGeom>
+        </p:spPr>
+      </p:pic>
+      <p:sp>
+        <p:nvSpPr>
+          <p:cNvPr id="5" name="ZoneTexte 4">
+            <a:extLst>
+              <a:ext uri="{FF2B5EF4-FFF2-40B4-BE49-F238E27FC236}">
+                <a16:creationId xmlns:a16="http://schemas.microsoft.com/office/drawing/2014/main" id="{626AA162-95AD-CBC2-B5F0-1D3AB49269BB}"/>
+              </a:ext>
+            </a:extLst>
+          </p:cNvPr>
+          <p:cNvSpPr txBox="1"/>
+          <p:nvPr/>
+        </p:nvSpPr>
+        <p:spPr>
+          <a:xfrm>
+            <a:off x="504203" y="688885"/>
+            <a:ext cx="10923760" cy="461665"/>
+          </a:xfrm>
+          <a:prstGeom prst="rect">
+            <a:avLst/>
+          </a:prstGeom>
+          <a:noFill/>
+        </p:spPr>
+        <p:txBody>
+          <a:bodyPr wrap="none" rtlCol="0">
+            <a:spAutoFit/>
+          </a:bodyPr>
+          <a:lstStyle/>
+          <a:p>
+            <a:r>
+              <a:rPr lang="fr-FR" sz="2400" b="1" dirty="0"/>
+              <a:t>5. Accélérer le traitement en précisant le nombre de processus simultanés </a:t>
+            </a:r>
+            <a:r>
+              <a:rPr lang="fr-FR" sz="2400" dirty="0"/>
+              <a:t>(facultatif)</a:t>
+            </a:r>
+          </a:p>
+        </p:txBody>
+      </p:sp>
+      <p:sp>
+        <p:nvSpPr>
+          <p:cNvPr id="4" name="ZoneTexte 3">
+            <a:extLst>
+              <a:ext uri="{FF2B5EF4-FFF2-40B4-BE49-F238E27FC236}">
+                <a16:creationId xmlns:a16="http://schemas.microsoft.com/office/drawing/2014/main" id="{DE5FDE47-91B8-F569-DA32-E98A8952B6EB}"/>
+              </a:ext>
+            </a:extLst>
+          </p:cNvPr>
+          <p:cNvSpPr txBox="1"/>
+          <p:nvPr/>
+        </p:nvSpPr>
+        <p:spPr>
+          <a:xfrm>
+            <a:off x="0" y="1150550"/>
+            <a:ext cx="12191999" cy="923330"/>
+          </a:xfrm>
+          <a:prstGeom prst="rect">
+            <a:avLst/>
+          </a:prstGeom>
+          <a:noFill/>
+        </p:spPr>
+        <p:txBody>
+          <a:bodyPr wrap="square" rtlCol="0">
+            <a:spAutoFit/>
+          </a:bodyPr>
+          <a:lstStyle/>
+          <a:p>
+            <a:pPr algn="ctr"/>
+            <a:r>
+              <a:rPr lang="fr-FR" dirty="0"/>
+              <a:t>Ajouter en respectant les espaces : </a:t>
+            </a:r>
+            <a:r>
+              <a:rPr lang="fr-FR" dirty="0">
+                <a:solidFill>
+                  <a:schemeClr val="bg1">
+                    <a:lumMod val="75000"/>
+                  </a:schemeClr>
+                </a:solidFill>
+              </a:rPr>
+              <a:t>vigie.py -i dossier source -o dossier de sortie</a:t>
+            </a:r>
+            <a:r>
+              <a:rPr lang="fr-FR" dirty="0"/>
+              <a:t> -n </a:t>
+            </a:r>
+            <a:r>
+              <a:rPr lang="fr-FR" b="1" dirty="0">
+                <a:solidFill>
+                  <a:schemeClr val="accent2">
+                    <a:lumMod val="75000"/>
+                  </a:schemeClr>
+                </a:solidFill>
+              </a:rPr>
+              <a:t>X</a:t>
+            </a:r>
+          </a:p>
+          <a:p>
+            <a:pPr algn="ctr"/>
+            <a:r>
+              <a:rPr lang="fr-FR" b="1" dirty="0">
+                <a:solidFill>
+                  <a:schemeClr val="accent2">
+                    <a:lumMod val="75000"/>
+                  </a:schemeClr>
+                </a:solidFill>
+              </a:rPr>
+              <a:t>X </a:t>
+            </a:r>
+            <a:r>
+              <a:rPr lang="fr-FR" dirty="0"/>
+              <a:t>: un chiffre entier ; 2 est la valeur par défaut ; 6 semble bien fonctionner</a:t>
+            </a:r>
+          </a:p>
+          <a:p>
+            <a:pPr algn="ctr"/>
+            <a:r>
+              <a:rPr lang="fr-FR" b="1" dirty="0">
+                <a:solidFill>
+                  <a:schemeClr val="accent2">
+                    <a:lumMod val="75000"/>
+                  </a:schemeClr>
+                </a:solidFill>
+              </a:rPr>
+              <a:t>X</a:t>
+            </a:r>
+            <a:r>
+              <a:rPr lang="fr-FR" dirty="0"/>
+              <a:t> est le nombre de fichiers T.Wav traité en même temps, vous pouvez le faire varier pour trouver ce qui fonctionne le mieux</a:t>
+            </a:r>
+            <a:endParaRPr lang="fr-FR" b="1" dirty="0">
+              <a:solidFill>
+                <a:schemeClr val="accent2">
+                  <a:lumMod val="75000"/>
+                </a:schemeClr>
+              </a:solidFill>
+            </a:endParaRPr>
+          </a:p>
+        </p:txBody>
+      </p:sp>
+      <p:sp>
+        <p:nvSpPr>
+          <p:cNvPr id="19" name="ZoneTexte 18">
+            <a:extLst>
+              <a:ext uri="{FF2B5EF4-FFF2-40B4-BE49-F238E27FC236}">
+                <a16:creationId xmlns:a16="http://schemas.microsoft.com/office/drawing/2014/main" id="{9340EFF1-3B07-2E35-C9AD-8C4CD30F7A3E}"/>
+              </a:ext>
+            </a:extLst>
+          </p:cNvPr>
+          <p:cNvSpPr txBox="1"/>
+          <p:nvPr/>
+        </p:nvSpPr>
+        <p:spPr>
+          <a:xfrm>
+            <a:off x="358368" y="2447013"/>
+            <a:ext cx="2712024" cy="369332"/>
+          </a:xfrm>
+          <a:prstGeom prst="rect">
+            <a:avLst/>
+          </a:prstGeom>
+          <a:noFill/>
+        </p:spPr>
+        <p:txBody>
+          <a:bodyPr wrap="none" rtlCol="0">
+            <a:spAutoFit/>
+          </a:bodyPr>
+          <a:lstStyle/>
+          <a:p>
+            <a:r>
+              <a:rPr lang="fr-FR" dirty="0"/>
+              <a:t>Par défaut, 36.8 secondes :</a:t>
+            </a:r>
+          </a:p>
+        </p:txBody>
+      </p:sp>
+      <p:sp>
+        <p:nvSpPr>
+          <p:cNvPr id="22" name="ZoneTexte 21">
+            <a:extLst>
+              <a:ext uri="{FF2B5EF4-FFF2-40B4-BE49-F238E27FC236}">
+                <a16:creationId xmlns:a16="http://schemas.microsoft.com/office/drawing/2014/main" id="{401867B0-9988-4114-01FF-0006B71ABBD0}"/>
+              </a:ext>
+            </a:extLst>
+          </p:cNvPr>
+          <p:cNvSpPr txBox="1"/>
+          <p:nvPr/>
+        </p:nvSpPr>
+        <p:spPr>
+          <a:xfrm>
+            <a:off x="306883" y="3727733"/>
+            <a:ext cx="343364" cy="369332"/>
+          </a:xfrm>
+          <a:prstGeom prst="rect">
+            <a:avLst/>
+          </a:prstGeom>
+          <a:noFill/>
+        </p:spPr>
+        <p:txBody>
+          <a:bodyPr wrap="none" rtlCol="0">
+            <a:spAutoFit/>
+          </a:bodyPr>
+          <a:lstStyle/>
+          <a:p>
+            <a:r>
+              <a:rPr lang="fr-FR" dirty="0"/>
+              <a:t>…</a:t>
+            </a:r>
+          </a:p>
+        </p:txBody>
+      </p:sp>
+      <p:sp>
+        <p:nvSpPr>
+          <p:cNvPr id="27" name="ZoneTexte 26">
+            <a:extLst>
+              <a:ext uri="{FF2B5EF4-FFF2-40B4-BE49-F238E27FC236}">
+                <a16:creationId xmlns:a16="http://schemas.microsoft.com/office/drawing/2014/main" id="{DF63F269-91D3-51CB-56CB-30FD60AB772C}"/>
+              </a:ext>
+            </a:extLst>
+          </p:cNvPr>
+          <p:cNvSpPr txBox="1"/>
+          <p:nvPr/>
+        </p:nvSpPr>
+        <p:spPr>
+          <a:xfrm>
+            <a:off x="306883" y="6193754"/>
+            <a:ext cx="343364" cy="369332"/>
+          </a:xfrm>
+          <a:prstGeom prst="rect">
+            <a:avLst/>
+          </a:prstGeom>
+          <a:noFill/>
+        </p:spPr>
+        <p:txBody>
+          <a:bodyPr wrap="none" rtlCol="0">
+            <a:spAutoFit/>
+          </a:bodyPr>
+          <a:lstStyle/>
+          <a:p>
+            <a:r>
+              <a:rPr lang="fr-FR" dirty="0"/>
+              <a:t>…</a:t>
+            </a:r>
+          </a:p>
+        </p:txBody>
+      </p:sp>
+      <p:sp>
+        <p:nvSpPr>
+          <p:cNvPr id="30" name="ZoneTexte 29">
+            <a:extLst>
+              <a:ext uri="{FF2B5EF4-FFF2-40B4-BE49-F238E27FC236}">
+                <a16:creationId xmlns:a16="http://schemas.microsoft.com/office/drawing/2014/main" id="{6807A695-3458-0692-87FE-F7C815821061}"/>
+              </a:ext>
+            </a:extLst>
+          </p:cNvPr>
+          <p:cNvSpPr txBox="1"/>
+          <p:nvPr/>
+        </p:nvSpPr>
+        <p:spPr>
+          <a:xfrm>
+            <a:off x="358368" y="4430677"/>
+            <a:ext cx="11798423" cy="369332"/>
+          </a:xfrm>
+          <a:prstGeom prst="rect">
+            <a:avLst/>
+          </a:prstGeom>
+          <a:noFill/>
+        </p:spPr>
+        <p:txBody>
+          <a:bodyPr wrap="none" rtlCol="0">
+            <a:spAutoFit/>
+          </a:bodyPr>
+          <a:lstStyle/>
+          <a:p>
+            <a:r>
+              <a:rPr lang="fr-FR" dirty="0"/>
+              <a:t>Avec -n 6, on passe à 17.9 secondes soit plus de 2 fois plus rapide (peut être intéressant avec beaucoup de fichiers à traiter) </a:t>
+            </a:r>
+          </a:p>
+        </p:txBody>
+      </p:sp>
+      <p:sp>
+        <p:nvSpPr>
+          <p:cNvPr id="32" name="Rectangle 31">
+            <a:extLst>
+              <a:ext uri="{FF2B5EF4-FFF2-40B4-BE49-F238E27FC236}">
+                <a16:creationId xmlns:a16="http://schemas.microsoft.com/office/drawing/2014/main" id="{ED4DAC33-86D3-0493-D07F-249E3649AD75}"/>
+              </a:ext>
+            </a:extLst>
+          </p:cNvPr>
+          <p:cNvSpPr/>
+          <p:nvPr/>
+        </p:nvSpPr>
+        <p:spPr>
+          <a:xfrm>
+            <a:off x="9628981" y="4798737"/>
+            <a:ext cx="402432" cy="141085"/>
+          </a:xfrm>
+          <a:prstGeom prst="rect">
+            <a:avLst/>
+          </a:prstGeom>
+          <a:noFill/>
+          <a:ln w="38100">
+            <a:solidFill>
+              <a:srgbClr val="FF0000"/>
+            </a:solidFill>
+          </a:ln>
+        </p:spPr>
+        <p:style>
+          <a:lnRef idx="2">
+            <a:schemeClr val="accent1">
+              <a:shade val="50000"/>
+            </a:schemeClr>
+          </a:lnRef>
+          <a:fillRef idx="1">
+            <a:schemeClr val="accent1"/>
+          </a:fillRef>
+          <a:effectRef idx="0">
+            <a:schemeClr val="accent1"/>
+          </a:effectRef>
+          <a:fontRef idx="minor">
+            <a:schemeClr val="lt1"/>
+          </a:fontRef>
+        </p:style>
+        <p:txBody>
+          <a:bodyPr rtlCol="0" anchor="ctr"/>
+          <a:lstStyle/>
+          <a:p>
+            <a:pPr algn="ctr"/>
+            <a:endParaRPr lang="fr-FR" dirty="0"/>
+          </a:p>
+        </p:txBody>
+      </p:sp>
       <p:cxnSp>
         <p:nvCxnSpPr>
-          <p:cNvPr id="34" name="Connecteur droit 33">
-            <a:extLst>
-              <a:ext uri="{FF2B5EF4-FFF2-40B4-BE49-F238E27FC236}">
-                <a16:creationId xmlns:a16="http://schemas.microsoft.com/office/drawing/2014/main" id="{99EF2EE8-47B3-0BDE-442A-039BDF536617}"/>
+          <p:cNvPr id="36" name="Connecteur droit 35">
+            <a:extLst>
+              <a:ext uri="{FF2B5EF4-FFF2-40B4-BE49-F238E27FC236}">
+                <a16:creationId xmlns:a16="http://schemas.microsoft.com/office/drawing/2014/main" id="{5187AE8D-452C-557B-25B6-6A20C895FBA7}"/>
               </a:ext>
             </a:extLst>
           </p:cNvPr>
@@ -5710,8 +6172,8 @@
         </p:nvCxnSpPr>
         <p:spPr>
           <a:xfrm>
-            <a:off x="7041357" y="3507265"/>
-            <a:ext cx="0" cy="222533"/>
+            <a:off x="7438232" y="5407033"/>
+            <a:ext cx="0" cy="752475"/>
           </a:xfrm>
           <a:prstGeom prst="line">
             <a:avLst/>
@@ -5741,10 +6203,10 @@
       </p:cxnSp>
       <p:sp>
         <p:nvSpPr>
-          <p:cNvPr id="35" name="ZoneTexte 34">
-            <a:extLst>
-              <a:ext uri="{FF2B5EF4-FFF2-40B4-BE49-F238E27FC236}">
-                <a16:creationId xmlns:a16="http://schemas.microsoft.com/office/drawing/2014/main" id="{5F85A0DB-1794-B3DF-8B88-4B873CA1E84C}"/>
+          <p:cNvPr id="37" name="ZoneTexte 36">
+            <a:extLst>
+              <a:ext uri="{FF2B5EF4-FFF2-40B4-BE49-F238E27FC236}">
+                <a16:creationId xmlns:a16="http://schemas.microsoft.com/office/drawing/2014/main" id="{0E8CBCBE-CD71-9069-5110-9891CC6BCCF1}"/>
               </a:ext>
             </a:extLst>
           </p:cNvPr>
@@ -5753,7 +6215,7 @@
         </p:nvSpPr>
         <p:spPr>
           <a:xfrm>
-            <a:off x="7041357" y="3433865"/>
+            <a:off x="7438232" y="5598604"/>
             <a:ext cx="1794850" cy="369332"/>
           </a:xfrm>
           <a:prstGeom prst="rect">
@@ -5775,17 +6237,46 @@
                   </a:schemeClr>
                 </a:solidFill>
               </a:rPr>
-              <a:t>2 fichiers à la fois</a:t>
-            </a:r>
-          </a:p>
-        </p:txBody>
-      </p:sp>
+              <a:t>6 fichiers à la fois</a:t>
+            </a:r>
+          </a:p>
+        </p:txBody>
+      </p:sp>
+      <p:pic>
+        <p:nvPicPr>
+          <p:cNvPr id="3" name="Image 2">
+            <a:extLst>
+              <a:ext uri="{FF2B5EF4-FFF2-40B4-BE49-F238E27FC236}">
+                <a16:creationId xmlns:a16="http://schemas.microsoft.com/office/drawing/2014/main" id="{62D32E2A-0B53-8B07-41F5-65D431A704E4}"/>
+              </a:ext>
+            </a:extLst>
+          </p:cNvPr>
+          <p:cNvPicPr>
+            <a:picLocks noChangeAspect="1"/>
+          </p:cNvPicPr>
+          <p:nvPr/>
+        </p:nvPicPr>
+        <p:blipFill rotWithShape="1">
+          <a:blip r:embed="rId3"/>
+          <a:srcRect t="42648" r="5353"/>
+          <a:stretch/>
+        </p:blipFill>
+        <p:spPr>
+          <a:xfrm>
+            <a:off x="358368" y="2811891"/>
+            <a:ext cx="9517827" cy="1079700"/>
+          </a:xfrm>
+          <a:prstGeom prst="rect">
+            <a:avLst/>
+          </a:prstGeom>
+        </p:spPr>
+      </p:pic>
       <p:cxnSp>
         <p:nvCxnSpPr>
-          <p:cNvPr id="36" name="Connecteur droit 35">
-            <a:extLst>
-              <a:ext uri="{FF2B5EF4-FFF2-40B4-BE49-F238E27FC236}">
-                <a16:creationId xmlns:a16="http://schemas.microsoft.com/office/drawing/2014/main" id="{5187AE8D-452C-557B-25B6-6A20C895FBA7}"/>
+          <p:cNvPr id="7" name="Connecteur droit 6">
+            <a:extLst>
+              <a:ext uri="{FF2B5EF4-FFF2-40B4-BE49-F238E27FC236}">
+                <a16:creationId xmlns:a16="http://schemas.microsoft.com/office/drawing/2014/main" id="{9410EAD6-CCF7-D889-EA4C-EDF3C61A93C1}"/>
               </a:ext>
             </a:extLst>
           </p:cNvPr>
@@ -5796,8 +6287,8 @@
         </p:nvCxnSpPr>
         <p:spPr>
           <a:xfrm>
-            <a:off x="7041357" y="5488980"/>
-            <a:ext cx="0" cy="752475"/>
+            <a:off x="7591425" y="3506779"/>
+            <a:ext cx="0" cy="222533"/>
           </a:xfrm>
           <a:prstGeom prst="line">
             <a:avLst/>
@@ -5827,10 +6318,10 @@
       </p:cxnSp>
       <p:sp>
         <p:nvSpPr>
-          <p:cNvPr id="37" name="ZoneTexte 36">
-            <a:extLst>
-              <a:ext uri="{FF2B5EF4-FFF2-40B4-BE49-F238E27FC236}">
-                <a16:creationId xmlns:a16="http://schemas.microsoft.com/office/drawing/2014/main" id="{0E8CBCBE-CD71-9069-5110-9891CC6BCCF1}"/>
+          <p:cNvPr id="8" name="ZoneTexte 7">
+            <a:extLst>
+              <a:ext uri="{FF2B5EF4-FFF2-40B4-BE49-F238E27FC236}">
+                <a16:creationId xmlns:a16="http://schemas.microsoft.com/office/drawing/2014/main" id="{2E358E8B-1917-6827-028A-27D3C5BB6A43}"/>
               </a:ext>
             </a:extLst>
           </p:cNvPr>
@@ -5839,7 +6330,7 @@
         </p:nvSpPr>
         <p:spPr>
           <a:xfrm>
-            <a:off x="7041357" y="5680551"/>
+            <a:off x="7591425" y="3433379"/>
             <a:ext cx="1794850" cy="369332"/>
           </a:xfrm>
           <a:prstGeom prst="rect">
@@ -5861,11 +6352,80 @@
                   </a:schemeClr>
                 </a:solidFill>
               </a:rPr>
-              <a:t>6 fichiers à la fois</a:t>
-            </a:r>
-          </a:p>
-        </p:txBody>
-      </p:sp>
+              <a:t>2 fichiers à la fois</a:t>
+            </a:r>
+          </a:p>
+        </p:txBody>
+      </p:sp>
+      <p:pic>
+        <p:nvPicPr>
+          <p:cNvPr id="10" name="Image 9">
+            <a:extLst>
+              <a:ext uri="{FF2B5EF4-FFF2-40B4-BE49-F238E27FC236}">
+                <a16:creationId xmlns:a16="http://schemas.microsoft.com/office/drawing/2014/main" id="{F7AF649B-24F9-A660-2526-8E0EEE281B4C}"/>
+              </a:ext>
+            </a:extLst>
+          </p:cNvPr>
+          <p:cNvPicPr>
+            <a:picLocks noChangeAspect="1"/>
+          </p:cNvPicPr>
+          <p:nvPr/>
+        </p:nvPicPr>
+        <p:blipFill rotWithShape="1">
+          <a:blip r:embed="rId4"/>
+          <a:srcRect l="756"/>
+          <a:stretch/>
+        </p:blipFill>
+        <p:spPr>
+          <a:xfrm>
+            <a:off x="358368" y="4043009"/>
+            <a:ext cx="1125060" cy="200053"/>
+          </a:xfrm>
+          <a:prstGeom prst="rect">
+            <a:avLst/>
+          </a:prstGeom>
+          <a:ln w="19050">
+            <a:solidFill>
+              <a:srgbClr val="C55A11"/>
+            </a:solidFill>
+          </a:ln>
+        </p:spPr>
+      </p:pic>
+      <p:pic>
+        <p:nvPicPr>
+          <p:cNvPr id="14" name="Image 13">
+            <a:extLst>
+              <a:ext uri="{FF2B5EF4-FFF2-40B4-BE49-F238E27FC236}">
+                <a16:creationId xmlns:a16="http://schemas.microsoft.com/office/drawing/2014/main" id="{6FCD21E3-A56B-4187-9D0F-740548D05B93}"/>
+              </a:ext>
+            </a:extLst>
+          </p:cNvPr>
+          <p:cNvPicPr>
+            <a:picLocks noChangeAspect="1"/>
+          </p:cNvPicPr>
+          <p:nvPr/>
+        </p:nvPicPr>
+        <p:blipFill>
+          <a:blip r:embed="rId5"/>
+          <a:stretch>
+            <a:fillRect/>
+          </a:stretch>
+        </p:blipFill>
+        <p:spPr>
+          <a:xfrm>
+            <a:off x="358368" y="6563086"/>
+            <a:ext cx="1133633" cy="181000"/>
+          </a:xfrm>
+          <a:prstGeom prst="rect">
+            <a:avLst/>
+          </a:prstGeom>
+          <a:ln w="19050">
+            <a:solidFill>
+              <a:srgbClr val="C55A11"/>
+            </a:solidFill>
+          </a:ln>
+        </p:spPr>
+      </p:pic>
     </p:spTree>
     <p:extLst>
       <p:ext uri="{BB962C8B-B14F-4D97-AF65-F5344CB8AC3E}">

--- a/Tuto_decoup_TWAV.pptx
+++ b/Tuto_decoup_TWAV.pptx
@@ -12,6 +12,7 @@
     <p:sldId id="257" r:id="rId6"/>
     <p:sldId id="260" r:id="rId7"/>
     <p:sldId id="261" r:id="rId8"/>
+    <p:sldId id="264" r:id="rId9"/>
   </p:sldIdLst>
   <p:sldSz cx="12192000" cy="6858000"/>
   <p:notesSz cx="6858000" cy="9144000"/>
@@ -265,7 +266,7 @@
           <a:p>
             <a:fld id="{2A59F47B-E7C1-4F23-BE41-37F7E26DCCF7}" type="datetimeFigureOut">
               <a:rPr lang="fr-FR" smtClean="0"/>
-              <a:t>26/05/2023</a:t>
+              <a:t>09/06/2023</a:t>
             </a:fld>
             <a:endParaRPr lang="fr-FR"/>
           </a:p>
@@ -463,7 +464,7 @@
           <a:p>
             <a:fld id="{2A59F47B-E7C1-4F23-BE41-37F7E26DCCF7}" type="datetimeFigureOut">
               <a:rPr lang="fr-FR" smtClean="0"/>
-              <a:t>26/05/2023</a:t>
+              <a:t>09/06/2023</a:t>
             </a:fld>
             <a:endParaRPr lang="fr-FR"/>
           </a:p>
@@ -671,7 +672,7 @@
           <a:p>
             <a:fld id="{2A59F47B-E7C1-4F23-BE41-37F7E26DCCF7}" type="datetimeFigureOut">
               <a:rPr lang="fr-FR" smtClean="0"/>
-              <a:t>26/05/2023</a:t>
+              <a:t>09/06/2023</a:t>
             </a:fld>
             <a:endParaRPr lang="fr-FR"/>
           </a:p>
@@ -869,7 +870,7 @@
           <a:p>
             <a:fld id="{2A59F47B-E7C1-4F23-BE41-37F7E26DCCF7}" type="datetimeFigureOut">
               <a:rPr lang="fr-FR" smtClean="0"/>
-              <a:t>26/05/2023</a:t>
+              <a:t>09/06/2023</a:t>
             </a:fld>
             <a:endParaRPr lang="fr-FR"/>
           </a:p>
@@ -1144,7 +1145,7 @@
           <a:p>
             <a:fld id="{2A59F47B-E7C1-4F23-BE41-37F7E26DCCF7}" type="datetimeFigureOut">
               <a:rPr lang="fr-FR" smtClean="0"/>
-              <a:t>26/05/2023</a:t>
+              <a:t>09/06/2023</a:t>
             </a:fld>
             <a:endParaRPr lang="fr-FR"/>
           </a:p>
@@ -1409,7 +1410,7 @@
           <a:p>
             <a:fld id="{2A59F47B-E7C1-4F23-BE41-37F7E26DCCF7}" type="datetimeFigureOut">
               <a:rPr lang="fr-FR" smtClean="0"/>
-              <a:t>26/05/2023</a:t>
+              <a:t>09/06/2023</a:t>
             </a:fld>
             <a:endParaRPr lang="fr-FR"/>
           </a:p>
@@ -1821,7 +1822,7 @@
           <a:p>
             <a:fld id="{2A59F47B-E7C1-4F23-BE41-37F7E26DCCF7}" type="datetimeFigureOut">
               <a:rPr lang="fr-FR" smtClean="0"/>
-              <a:t>26/05/2023</a:t>
+              <a:t>09/06/2023</a:t>
             </a:fld>
             <a:endParaRPr lang="fr-FR"/>
           </a:p>
@@ -1962,7 +1963,7 @@
           <a:p>
             <a:fld id="{2A59F47B-E7C1-4F23-BE41-37F7E26DCCF7}" type="datetimeFigureOut">
               <a:rPr lang="fr-FR" smtClean="0"/>
-              <a:t>26/05/2023</a:t>
+              <a:t>09/06/2023</a:t>
             </a:fld>
             <a:endParaRPr lang="fr-FR"/>
           </a:p>
@@ -2075,7 +2076,7 @@
           <a:p>
             <a:fld id="{2A59F47B-E7C1-4F23-BE41-37F7E26DCCF7}" type="datetimeFigureOut">
               <a:rPr lang="fr-FR" smtClean="0"/>
-              <a:t>26/05/2023</a:t>
+              <a:t>09/06/2023</a:t>
             </a:fld>
             <a:endParaRPr lang="fr-FR"/>
           </a:p>
@@ -2386,7 +2387,7 @@
           <a:p>
             <a:fld id="{2A59F47B-E7C1-4F23-BE41-37F7E26DCCF7}" type="datetimeFigureOut">
               <a:rPr lang="fr-FR" smtClean="0"/>
-              <a:t>26/05/2023</a:t>
+              <a:t>09/06/2023</a:t>
             </a:fld>
             <a:endParaRPr lang="fr-FR"/>
           </a:p>
@@ -2674,7 +2675,7 @@
           <a:p>
             <a:fld id="{2A59F47B-E7C1-4F23-BE41-37F7E26DCCF7}" type="datetimeFigureOut">
               <a:rPr lang="fr-FR" smtClean="0"/>
-              <a:t>26/05/2023</a:t>
+              <a:t>09/06/2023</a:t>
             </a:fld>
             <a:endParaRPr lang="fr-FR"/>
           </a:p>
@@ -2915,7 +2916,7 @@
           <a:p>
             <a:fld id="{2A59F47B-E7C1-4F23-BE41-37F7E26DCCF7}" type="datetimeFigureOut">
               <a:rPr lang="fr-FR" smtClean="0"/>
-              <a:t>26/05/2023</a:t>
+              <a:t>09/06/2023</a:t>
             </a:fld>
             <a:endParaRPr lang="fr-FR"/>
           </a:p>
@@ -3443,8 +3444,8 @@
         </p:nvSpPr>
         <p:spPr>
           <a:xfrm>
-            <a:off x="797979" y="2860962"/>
-            <a:ext cx="10111038" cy="1569660"/>
+            <a:off x="797979" y="2530728"/>
+            <a:ext cx="11128431" cy="1846659"/>
           </a:xfrm>
           <a:prstGeom prst="rect">
             <a:avLst/>
@@ -3472,7 +3473,15 @@
             </a:br>
             <a:r>
               <a:rPr lang="fr-FR" dirty="0"/>
-              <a:t>Ce script permet de découper les T.Wav en .Wav quelle que soit l’arborescence de vos dossiers.</a:t>
+              <a:t>Ce script permet de découper les T.Wav en .</a:t>
+            </a:r>
+            <a:r>
+              <a:rPr lang="fr-FR" dirty="0" err="1"/>
+              <a:t>Wav</a:t>
+            </a:r>
+            <a:r>
+              <a:rPr lang="fr-FR" dirty="0"/>
+              <a:t> quelle que soit l’arborescence de vos dossiers.</a:t>
             </a:r>
           </a:p>
           <a:p>
@@ -3484,7 +3493,22 @@
           <a:p>
             <a:r>
               <a:rPr lang="fr-FR" dirty="0"/>
-              <a:t>Le script copie l’arborescence des dossiers contenant des fichiers T.Wav et les remplace par des .Wav</a:t>
+              <a:t>Le script copie l’arborescence des dossiers contenant des fichiers T.Wav et les remplace par des .</a:t>
+            </a:r>
+            <a:r>
+              <a:rPr lang="fr-FR" dirty="0" err="1"/>
+              <a:t>Wav</a:t>
+            </a:r>
+            <a:endParaRPr lang="fr-FR" dirty="0"/>
+          </a:p>
+          <a:p>
+            <a:r>
+              <a:rPr lang="fr-FR" b="1" dirty="0"/>
+              <a:t>Le découpage des T.Wav se fait selon la norme Vigie-Chiro </a:t>
+            </a:r>
+            <a:r>
+              <a:rPr lang="fr-FR" dirty="0"/>
+              <a:t>; les paramètres sont cependant modifiables dans le script</a:t>
             </a:r>
           </a:p>
         </p:txBody>
@@ -3553,6 +3577,51 @@
             <a:r>
               <a:rPr lang="fr-FR" dirty="0"/>
               <a:t> </a:t>
+            </a:r>
+          </a:p>
+        </p:txBody>
+      </p:sp>
+      <p:sp>
+        <p:nvSpPr>
+          <p:cNvPr id="2" name="ZoneTexte 1">
+            <a:extLst>
+              <a:ext uri="{FF2B5EF4-FFF2-40B4-BE49-F238E27FC236}">
+                <a16:creationId xmlns:a16="http://schemas.microsoft.com/office/drawing/2014/main" id="{650AB4D4-AF96-0E92-0734-81BCCF0DB0D6}"/>
+              </a:ext>
+            </a:extLst>
+          </p:cNvPr>
+          <p:cNvSpPr txBox="1"/>
+          <p:nvPr/>
+        </p:nvSpPr>
+        <p:spPr>
+          <a:xfrm>
+            <a:off x="10686968" y="4279745"/>
+            <a:ext cx="1239442" cy="246221"/>
+          </a:xfrm>
+          <a:prstGeom prst="rect">
+            <a:avLst/>
+          </a:prstGeom>
+          <a:noFill/>
+        </p:spPr>
+        <p:txBody>
+          <a:bodyPr wrap="square" rtlCol="0">
+            <a:spAutoFit/>
+          </a:bodyPr>
+          <a:lstStyle/>
+          <a:p>
+            <a:r>
+              <a:rPr lang="fr-FR" sz="1000" dirty="0"/>
+              <a:t>- </a:t>
+            </a:r>
+            <a:r>
+              <a:rPr lang="fr-FR" sz="1000" dirty="0">
+                <a:hlinkClick r:id="rId5" action="ppaction://hlinksldjump"/>
+              </a:rPr>
+              <a:t>cf. dernière diapo</a:t>
+            </a:r>
+            <a:r>
+              <a:rPr lang="fr-FR" sz="1000" dirty="0"/>
+              <a:t> -</a:t>
             </a:r>
           </a:p>
         </p:txBody>
@@ -4552,11 +4621,11 @@
             </a:r>
             <a:r>
               <a:rPr lang="fr-FR" dirty="0" err="1"/>
-              <a:t>TWAV_splitter_main</a:t>
+              <a:t>TWAV_splitter</a:t>
             </a:r>
             <a:r>
               <a:rPr lang="fr-FR" dirty="0"/>
-              <a:t> »</a:t>
+              <a:t>-main »</a:t>
             </a:r>
           </a:p>
         </p:txBody>
@@ -6430,6 +6499,845 @@
     <p:extLst>
       <p:ext uri="{BB962C8B-B14F-4D97-AF65-F5344CB8AC3E}">
         <p14:creationId xmlns:p14="http://schemas.microsoft.com/office/powerpoint/2010/main" val="4004182174"/>
+      </p:ext>
+    </p:extLst>
+  </p:cSld>
+  <p:clrMapOvr>
+    <a:masterClrMapping/>
+  </p:clrMapOvr>
+</p:sld>
+</file>
+
+<file path=ppt/slides/slide8.xml><?xml version="1.0" encoding="utf-8"?>
+<p:sld xmlns:a="http://schemas.openxmlformats.org/drawingml/2006/main" xmlns:r="http://schemas.openxmlformats.org/officeDocument/2006/relationships" xmlns:p="http://schemas.openxmlformats.org/presentationml/2006/main">
+  <p:cSld>
+    <p:spTree>
+      <p:nvGrpSpPr>
+        <p:cNvPr id="1" name=""/>
+        <p:cNvGrpSpPr/>
+        <p:nvPr/>
+      </p:nvGrpSpPr>
+      <p:grpSpPr>
+        <a:xfrm>
+          <a:off x="0" y="0"/>
+          <a:ext cx="0" cy="0"/>
+          <a:chOff x="0" y="0"/>
+          <a:chExt cx="0" cy="0"/>
+        </a:xfrm>
+      </p:grpSpPr>
+      <p:sp>
+        <p:nvSpPr>
+          <p:cNvPr id="48" name="ZoneTexte 47">
+            <a:extLst>
+              <a:ext uri="{FF2B5EF4-FFF2-40B4-BE49-F238E27FC236}">
+                <a16:creationId xmlns:a16="http://schemas.microsoft.com/office/drawing/2014/main" id="{1271ACF4-9CF5-59BC-FE29-C43464A37A2F}"/>
+              </a:ext>
+            </a:extLst>
+          </p:cNvPr>
+          <p:cNvSpPr txBox="1"/>
+          <p:nvPr/>
+        </p:nvSpPr>
+        <p:spPr>
+          <a:xfrm>
+            <a:off x="6618286" y="1706106"/>
+            <a:ext cx="4930721" cy="4955203"/>
+          </a:xfrm>
+          <a:prstGeom prst="rect">
+            <a:avLst/>
+          </a:prstGeom>
+          <a:noFill/>
+        </p:spPr>
+        <p:txBody>
+          <a:bodyPr wrap="square" rtlCol="0">
+            <a:spAutoFit/>
+          </a:bodyPr>
+          <a:lstStyle/>
+          <a:p>
+            <a:pPr algn="just"/>
+            <a:r>
+              <a:rPr lang="fr-FR" dirty="0"/>
+              <a:t>Si vous avez besoin d’utiliser d’autres paramètres, il faudra alors modifier le script :</a:t>
+            </a:r>
+          </a:p>
+          <a:p>
+            <a:pPr algn="just"/>
+            <a:endParaRPr lang="fr-FR" dirty="0"/>
+          </a:p>
+          <a:p>
+            <a:pPr marL="285750" indent="-285750" algn="just">
+              <a:buFont typeface="Arial" panose="020B0604020202020204" pitchFamily="34" charset="0"/>
+              <a:buChar char="•"/>
+            </a:pPr>
+            <a:r>
+              <a:rPr lang="fr-FR" dirty="0"/>
+              <a:t>Appliquer les prérequis et l’étape 1 (</a:t>
+            </a:r>
+            <a:r>
+              <a:rPr lang="fr-FR" dirty="0">
+                <a:hlinkClick r:id="rId2" action="ppaction://hlinksldjump"/>
+              </a:rPr>
+              <a:t>diapos 2-3</a:t>
+            </a:r>
+            <a:r>
+              <a:rPr lang="fr-FR" dirty="0"/>
+              <a:t>)</a:t>
+            </a:r>
+          </a:p>
+          <a:p>
+            <a:pPr marL="285750" indent="-285750" algn="just">
+              <a:buFont typeface="Arial" panose="020B0604020202020204" pitchFamily="34" charset="0"/>
+              <a:buChar char="•"/>
+            </a:pPr>
+            <a:r>
+              <a:rPr lang="fr-FR" dirty="0"/>
+              <a:t>Ouvrez le dossier « </a:t>
+            </a:r>
+            <a:r>
+              <a:rPr lang="fr-FR" dirty="0" err="1"/>
+              <a:t>TWAV_splitter</a:t>
+            </a:r>
+            <a:r>
+              <a:rPr lang="fr-FR" dirty="0"/>
+              <a:t>-main »</a:t>
+            </a:r>
+          </a:p>
+          <a:p>
+            <a:pPr marL="285750" indent="-285750" algn="just">
+              <a:buFont typeface="Arial" panose="020B0604020202020204" pitchFamily="34" charset="0"/>
+              <a:buChar char="•"/>
+            </a:pPr>
+            <a:r>
+              <a:rPr lang="fr-FR" dirty="0"/>
+              <a:t>Ouvrez le dossier « AudioMoth-</a:t>
+            </a:r>
+            <a:r>
+              <a:rPr lang="fr-FR" dirty="0" err="1"/>
+              <a:t>Utils</a:t>
+            </a:r>
+            <a:r>
+              <a:rPr lang="fr-FR" dirty="0"/>
+              <a:t>-master »</a:t>
+            </a:r>
+          </a:p>
+          <a:p>
+            <a:pPr marL="285750" indent="-285750" algn="just">
+              <a:buFont typeface="Arial" panose="020B0604020202020204" pitchFamily="34" charset="0"/>
+              <a:buChar char="•"/>
+            </a:pPr>
+            <a:r>
+              <a:rPr lang="fr-FR" dirty="0"/>
+              <a:t>Ouvrez le fichier JavaScript « _Expand.js » avec NotePade++, un équivalent ou le Bloc Notes</a:t>
+            </a:r>
+          </a:p>
+          <a:p>
+            <a:pPr marL="285750" indent="-285750" algn="just">
+              <a:buFont typeface="Arial" panose="020B0604020202020204" pitchFamily="34" charset="0"/>
+              <a:buChar char="•"/>
+            </a:pPr>
+            <a:endParaRPr lang="fr-FR" dirty="0"/>
+          </a:p>
+          <a:p>
+            <a:pPr marL="285750" indent="-285750" algn="just">
+              <a:buFont typeface="Arial" panose="020B0604020202020204" pitchFamily="34" charset="0"/>
+              <a:buChar char="•"/>
+            </a:pPr>
+            <a:r>
+              <a:rPr lang="fr-FR" dirty="0"/>
+              <a:t>Vers la fin du script (ligne 46) vous trouverez les variables à modifier : </a:t>
+            </a:r>
+            <a:r>
+              <a:rPr lang="fr-FR" sz="1000" dirty="0">
+                <a:solidFill>
+                  <a:schemeClr val="bg1">
+                    <a:lumMod val="65000"/>
+                  </a:schemeClr>
+                </a:solidFill>
+              </a:rPr>
+              <a:t>à noter que generateSilentFiles ne peut être utiliser qu’avec ‘DURATION’ et aligToSecondTransitions qu’avec ‘EVENT’</a:t>
+            </a:r>
+          </a:p>
+          <a:p>
+            <a:pPr marL="285750" indent="-285750" algn="just">
+              <a:buFont typeface="Arial" panose="020B0604020202020204" pitchFamily="34" charset="0"/>
+              <a:buChar char="•"/>
+            </a:pPr>
+            <a:endParaRPr lang="fr-FR" dirty="0"/>
+          </a:p>
+          <a:p>
+            <a:pPr marL="285750" indent="-285750" algn="just">
+              <a:buFont typeface="Arial" panose="020B0604020202020204" pitchFamily="34" charset="0"/>
+              <a:buChar char="•"/>
+            </a:pPr>
+            <a:endParaRPr lang="fr-FR" dirty="0"/>
+          </a:p>
+          <a:p>
+            <a:pPr marL="285750" indent="-285750" algn="just">
+              <a:buFont typeface="Arial" panose="020B0604020202020204" pitchFamily="34" charset="0"/>
+              <a:buChar char="•"/>
+            </a:pPr>
+            <a:endParaRPr lang="fr-FR" dirty="0"/>
+          </a:p>
+          <a:p>
+            <a:pPr marL="285750" indent="-285750" algn="just">
+              <a:buFont typeface="Arial" panose="020B0604020202020204" pitchFamily="34" charset="0"/>
+              <a:buChar char="•"/>
+            </a:pPr>
+            <a:endParaRPr lang="fr-FR" dirty="0"/>
+          </a:p>
+          <a:p>
+            <a:pPr marL="285750" indent="-285750" algn="just">
+              <a:buFont typeface="Arial" panose="020B0604020202020204" pitchFamily="34" charset="0"/>
+              <a:buChar char="•"/>
+            </a:pPr>
+            <a:r>
+              <a:rPr lang="fr-FR" dirty="0"/>
+              <a:t>Sauvegarder au format JavaScript (.</a:t>
+            </a:r>
+            <a:r>
+              <a:rPr lang="fr-FR" dirty="0" err="1"/>
+              <a:t>js</a:t>
+            </a:r>
+            <a:r>
+              <a:rPr lang="fr-FR" dirty="0"/>
+              <a:t>)</a:t>
+            </a:r>
+          </a:p>
+          <a:p>
+            <a:pPr marL="285750" indent="-285750" algn="just">
+              <a:buFont typeface="Arial" panose="020B0604020202020204" pitchFamily="34" charset="0"/>
+              <a:buChar char="•"/>
+            </a:pPr>
+            <a:r>
+              <a:rPr lang="fr-FR" dirty="0"/>
+              <a:t>Reprenez à partir de l’étape 2 (</a:t>
+            </a:r>
+            <a:r>
+              <a:rPr lang="fr-FR" dirty="0">
+                <a:hlinkClick r:id="rId3" action="ppaction://hlinksldjump"/>
+              </a:rPr>
+              <a:t>diapo 4</a:t>
+            </a:r>
+            <a:r>
+              <a:rPr lang="fr-FR" dirty="0"/>
+              <a:t>)</a:t>
+            </a:r>
+          </a:p>
+        </p:txBody>
+      </p:sp>
+      <p:sp>
+        <p:nvSpPr>
+          <p:cNvPr id="4" name="ZoneTexte 3">
+            <a:extLst>
+              <a:ext uri="{FF2B5EF4-FFF2-40B4-BE49-F238E27FC236}">
+                <a16:creationId xmlns:a16="http://schemas.microsoft.com/office/drawing/2014/main" id="{FFC0B41D-2DB7-BE19-9438-27951A996382}"/>
+              </a:ext>
+            </a:extLst>
+          </p:cNvPr>
+          <p:cNvSpPr txBox="1"/>
+          <p:nvPr/>
+        </p:nvSpPr>
+        <p:spPr>
+          <a:xfrm>
+            <a:off x="504203" y="688885"/>
+            <a:ext cx="6150595" cy="461665"/>
+          </a:xfrm>
+          <a:prstGeom prst="rect">
+            <a:avLst/>
+          </a:prstGeom>
+          <a:noFill/>
+        </p:spPr>
+        <p:txBody>
+          <a:bodyPr wrap="none" rtlCol="0">
+            <a:spAutoFit/>
+          </a:bodyPr>
+          <a:lstStyle/>
+          <a:p>
+            <a:r>
+              <a:rPr lang="fr-FR" sz="2400" b="1" dirty="0"/>
+              <a:t>Modifier les paramètres de découpe des </a:t>
+            </a:r>
+            <a:r>
+              <a:rPr lang="fr-FR" sz="2400" b="1" dirty="0" err="1"/>
+              <a:t>T.Wav</a:t>
+            </a:r>
+            <a:endParaRPr lang="fr-FR" sz="2400" dirty="0"/>
+          </a:p>
+        </p:txBody>
+      </p:sp>
+      <p:sp>
+        <p:nvSpPr>
+          <p:cNvPr id="6" name="ZoneTexte 5">
+            <a:extLst>
+              <a:ext uri="{FF2B5EF4-FFF2-40B4-BE49-F238E27FC236}">
+                <a16:creationId xmlns:a16="http://schemas.microsoft.com/office/drawing/2014/main" id="{079C51D9-AE43-745A-A800-837076E435BF}"/>
+              </a:ext>
+            </a:extLst>
+          </p:cNvPr>
+          <p:cNvSpPr txBox="1"/>
+          <p:nvPr/>
+        </p:nvSpPr>
+        <p:spPr>
+          <a:xfrm>
+            <a:off x="504203" y="1150550"/>
+            <a:ext cx="7532127" cy="369332"/>
+          </a:xfrm>
+          <a:prstGeom prst="rect">
+            <a:avLst/>
+          </a:prstGeom>
+          <a:noFill/>
+        </p:spPr>
+        <p:txBody>
+          <a:bodyPr wrap="none" rtlCol="0">
+            <a:spAutoFit/>
+          </a:bodyPr>
+          <a:lstStyle/>
+          <a:p>
+            <a:r>
+              <a:rPr lang="fr-FR" dirty="0">
+                <a:solidFill>
+                  <a:srgbClr val="FF0000"/>
+                </a:solidFill>
+              </a:rPr>
+              <a:t>Attention, à ne </a:t>
+            </a:r>
+            <a:r>
+              <a:rPr lang="fr-FR" b="1" dirty="0">
+                <a:solidFill>
+                  <a:srgbClr val="FF0000"/>
+                </a:solidFill>
+              </a:rPr>
+              <a:t>PAS</a:t>
+            </a:r>
+            <a:r>
+              <a:rPr lang="fr-FR" dirty="0">
+                <a:solidFill>
+                  <a:srgbClr val="FF0000"/>
+                </a:solidFill>
+              </a:rPr>
+              <a:t> faire si vous souhaiter déposer vos données sur Vigie-</a:t>
+            </a:r>
+            <a:r>
+              <a:rPr lang="fr-FR" dirty="0" err="1">
+                <a:solidFill>
+                  <a:srgbClr val="FF0000"/>
+                </a:solidFill>
+              </a:rPr>
+              <a:t>Chrio</a:t>
+            </a:r>
+            <a:endParaRPr lang="fr-FR" dirty="0">
+              <a:solidFill>
+                <a:srgbClr val="FF0000"/>
+              </a:solidFill>
+            </a:endParaRPr>
+          </a:p>
+        </p:txBody>
+      </p:sp>
+      <p:grpSp>
+        <p:nvGrpSpPr>
+          <p:cNvPr id="11" name="Groupe 10">
+            <a:extLst>
+              <a:ext uri="{FF2B5EF4-FFF2-40B4-BE49-F238E27FC236}">
+                <a16:creationId xmlns:a16="http://schemas.microsoft.com/office/drawing/2014/main" id="{0CF602F4-6025-11A9-9CDA-4A7BBC22333B}"/>
+              </a:ext>
+            </a:extLst>
+          </p:cNvPr>
+          <p:cNvGrpSpPr/>
+          <p:nvPr/>
+        </p:nvGrpSpPr>
+        <p:grpSpPr>
+          <a:xfrm>
+            <a:off x="1289504" y="1706106"/>
+            <a:ext cx="3429622" cy="3934336"/>
+            <a:chOff x="5876925" y="507205"/>
+            <a:chExt cx="5113626" cy="5866163"/>
+          </a:xfrm>
+        </p:grpSpPr>
+        <p:pic>
+          <p:nvPicPr>
+            <p:cNvPr id="12" name="Image 11">
+              <a:extLst>
+                <a:ext uri="{FF2B5EF4-FFF2-40B4-BE49-F238E27FC236}">
+                  <a16:creationId xmlns:a16="http://schemas.microsoft.com/office/drawing/2014/main" id="{B1861ECE-05E1-67B7-AF05-99A02456E9AA}"/>
+                </a:ext>
+              </a:extLst>
+            </p:cNvPr>
+            <p:cNvPicPr>
+              <a:picLocks noChangeAspect="1"/>
+            </p:cNvPicPr>
+            <p:nvPr/>
+          </p:nvPicPr>
+          <p:blipFill>
+            <a:blip r:embed="rId4"/>
+            <a:stretch>
+              <a:fillRect/>
+            </a:stretch>
+          </p:blipFill>
+          <p:spPr>
+            <a:xfrm>
+              <a:off x="5876925" y="507205"/>
+              <a:ext cx="5113626" cy="5866163"/>
+            </a:xfrm>
+            <a:prstGeom prst="rect">
+              <a:avLst/>
+            </a:prstGeom>
+            <a:ln>
+              <a:solidFill>
+                <a:srgbClr val="404040"/>
+              </a:solidFill>
+            </a:ln>
+          </p:spPr>
+        </p:pic>
+        <p:sp>
+          <p:nvSpPr>
+            <p:cNvPr id="13" name="Ellipse 12">
+              <a:extLst>
+                <a:ext uri="{FF2B5EF4-FFF2-40B4-BE49-F238E27FC236}">
+                  <a16:creationId xmlns:a16="http://schemas.microsoft.com/office/drawing/2014/main" id="{ADB64434-093A-3E87-1D83-F773F38A8F84}"/>
+                </a:ext>
+              </a:extLst>
+            </p:cNvPr>
+            <p:cNvSpPr/>
+            <p:nvPr/>
+          </p:nvSpPr>
+          <p:spPr>
+            <a:xfrm>
+              <a:off x="9207374" y="905346"/>
+              <a:ext cx="977775" cy="298765"/>
+            </a:xfrm>
+            <a:prstGeom prst="ellipse">
+              <a:avLst/>
+            </a:prstGeom>
+            <a:noFill/>
+            <a:ln w="38100">
+              <a:solidFill>
+                <a:srgbClr val="FF0000"/>
+              </a:solidFill>
+            </a:ln>
+          </p:spPr>
+          <p:style>
+            <a:lnRef idx="2">
+              <a:schemeClr val="accent1">
+                <a:shade val="50000"/>
+              </a:schemeClr>
+            </a:lnRef>
+            <a:fillRef idx="1">
+              <a:schemeClr val="accent1"/>
+            </a:fillRef>
+            <a:effectRef idx="0">
+              <a:schemeClr val="accent1"/>
+            </a:effectRef>
+            <a:fontRef idx="minor">
+              <a:schemeClr val="lt1"/>
+            </a:fontRef>
+          </p:style>
+          <p:txBody>
+            <a:bodyPr rtlCol="0" anchor="ctr"/>
+            <a:lstStyle/>
+            <a:p>
+              <a:pPr algn="ctr"/>
+              <a:endParaRPr lang="fr-FR"/>
+            </a:p>
+          </p:txBody>
+        </p:sp>
+        <p:sp>
+          <p:nvSpPr>
+            <p:cNvPr id="14" name="Ellipse 13">
+              <a:extLst>
+                <a:ext uri="{FF2B5EF4-FFF2-40B4-BE49-F238E27FC236}">
+                  <a16:creationId xmlns:a16="http://schemas.microsoft.com/office/drawing/2014/main" id="{95402DD9-83F6-0F2A-3092-BFA4CED75FB3}"/>
+                </a:ext>
+              </a:extLst>
+            </p:cNvPr>
+            <p:cNvSpPr/>
+            <p:nvPr/>
+          </p:nvSpPr>
+          <p:spPr>
+            <a:xfrm>
+              <a:off x="7849355" y="1584356"/>
+              <a:ext cx="371192" cy="588475"/>
+            </a:xfrm>
+            <a:prstGeom prst="ellipse">
+              <a:avLst/>
+            </a:prstGeom>
+            <a:noFill/>
+            <a:ln w="38100">
+              <a:solidFill>
+                <a:srgbClr val="FF0000"/>
+              </a:solidFill>
+            </a:ln>
+          </p:spPr>
+          <p:style>
+            <a:lnRef idx="2">
+              <a:schemeClr val="accent1">
+                <a:shade val="50000"/>
+              </a:schemeClr>
+            </a:lnRef>
+            <a:fillRef idx="1">
+              <a:schemeClr val="accent1"/>
+            </a:fillRef>
+            <a:effectRef idx="0">
+              <a:schemeClr val="accent1"/>
+            </a:effectRef>
+            <a:fontRef idx="minor">
+              <a:schemeClr val="lt1"/>
+            </a:fontRef>
+          </p:style>
+          <p:txBody>
+            <a:bodyPr rtlCol="0" anchor="ctr"/>
+            <a:lstStyle/>
+            <a:p>
+              <a:pPr algn="ctr"/>
+              <a:endParaRPr lang="fr-FR"/>
+            </a:p>
+          </p:txBody>
+        </p:sp>
+        <p:sp>
+          <p:nvSpPr>
+            <p:cNvPr id="15" name="Ellipse 14">
+              <a:extLst>
+                <a:ext uri="{FF2B5EF4-FFF2-40B4-BE49-F238E27FC236}">
+                  <a16:creationId xmlns:a16="http://schemas.microsoft.com/office/drawing/2014/main" id="{E1992D3D-FD11-0BC5-7737-BF2905A24B52}"/>
+                </a:ext>
+              </a:extLst>
+            </p:cNvPr>
+            <p:cNvSpPr/>
+            <p:nvPr/>
+          </p:nvSpPr>
+          <p:spPr>
+            <a:xfrm>
+              <a:off x="10500795" y="1348964"/>
+              <a:ext cx="271604" cy="271604"/>
+            </a:xfrm>
+            <a:prstGeom prst="ellipse">
+              <a:avLst/>
+            </a:prstGeom>
+            <a:noFill/>
+            <a:ln w="38100">
+              <a:solidFill>
+                <a:srgbClr val="FF0000"/>
+              </a:solidFill>
+            </a:ln>
+          </p:spPr>
+          <p:style>
+            <a:lnRef idx="2">
+              <a:schemeClr val="accent1">
+                <a:shade val="50000"/>
+              </a:schemeClr>
+            </a:lnRef>
+            <a:fillRef idx="1">
+              <a:schemeClr val="accent1"/>
+            </a:fillRef>
+            <a:effectRef idx="0">
+              <a:schemeClr val="accent1"/>
+            </a:effectRef>
+            <a:fontRef idx="minor">
+              <a:schemeClr val="lt1"/>
+            </a:fontRef>
+          </p:style>
+          <p:txBody>
+            <a:bodyPr rtlCol="0" anchor="ctr"/>
+            <a:lstStyle/>
+            <a:p>
+              <a:pPr algn="ctr"/>
+              <a:endParaRPr lang="fr-FR"/>
+            </a:p>
+          </p:txBody>
+        </p:sp>
+      </p:grpSp>
+      <p:sp>
+        <p:nvSpPr>
+          <p:cNvPr id="16" name="ZoneTexte 15">
+            <a:extLst>
+              <a:ext uri="{FF2B5EF4-FFF2-40B4-BE49-F238E27FC236}">
+                <a16:creationId xmlns:a16="http://schemas.microsoft.com/office/drawing/2014/main" id="{E1E5016F-33AD-73A3-696F-0EAFA992AD06}"/>
+              </a:ext>
+            </a:extLst>
+          </p:cNvPr>
+          <p:cNvSpPr txBox="1"/>
+          <p:nvPr/>
+        </p:nvSpPr>
+        <p:spPr>
+          <a:xfrm>
+            <a:off x="1142378" y="5743330"/>
+            <a:ext cx="3723873" cy="923330"/>
+          </a:xfrm>
+          <a:prstGeom prst="rect">
+            <a:avLst/>
+          </a:prstGeom>
+          <a:noFill/>
+        </p:spPr>
+        <p:txBody>
+          <a:bodyPr wrap="square" rtlCol="0">
+            <a:spAutoFit/>
+          </a:bodyPr>
+          <a:lstStyle/>
+          <a:p>
+            <a:pPr algn="ctr"/>
+            <a:r>
+              <a:rPr lang="fr-FR" dirty="0"/>
+              <a:t>Voici les paramètres de l’application utilisés par défaut par le script.</a:t>
+            </a:r>
+          </a:p>
+          <a:p>
+            <a:pPr algn="ctr"/>
+            <a:r>
+              <a:rPr lang="fr-FR" dirty="0"/>
+              <a:t>Ce sont ceux indiqués par Vigie-Chiro.</a:t>
+            </a:r>
+          </a:p>
+        </p:txBody>
+      </p:sp>
+      <p:cxnSp>
+        <p:nvCxnSpPr>
+          <p:cNvPr id="20" name="Connecteur droit 19">
+            <a:extLst>
+              <a:ext uri="{FF2B5EF4-FFF2-40B4-BE49-F238E27FC236}">
+                <a16:creationId xmlns:a16="http://schemas.microsoft.com/office/drawing/2014/main" id="{DE040753-A4EF-6BCC-D664-F89AE78280C4}"/>
+              </a:ext>
+            </a:extLst>
+          </p:cNvPr>
+          <p:cNvCxnSpPr>
+            <a:cxnSpLocks/>
+          </p:cNvCxnSpPr>
+          <p:nvPr/>
+        </p:nvCxnSpPr>
+        <p:spPr>
+          <a:xfrm>
+            <a:off x="6096000" y="1973132"/>
+            <a:ext cx="0" cy="4341943"/>
+          </a:xfrm>
+          <a:prstGeom prst="line">
+            <a:avLst/>
+          </a:prstGeom>
+          <a:ln w="38100">
+            <a:solidFill>
+              <a:schemeClr val="tx1"/>
+            </a:solidFill>
+          </a:ln>
+        </p:spPr>
+        <p:style>
+          <a:lnRef idx="1">
+            <a:schemeClr val="accent1"/>
+          </a:lnRef>
+          <a:fillRef idx="0">
+            <a:schemeClr val="accent1"/>
+          </a:fillRef>
+          <a:effectRef idx="0">
+            <a:schemeClr val="accent1"/>
+          </a:effectRef>
+          <a:fontRef idx="minor">
+            <a:schemeClr val="tx1"/>
+          </a:fontRef>
+        </p:style>
+      </p:cxnSp>
+      <p:pic>
+        <p:nvPicPr>
+          <p:cNvPr id="31" name="Image 30">
+            <a:extLst>
+              <a:ext uri="{FF2B5EF4-FFF2-40B4-BE49-F238E27FC236}">
+                <a16:creationId xmlns:a16="http://schemas.microsoft.com/office/drawing/2014/main" id="{A210DDDE-B629-F222-B628-21A58EE370FB}"/>
+              </a:ext>
+            </a:extLst>
+          </p:cNvPr>
+          <p:cNvPicPr>
+            <a:picLocks noChangeAspect="1"/>
+          </p:cNvPicPr>
+          <p:nvPr/>
+        </p:nvPicPr>
+        <p:blipFill rotWithShape="1">
+          <a:blip r:embed="rId5"/>
+          <a:srcRect t="3186" b="-1"/>
+          <a:stretch/>
+        </p:blipFill>
+        <p:spPr>
+          <a:xfrm>
+            <a:off x="6338730" y="5115953"/>
+            <a:ext cx="5489835" cy="656819"/>
+          </a:xfrm>
+          <a:prstGeom prst="rect">
+            <a:avLst/>
+          </a:prstGeom>
+          <a:ln>
+            <a:solidFill>
+              <a:schemeClr val="tx1"/>
+            </a:solidFill>
+          </a:ln>
+        </p:spPr>
+      </p:pic>
+      <p:cxnSp>
+        <p:nvCxnSpPr>
+          <p:cNvPr id="33" name="Connecteur droit avec flèche 32">
+            <a:extLst>
+              <a:ext uri="{FF2B5EF4-FFF2-40B4-BE49-F238E27FC236}">
+                <a16:creationId xmlns:a16="http://schemas.microsoft.com/office/drawing/2014/main" id="{4C275149-938F-BE01-FDFD-03966F6EF5D4}"/>
+              </a:ext>
+            </a:extLst>
+          </p:cNvPr>
+          <p:cNvCxnSpPr>
+            <a:cxnSpLocks/>
+          </p:cNvCxnSpPr>
+          <p:nvPr/>
+        </p:nvCxnSpPr>
+        <p:spPr>
+          <a:xfrm>
+            <a:off x="4572815" y="4341019"/>
+            <a:ext cx="2242323" cy="866761"/>
+          </a:xfrm>
+          <a:prstGeom prst="straightConnector1">
+            <a:avLst/>
+          </a:prstGeom>
+          <a:ln>
+            <a:tailEnd type="triangle"/>
+          </a:ln>
+        </p:spPr>
+        <p:style>
+          <a:lnRef idx="1">
+            <a:schemeClr val="accent2"/>
+          </a:lnRef>
+          <a:fillRef idx="0">
+            <a:schemeClr val="accent2"/>
+          </a:fillRef>
+          <a:effectRef idx="0">
+            <a:schemeClr val="accent2"/>
+          </a:effectRef>
+          <a:fontRef idx="minor">
+            <a:schemeClr val="tx1"/>
+          </a:fontRef>
+        </p:style>
+      </p:cxnSp>
+      <p:cxnSp>
+        <p:nvCxnSpPr>
+          <p:cNvPr id="36" name="Connecteur droit avec flèche 35">
+            <a:extLst>
+              <a:ext uri="{FF2B5EF4-FFF2-40B4-BE49-F238E27FC236}">
+                <a16:creationId xmlns:a16="http://schemas.microsoft.com/office/drawing/2014/main" id="{E6BB645A-660F-5023-D8C2-9FCB7940A4F4}"/>
+              </a:ext>
+            </a:extLst>
+          </p:cNvPr>
+          <p:cNvCxnSpPr>
+            <a:cxnSpLocks/>
+          </p:cNvCxnSpPr>
+          <p:nvPr/>
+        </p:nvCxnSpPr>
+        <p:spPr>
+          <a:xfrm>
+            <a:off x="4521070" y="2946993"/>
+            <a:ext cx="2294068" cy="2750486"/>
+          </a:xfrm>
+          <a:prstGeom prst="straightConnector1">
+            <a:avLst/>
+          </a:prstGeom>
+          <a:ln>
+            <a:solidFill>
+              <a:srgbClr val="00CCFF"/>
+            </a:solidFill>
+            <a:tailEnd type="triangle"/>
+          </a:ln>
+        </p:spPr>
+        <p:style>
+          <a:lnRef idx="1">
+            <a:schemeClr val="accent1"/>
+          </a:lnRef>
+          <a:fillRef idx="0">
+            <a:schemeClr val="accent1"/>
+          </a:fillRef>
+          <a:effectRef idx="0">
+            <a:schemeClr val="accent1"/>
+          </a:effectRef>
+          <a:fontRef idx="minor">
+            <a:schemeClr val="tx1"/>
+          </a:fontRef>
+        </p:style>
+      </p:cxnSp>
+      <p:cxnSp>
+        <p:nvCxnSpPr>
+          <p:cNvPr id="38" name="Connecteur droit avec flèche 37">
+            <a:extLst>
+              <a:ext uri="{FF2B5EF4-FFF2-40B4-BE49-F238E27FC236}">
+                <a16:creationId xmlns:a16="http://schemas.microsoft.com/office/drawing/2014/main" id="{CA671BC2-7560-DED2-3FA5-94FB85BAB665}"/>
+              </a:ext>
+            </a:extLst>
+          </p:cNvPr>
+          <p:cNvCxnSpPr>
+            <a:cxnSpLocks/>
+          </p:cNvCxnSpPr>
+          <p:nvPr/>
+        </p:nvCxnSpPr>
+        <p:spPr>
+          <a:xfrm>
+            <a:off x="3045619" y="2195791"/>
+            <a:ext cx="3769519" cy="3133447"/>
+          </a:xfrm>
+          <a:prstGeom prst="straightConnector1">
+            <a:avLst/>
+          </a:prstGeom>
+          <a:ln>
+            <a:tailEnd type="triangle"/>
+          </a:ln>
+        </p:spPr>
+        <p:style>
+          <a:lnRef idx="1">
+            <a:schemeClr val="accent4"/>
+          </a:lnRef>
+          <a:fillRef idx="0">
+            <a:schemeClr val="accent4"/>
+          </a:fillRef>
+          <a:effectRef idx="0">
+            <a:schemeClr val="accent4"/>
+          </a:effectRef>
+          <a:fontRef idx="minor">
+            <a:schemeClr val="tx1"/>
+          </a:fontRef>
+        </p:style>
+      </p:cxnSp>
+      <p:cxnSp>
+        <p:nvCxnSpPr>
+          <p:cNvPr id="44" name="Connecteur droit avec flèche 43">
+            <a:extLst>
+              <a:ext uri="{FF2B5EF4-FFF2-40B4-BE49-F238E27FC236}">
+                <a16:creationId xmlns:a16="http://schemas.microsoft.com/office/drawing/2014/main" id="{1A4609CB-10B4-5A33-A118-ECD36BA084AB}"/>
+              </a:ext>
+            </a:extLst>
+          </p:cNvPr>
+          <p:cNvCxnSpPr>
+            <a:cxnSpLocks/>
+          </p:cNvCxnSpPr>
+          <p:nvPr/>
+        </p:nvCxnSpPr>
+        <p:spPr>
+          <a:xfrm>
+            <a:off x="2870955" y="2760769"/>
+            <a:ext cx="3944183" cy="2683593"/>
+          </a:xfrm>
+          <a:prstGeom prst="straightConnector1">
+            <a:avLst/>
+          </a:prstGeom>
+          <a:ln>
+            <a:solidFill>
+              <a:srgbClr val="7030A0"/>
+            </a:solidFill>
+            <a:tailEnd type="triangle"/>
+          </a:ln>
+        </p:spPr>
+        <p:style>
+          <a:lnRef idx="1">
+            <a:schemeClr val="accent4"/>
+          </a:lnRef>
+          <a:fillRef idx="0">
+            <a:schemeClr val="accent4"/>
+          </a:fillRef>
+          <a:effectRef idx="0">
+            <a:schemeClr val="accent4"/>
+          </a:effectRef>
+          <a:fontRef idx="minor">
+            <a:schemeClr val="tx1"/>
+          </a:fontRef>
+        </p:style>
+      </p:cxnSp>
+    </p:spTree>
+    <p:extLst>
+      <p:ext uri="{BB962C8B-B14F-4D97-AF65-F5344CB8AC3E}">
+        <p14:creationId xmlns:p14="http://schemas.microsoft.com/office/powerpoint/2010/main" val="3272556714"/>
       </p:ext>
     </p:extLst>
   </p:cSld>

--- a/Tuto_decoup_TWAV.pptx
+++ b/Tuto_decoup_TWAV.pptx
@@ -12,7 +12,8 @@
     <p:sldId id="257" r:id="rId6"/>
     <p:sldId id="260" r:id="rId7"/>
     <p:sldId id="261" r:id="rId8"/>
-    <p:sldId id="264" r:id="rId9"/>
+    <p:sldId id="269" r:id="rId9"/>
+    <p:sldId id="268" r:id="rId10"/>
   </p:sldIdLst>
   <p:sldSz cx="12192000" cy="6858000"/>
   <p:notesSz cx="6858000" cy="9144000"/>
@@ -266,7 +267,7 @@
           <a:p>
             <a:fld id="{2A59F47B-E7C1-4F23-BE41-37F7E26DCCF7}" type="datetimeFigureOut">
               <a:rPr lang="fr-FR" smtClean="0"/>
-              <a:t>09/06/2023</a:t>
+              <a:t>20/06/2023</a:t>
             </a:fld>
             <a:endParaRPr lang="fr-FR"/>
           </a:p>
@@ -464,7 +465,7 @@
           <a:p>
             <a:fld id="{2A59F47B-E7C1-4F23-BE41-37F7E26DCCF7}" type="datetimeFigureOut">
               <a:rPr lang="fr-FR" smtClean="0"/>
-              <a:t>09/06/2023</a:t>
+              <a:t>20/06/2023</a:t>
             </a:fld>
             <a:endParaRPr lang="fr-FR"/>
           </a:p>
@@ -672,7 +673,7 @@
           <a:p>
             <a:fld id="{2A59F47B-E7C1-4F23-BE41-37F7E26DCCF7}" type="datetimeFigureOut">
               <a:rPr lang="fr-FR" smtClean="0"/>
-              <a:t>09/06/2023</a:t>
+              <a:t>20/06/2023</a:t>
             </a:fld>
             <a:endParaRPr lang="fr-FR"/>
           </a:p>
@@ -870,7 +871,7 @@
           <a:p>
             <a:fld id="{2A59F47B-E7C1-4F23-BE41-37F7E26DCCF7}" type="datetimeFigureOut">
               <a:rPr lang="fr-FR" smtClean="0"/>
-              <a:t>09/06/2023</a:t>
+              <a:t>20/06/2023</a:t>
             </a:fld>
             <a:endParaRPr lang="fr-FR"/>
           </a:p>
@@ -1145,7 +1146,7 @@
           <a:p>
             <a:fld id="{2A59F47B-E7C1-4F23-BE41-37F7E26DCCF7}" type="datetimeFigureOut">
               <a:rPr lang="fr-FR" smtClean="0"/>
-              <a:t>09/06/2023</a:t>
+              <a:t>20/06/2023</a:t>
             </a:fld>
             <a:endParaRPr lang="fr-FR"/>
           </a:p>
@@ -1410,7 +1411,7 @@
           <a:p>
             <a:fld id="{2A59F47B-E7C1-4F23-BE41-37F7E26DCCF7}" type="datetimeFigureOut">
               <a:rPr lang="fr-FR" smtClean="0"/>
-              <a:t>09/06/2023</a:t>
+              <a:t>20/06/2023</a:t>
             </a:fld>
             <a:endParaRPr lang="fr-FR"/>
           </a:p>
@@ -1822,7 +1823,7 @@
           <a:p>
             <a:fld id="{2A59F47B-E7C1-4F23-BE41-37F7E26DCCF7}" type="datetimeFigureOut">
               <a:rPr lang="fr-FR" smtClean="0"/>
-              <a:t>09/06/2023</a:t>
+              <a:t>20/06/2023</a:t>
             </a:fld>
             <a:endParaRPr lang="fr-FR"/>
           </a:p>
@@ -1963,7 +1964,7 @@
           <a:p>
             <a:fld id="{2A59F47B-E7C1-4F23-BE41-37F7E26DCCF7}" type="datetimeFigureOut">
               <a:rPr lang="fr-FR" smtClean="0"/>
-              <a:t>09/06/2023</a:t>
+              <a:t>20/06/2023</a:t>
             </a:fld>
             <a:endParaRPr lang="fr-FR"/>
           </a:p>
@@ -2076,7 +2077,7 @@
           <a:p>
             <a:fld id="{2A59F47B-E7C1-4F23-BE41-37F7E26DCCF7}" type="datetimeFigureOut">
               <a:rPr lang="fr-FR" smtClean="0"/>
-              <a:t>09/06/2023</a:t>
+              <a:t>20/06/2023</a:t>
             </a:fld>
             <a:endParaRPr lang="fr-FR"/>
           </a:p>
@@ -2387,7 +2388,7 @@
           <a:p>
             <a:fld id="{2A59F47B-E7C1-4F23-BE41-37F7E26DCCF7}" type="datetimeFigureOut">
               <a:rPr lang="fr-FR" smtClean="0"/>
-              <a:t>09/06/2023</a:t>
+              <a:t>20/06/2023</a:t>
             </a:fld>
             <a:endParaRPr lang="fr-FR"/>
           </a:p>
@@ -2675,7 +2676,7 @@
           <a:p>
             <a:fld id="{2A59F47B-E7C1-4F23-BE41-37F7E26DCCF7}" type="datetimeFigureOut">
               <a:rPr lang="fr-FR" smtClean="0"/>
-              <a:t>09/06/2023</a:t>
+              <a:t>20/06/2023</a:t>
             </a:fld>
             <a:endParaRPr lang="fr-FR"/>
           </a:p>
@@ -2916,7 +2917,7 @@
           <a:p>
             <a:fld id="{2A59F47B-E7C1-4F23-BE41-37F7E26DCCF7}" type="datetimeFigureOut">
               <a:rPr lang="fr-FR" smtClean="0"/>
-              <a:t>09/06/2023</a:t>
+              <a:t>20/06/2023</a:t>
             </a:fld>
             <a:endParaRPr lang="fr-FR"/>
           </a:p>
@@ -3445,7 +3446,7 @@
         <p:spPr>
           <a:xfrm>
             <a:off x="797979" y="2530728"/>
-            <a:ext cx="11128431" cy="1846659"/>
+            <a:ext cx="10111038" cy="1846659"/>
           </a:xfrm>
           <a:prstGeom prst="rect">
             <a:avLst/>
@@ -3508,7 +3509,7 @@
             </a:r>
             <a:r>
               <a:rPr lang="fr-FR" dirty="0"/>
-              <a:t>; les paramètres sont cependant modifiables dans le script</a:t>
+              <a:t>; les paramètres sont cependant modifiables</a:t>
             </a:r>
           </a:p>
         </p:txBody>
@@ -3595,8 +3596,8 @@
         </p:nvSpPr>
         <p:spPr>
           <a:xfrm>
-            <a:off x="10686968" y="4279745"/>
-            <a:ext cx="1239442" cy="246221"/>
+            <a:off x="10565057" y="4058649"/>
+            <a:ext cx="1431950" cy="246221"/>
           </a:xfrm>
           <a:prstGeom prst="rect">
             <a:avLst/>
@@ -6527,10 +6528,10 @@
       </p:grpSpPr>
       <p:sp>
         <p:nvSpPr>
-          <p:cNvPr id="48" name="ZoneTexte 47">
-            <a:extLst>
-              <a:ext uri="{FF2B5EF4-FFF2-40B4-BE49-F238E27FC236}">
-                <a16:creationId xmlns:a16="http://schemas.microsoft.com/office/drawing/2014/main" id="{1271ACF4-9CF5-59BC-FE29-C43464A37A2F}"/>
+          <p:cNvPr id="8" name="ZoneTexte 7">
+            <a:extLst>
+              <a:ext uri="{FF2B5EF4-FFF2-40B4-BE49-F238E27FC236}">
+                <a16:creationId xmlns:a16="http://schemas.microsoft.com/office/drawing/2014/main" id="{2185369E-C3EF-995E-92BF-27B317986014}"/>
               </a:ext>
             </a:extLst>
           </p:cNvPr>
@@ -6539,8 +6540,8 @@
         </p:nvSpPr>
         <p:spPr>
           <a:xfrm>
-            <a:off x="6618286" y="1706106"/>
-            <a:ext cx="4930721" cy="4955203"/>
+            <a:off x="504203" y="688885"/>
+            <a:ext cx="6150595" cy="461665"/>
           </a:xfrm>
           <a:prstGeom prst="rect">
             <a:avLst/>
@@ -6548,188 +6549,29 @@
           <a:noFill/>
         </p:spPr>
         <p:txBody>
-          <a:bodyPr wrap="square" rtlCol="0">
+          <a:bodyPr wrap="none" rtlCol="0">
             <a:spAutoFit/>
           </a:bodyPr>
           <a:lstStyle/>
           <a:p>
-            <a:pPr algn="just"/>
-            <a:r>
-              <a:rPr lang="fr-FR" dirty="0"/>
-              <a:t>Si vous avez besoin d’utiliser d’autres paramètres, il faudra alors modifier le script :</a:t>
-            </a:r>
-          </a:p>
-          <a:p>
-            <a:pPr algn="just"/>
-            <a:endParaRPr lang="fr-FR" dirty="0"/>
-          </a:p>
-          <a:p>
-            <a:pPr marL="285750" indent="-285750" algn="just">
-              <a:buFont typeface="Arial" panose="020B0604020202020204" pitchFamily="34" charset="0"/>
-              <a:buChar char="•"/>
-            </a:pPr>
-            <a:r>
-              <a:rPr lang="fr-FR" dirty="0"/>
-              <a:t>Appliquer les prérequis et l’étape 1 (</a:t>
-            </a:r>
-            <a:r>
-              <a:rPr lang="fr-FR" dirty="0">
-                <a:hlinkClick r:id="rId2" action="ppaction://hlinksldjump"/>
-              </a:rPr>
-              <a:t>diapos 2-3</a:t>
-            </a:r>
-            <a:r>
-              <a:rPr lang="fr-FR" dirty="0"/>
-              <a:t>)</a:t>
-            </a:r>
-          </a:p>
-          <a:p>
-            <a:pPr marL="285750" indent="-285750" algn="just">
-              <a:buFont typeface="Arial" panose="020B0604020202020204" pitchFamily="34" charset="0"/>
-              <a:buChar char="•"/>
-            </a:pPr>
-            <a:r>
-              <a:rPr lang="fr-FR" dirty="0"/>
-              <a:t>Ouvrez le dossier « </a:t>
-            </a:r>
-            <a:r>
-              <a:rPr lang="fr-FR" dirty="0" err="1"/>
-              <a:t>TWAV_splitter</a:t>
-            </a:r>
-            <a:r>
-              <a:rPr lang="fr-FR" dirty="0"/>
-              <a:t>-main »</a:t>
-            </a:r>
-          </a:p>
-          <a:p>
-            <a:pPr marL="285750" indent="-285750" algn="just">
-              <a:buFont typeface="Arial" panose="020B0604020202020204" pitchFamily="34" charset="0"/>
-              <a:buChar char="•"/>
-            </a:pPr>
-            <a:r>
-              <a:rPr lang="fr-FR" dirty="0"/>
-              <a:t>Ouvrez le dossier « AudioMoth-</a:t>
-            </a:r>
-            <a:r>
-              <a:rPr lang="fr-FR" dirty="0" err="1"/>
-              <a:t>Utils</a:t>
-            </a:r>
-            <a:r>
-              <a:rPr lang="fr-FR" dirty="0"/>
-              <a:t>-master »</a:t>
-            </a:r>
-          </a:p>
-          <a:p>
-            <a:pPr marL="285750" indent="-285750" algn="just">
-              <a:buFont typeface="Arial" panose="020B0604020202020204" pitchFamily="34" charset="0"/>
-              <a:buChar char="•"/>
-            </a:pPr>
-            <a:r>
-              <a:rPr lang="fr-FR" dirty="0"/>
-              <a:t>Ouvrez le fichier JavaScript « _Expand.js » avec NotePade++, un équivalent ou le Bloc Notes</a:t>
-            </a:r>
-          </a:p>
-          <a:p>
-            <a:pPr marL="285750" indent="-285750" algn="just">
-              <a:buFont typeface="Arial" panose="020B0604020202020204" pitchFamily="34" charset="0"/>
-              <a:buChar char="•"/>
-            </a:pPr>
-            <a:endParaRPr lang="fr-FR" dirty="0"/>
-          </a:p>
-          <a:p>
-            <a:pPr marL="285750" indent="-285750" algn="just">
-              <a:buFont typeface="Arial" panose="020B0604020202020204" pitchFamily="34" charset="0"/>
-              <a:buChar char="•"/>
-            </a:pPr>
-            <a:r>
-              <a:rPr lang="fr-FR" dirty="0"/>
-              <a:t>Vers la fin du script (ligne 46) vous trouverez les variables à modifier : </a:t>
-            </a:r>
-            <a:r>
-              <a:rPr lang="fr-FR" sz="1000" dirty="0">
-                <a:solidFill>
-                  <a:schemeClr val="bg1">
-                    <a:lumMod val="65000"/>
-                  </a:schemeClr>
-                </a:solidFill>
-              </a:rPr>
-              <a:t>à noter que generateSilentFiles ne peut être utiliser qu’avec ‘DURATION’ et aligToSecondTransitions qu’avec ‘EVENT’</a:t>
-            </a:r>
-          </a:p>
-          <a:p>
-            <a:pPr marL="285750" indent="-285750" algn="just">
-              <a:buFont typeface="Arial" panose="020B0604020202020204" pitchFamily="34" charset="0"/>
-              <a:buChar char="•"/>
-            </a:pPr>
-            <a:endParaRPr lang="fr-FR" dirty="0"/>
-          </a:p>
-          <a:p>
-            <a:pPr marL="285750" indent="-285750" algn="just">
-              <a:buFont typeface="Arial" panose="020B0604020202020204" pitchFamily="34" charset="0"/>
-              <a:buChar char="•"/>
-            </a:pPr>
-            <a:endParaRPr lang="fr-FR" dirty="0"/>
-          </a:p>
-          <a:p>
-            <a:pPr marL="285750" indent="-285750" algn="just">
-              <a:buFont typeface="Arial" panose="020B0604020202020204" pitchFamily="34" charset="0"/>
-              <a:buChar char="•"/>
-            </a:pPr>
-            <a:endParaRPr lang="fr-FR" dirty="0"/>
-          </a:p>
-          <a:p>
-            <a:pPr marL="285750" indent="-285750" algn="just">
-              <a:buFont typeface="Arial" panose="020B0604020202020204" pitchFamily="34" charset="0"/>
-              <a:buChar char="•"/>
-            </a:pPr>
-            <a:endParaRPr lang="fr-FR" dirty="0"/>
-          </a:p>
-          <a:p>
-            <a:pPr marL="285750" indent="-285750" algn="just">
-              <a:buFont typeface="Arial" panose="020B0604020202020204" pitchFamily="34" charset="0"/>
-              <a:buChar char="•"/>
-            </a:pPr>
-            <a:r>
-              <a:rPr lang="fr-FR" dirty="0"/>
-              <a:t>Sauvegarder au format JavaScript (.</a:t>
-            </a:r>
-            <a:r>
-              <a:rPr lang="fr-FR" dirty="0" err="1"/>
-              <a:t>js</a:t>
-            </a:r>
-            <a:r>
-              <a:rPr lang="fr-FR" dirty="0"/>
-              <a:t>)</a:t>
-            </a:r>
-          </a:p>
-          <a:p>
-            <a:pPr marL="285750" indent="-285750" algn="just">
-              <a:buFont typeface="Arial" panose="020B0604020202020204" pitchFamily="34" charset="0"/>
-              <a:buChar char="•"/>
-            </a:pPr>
-            <a:r>
-              <a:rPr lang="fr-FR" dirty="0"/>
-              <a:t>Reprenez à partir de l’étape 2 (</a:t>
-            </a:r>
-            <a:r>
-              <a:rPr lang="fr-FR" dirty="0">
-                <a:hlinkClick r:id="rId3" action="ppaction://hlinksldjump"/>
-              </a:rPr>
-              <a:t>diapo 4</a:t>
-            </a:r>
-            <a:r>
-              <a:rPr lang="fr-FR" dirty="0"/>
-              <a:t>)</a:t>
-            </a:r>
-          </a:p>
-        </p:txBody>
-      </p:sp>
-      <p:sp>
-        <p:nvSpPr>
-          <p:cNvPr id="4" name="ZoneTexte 3">
-            <a:extLst>
-              <a:ext uri="{FF2B5EF4-FFF2-40B4-BE49-F238E27FC236}">
-                <a16:creationId xmlns:a16="http://schemas.microsoft.com/office/drawing/2014/main" id="{FFC0B41D-2DB7-BE19-9438-27951A996382}"/>
+            <a:r>
+              <a:rPr lang="fr-FR" sz="2400" b="1" dirty="0"/>
+              <a:t>Modifier les paramètres de découpe des </a:t>
+            </a:r>
+            <a:r>
+              <a:rPr lang="fr-FR" sz="2400" b="1" dirty="0" err="1"/>
+              <a:t>T.Wav</a:t>
+            </a:r>
+            <a:endParaRPr lang="fr-FR" sz="2400" dirty="0"/>
+          </a:p>
+        </p:txBody>
+      </p:sp>
+      <p:sp>
+        <p:nvSpPr>
+          <p:cNvPr id="9" name="ZoneTexte 8">
+            <a:extLst>
+              <a:ext uri="{FF2B5EF4-FFF2-40B4-BE49-F238E27FC236}">
+                <a16:creationId xmlns:a16="http://schemas.microsoft.com/office/drawing/2014/main" id="{117D58CE-554E-A868-EC00-03ED41E053FE}"/>
               </a:ext>
             </a:extLst>
           </p:cNvPr>
@@ -6738,8 +6580,8 @@
         </p:nvSpPr>
         <p:spPr>
           <a:xfrm>
-            <a:off x="504203" y="688885"/>
-            <a:ext cx="6150595" cy="461665"/>
+            <a:off x="504203" y="1150550"/>
+            <a:ext cx="8401724" cy="646331"/>
           </a:xfrm>
           <a:prstGeom prst="rect">
             <a:avLst/>
@@ -6753,46 +6595,6 @@
           <a:lstStyle/>
           <a:p>
             <a:r>
-              <a:rPr lang="fr-FR" sz="2400" b="1" dirty="0"/>
-              <a:t>Modifier les paramètres de découpe des </a:t>
-            </a:r>
-            <a:r>
-              <a:rPr lang="fr-FR" sz="2400" b="1" dirty="0" err="1"/>
-              <a:t>T.Wav</a:t>
-            </a:r>
-            <a:endParaRPr lang="fr-FR" sz="2400" dirty="0"/>
-          </a:p>
-        </p:txBody>
-      </p:sp>
-      <p:sp>
-        <p:nvSpPr>
-          <p:cNvPr id="6" name="ZoneTexte 5">
-            <a:extLst>
-              <a:ext uri="{FF2B5EF4-FFF2-40B4-BE49-F238E27FC236}">
-                <a16:creationId xmlns:a16="http://schemas.microsoft.com/office/drawing/2014/main" id="{079C51D9-AE43-745A-A800-837076E435BF}"/>
-              </a:ext>
-            </a:extLst>
-          </p:cNvPr>
-          <p:cNvSpPr txBox="1"/>
-          <p:nvPr/>
-        </p:nvSpPr>
-        <p:spPr>
-          <a:xfrm>
-            <a:off x="504203" y="1150550"/>
-            <a:ext cx="7532127" cy="369332"/>
-          </a:xfrm>
-          <a:prstGeom prst="rect">
-            <a:avLst/>
-          </a:prstGeom>
-          <a:noFill/>
-        </p:spPr>
-        <p:txBody>
-          <a:bodyPr wrap="none" rtlCol="0">
-            <a:spAutoFit/>
-          </a:bodyPr>
-          <a:lstStyle/>
-          <a:p>
-            <a:r>
               <a:rPr lang="fr-FR" dirty="0">
                 <a:solidFill>
                   <a:srgbClr val="FF0000"/>
@@ -6814,7 +6616,7 @@
                   <a:srgbClr val="FF0000"/>
                 </a:solidFill>
               </a:rPr>
-              <a:t> faire si vous souhaiter déposer vos données sur Vigie-</a:t>
+              <a:t> faire si vous souhaiter déposer vos données sur le portail Vigie-</a:t>
             </a:r>
             <a:r>
               <a:rPr lang="fr-FR" dirty="0" err="1">
@@ -6830,6 +6632,16 @@
               </a:solidFill>
             </a:endParaRPr>
           </a:p>
+          <a:p>
+            <a:r>
+              <a:rPr lang="fr-FR" dirty="0">
+                <a:solidFill>
+                  <a:srgbClr val="FF0000"/>
+                </a:solidFill>
+              </a:rPr>
+              <a:t>Par défaut les paramètres sont réglés selon la norme Vigie-Chiro comme ci-dessous :</a:t>
+            </a:r>
+          </a:p>
         </p:txBody>
       </p:sp>
       <p:grpSp>
@@ -6837,7 +6649,7 @@
           <p:cNvPr id="11" name="Groupe 10">
             <a:extLst>
               <a:ext uri="{FF2B5EF4-FFF2-40B4-BE49-F238E27FC236}">
-                <a16:creationId xmlns:a16="http://schemas.microsoft.com/office/drawing/2014/main" id="{0CF602F4-6025-11A9-9CDA-4A7BBC22333B}"/>
+                <a16:creationId xmlns:a16="http://schemas.microsoft.com/office/drawing/2014/main" id="{0735F877-C30F-9F21-5B4C-6D2EAB397DA7}"/>
               </a:ext>
             </a:extLst>
           </p:cNvPr>
@@ -6846,8 +6658,8 @@
         </p:nvGrpSpPr>
         <p:grpSpPr>
           <a:xfrm>
-            <a:off x="1289504" y="1706106"/>
-            <a:ext cx="3429622" cy="3934336"/>
+            <a:off x="504202" y="2020765"/>
+            <a:ext cx="3959297" cy="4541960"/>
             <a:chOff x="5876925" y="507205"/>
             <a:chExt cx="5113626" cy="5866163"/>
           </a:xfrm>
@@ -6857,7 +6669,2147 @@
             <p:cNvPr id="12" name="Image 11">
               <a:extLst>
                 <a:ext uri="{FF2B5EF4-FFF2-40B4-BE49-F238E27FC236}">
-                  <a16:creationId xmlns:a16="http://schemas.microsoft.com/office/drawing/2014/main" id="{B1861ECE-05E1-67B7-AF05-99A02456E9AA}"/>
+                  <a16:creationId xmlns:a16="http://schemas.microsoft.com/office/drawing/2014/main" id="{B7441E09-7293-0CD1-FEDA-E80804D2A410}"/>
+                </a:ext>
+              </a:extLst>
+            </p:cNvPr>
+            <p:cNvPicPr>
+              <a:picLocks noChangeAspect="1"/>
+            </p:cNvPicPr>
+            <p:nvPr/>
+          </p:nvPicPr>
+          <p:blipFill>
+            <a:blip r:embed="rId2"/>
+            <a:stretch>
+              <a:fillRect/>
+            </a:stretch>
+          </p:blipFill>
+          <p:spPr>
+            <a:xfrm>
+              <a:off x="5876925" y="507205"/>
+              <a:ext cx="5113626" cy="5866163"/>
+            </a:xfrm>
+            <a:prstGeom prst="rect">
+              <a:avLst/>
+            </a:prstGeom>
+            <a:ln>
+              <a:solidFill>
+                <a:srgbClr val="404040"/>
+              </a:solidFill>
+            </a:ln>
+          </p:spPr>
+        </p:pic>
+        <p:sp>
+          <p:nvSpPr>
+            <p:cNvPr id="13" name="Ellipse 12">
+              <a:extLst>
+                <a:ext uri="{FF2B5EF4-FFF2-40B4-BE49-F238E27FC236}">
+                  <a16:creationId xmlns:a16="http://schemas.microsoft.com/office/drawing/2014/main" id="{B795E34C-E68C-BCB5-8C32-75EDD34DB83E}"/>
+                </a:ext>
+              </a:extLst>
+            </p:cNvPr>
+            <p:cNvSpPr/>
+            <p:nvPr/>
+          </p:nvSpPr>
+          <p:spPr>
+            <a:xfrm>
+              <a:off x="9207374" y="905346"/>
+              <a:ext cx="977775" cy="298765"/>
+            </a:xfrm>
+            <a:prstGeom prst="ellipse">
+              <a:avLst/>
+            </a:prstGeom>
+            <a:noFill/>
+            <a:ln w="38100">
+              <a:solidFill>
+                <a:srgbClr val="FF0000"/>
+              </a:solidFill>
+            </a:ln>
+          </p:spPr>
+          <p:style>
+            <a:lnRef idx="2">
+              <a:schemeClr val="accent1">
+                <a:shade val="50000"/>
+              </a:schemeClr>
+            </a:lnRef>
+            <a:fillRef idx="1">
+              <a:schemeClr val="accent1"/>
+            </a:fillRef>
+            <a:effectRef idx="0">
+              <a:schemeClr val="accent1"/>
+            </a:effectRef>
+            <a:fontRef idx="minor">
+              <a:schemeClr val="lt1"/>
+            </a:fontRef>
+          </p:style>
+          <p:txBody>
+            <a:bodyPr rtlCol="0" anchor="ctr"/>
+            <a:lstStyle/>
+            <a:p>
+              <a:pPr algn="ctr"/>
+              <a:endParaRPr lang="fr-FR" dirty="0"/>
+            </a:p>
+          </p:txBody>
+        </p:sp>
+        <p:sp>
+          <p:nvSpPr>
+            <p:cNvPr id="14" name="Ellipse 13">
+              <a:extLst>
+                <a:ext uri="{FF2B5EF4-FFF2-40B4-BE49-F238E27FC236}">
+                  <a16:creationId xmlns:a16="http://schemas.microsoft.com/office/drawing/2014/main" id="{3D4D3110-64FC-3D87-7C5F-D26E38EC9DF5}"/>
+                </a:ext>
+              </a:extLst>
+            </p:cNvPr>
+            <p:cNvSpPr/>
+            <p:nvPr/>
+          </p:nvSpPr>
+          <p:spPr>
+            <a:xfrm>
+              <a:off x="7849355" y="1584356"/>
+              <a:ext cx="371192" cy="588475"/>
+            </a:xfrm>
+            <a:prstGeom prst="ellipse">
+              <a:avLst/>
+            </a:prstGeom>
+            <a:noFill/>
+            <a:ln w="38100">
+              <a:solidFill>
+                <a:srgbClr val="FF0000"/>
+              </a:solidFill>
+            </a:ln>
+          </p:spPr>
+          <p:style>
+            <a:lnRef idx="2">
+              <a:schemeClr val="accent1">
+                <a:shade val="50000"/>
+              </a:schemeClr>
+            </a:lnRef>
+            <a:fillRef idx="1">
+              <a:schemeClr val="accent1"/>
+            </a:fillRef>
+            <a:effectRef idx="0">
+              <a:schemeClr val="accent1"/>
+            </a:effectRef>
+            <a:fontRef idx="minor">
+              <a:schemeClr val="lt1"/>
+            </a:fontRef>
+          </p:style>
+          <p:txBody>
+            <a:bodyPr rtlCol="0" anchor="ctr"/>
+            <a:lstStyle/>
+            <a:p>
+              <a:pPr algn="ctr"/>
+              <a:endParaRPr lang="fr-FR"/>
+            </a:p>
+          </p:txBody>
+        </p:sp>
+        <p:sp>
+          <p:nvSpPr>
+            <p:cNvPr id="15" name="Ellipse 14">
+              <a:extLst>
+                <a:ext uri="{FF2B5EF4-FFF2-40B4-BE49-F238E27FC236}">
+                  <a16:creationId xmlns:a16="http://schemas.microsoft.com/office/drawing/2014/main" id="{9EBEC1B0-7B4F-C712-ACB3-5E708C584241}"/>
+                </a:ext>
+              </a:extLst>
+            </p:cNvPr>
+            <p:cNvSpPr/>
+            <p:nvPr/>
+          </p:nvSpPr>
+          <p:spPr>
+            <a:xfrm>
+              <a:off x="10500795" y="1348964"/>
+              <a:ext cx="271604" cy="271604"/>
+            </a:xfrm>
+            <a:prstGeom prst="ellipse">
+              <a:avLst/>
+            </a:prstGeom>
+            <a:noFill/>
+            <a:ln w="38100">
+              <a:solidFill>
+                <a:srgbClr val="FF0000"/>
+              </a:solidFill>
+            </a:ln>
+          </p:spPr>
+          <p:style>
+            <a:lnRef idx="2">
+              <a:schemeClr val="accent1">
+                <a:shade val="50000"/>
+              </a:schemeClr>
+            </a:lnRef>
+            <a:fillRef idx="1">
+              <a:schemeClr val="accent1"/>
+            </a:fillRef>
+            <a:effectRef idx="0">
+              <a:schemeClr val="accent1"/>
+            </a:effectRef>
+            <a:fontRef idx="minor">
+              <a:schemeClr val="lt1"/>
+            </a:fontRef>
+          </p:style>
+          <p:txBody>
+            <a:bodyPr rtlCol="0" anchor="ctr"/>
+            <a:lstStyle/>
+            <a:p>
+              <a:pPr algn="ctr"/>
+              <a:endParaRPr lang="fr-FR"/>
+            </a:p>
+          </p:txBody>
+        </p:sp>
+      </p:grpSp>
+      <p:cxnSp>
+        <p:nvCxnSpPr>
+          <p:cNvPr id="3" name="Connecteur droit avec flèche 2">
+            <a:extLst>
+              <a:ext uri="{FF2B5EF4-FFF2-40B4-BE49-F238E27FC236}">
+                <a16:creationId xmlns:a16="http://schemas.microsoft.com/office/drawing/2014/main" id="{7DC0BD7C-3453-837E-6627-9FFD4D3687A8}"/>
+              </a:ext>
+            </a:extLst>
+          </p:cNvPr>
+          <p:cNvCxnSpPr/>
+          <p:nvPr/>
+        </p:nvCxnSpPr>
+        <p:spPr>
+          <a:xfrm>
+            <a:off x="3962400" y="2436529"/>
+            <a:ext cx="1562100" cy="0"/>
+          </a:xfrm>
+          <a:prstGeom prst="straightConnector1">
+            <a:avLst/>
+          </a:prstGeom>
+          <a:ln>
+            <a:solidFill>
+              <a:srgbClr val="00CCFF"/>
+            </a:solidFill>
+            <a:tailEnd type="triangle"/>
+          </a:ln>
+        </p:spPr>
+        <p:style>
+          <a:lnRef idx="1">
+            <a:schemeClr val="accent1"/>
+          </a:lnRef>
+          <a:fillRef idx="0">
+            <a:schemeClr val="accent1"/>
+          </a:fillRef>
+          <a:effectRef idx="0">
+            <a:schemeClr val="accent1"/>
+          </a:effectRef>
+          <a:fontRef idx="minor">
+            <a:schemeClr val="tx1"/>
+          </a:fontRef>
+        </p:style>
+      </p:cxnSp>
+      <p:sp>
+        <p:nvSpPr>
+          <p:cNvPr id="6" name="ZoneTexte 5">
+            <a:extLst>
+              <a:ext uri="{FF2B5EF4-FFF2-40B4-BE49-F238E27FC236}">
+                <a16:creationId xmlns:a16="http://schemas.microsoft.com/office/drawing/2014/main" id="{56BB03B2-7CEA-F62D-A541-AFB3C5EF2A9C}"/>
+              </a:ext>
+            </a:extLst>
+          </p:cNvPr>
+          <p:cNvSpPr txBox="1"/>
+          <p:nvPr/>
+        </p:nvSpPr>
+        <p:spPr>
+          <a:xfrm>
+            <a:off x="5524500" y="2290803"/>
+            <a:ext cx="6430705" cy="307777"/>
+          </a:xfrm>
+          <a:prstGeom prst="rect">
+            <a:avLst/>
+          </a:prstGeom>
+          <a:noFill/>
+        </p:spPr>
+        <p:txBody>
+          <a:bodyPr wrap="square" rtlCol="0">
+            <a:spAutoFit/>
+          </a:bodyPr>
+          <a:lstStyle/>
+          <a:p>
+            <a:r>
+              <a:rPr kumimoji="0" lang="fr-FR" altLang="fr-FR" sz="1400" b="0" i="1" u="none" strike="noStrike" cap="none" normalizeH="0" baseline="0" dirty="0">
+                <a:ln>
+                  <a:noFill/>
+                </a:ln>
+                <a:effectLst/>
+              </a:rPr>
+              <a:t>expansionType </a:t>
+            </a:r>
+            <a:r>
+              <a:rPr kumimoji="0" lang="fr-FR" altLang="fr-FR" sz="1400" b="0" u="none" strike="noStrike" cap="none" normalizeH="0" baseline="0" dirty="0">
+                <a:ln>
+                  <a:noFill/>
+                </a:ln>
+                <a:effectLst/>
+              </a:rPr>
+              <a:t>(</a:t>
+            </a:r>
+            <a:r>
+              <a:rPr kumimoji="0" lang="fr-FR" altLang="fr-FR" sz="1400" b="1" u="none" strike="noStrike" cap="none" normalizeH="0" baseline="0" dirty="0">
+                <a:ln>
+                  <a:noFill/>
+                </a:ln>
+                <a:solidFill>
+                  <a:srgbClr val="00CCFF"/>
+                </a:solidFill>
+                <a:effectLst/>
+              </a:rPr>
+              <a:t>-e</a:t>
+            </a:r>
+            <a:r>
+              <a:rPr kumimoji="0" lang="fr-FR" altLang="fr-FR" sz="1400" b="0" u="none" strike="noStrike" cap="none" normalizeH="0" baseline="0" dirty="0">
+                <a:ln>
+                  <a:noFill/>
+                </a:ln>
+                <a:effectLst/>
+              </a:rPr>
+              <a:t>) : le découpage peut se baser sur une durée ou sur les évènements</a:t>
+            </a:r>
+            <a:endParaRPr lang="fr-FR" sz="1400" i="1" dirty="0"/>
+          </a:p>
+        </p:txBody>
+      </p:sp>
+      <p:cxnSp>
+        <p:nvCxnSpPr>
+          <p:cNvPr id="7" name="Connecteur droit avec flèche 6">
+            <a:extLst>
+              <a:ext uri="{FF2B5EF4-FFF2-40B4-BE49-F238E27FC236}">
+                <a16:creationId xmlns:a16="http://schemas.microsoft.com/office/drawing/2014/main" id="{684236F7-C574-4CD2-BADC-5667D7F90C40}"/>
+              </a:ext>
+            </a:extLst>
+          </p:cNvPr>
+          <p:cNvCxnSpPr>
+            <a:cxnSpLocks/>
+          </p:cNvCxnSpPr>
+          <p:nvPr/>
+        </p:nvCxnSpPr>
+        <p:spPr>
+          <a:xfrm>
+            <a:off x="4336782" y="3000886"/>
+            <a:ext cx="1187718" cy="0"/>
+          </a:xfrm>
+          <a:prstGeom prst="straightConnector1">
+            <a:avLst/>
+          </a:prstGeom>
+          <a:ln>
+            <a:solidFill>
+              <a:srgbClr val="7030A0"/>
+            </a:solidFill>
+            <a:tailEnd type="triangle"/>
+          </a:ln>
+        </p:spPr>
+        <p:style>
+          <a:lnRef idx="1">
+            <a:schemeClr val="accent1"/>
+          </a:lnRef>
+          <a:fillRef idx="0">
+            <a:schemeClr val="accent1"/>
+          </a:fillRef>
+          <a:effectRef idx="0">
+            <a:schemeClr val="accent1"/>
+          </a:effectRef>
+          <a:fontRef idx="minor">
+            <a:schemeClr val="tx1"/>
+          </a:fontRef>
+        </p:style>
+      </p:cxnSp>
+      <p:sp>
+        <p:nvSpPr>
+          <p:cNvPr id="16" name="ZoneTexte 15">
+            <a:extLst>
+              <a:ext uri="{FF2B5EF4-FFF2-40B4-BE49-F238E27FC236}">
+                <a16:creationId xmlns:a16="http://schemas.microsoft.com/office/drawing/2014/main" id="{779FE971-188B-FD8F-F627-ED2FAA920E23}"/>
+              </a:ext>
+            </a:extLst>
+          </p:cNvPr>
+          <p:cNvSpPr txBox="1"/>
+          <p:nvPr/>
+        </p:nvSpPr>
+        <p:spPr>
+          <a:xfrm>
+            <a:off x="5524500" y="2846997"/>
+            <a:ext cx="6430705" cy="307777"/>
+          </a:xfrm>
+          <a:prstGeom prst="rect">
+            <a:avLst/>
+          </a:prstGeom>
+          <a:noFill/>
+        </p:spPr>
+        <p:txBody>
+          <a:bodyPr wrap="square" rtlCol="0">
+            <a:spAutoFit/>
+          </a:bodyPr>
+          <a:lstStyle/>
+          <a:p>
+            <a:r>
+              <a:rPr kumimoji="0" lang="fr-FR" altLang="fr-FR" sz="1400" b="0" i="1" u="none" strike="noStrike" cap="none" normalizeH="0" baseline="0" dirty="0">
+                <a:ln>
+                  <a:noFill/>
+                </a:ln>
+                <a:effectLst/>
+              </a:rPr>
+              <a:t>maximumFileDuration </a:t>
+            </a:r>
+            <a:r>
+              <a:rPr kumimoji="0" lang="fr-FR" altLang="fr-FR" sz="1400" b="0" u="none" strike="noStrike" cap="none" normalizeH="0" baseline="0" dirty="0">
+                <a:ln>
+                  <a:noFill/>
+                </a:ln>
+                <a:effectLst/>
+              </a:rPr>
+              <a:t>(</a:t>
+            </a:r>
+            <a:r>
+              <a:rPr kumimoji="0" lang="fr-FR" altLang="fr-FR" sz="1400" b="1" u="none" strike="noStrike" cap="none" normalizeH="0" baseline="0" dirty="0">
+                <a:ln>
+                  <a:noFill/>
+                </a:ln>
+                <a:solidFill>
+                  <a:srgbClr val="7030A0"/>
+                </a:solidFill>
+                <a:effectLst/>
+              </a:rPr>
+              <a:t>-d</a:t>
+            </a:r>
+            <a:r>
+              <a:rPr kumimoji="0" lang="fr-FR" altLang="fr-FR" sz="1400" b="0" u="none" strike="noStrike" cap="none" normalizeH="0" baseline="0" dirty="0">
+                <a:ln>
+                  <a:noFill/>
+                </a:ln>
+                <a:effectLst/>
+              </a:rPr>
+              <a:t>) : </a:t>
+            </a:r>
+            <a:r>
+              <a:rPr kumimoji="0" lang="fr-FR" altLang="fr-FR" sz="1400" b="0" i="0" u="none" strike="noStrike" cap="none" normalizeH="0" baseline="0" dirty="0">
+                <a:ln>
+                  <a:noFill/>
+                </a:ln>
+                <a:solidFill>
+                  <a:srgbClr val="000000"/>
+                </a:solidFill>
+                <a:effectLst/>
+              </a:rPr>
+              <a:t>durée maximale des fichiers en secondes</a:t>
+            </a:r>
+            <a:endParaRPr lang="fr-FR" sz="1400" i="1" dirty="0"/>
+          </a:p>
+        </p:txBody>
+      </p:sp>
+      <p:cxnSp>
+        <p:nvCxnSpPr>
+          <p:cNvPr id="27" name="Connecteur droit avec flèche 26">
+            <a:extLst>
+              <a:ext uri="{FF2B5EF4-FFF2-40B4-BE49-F238E27FC236}">
+                <a16:creationId xmlns:a16="http://schemas.microsoft.com/office/drawing/2014/main" id="{2F283652-0B85-8600-2812-FAD7B20C63E6}"/>
+              </a:ext>
+            </a:extLst>
+          </p:cNvPr>
+          <p:cNvCxnSpPr>
+            <a:cxnSpLocks/>
+          </p:cNvCxnSpPr>
+          <p:nvPr/>
+        </p:nvCxnSpPr>
+        <p:spPr>
+          <a:xfrm>
+            <a:off x="4336782" y="3429000"/>
+            <a:ext cx="1187718" cy="0"/>
+          </a:xfrm>
+          <a:prstGeom prst="straightConnector1">
+            <a:avLst/>
+          </a:prstGeom>
+          <a:ln>
+            <a:solidFill>
+              <a:srgbClr val="006699"/>
+            </a:solidFill>
+            <a:tailEnd type="triangle"/>
+          </a:ln>
+        </p:spPr>
+        <p:style>
+          <a:lnRef idx="1">
+            <a:schemeClr val="accent1"/>
+          </a:lnRef>
+          <a:fillRef idx="0">
+            <a:schemeClr val="accent1"/>
+          </a:fillRef>
+          <a:effectRef idx="0">
+            <a:schemeClr val="accent1"/>
+          </a:effectRef>
+          <a:fontRef idx="minor">
+            <a:schemeClr val="tx1"/>
+          </a:fontRef>
+        </p:style>
+      </p:cxnSp>
+      <p:sp>
+        <p:nvSpPr>
+          <p:cNvPr id="28" name="ZoneTexte 27">
+            <a:extLst>
+              <a:ext uri="{FF2B5EF4-FFF2-40B4-BE49-F238E27FC236}">
+                <a16:creationId xmlns:a16="http://schemas.microsoft.com/office/drawing/2014/main" id="{9217634A-B1A2-98E9-9EAB-40E73FFC62C1}"/>
+              </a:ext>
+            </a:extLst>
+          </p:cNvPr>
+          <p:cNvSpPr txBox="1"/>
+          <p:nvPr/>
+        </p:nvSpPr>
+        <p:spPr>
+          <a:xfrm>
+            <a:off x="5524500" y="3275111"/>
+            <a:ext cx="6430705" cy="523220"/>
+          </a:xfrm>
+          <a:prstGeom prst="rect">
+            <a:avLst/>
+          </a:prstGeom>
+          <a:noFill/>
+        </p:spPr>
+        <p:txBody>
+          <a:bodyPr wrap="square" rtlCol="0">
+            <a:spAutoFit/>
+          </a:bodyPr>
+          <a:lstStyle/>
+          <a:p>
+            <a:r>
+              <a:rPr kumimoji="0" lang="fr-FR" altLang="fr-FR" sz="1400" b="0" i="1" u="none" strike="noStrike" cap="none" normalizeH="0" baseline="0" dirty="0">
+                <a:ln>
+                  <a:noFill/>
+                </a:ln>
+                <a:effectLst/>
+              </a:rPr>
+              <a:t>alignToSecondsTransition </a:t>
+            </a:r>
+            <a:r>
+              <a:rPr kumimoji="0" lang="fr-FR" altLang="fr-FR" sz="1400" b="0" u="none" strike="noStrike" cap="none" normalizeH="0" baseline="0" dirty="0">
+                <a:ln>
+                  <a:noFill/>
+                </a:ln>
+                <a:effectLst/>
+              </a:rPr>
+              <a:t>(</a:t>
+            </a:r>
+            <a:r>
+              <a:rPr kumimoji="0" lang="fr-FR" altLang="fr-FR" sz="1400" b="1" u="none" strike="noStrike" cap="none" normalizeH="0" baseline="0" dirty="0">
+                <a:ln>
+                  <a:noFill/>
+                </a:ln>
+                <a:solidFill>
+                  <a:srgbClr val="006699"/>
+                </a:solidFill>
+                <a:effectLst/>
+              </a:rPr>
+              <a:t>-a</a:t>
+            </a:r>
+            <a:r>
+              <a:rPr kumimoji="0" lang="fr-FR" altLang="fr-FR" sz="1400" b="0" u="none" strike="noStrike" cap="none" normalizeH="0" baseline="0" dirty="0">
+                <a:ln>
+                  <a:noFill/>
+                </a:ln>
+                <a:effectLst/>
+              </a:rPr>
+              <a:t>) : </a:t>
+            </a:r>
+            <a:r>
+              <a:rPr kumimoji="0" lang="fr-FR" altLang="fr-FR" sz="1400" b="0" i="0" u="none" strike="noStrike" cap="none" normalizeH="0" baseline="0" dirty="0">
+                <a:ln>
+                  <a:noFill/>
+                </a:ln>
+                <a:solidFill>
+                  <a:srgbClr val="000000"/>
+                </a:solidFill>
+                <a:effectLst/>
+              </a:rPr>
+              <a:t>ajout de silences avant les évènements pour que les audios débutent pile à la seconde</a:t>
+            </a:r>
+            <a:endParaRPr lang="fr-FR" sz="1400" i="1" dirty="0"/>
+          </a:p>
+        </p:txBody>
+      </p:sp>
+      <p:pic>
+        <p:nvPicPr>
+          <p:cNvPr id="30" name="Image 29">
+            <a:extLst>
+              <a:ext uri="{FF2B5EF4-FFF2-40B4-BE49-F238E27FC236}">
+                <a16:creationId xmlns:a16="http://schemas.microsoft.com/office/drawing/2014/main" id="{21B5591C-0D6C-990A-54B2-695C75632F59}"/>
+              </a:ext>
+            </a:extLst>
+          </p:cNvPr>
+          <p:cNvPicPr>
+            <a:picLocks noChangeAspect="1"/>
+          </p:cNvPicPr>
+          <p:nvPr/>
+        </p:nvPicPr>
+        <p:blipFill rotWithShape="1">
+          <a:blip r:embed="rId3"/>
+          <a:srcRect t="16442"/>
+          <a:stretch/>
+        </p:blipFill>
+        <p:spPr>
+          <a:xfrm>
+            <a:off x="4930641" y="5361446"/>
+            <a:ext cx="2889656" cy="1002504"/>
+          </a:xfrm>
+          <a:prstGeom prst="rect">
+            <a:avLst/>
+          </a:prstGeom>
+          <a:ln>
+            <a:solidFill>
+              <a:schemeClr val="tx1"/>
+            </a:solidFill>
+          </a:ln>
+        </p:spPr>
+      </p:pic>
+      <p:cxnSp>
+        <p:nvCxnSpPr>
+          <p:cNvPr id="31" name="Connecteur droit avec flèche 30">
+            <a:extLst>
+              <a:ext uri="{FF2B5EF4-FFF2-40B4-BE49-F238E27FC236}">
+                <a16:creationId xmlns:a16="http://schemas.microsoft.com/office/drawing/2014/main" id="{F049BB7E-90B0-5F2B-3EB1-01BC024CD8DC}"/>
+              </a:ext>
+            </a:extLst>
+          </p:cNvPr>
+          <p:cNvCxnSpPr>
+            <a:cxnSpLocks/>
+          </p:cNvCxnSpPr>
+          <p:nvPr/>
+        </p:nvCxnSpPr>
+        <p:spPr>
+          <a:xfrm>
+            <a:off x="4336782" y="5057416"/>
+            <a:ext cx="1187718" cy="0"/>
+          </a:xfrm>
+          <a:prstGeom prst="straightConnector1">
+            <a:avLst/>
+          </a:prstGeom>
+          <a:ln>
+            <a:solidFill>
+              <a:srgbClr val="FFCC30"/>
+            </a:solidFill>
+            <a:tailEnd type="triangle"/>
+          </a:ln>
+        </p:spPr>
+        <p:style>
+          <a:lnRef idx="1">
+            <a:schemeClr val="accent1"/>
+          </a:lnRef>
+          <a:fillRef idx="0">
+            <a:schemeClr val="accent1"/>
+          </a:fillRef>
+          <a:effectRef idx="0">
+            <a:schemeClr val="accent1"/>
+          </a:effectRef>
+          <a:fontRef idx="minor">
+            <a:schemeClr val="tx1"/>
+          </a:fontRef>
+        </p:style>
+      </p:cxnSp>
+      <p:sp>
+        <p:nvSpPr>
+          <p:cNvPr id="32" name="ZoneTexte 31">
+            <a:extLst>
+              <a:ext uri="{FF2B5EF4-FFF2-40B4-BE49-F238E27FC236}">
+                <a16:creationId xmlns:a16="http://schemas.microsoft.com/office/drawing/2014/main" id="{97AF158F-CA71-82D4-95DC-5A80C76BC675}"/>
+              </a:ext>
+            </a:extLst>
+          </p:cNvPr>
+          <p:cNvSpPr txBox="1"/>
+          <p:nvPr/>
+        </p:nvSpPr>
+        <p:spPr>
+          <a:xfrm>
+            <a:off x="5524500" y="4903527"/>
+            <a:ext cx="6430705" cy="307777"/>
+          </a:xfrm>
+          <a:prstGeom prst="rect">
+            <a:avLst/>
+          </a:prstGeom>
+          <a:noFill/>
+        </p:spPr>
+        <p:txBody>
+          <a:bodyPr wrap="square" rtlCol="0">
+            <a:spAutoFit/>
+          </a:bodyPr>
+          <a:lstStyle/>
+          <a:p>
+            <a:r>
+              <a:rPr kumimoji="0" lang="fr-FR" altLang="fr-FR" sz="1400" b="0" i="1" u="none" strike="noStrike" cap="none" normalizeH="0" baseline="0" dirty="0">
+                <a:ln>
+                  <a:noFill/>
+                </a:ln>
+                <a:effectLst/>
+              </a:rPr>
+              <a:t>Add_prefix </a:t>
+            </a:r>
+            <a:r>
+              <a:rPr kumimoji="0" lang="fr-FR" altLang="fr-FR" sz="1400" b="0" u="none" strike="noStrike" cap="none" normalizeH="0" baseline="0" dirty="0">
+                <a:ln>
+                  <a:noFill/>
+                </a:ln>
+                <a:effectLst/>
+              </a:rPr>
+              <a:t>(</a:t>
+            </a:r>
+            <a:r>
+              <a:rPr kumimoji="0" lang="fr-FR" altLang="fr-FR" sz="1400" b="1" u="none" strike="noStrike" cap="none" normalizeH="0" baseline="0" dirty="0">
+                <a:ln>
+                  <a:noFill/>
+                </a:ln>
+                <a:solidFill>
+                  <a:srgbClr val="FFCC30"/>
+                </a:solidFill>
+                <a:effectLst/>
+              </a:rPr>
+              <a:t>-p</a:t>
+            </a:r>
+            <a:r>
+              <a:rPr kumimoji="0" lang="fr-FR" altLang="fr-FR" sz="1400" b="0" u="none" strike="noStrike" cap="none" normalizeH="0" baseline="0" dirty="0">
+                <a:ln>
+                  <a:noFill/>
+                </a:ln>
+                <a:effectLst/>
+              </a:rPr>
+              <a:t>) : ajout d’un préfixe devant tous les fichiers .</a:t>
+            </a:r>
+            <a:r>
+              <a:rPr kumimoji="0" lang="fr-FR" altLang="fr-FR" sz="1400" b="0" u="none" strike="noStrike" cap="none" normalizeH="0" baseline="0" dirty="0" err="1">
+                <a:ln>
+                  <a:noFill/>
+                </a:ln>
+                <a:effectLst/>
+              </a:rPr>
+              <a:t>Wav</a:t>
+            </a:r>
+            <a:r>
+              <a:rPr kumimoji="0" lang="fr-FR" altLang="fr-FR" sz="1400" b="0" u="none" strike="noStrike" cap="none" normalizeH="0" baseline="0" dirty="0">
+                <a:ln>
+                  <a:noFill/>
+                </a:ln>
+                <a:effectLst/>
+              </a:rPr>
+              <a:t> découpés </a:t>
+            </a:r>
+            <a:endParaRPr lang="fr-FR" sz="1400" i="1" dirty="0"/>
+          </a:p>
+        </p:txBody>
+      </p:sp>
+      <p:cxnSp>
+        <p:nvCxnSpPr>
+          <p:cNvPr id="33" name="Connecteur droit avec flèche 32">
+            <a:extLst>
+              <a:ext uri="{FF2B5EF4-FFF2-40B4-BE49-F238E27FC236}">
+                <a16:creationId xmlns:a16="http://schemas.microsoft.com/office/drawing/2014/main" id="{BBA563C2-068F-D461-6FDC-529B51D674B7}"/>
+              </a:ext>
+            </a:extLst>
+          </p:cNvPr>
+          <p:cNvCxnSpPr>
+            <a:cxnSpLocks/>
+          </p:cNvCxnSpPr>
+          <p:nvPr/>
+        </p:nvCxnSpPr>
+        <p:spPr>
+          <a:xfrm>
+            <a:off x="7718209" y="6193393"/>
+            <a:ext cx="640931" cy="0"/>
+          </a:xfrm>
+          <a:prstGeom prst="straightConnector1">
+            <a:avLst/>
+          </a:prstGeom>
+          <a:ln>
+            <a:solidFill>
+              <a:srgbClr val="CC0066"/>
+            </a:solidFill>
+            <a:tailEnd type="triangle"/>
+          </a:ln>
+        </p:spPr>
+        <p:style>
+          <a:lnRef idx="1">
+            <a:schemeClr val="accent1"/>
+          </a:lnRef>
+          <a:fillRef idx="0">
+            <a:schemeClr val="accent1"/>
+          </a:fillRef>
+          <a:effectRef idx="0">
+            <a:schemeClr val="accent1"/>
+          </a:effectRef>
+          <a:fontRef idx="minor">
+            <a:schemeClr val="tx1"/>
+          </a:fontRef>
+        </p:style>
+      </p:cxnSp>
+      <p:sp>
+        <p:nvSpPr>
+          <p:cNvPr id="34" name="ZoneTexte 33">
+            <a:extLst>
+              <a:ext uri="{FF2B5EF4-FFF2-40B4-BE49-F238E27FC236}">
+                <a16:creationId xmlns:a16="http://schemas.microsoft.com/office/drawing/2014/main" id="{EEFFF46E-E264-4A64-6888-9B817E31A821}"/>
+              </a:ext>
+            </a:extLst>
+          </p:cNvPr>
+          <p:cNvSpPr txBox="1"/>
+          <p:nvPr/>
+        </p:nvSpPr>
+        <p:spPr>
+          <a:xfrm>
+            <a:off x="8359141" y="5824061"/>
+            <a:ext cx="3596064" cy="738664"/>
+          </a:xfrm>
+          <a:prstGeom prst="rect">
+            <a:avLst/>
+          </a:prstGeom>
+          <a:noFill/>
+        </p:spPr>
+        <p:txBody>
+          <a:bodyPr wrap="square" rtlCol="0">
+            <a:spAutoFit/>
+          </a:bodyPr>
+          <a:lstStyle/>
+          <a:p>
+            <a:r>
+              <a:rPr kumimoji="0" lang="fr-FR" altLang="fr-FR" sz="1400" b="0" i="1" u="none" strike="noStrike" cap="none" normalizeH="0" baseline="0" dirty="0">
+                <a:ln>
+                  <a:noFill/>
+                </a:ln>
+                <a:effectLst/>
+              </a:rPr>
+              <a:t>generateSilentFiles</a:t>
+            </a:r>
+            <a:r>
+              <a:rPr kumimoji="0" lang="fr-FR" altLang="fr-FR" sz="1400" b="0" i="1" u="none" strike="noStrike" cap="none" normalizeH="0" baseline="0" dirty="0">
+                <a:ln>
+                  <a:noFill/>
+                </a:ln>
+                <a:solidFill>
+                  <a:schemeClr val="bg1">
+                    <a:lumMod val="65000"/>
+                  </a:schemeClr>
+                </a:solidFill>
+                <a:effectLst/>
+              </a:rPr>
+              <a:t> </a:t>
+            </a:r>
+            <a:r>
+              <a:rPr kumimoji="0" lang="fr-FR" altLang="fr-FR" sz="1400" b="0" u="none" strike="noStrike" cap="none" normalizeH="0" baseline="0" dirty="0">
+                <a:ln>
+                  <a:noFill/>
+                </a:ln>
+                <a:effectLst/>
+              </a:rPr>
+              <a:t>(</a:t>
+            </a:r>
+            <a:r>
+              <a:rPr kumimoji="0" lang="fr-FR" altLang="fr-FR" sz="1400" b="1" u="none" strike="noStrike" cap="none" normalizeH="0" baseline="0" dirty="0">
+                <a:ln>
+                  <a:noFill/>
+                </a:ln>
+                <a:solidFill>
+                  <a:srgbClr val="CC0066"/>
+                </a:solidFill>
+                <a:effectLst/>
+              </a:rPr>
+              <a:t>-s</a:t>
+            </a:r>
+            <a:r>
+              <a:rPr kumimoji="0" lang="fr-FR" altLang="fr-FR" sz="1400" b="0" u="none" strike="noStrike" cap="none" normalizeH="0" baseline="0" dirty="0">
+                <a:ln>
+                  <a:noFill/>
+                </a:ln>
+                <a:effectLst/>
+              </a:rPr>
+              <a:t>) :</a:t>
+            </a:r>
+            <a:br>
+              <a:rPr kumimoji="0" lang="fr-FR" altLang="fr-FR" sz="1400" b="0" u="none" strike="noStrike" cap="none" normalizeH="0" baseline="0" dirty="0">
+                <a:ln>
+                  <a:noFill/>
+                </a:ln>
+                <a:effectLst/>
+              </a:rPr>
+            </a:br>
+            <a:r>
+              <a:rPr kumimoji="0" lang="fr-FR" altLang="fr-FR" sz="1400" b="0" u="none" strike="noStrike" cap="none" normalizeH="0" baseline="0" dirty="0">
+                <a:ln>
+                  <a:noFill/>
+                </a:ln>
+                <a:effectLst/>
+              </a:rPr>
+              <a:t>ajout des périodes de silence non enregistrées car inférieure au seuil d’amplitude</a:t>
+            </a:r>
+            <a:endParaRPr lang="fr-FR" sz="1400" i="1" dirty="0"/>
+          </a:p>
+        </p:txBody>
+      </p:sp>
+      <p:sp>
+        <p:nvSpPr>
+          <p:cNvPr id="2" name="Ellipse 1">
+            <a:extLst>
+              <a:ext uri="{FF2B5EF4-FFF2-40B4-BE49-F238E27FC236}">
+                <a16:creationId xmlns:a16="http://schemas.microsoft.com/office/drawing/2014/main" id="{0E8F09AC-0016-C59B-F4E7-1F2090173BF8}"/>
+              </a:ext>
+            </a:extLst>
+          </p:cNvPr>
+          <p:cNvSpPr/>
+          <p:nvPr/>
+        </p:nvSpPr>
+        <p:spPr>
+          <a:xfrm>
+            <a:off x="5301781" y="5363762"/>
+            <a:ext cx="757056" cy="231323"/>
+          </a:xfrm>
+          <a:prstGeom prst="ellipse">
+            <a:avLst/>
+          </a:prstGeom>
+          <a:noFill/>
+          <a:ln w="19050">
+            <a:solidFill>
+              <a:srgbClr val="FF0000"/>
+            </a:solidFill>
+          </a:ln>
+        </p:spPr>
+        <p:style>
+          <a:lnRef idx="2">
+            <a:schemeClr val="accent1">
+              <a:shade val="50000"/>
+            </a:schemeClr>
+          </a:lnRef>
+          <a:fillRef idx="1">
+            <a:schemeClr val="accent1"/>
+          </a:fillRef>
+          <a:effectRef idx="0">
+            <a:schemeClr val="accent1"/>
+          </a:effectRef>
+          <a:fontRef idx="minor">
+            <a:schemeClr val="lt1"/>
+          </a:fontRef>
+        </p:style>
+        <p:txBody>
+          <a:bodyPr rtlCol="0" anchor="ctr"/>
+          <a:lstStyle/>
+          <a:p>
+            <a:pPr algn="ctr"/>
+            <a:endParaRPr lang="fr-FR" dirty="0"/>
+          </a:p>
+        </p:txBody>
+      </p:sp>
+    </p:spTree>
+    <p:extLst>
+      <p:ext uri="{BB962C8B-B14F-4D97-AF65-F5344CB8AC3E}">
+        <p14:creationId xmlns:p14="http://schemas.microsoft.com/office/powerpoint/2010/main" val="3284194986"/>
+      </p:ext>
+    </p:extLst>
+  </p:cSld>
+  <p:clrMapOvr>
+    <a:masterClrMapping/>
+  </p:clrMapOvr>
+</p:sld>
+</file>
+
+<file path=ppt/slides/slide9.xml><?xml version="1.0" encoding="utf-8"?>
+<p:sld xmlns:a="http://schemas.openxmlformats.org/drawingml/2006/main" xmlns:r="http://schemas.openxmlformats.org/officeDocument/2006/relationships" xmlns:p="http://schemas.openxmlformats.org/presentationml/2006/main">
+  <p:cSld>
+    <p:spTree>
+      <p:nvGrpSpPr>
+        <p:cNvPr id="1" name=""/>
+        <p:cNvGrpSpPr/>
+        <p:nvPr/>
+      </p:nvGrpSpPr>
+      <p:grpSpPr>
+        <a:xfrm>
+          <a:off x="0" y="0"/>
+          <a:ext cx="0" cy="0"/>
+          <a:chOff x="0" y="0"/>
+          <a:chExt cx="0" cy="0"/>
+        </a:xfrm>
+      </p:grpSpPr>
+      <p:pic>
+        <p:nvPicPr>
+          <p:cNvPr id="5" name="Image 4">
+            <a:extLst>
+              <a:ext uri="{FF2B5EF4-FFF2-40B4-BE49-F238E27FC236}">
+                <a16:creationId xmlns:a16="http://schemas.microsoft.com/office/drawing/2014/main" id="{6A4D97FE-63B9-20E6-4E4D-53DC423417ED}"/>
+              </a:ext>
+            </a:extLst>
+          </p:cNvPr>
+          <p:cNvPicPr>
+            <a:picLocks noChangeAspect="1"/>
+          </p:cNvPicPr>
+          <p:nvPr/>
+        </p:nvPicPr>
+        <p:blipFill>
+          <a:blip r:embed="rId2"/>
+          <a:stretch>
+            <a:fillRect/>
+          </a:stretch>
+        </p:blipFill>
+        <p:spPr>
+          <a:xfrm>
+            <a:off x="570729" y="4711822"/>
+            <a:ext cx="11050542" cy="1362265"/>
+          </a:xfrm>
+          <a:prstGeom prst="rect">
+            <a:avLst/>
+          </a:prstGeom>
+          <a:ln>
+            <a:solidFill>
+              <a:schemeClr val="tx1"/>
+            </a:solidFill>
+          </a:ln>
+        </p:spPr>
+      </p:pic>
+      <p:sp>
+        <p:nvSpPr>
+          <p:cNvPr id="8" name="ZoneTexte 7">
+            <a:extLst>
+              <a:ext uri="{FF2B5EF4-FFF2-40B4-BE49-F238E27FC236}">
+                <a16:creationId xmlns:a16="http://schemas.microsoft.com/office/drawing/2014/main" id="{2185369E-C3EF-995E-92BF-27B317986014}"/>
+              </a:ext>
+            </a:extLst>
+          </p:cNvPr>
+          <p:cNvSpPr txBox="1"/>
+          <p:nvPr/>
+        </p:nvSpPr>
+        <p:spPr>
+          <a:xfrm>
+            <a:off x="504203" y="688885"/>
+            <a:ext cx="6150595" cy="461665"/>
+          </a:xfrm>
+          <a:prstGeom prst="rect">
+            <a:avLst/>
+          </a:prstGeom>
+          <a:noFill/>
+        </p:spPr>
+        <p:txBody>
+          <a:bodyPr wrap="none" rtlCol="0">
+            <a:spAutoFit/>
+          </a:bodyPr>
+          <a:lstStyle/>
+          <a:p>
+            <a:r>
+              <a:rPr lang="fr-FR" sz="2400" b="1" dirty="0"/>
+              <a:t>Modifier les paramètres de découpe des </a:t>
+            </a:r>
+            <a:r>
+              <a:rPr lang="fr-FR" sz="2400" b="1" dirty="0" err="1"/>
+              <a:t>T.Wav</a:t>
+            </a:r>
+            <a:endParaRPr lang="fr-FR" sz="2400" dirty="0"/>
+          </a:p>
+        </p:txBody>
+      </p:sp>
+      <p:sp>
+        <p:nvSpPr>
+          <p:cNvPr id="9" name="ZoneTexte 8">
+            <a:extLst>
+              <a:ext uri="{FF2B5EF4-FFF2-40B4-BE49-F238E27FC236}">
+                <a16:creationId xmlns:a16="http://schemas.microsoft.com/office/drawing/2014/main" id="{117D58CE-554E-A868-EC00-03ED41E053FE}"/>
+              </a:ext>
+            </a:extLst>
+          </p:cNvPr>
+          <p:cNvSpPr txBox="1"/>
+          <p:nvPr/>
+        </p:nvSpPr>
+        <p:spPr>
+          <a:xfrm>
+            <a:off x="504203" y="1150550"/>
+            <a:ext cx="8401724" cy="646331"/>
+          </a:xfrm>
+          <a:prstGeom prst="rect">
+            <a:avLst/>
+          </a:prstGeom>
+          <a:noFill/>
+        </p:spPr>
+        <p:txBody>
+          <a:bodyPr wrap="none" rtlCol="0">
+            <a:spAutoFit/>
+          </a:bodyPr>
+          <a:lstStyle/>
+          <a:p>
+            <a:r>
+              <a:rPr lang="fr-FR" dirty="0">
+                <a:solidFill>
+                  <a:srgbClr val="FF0000"/>
+                </a:solidFill>
+              </a:rPr>
+              <a:t>Attention, à ne </a:t>
+            </a:r>
+            <a:r>
+              <a:rPr lang="fr-FR" b="1" dirty="0">
+                <a:solidFill>
+                  <a:srgbClr val="FF0000"/>
+                </a:solidFill>
+              </a:rPr>
+              <a:t>PAS</a:t>
+            </a:r>
+            <a:r>
+              <a:rPr lang="fr-FR" dirty="0">
+                <a:solidFill>
+                  <a:srgbClr val="FF0000"/>
+                </a:solidFill>
+              </a:rPr>
+              <a:t> faire si vous souhaiter déposer vos données sur le portail Vigie-</a:t>
+            </a:r>
+            <a:r>
+              <a:rPr lang="fr-FR" dirty="0" err="1">
+                <a:solidFill>
+                  <a:srgbClr val="FF0000"/>
+                </a:solidFill>
+              </a:rPr>
+              <a:t>Chrio</a:t>
+            </a:r>
+            <a:endParaRPr lang="fr-FR" dirty="0">
+              <a:solidFill>
+                <a:srgbClr val="FF0000"/>
+              </a:solidFill>
+            </a:endParaRPr>
+          </a:p>
+          <a:p>
+            <a:r>
+              <a:rPr lang="fr-FR" dirty="0">
+                <a:solidFill>
+                  <a:srgbClr val="FF0000"/>
+                </a:solidFill>
+              </a:rPr>
+              <a:t>Pour modifier un ou plusieurs paramètres</a:t>
+            </a:r>
+            <a:r>
+              <a:rPr lang="fr-FR">
+                <a:solidFill>
+                  <a:srgbClr val="FF0000"/>
+                </a:solidFill>
+              </a:rPr>
+              <a:t>, procédez ainsi :</a:t>
+            </a:r>
+            <a:endParaRPr lang="fr-FR" dirty="0">
+              <a:solidFill>
+                <a:srgbClr val="FF0000"/>
+              </a:solidFill>
+            </a:endParaRPr>
+          </a:p>
+        </p:txBody>
+      </p:sp>
+      <p:sp>
+        <p:nvSpPr>
+          <p:cNvPr id="10" name="Rectangle 1">
+            <a:extLst>
+              <a:ext uri="{FF2B5EF4-FFF2-40B4-BE49-F238E27FC236}">
+                <a16:creationId xmlns:a16="http://schemas.microsoft.com/office/drawing/2014/main" id="{A03DE4A2-B10F-7D42-5387-263C90918D2B}"/>
+              </a:ext>
+            </a:extLst>
+          </p:cNvPr>
+          <p:cNvSpPr>
+            <a:spLocks noChangeArrowheads="1"/>
+          </p:cNvSpPr>
+          <p:nvPr/>
+        </p:nvSpPr>
+        <p:spPr bwMode="auto">
+          <a:xfrm>
+            <a:off x="570729" y="1883540"/>
+            <a:ext cx="10451505" cy="2585323"/>
+          </a:xfrm>
+          <a:prstGeom prst="rect">
+            <a:avLst/>
+          </a:prstGeom>
+          <a:noFill/>
+          <a:ln>
+            <a:noFill/>
+          </a:ln>
+          <a:effectLst/>
+          <a:extLst>
+            <a:ext uri="{909E8E84-426E-40DD-AFC4-6F175D3DCCD1}">
+              <a14:hiddenFill xmlns:a14="http://schemas.microsoft.com/office/drawing/2010/main">
+                <a:solidFill>
+                  <a:schemeClr val="accent1"/>
+                </a:solidFill>
+              </a14:hiddenFill>
+            </a:ext>
+            <a:ext uri="{91240B29-F687-4F45-9708-019B960494DF}">
+              <a14:hiddenLine xmlns:a14="http://schemas.microsoft.com/office/drawing/2010/main" w="9525">
+                <a:solidFill>
+                  <a:schemeClr val="tx1"/>
+                </a:solidFill>
+                <a:miter lim="800000"/>
+                <a:headEnd/>
+                <a:tailEnd/>
+              </a14:hiddenLine>
+            </a:ext>
+            <a:ext uri="{AF507438-7753-43E0-B8FC-AC1667EBCBE1}">
+              <a14:hiddenEffects xmlns:a14="http://schemas.microsoft.com/office/drawing/2010/main">
+                <a:effectLst>
+                  <a:outerShdw dist="35921" dir="2700000" algn="ctr" rotWithShape="0">
+                    <a:schemeClr val="bg2"/>
+                  </a:outerShdw>
+                </a:effectLst>
+              </a14:hiddenEffects>
+            </a:ext>
+          </a:extLst>
+        </p:spPr>
+        <p:txBody>
+          <a:bodyPr vert="horz" wrap="square" lIns="91440" tIns="45720" rIns="91440" bIns="45720" numCol="1" anchor="ctr" anchorCtr="0" compatLnSpc="1">
+            <a:prstTxWarp prst="textNoShape">
+              <a:avLst/>
+            </a:prstTxWarp>
+            <a:spAutoFit/>
+          </a:bodyPr>
+          <a:lstStyle/>
+          <a:p>
+            <a:pPr marL="0" marR="0" lvl="0" indent="0" algn="l" defTabSz="914400" rtl="0" eaLnBrk="0" fontAlgn="base" latinLnBrk="0" hangingPunct="0">
+              <a:lnSpc>
+                <a:spcPct val="100000"/>
+              </a:lnSpc>
+              <a:spcBef>
+                <a:spcPct val="0"/>
+              </a:spcBef>
+              <a:spcAft>
+                <a:spcPct val="0"/>
+              </a:spcAft>
+              <a:buClrTx/>
+              <a:buSzTx/>
+              <a:buFontTx/>
+              <a:buNone/>
+              <a:tabLst/>
+            </a:pPr>
+            <a:r>
+              <a:rPr kumimoji="0" lang="fr-FR" altLang="fr-FR" b="0" i="0" u="none" strike="noStrike" cap="none" normalizeH="0" baseline="0" dirty="0">
+                <a:ln>
+                  <a:noFill/>
+                </a:ln>
+                <a:solidFill>
+                  <a:srgbClr val="28A745"/>
+                </a:solidFill>
+                <a:effectLst/>
+              </a:rPr>
+              <a:t>En plus de la commande de base qui utilise les paramètres par défaut…</a:t>
+            </a:r>
+          </a:p>
+          <a:p>
+            <a:pPr marL="0" marR="0" lvl="0" indent="0" algn="l" defTabSz="914400" rtl="0" eaLnBrk="0" fontAlgn="base" latinLnBrk="0" hangingPunct="0">
+              <a:lnSpc>
+                <a:spcPct val="100000"/>
+              </a:lnSpc>
+              <a:spcBef>
+                <a:spcPct val="0"/>
+              </a:spcBef>
+              <a:spcAft>
+                <a:spcPct val="0"/>
+              </a:spcAft>
+              <a:buClrTx/>
+              <a:buSzTx/>
+              <a:buFontTx/>
+              <a:buNone/>
+              <a:tabLst/>
+            </a:pPr>
+            <a:r>
+              <a:rPr kumimoji="0" lang="fr-FR" altLang="fr-FR" b="0" i="0" u="none" strike="noStrike" cap="none" normalizeH="0" baseline="0" dirty="0">
+                <a:ln>
+                  <a:noFill/>
+                </a:ln>
+                <a:solidFill>
+                  <a:srgbClr val="000000"/>
+                </a:solidFill>
+                <a:effectLst/>
+              </a:rPr>
+              <a:t>TWAV_Splitter.py </a:t>
+            </a:r>
+            <a:r>
+              <a:rPr kumimoji="0" lang="fr-FR" altLang="fr-FR" b="1" i="0" u="none" strike="noStrike" cap="none" normalizeH="0" baseline="0" dirty="0">
+                <a:ln>
+                  <a:noFill/>
+                </a:ln>
+                <a:solidFill>
+                  <a:srgbClr val="000000"/>
+                </a:solidFill>
+                <a:effectLst/>
+              </a:rPr>
+              <a:t>-i </a:t>
+            </a:r>
+            <a:r>
+              <a:rPr kumimoji="0" lang="fr-FR" altLang="fr-FR" b="0" i="0" u="none" strike="noStrike" cap="none" normalizeH="0" baseline="0" dirty="0">
+                <a:ln>
+                  <a:noFill/>
+                </a:ln>
+                <a:solidFill>
+                  <a:schemeClr val="bg1">
+                    <a:lumMod val="65000"/>
+                  </a:schemeClr>
+                </a:solidFill>
+                <a:effectLst/>
+              </a:rPr>
+              <a:t>(inputdirectory</a:t>
+            </a:r>
+            <a:r>
+              <a:rPr lang="fr-FR" altLang="fr-FR" dirty="0">
+                <a:solidFill>
+                  <a:schemeClr val="bg1">
+                    <a:lumMod val="65000"/>
+                  </a:schemeClr>
+                </a:solidFill>
+              </a:rPr>
+              <a:t>)</a:t>
+            </a:r>
+            <a:r>
+              <a:rPr kumimoji="0" lang="fr-FR" altLang="fr-FR" b="0" i="0" u="none" strike="noStrike" cap="none" normalizeH="0" baseline="0" dirty="0">
+                <a:ln>
+                  <a:noFill/>
+                </a:ln>
+                <a:solidFill>
+                  <a:schemeClr val="bg1">
+                    <a:lumMod val="65000"/>
+                  </a:schemeClr>
+                </a:solidFill>
+                <a:effectLst/>
+              </a:rPr>
+              <a:t> </a:t>
+            </a:r>
+            <a:r>
+              <a:rPr kumimoji="0" lang="fr-FR" altLang="fr-FR" b="1" i="0" u="none" strike="noStrike" cap="none" normalizeH="0" baseline="0" dirty="0">
+                <a:ln>
+                  <a:noFill/>
+                </a:ln>
+                <a:solidFill>
+                  <a:srgbClr val="000000"/>
+                </a:solidFill>
+                <a:effectLst/>
+              </a:rPr>
+              <a:t>-o </a:t>
+            </a:r>
+            <a:r>
+              <a:rPr kumimoji="0" lang="fr-FR" altLang="fr-FR" b="0" i="0" u="none" strike="noStrike" cap="none" normalizeH="0" baseline="0" dirty="0">
+                <a:ln>
+                  <a:noFill/>
+                </a:ln>
+                <a:solidFill>
+                  <a:schemeClr val="bg1">
+                    <a:lumMod val="65000"/>
+                  </a:schemeClr>
+                </a:solidFill>
+                <a:effectLst/>
+              </a:rPr>
+              <a:t>(outputdirectory)</a:t>
+            </a:r>
+            <a:endParaRPr lang="fr-FR" altLang="fr-FR" dirty="0">
+              <a:solidFill>
+                <a:schemeClr val="bg1">
+                  <a:lumMod val="65000"/>
+                </a:schemeClr>
+              </a:solidFill>
+            </a:endParaRPr>
+          </a:p>
+          <a:p>
+            <a:pPr marL="0" marR="0" lvl="0" indent="0" algn="l" defTabSz="914400" rtl="0" eaLnBrk="0" fontAlgn="base" latinLnBrk="0" hangingPunct="0">
+              <a:lnSpc>
+                <a:spcPct val="100000"/>
+              </a:lnSpc>
+              <a:spcBef>
+                <a:spcPct val="0"/>
+              </a:spcBef>
+              <a:spcAft>
+                <a:spcPct val="0"/>
+              </a:spcAft>
+              <a:buClrTx/>
+              <a:buSzTx/>
+              <a:buFontTx/>
+              <a:buNone/>
+              <a:tabLst/>
+            </a:pPr>
+            <a:r>
+              <a:rPr kumimoji="0" lang="fr-FR" altLang="fr-FR" b="0" i="0" u="none" strike="noStrike" cap="none" normalizeH="0" baseline="0" dirty="0">
+                <a:ln>
+                  <a:noFill/>
+                </a:ln>
+                <a:solidFill>
+                  <a:srgbClr val="28A745"/>
+                </a:solidFill>
+                <a:effectLst/>
+              </a:rPr>
+              <a:t>…Il est possible de modifier la valeur de ces paramètres en ajoutant [Espace] [-][paramètre] [espace] [valeur] :</a:t>
+            </a:r>
+          </a:p>
+          <a:p>
+            <a:pPr marL="171450" marR="0" lvl="0" indent="-171450" algn="l" defTabSz="914400" rtl="0" eaLnBrk="0" fontAlgn="base" latinLnBrk="0" hangingPunct="0">
+              <a:lnSpc>
+                <a:spcPct val="100000"/>
+              </a:lnSpc>
+              <a:spcBef>
+                <a:spcPct val="0"/>
+              </a:spcBef>
+              <a:spcAft>
+                <a:spcPct val="0"/>
+              </a:spcAft>
+              <a:buClrTx/>
+              <a:buSzTx/>
+              <a:buFont typeface="Arial" panose="020B0604020202020204" pitchFamily="34" charset="0"/>
+              <a:buChar char="•"/>
+              <a:tabLst/>
+            </a:pPr>
+            <a:r>
+              <a:rPr kumimoji="0" lang="fr-FR" altLang="fr-FR" b="1" i="0" u="none" strike="noStrike" cap="none" normalizeH="0" baseline="0" dirty="0">
+                <a:ln>
+                  <a:noFill/>
+                </a:ln>
+                <a:solidFill>
+                  <a:srgbClr val="EE853E"/>
+                </a:solidFill>
+                <a:effectLst/>
+              </a:rPr>
+              <a:t>-n </a:t>
+            </a:r>
+            <a:r>
+              <a:rPr kumimoji="0" lang="fr-FR" altLang="fr-FR" b="0" i="1" u="none" strike="noStrike" cap="none" normalizeH="0" baseline="0" dirty="0">
+                <a:ln>
+                  <a:noFill/>
+                </a:ln>
+                <a:solidFill>
+                  <a:schemeClr val="bg1">
+                    <a:lumMod val="65000"/>
+                  </a:schemeClr>
+                </a:solidFill>
+                <a:effectLst/>
+              </a:rPr>
+              <a:t>(nombre de processus - </a:t>
+            </a:r>
+            <a:r>
+              <a:rPr kumimoji="0" lang="fr-FR" altLang="fr-FR" b="0" i="1" u="none" strike="noStrike" cap="none" normalizeH="0" baseline="0" dirty="0">
+                <a:ln>
+                  <a:noFill/>
+                </a:ln>
+                <a:solidFill>
+                  <a:schemeClr val="bg1">
+                    <a:lumMod val="65000"/>
+                  </a:schemeClr>
+                </a:solidFill>
+                <a:effectLst/>
+                <a:hlinkClick r:id="rId3" action="ppaction://hlinksldjump">
+                  <a:extLst>
+                    <a:ext uri="{A12FA001-AC4F-418D-AE19-62706E023703}">
+                      <ahyp:hlinkClr xmlns:ahyp="http://schemas.microsoft.com/office/drawing/2018/hyperlinkcolor" val="tx"/>
+                    </a:ext>
+                  </a:extLst>
+                </a:hlinkClick>
+              </a:rPr>
+              <a:t>étape 5</a:t>
+            </a:r>
+            <a:r>
+              <a:rPr kumimoji="0" lang="fr-FR" altLang="fr-FR" b="0" i="1" u="none" strike="noStrike" cap="none" normalizeH="0" baseline="0" dirty="0">
+                <a:ln>
+                  <a:noFill/>
+                </a:ln>
+                <a:solidFill>
+                  <a:schemeClr val="bg1">
+                    <a:lumMod val="65000"/>
+                  </a:schemeClr>
+                </a:solidFill>
+                <a:effectLst/>
+              </a:rPr>
+              <a:t> -) </a:t>
+            </a:r>
+            <a:r>
+              <a:rPr kumimoji="0" lang="fr-FR" altLang="fr-FR" b="0" i="0" u="none" strike="noStrike" cap="none" normalizeH="0" baseline="0" dirty="0">
+                <a:ln>
+                  <a:noFill/>
+                </a:ln>
+                <a:solidFill>
+                  <a:srgbClr val="000000"/>
+                </a:solidFill>
+                <a:effectLst/>
+              </a:rPr>
+              <a:t>: traitement simultané de plusieurs fichiers (par défaut </a:t>
+            </a:r>
+            <a:r>
+              <a:rPr kumimoji="0" lang="fr-FR" altLang="fr-FR" b="1" i="0" u="none" strike="noStrike" cap="none" normalizeH="0" baseline="0" dirty="0">
+                <a:ln>
+                  <a:noFill/>
+                </a:ln>
+                <a:solidFill>
+                  <a:srgbClr val="000000"/>
+                </a:solidFill>
+                <a:effectLst/>
+              </a:rPr>
+              <a:t>2</a:t>
+            </a:r>
+            <a:r>
+              <a:rPr kumimoji="0" lang="fr-FR" altLang="fr-FR" b="0" i="0" u="none" strike="noStrike" cap="none" normalizeH="0" baseline="0" dirty="0">
+                <a:ln>
+                  <a:noFill/>
+                </a:ln>
+                <a:solidFill>
+                  <a:srgbClr val="000000"/>
+                </a:solidFill>
+                <a:effectLst/>
+              </a:rPr>
+              <a:t>)</a:t>
+            </a:r>
+          </a:p>
+          <a:p>
+            <a:pPr marL="171450" marR="0" lvl="0" indent="-171450" algn="l" defTabSz="914400" rtl="0" eaLnBrk="0" fontAlgn="base" latinLnBrk="0" hangingPunct="0">
+              <a:lnSpc>
+                <a:spcPct val="100000"/>
+              </a:lnSpc>
+              <a:spcBef>
+                <a:spcPct val="0"/>
+              </a:spcBef>
+              <a:spcAft>
+                <a:spcPct val="0"/>
+              </a:spcAft>
+              <a:buClrTx/>
+              <a:buSzTx/>
+              <a:buFont typeface="Arial" panose="020B0604020202020204" pitchFamily="34" charset="0"/>
+              <a:buChar char="•"/>
+              <a:tabLst/>
+            </a:pPr>
+            <a:r>
+              <a:rPr kumimoji="0" lang="fr-FR" altLang="fr-FR" b="1" i="0" u="none" strike="noStrike" cap="none" normalizeH="0" baseline="0" dirty="0">
+                <a:ln>
+                  <a:noFill/>
+                </a:ln>
+                <a:solidFill>
+                  <a:srgbClr val="FFCC30"/>
+                </a:solidFill>
+                <a:effectLst/>
+              </a:rPr>
+              <a:t>-p </a:t>
+            </a:r>
+            <a:r>
+              <a:rPr kumimoji="0" lang="fr-FR" altLang="fr-FR" b="0" i="1" u="none" strike="noStrike" cap="none" normalizeH="0" baseline="0" dirty="0">
+                <a:ln>
+                  <a:noFill/>
+                </a:ln>
+                <a:solidFill>
+                  <a:schemeClr val="bg1">
+                    <a:lumMod val="65000"/>
+                  </a:schemeClr>
+                </a:solidFill>
+                <a:effectLst/>
+              </a:rPr>
+              <a:t>(Add_prefix</a:t>
+            </a:r>
+            <a:r>
+              <a:rPr lang="fr-FR" altLang="fr-FR" i="1" dirty="0">
+                <a:solidFill>
+                  <a:schemeClr val="bg1">
+                    <a:lumMod val="65000"/>
+                  </a:schemeClr>
+                </a:solidFill>
+              </a:rPr>
+              <a:t>)</a:t>
+            </a:r>
+            <a:r>
+              <a:rPr kumimoji="0" lang="fr-FR" altLang="fr-FR" b="0" i="1" u="none" strike="noStrike" cap="none" normalizeH="0" baseline="0" dirty="0">
+                <a:ln>
+                  <a:noFill/>
+                </a:ln>
+                <a:solidFill>
+                  <a:schemeClr val="bg1">
+                    <a:lumMod val="65000"/>
+                  </a:schemeClr>
+                </a:solidFill>
+                <a:effectLst/>
+              </a:rPr>
+              <a:t> </a:t>
+            </a:r>
+            <a:r>
+              <a:rPr kumimoji="0" lang="fr-FR" altLang="fr-FR" b="0" i="0" u="none" strike="noStrike" cap="none" normalizeH="0" baseline="0" dirty="0">
+                <a:ln>
+                  <a:noFill/>
+                </a:ln>
+                <a:solidFill>
+                  <a:srgbClr val="000000"/>
+                </a:solidFill>
+                <a:effectLst/>
+              </a:rPr>
+              <a:t>: chaine de caractères à ajouter comme préfixe des noms des fichiers (par défaut </a:t>
+            </a:r>
+            <a:r>
+              <a:rPr kumimoji="0" lang="fr-FR" altLang="fr-FR" b="1" i="0" u="none" strike="noStrike" cap="none" normalizeH="0" baseline="0" dirty="0">
+                <a:ln>
+                  <a:noFill/>
+                </a:ln>
+                <a:solidFill>
+                  <a:srgbClr val="000000"/>
+                </a:solidFill>
+                <a:effectLst/>
+              </a:rPr>
+              <a:t>‘’</a:t>
+            </a:r>
+            <a:r>
+              <a:rPr kumimoji="0" lang="fr-FR" altLang="fr-FR" b="0" i="0" u="none" strike="noStrike" cap="none" normalizeH="0" baseline="0" dirty="0">
+                <a:ln>
+                  <a:noFill/>
+                </a:ln>
+                <a:solidFill>
+                  <a:srgbClr val="000000"/>
+                </a:solidFill>
+                <a:effectLst/>
+              </a:rPr>
+              <a:t>) </a:t>
+            </a:r>
+          </a:p>
+          <a:p>
+            <a:pPr marL="171450" marR="0" lvl="0" indent="-171450" algn="l" defTabSz="914400" rtl="0" eaLnBrk="0" fontAlgn="base" latinLnBrk="0" hangingPunct="0">
+              <a:lnSpc>
+                <a:spcPct val="100000"/>
+              </a:lnSpc>
+              <a:spcBef>
+                <a:spcPct val="0"/>
+              </a:spcBef>
+              <a:spcAft>
+                <a:spcPct val="0"/>
+              </a:spcAft>
+              <a:buClrTx/>
+              <a:buSzTx/>
+              <a:buFont typeface="Arial" panose="020B0604020202020204" pitchFamily="34" charset="0"/>
+              <a:buChar char="•"/>
+              <a:tabLst/>
+            </a:pPr>
+            <a:r>
+              <a:rPr kumimoji="0" lang="fr-FR" altLang="fr-FR" b="1" i="0" u="none" strike="noStrike" cap="none" normalizeH="0" baseline="0" dirty="0">
+                <a:ln>
+                  <a:noFill/>
+                </a:ln>
+                <a:solidFill>
+                  <a:srgbClr val="00CCFF"/>
+                </a:solidFill>
+                <a:effectLst/>
+              </a:rPr>
+              <a:t>-e </a:t>
+            </a:r>
+            <a:r>
+              <a:rPr kumimoji="0" lang="fr-FR" altLang="fr-FR" b="0" i="1" u="none" strike="noStrike" cap="none" normalizeH="0" baseline="0" dirty="0">
+                <a:ln>
+                  <a:noFill/>
+                </a:ln>
+                <a:solidFill>
+                  <a:schemeClr val="bg1">
+                    <a:lumMod val="65000"/>
+                  </a:schemeClr>
+                </a:solidFill>
+                <a:effectLst/>
+              </a:rPr>
+              <a:t>(expansionType</a:t>
+            </a:r>
+            <a:r>
+              <a:rPr lang="fr-FR" altLang="fr-FR" i="1" dirty="0">
+                <a:solidFill>
+                  <a:schemeClr val="bg1">
+                    <a:lumMod val="65000"/>
+                  </a:schemeClr>
+                </a:solidFill>
+              </a:rPr>
+              <a:t>)</a:t>
+            </a:r>
+            <a:r>
+              <a:rPr kumimoji="0" lang="fr-FR" altLang="fr-FR" b="0" i="1" u="none" strike="noStrike" cap="none" normalizeH="0" baseline="0" dirty="0">
+                <a:ln>
+                  <a:noFill/>
+                </a:ln>
+                <a:solidFill>
+                  <a:schemeClr val="bg1">
+                    <a:lumMod val="65000"/>
+                  </a:schemeClr>
+                </a:solidFill>
+                <a:effectLst/>
+              </a:rPr>
+              <a:t> </a:t>
+            </a:r>
+            <a:r>
+              <a:rPr kumimoji="0" lang="fr-FR" altLang="fr-FR" b="0" i="0" u="none" strike="noStrike" cap="none" normalizeH="0" baseline="0" dirty="0">
+                <a:ln>
+                  <a:noFill/>
+                </a:ln>
+                <a:solidFill>
+                  <a:srgbClr val="000000"/>
+                </a:solidFill>
+                <a:effectLst/>
+              </a:rPr>
+              <a:t>: 'EVENT' ou 'DURATION' (par défaut </a:t>
+            </a:r>
+            <a:r>
+              <a:rPr kumimoji="0" lang="fr-FR" altLang="fr-FR" b="1" i="0" u="none" strike="noStrike" cap="none" normalizeH="0" baseline="0" dirty="0">
+                <a:ln>
+                  <a:noFill/>
+                </a:ln>
+                <a:solidFill>
+                  <a:srgbClr val="000000"/>
+                </a:solidFill>
+                <a:effectLst/>
+              </a:rPr>
+              <a:t>'EVENT</a:t>
+            </a:r>
+            <a:r>
+              <a:rPr kumimoji="0" lang="fr-FR" altLang="fr-FR" b="0" i="0" u="none" strike="noStrike" cap="none" normalizeH="0" baseline="0" dirty="0">
+                <a:ln>
+                  <a:noFill/>
+                </a:ln>
+                <a:solidFill>
+                  <a:srgbClr val="000000"/>
+                </a:solidFill>
+                <a:effectLst/>
+              </a:rPr>
+              <a:t>’) </a:t>
+            </a:r>
+          </a:p>
+          <a:p>
+            <a:pPr marL="171450" marR="0" lvl="0" indent="-171450" algn="l" defTabSz="914400" rtl="0" eaLnBrk="0" fontAlgn="base" latinLnBrk="0" hangingPunct="0">
+              <a:lnSpc>
+                <a:spcPct val="100000"/>
+              </a:lnSpc>
+              <a:spcBef>
+                <a:spcPct val="0"/>
+              </a:spcBef>
+              <a:spcAft>
+                <a:spcPct val="0"/>
+              </a:spcAft>
+              <a:buClrTx/>
+              <a:buSzTx/>
+              <a:buFont typeface="Arial" panose="020B0604020202020204" pitchFamily="34" charset="0"/>
+              <a:buChar char="•"/>
+              <a:tabLst/>
+            </a:pPr>
+            <a:r>
+              <a:rPr kumimoji="0" lang="fr-FR" altLang="fr-FR" b="1" i="0" u="none" strike="noStrike" cap="none" normalizeH="0" baseline="0" dirty="0">
+                <a:ln>
+                  <a:noFill/>
+                </a:ln>
+                <a:solidFill>
+                  <a:srgbClr val="7030A0"/>
+                </a:solidFill>
+                <a:effectLst/>
+              </a:rPr>
+              <a:t>-d </a:t>
+            </a:r>
+            <a:r>
+              <a:rPr kumimoji="0" lang="fr-FR" altLang="fr-FR" b="0" i="1" u="none" strike="noStrike" cap="none" normalizeH="0" baseline="0" dirty="0">
+                <a:ln>
+                  <a:noFill/>
+                </a:ln>
+                <a:solidFill>
+                  <a:schemeClr val="bg1">
+                    <a:lumMod val="65000"/>
+                  </a:schemeClr>
+                </a:solidFill>
+                <a:effectLst/>
+              </a:rPr>
+              <a:t>(maximumFileDuration</a:t>
+            </a:r>
+            <a:r>
+              <a:rPr lang="fr-FR" altLang="fr-FR" i="1" dirty="0">
+                <a:solidFill>
+                  <a:schemeClr val="bg1">
+                    <a:lumMod val="65000"/>
+                  </a:schemeClr>
+                </a:solidFill>
+              </a:rPr>
+              <a:t>)</a:t>
+            </a:r>
+            <a:r>
+              <a:rPr kumimoji="0" lang="fr-FR" altLang="fr-FR" b="0" i="1" u="none" strike="noStrike" cap="none" normalizeH="0" baseline="0" dirty="0">
+                <a:ln>
+                  <a:noFill/>
+                </a:ln>
+                <a:solidFill>
+                  <a:schemeClr val="bg1">
+                    <a:lumMod val="65000"/>
+                  </a:schemeClr>
+                </a:solidFill>
+                <a:effectLst/>
+              </a:rPr>
+              <a:t> </a:t>
+            </a:r>
+            <a:r>
+              <a:rPr kumimoji="0" lang="fr-FR" altLang="fr-FR" b="0" i="0" u="none" strike="noStrike" cap="none" normalizeH="0" baseline="0" dirty="0">
+                <a:ln>
+                  <a:noFill/>
+                </a:ln>
+                <a:solidFill>
+                  <a:srgbClr val="000000"/>
+                </a:solidFill>
+                <a:effectLst/>
+              </a:rPr>
+              <a:t>: durée maximale des fichiers en secondes (par défaut </a:t>
+            </a:r>
+            <a:r>
+              <a:rPr kumimoji="0" lang="fr-FR" altLang="fr-FR" b="1" i="0" u="none" strike="noStrike" cap="none" normalizeH="0" baseline="0" dirty="0">
+                <a:ln>
+                  <a:noFill/>
+                </a:ln>
+                <a:solidFill>
+                  <a:srgbClr val="000000"/>
+                </a:solidFill>
+                <a:effectLst/>
+              </a:rPr>
+              <a:t>5</a:t>
+            </a:r>
+            <a:r>
+              <a:rPr kumimoji="0" lang="fr-FR" altLang="fr-FR" b="0" i="0" u="none" strike="noStrike" cap="none" normalizeH="0" baseline="0" dirty="0">
+                <a:ln>
+                  <a:noFill/>
+                </a:ln>
+                <a:solidFill>
+                  <a:srgbClr val="000000"/>
+                </a:solidFill>
+                <a:effectLst/>
+              </a:rPr>
+              <a:t>)</a:t>
+            </a:r>
+          </a:p>
+          <a:p>
+            <a:pPr marL="171450" marR="0" lvl="0" indent="-171450" algn="l" defTabSz="914400" rtl="0" eaLnBrk="0" fontAlgn="base" latinLnBrk="0" hangingPunct="0">
+              <a:lnSpc>
+                <a:spcPct val="100000"/>
+              </a:lnSpc>
+              <a:spcBef>
+                <a:spcPct val="0"/>
+              </a:spcBef>
+              <a:spcAft>
+                <a:spcPct val="0"/>
+              </a:spcAft>
+              <a:buClrTx/>
+              <a:buSzTx/>
+              <a:buFont typeface="Arial" panose="020B0604020202020204" pitchFamily="34" charset="0"/>
+              <a:buChar char="•"/>
+              <a:tabLst/>
+            </a:pPr>
+            <a:r>
+              <a:rPr kumimoji="0" lang="fr-FR" altLang="fr-FR" b="1" i="0" u="none" strike="noStrike" cap="none" normalizeH="0" baseline="0" dirty="0">
+                <a:ln>
+                  <a:noFill/>
+                </a:ln>
+                <a:solidFill>
+                  <a:srgbClr val="CC0066"/>
+                </a:solidFill>
+                <a:effectLst/>
+              </a:rPr>
+              <a:t>-s </a:t>
+            </a:r>
+            <a:r>
+              <a:rPr kumimoji="0" lang="fr-FR" altLang="fr-FR" b="0" i="1" u="none" strike="noStrike" cap="none" normalizeH="0" baseline="0" dirty="0">
+                <a:ln>
+                  <a:noFill/>
+                </a:ln>
+                <a:solidFill>
+                  <a:schemeClr val="bg1">
+                    <a:lumMod val="65000"/>
+                  </a:schemeClr>
+                </a:solidFill>
+                <a:effectLst/>
+              </a:rPr>
+              <a:t>(generateSilentFiles</a:t>
+            </a:r>
+            <a:r>
+              <a:rPr lang="fr-FR" altLang="fr-FR" i="1" dirty="0">
+                <a:solidFill>
+                  <a:schemeClr val="bg1">
+                    <a:lumMod val="65000"/>
+                  </a:schemeClr>
+                </a:solidFill>
+              </a:rPr>
+              <a:t>)</a:t>
+            </a:r>
+            <a:r>
+              <a:rPr kumimoji="0" lang="fr-FR" altLang="fr-FR" b="0" i="1" u="none" strike="noStrike" cap="none" normalizeH="0" baseline="0" dirty="0">
+                <a:ln>
+                  <a:noFill/>
+                </a:ln>
+                <a:solidFill>
+                  <a:schemeClr val="bg1">
+                    <a:lumMod val="65000"/>
+                  </a:schemeClr>
+                </a:solidFill>
+                <a:effectLst/>
+              </a:rPr>
+              <a:t> </a:t>
+            </a:r>
+            <a:r>
+              <a:rPr kumimoji="0" lang="fr-FR" altLang="fr-FR" b="0" i="0" u="none" strike="noStrike" cap="none" normalizeH="0" baseline="0" dirty="0">
+                <a:ln>
+                  <a:noFill/>
+                </a:ln>
+                <a:solidFill>
+                  <a:srgbClr val="000000"/>
+                </a:solidFill>
+                <a:effectLst/>
+              </a:rPr>
+              <a:t>: True ou False (par défaut </a:t>
+            </a:r>
+            <a:r>
+              <a:rPr kumimoji="0" lang="fr-FR" altLang="fr-FR" b="1" i="0" u="none" strike="noStrike" cap="none" normalizeH="0" baseline="0" dirty="0">
+                <a:ln>
+                  <a:noFill/>
+                </a:ln>
+                <a:solidFill>
+                  <a:srgbClr val="000000"/>
+                </a:solidFill>
+                <a:effectLst/>
+              </a:rPr>
+              <a:t>False</a:t>
+            </a:r>
+            <a:r>
+              <a:rPr kumimoji="0" lang="fr-FR" altLang="fr-FR" b="0" i="0" u="none" strike="noStrike" cap="none" normalizeH="0" baseline="0" dirty="0">
+                <a:ln>
+                  <a:noFill/>
+                </a:ln>
+                <a:solidFill>
+                  <a:srgbClr val="000000"/>
+                </a:solidFill>
+                <a:effectLst/>
+              </a:rPr>
+              <a:t>)</a:t>
+            </a:r>
+            <a:r>
+              <a:rPr kumimoji="0" lang="fr-FR" altLang="fr-FR" sz="1200" b="0" i="0" u="none" strike="noStrike" cap="none" normalizeH="0" baseline="0" dirty="0">
+                <a:ln>
+                  <a:noFill/>
+                </a:ln>
+                <a:solidFill>
+                  <a:srgbClr val="000000"/>
+                </a:solidFill>
+                <a:effectLst/>
+              </a:rPr>
+              <a:t> </a:t>
+            </a:r>
+            <a:r>
+              <a:rPr kumimoji="0" lang="fr-FR" altLang="fr-FR" sz="1200" b="0" i="1" u="none" strike="noStrike" cap="none" normalizeH="0" baseline="0" dirty="0">
+                <a:ln>
+                  <a:noFill/>
+                </a:ln>
+                <a:solidFill>
+                  <a:srgbClr val="000000"/>
+                </a:solidFill>
+                <a:effectLst/>
+              </a:rPr>
+              <a:t>// uniquement utilisable avec expansionType = ‘</a:t>
+            </a:r>
+            <a:r>
+              <a:rPr kumimoji="0" lang="fr-FR" altLang="fr-FR" sz="1200" b="0" i="1" u="none" strike="noStrike" cap="none" normalizeH="0" baseline="0" dirty="0">
+                <a:ln>
+                  <a:noFill/>
+                </a:ln>
+                <a:solidFill>
+                  <a:srgbClr val="00CCFF"/>
+                </a:solidFill>
+                <a:effectLst/>
+              </a:rPr>
+              <a:t>DURATION</a:t>
+            </a:r>
+            <a:r>
+              <a:rPr kumimoji="0" lang="fr-FR" altLang="fr-FR" sz="1200" b="0" i="1" u="none" strike="noStrike" cap="none" normalizeH="0" baseline="0" dirty="0">
+                <a:ln>
+                  <a:noFill/>
+                </a:ln>
+                <a:solidFill>
+                  <a:srgbClr val="000000"/>
+                </a:solidFill>
+                <a:effectLst/>
+              </a:rPr>
+              <a:t>’</a:t>
+            </a:r>
+          </a:p>
+          <a:p>
+            <a:pPr marL="171450" marR="0" lvl="0" indent="-171450" algn="l" defTabSz="914400" rtl="0" eaLnBrk="0" fontAlgn="base" latinLnBrk="0" hangingPunct="0">
+              <a:lnSpc>
+                <a:spcPct val="100000"/>
+              </a:lnSpc>
+              <a:spcBef>
+                <a:spcPct val="0"/>
+              </a:spcBef>
+              <a:spcAft>
+                <a:spcPct val="0"/>
+              </a:spcAft>
+              <a:buClrTx/>
+              <a:buSzTx/>
+              <a:buFont typeface="Arial" panose="020B0604020202020204" pitchFamily="34" charset="0"/>
+              <a:buChar char="•"/>
+              <a:tabLst/>
+              <a:defRPr/>
+            </a:pPr>
+            <a:r>
+              <a:rPr kumimoji="0" lang="fr-FR" altLang="fr-FR" b="1" i="0" u="none" strike="noStrike" cap="none" normalizeH="0" baseline="0" dirty="0">
+                <a:ln>
+                  <a:noFill/>
+                </a:ln>
+                <a:solidFill>
+                  <a:srgbClr val="006699"/>
+                </a:solidFill>
+                <a:effectLst/>
+              </a:rPr>
+              <a:t>-a </a:t>
+            </a:r>
+            <a:r>
+              <a:rPr kumimoji="0" lang="fr-FR" altLang="fr-FR" b="0" i="1" u="none" strike="noStrike" cap="none" normalizeH="0" baseline="0" dirty="0">
+                <a:ln>
+                  <a:noFill/>
+                </a:ln>
+                <a:solidFill>
+                  <a:schemeClr val="bg1">
+                    <a:lumMod val="65000"/>
+                  </a:schemeClr>
+                </a:solidFill>
+                <a:effectLst/>
+              </a:rPr>
+              <a:t>(alignToSecondsTransition</a:t>
+            </a:r>
+            <a:r>
+              <a:rPr lang="fr-FR" altLang="fr-FR" i="1" dirty="0">
+                <a:solidFill>
+                  <a:schemeClr val="bg1">
+                    <a:lumMod val="65000"/>
+                  </a:schemeClr>
+                </a:solidFill>
+              </a:rPr>
+              <a:t>)</a:t>
+            </a:r>
+            <a:r>
+              <a:rPr kumimoji="0" lang="fr-FR" altLang="fr-FR" b="0" i="1" u="none" strike="noStrike" cap="none" normalizeH="0" baseline="0" dirty="0">
+                <a:ln>
+                  <a:noFill/>
+                </a:ln>
+                <a:solidFill>
+                  <a:schemeClr val="bg1">
+                    <a:lumMod val="65000"/>
+                  </a:schemeClr>
+                </a:solidFill>
+                <a:effectLst/>
+              </a:rPr>
+              <a:t> </a:t>
+            </a:r>
+            <a:r>
+              <a:rPr kumimoji="0" lang="fr-FR" altLang="fr-FR" b="0" i="0" u="none" strike="noStrike" cap="none" normalizeH="0" baseline="0" dirty="0">
+                <a:ln>
+                  <a:noFill/>
+                </a:ln>
+                <a:solidFill>
+                  <a:srgbClr val="000000"/>
+                </a:solidFill>
+                <a:effectLst/>
+              </a:rPr>
+              <a:t>: True ou False (par défaut </a:t>
+            </a:r>
+            <a:r>
+              <a:rPr kumimoji="0" lang="fr-FR" altLang="fr-FR" b="1" i="0" u="none" strike="noStrike" cap="none" normalizeH="0" baseline="0" dirty="0">
+                <a:ln>
+                  <a:noFill/>
+                </a:ln>
+                <a:solidFill>
+                  <a:srgbClr val="000000"/>
+                </a:solidFill>
+                <a:effectLst/>
+              </a:rPr>
+              <a:t>False</a:t>
+            </a:r>
+            <a:r>
+              <a:rPr kumimoji="0" lang="fr-FR" altLang="fr-FR" b="0" i="0" u="none" strike="noStrike" cap="none" normalizeH="0" baseline="0" dirty="0">
+                <a:ln>
+                  <a:noFill/>
+                </a:ln>
+                <a:solidFill>
+                  <a:srgbClr val="000000"/>
+                </a:solidFill>
+                <a:effectLst/>
+              </a:rPr>
+              <a:t>)</a:t>
+            </a:r>
+            <a:r>
+              <a:rPr kumimoji="0" lang="fr-FR" altLang="fr-FR" b="0" i="0" u="none" strike="noStrike" cap="none" normalizeH="0" baseline="0" dirty="0">
+                <a:ln>
+                  <a:noFill/>
+                </a:ln>
+                <a:solidFill>
+                  <a:srgbClr val="067D17"/>
+                </a:solidFill>
+                <a:effectLst/>
+              </a:rPr>
+              <a:t> </a:t>
+            </a:r>
+            <a:r>
+              <a:rPr kumimoji="0" lang="fr-FR" altLang="fr-FR" sz="1200" b="0" i="1" u="none" strike="noStrike" kern="1200" cap="none" spc="0" normalizeH="0" baseline="0" noProof="0" dirty="0">
+                <a:ln>
+                  <a:noFill/>
+                </a:ln>
+                <a:solidFill>
+                  <a:srgbClr val="000000"/>
+                </a:solidFill>
+                <a:effectLst/>
+                <a:uLnTx/>
+                <a:uFillTx/>
+                <a:latin typeface="Calibri" panose="020F0502020204030204"/>
+                <a:ea typeface="+mn-ea"/>
+                <a:cs typeface="+mn-cs"/>
+              </a:rPr>
+              <a:t>// uniquement utilisable avec expansionType = ‘</a:t>
+            </a:r>
+            <a:r>
+              <a:rPr kumimoji="0" lang="fr-FR" altLang="fr-FR" sz="1200" b="0" i="1" u="none" strike="noStrike" kern="1200" cap="none" spc="0" normalizeH="0" baseline="0" noProof="0" dirty="0">
+                <a:ln>
+                  <a:noFill/>
+                </a:ln>
+                <a:solidFill>
+                  <a:srgbClr val="00CCFF"/>
+                </a:solidFill>
+                <a:effectLst/>
+                <a:uLnTx/>
+                <a:uFillTx/>
+                <a:latin typeface="Calibri" panose="020F0502020204030204"/>
+                <a:ea typeface="+mn-ea"/>
+                <a:cs typeface="+mn-cs"/>
+              </a:rPr>
+              <a:t>EVENT</a:t>
+            </a:r>
+            <a:r>
+              <a:rPr kumimoji="0" lang="fr-FR" altLang="fr-FR" sz="1200" b="0" i="1" u="none" strike="noStrike" kern="1200" cap="none" spc="0" normalizeH="0" baseline="0" noProof="0" dirty="0">
+                <a:ln>
+                  <a:noFill/>
+                </a:ln>
+                <a:solidFill>
+                  <a:srgbClr val="000000"/>
+                </a:solidFill>
+                <a:effectLst/>
+                <a:uLnTx/>
+                <a:uFillTx/>
+                <a:latin typeface="Calibri" panose="020F0502020204030204"/>
+                <a:ea typeface="+mn-ea"/>
+                <a:cs typeface="+mn-cs"/>
+              </a:rPr>
+              <a:t>’</a:t>
+            </a:r>
+            <a:endParaRPr kumimoji="0" lang="fr-FR" altLang="fr-FR" sz="1800" b="0" i="1" u="none" strike="noStrike" kern="1200" cap="none" spc="0" normalizeH="0" baseline="0" noProof="0" dirty="0">
+              <a:ln>
+                <a:noFill/>
+              </a:ln>
+              <a:solidFill>
+                <a:srgbClr val="000000"/>
+              </a:solidFill>
+              <a:effectLst/>
+              <a:uLnTx/>
+              <a:uFillTx/>
+              <a:latin typeface="Calibri" panose="020F0502020204030204"/>
+              <a:ea typeface="+mn-ea"/>
+              <a:cs typeface="+mn-cs"/>
+            </a:endParaRPr>
+          </a:p>
+        </p:txBody>
+      </p:sp>
+      <p:grpSp>
+        <p:nvGrpSpPr>
+          <p:cNvPr id="11" name="Groupe 10">
+            <a:extLst>
+              <a:ext uri="{FF2B5EF4-FFF2-40B4-BE49-F238E27FC236}">
+                <a16:creationId xmlns:a16="http://schemas.microsoft.com/office/drawing/2014/main" id="{0735F877-C30F-9F21-5B4C-6D2EAB397DA7}"/>
+              </a:ext>
+            </a:extLst>
+          </p:cNvPr>
+          <p:cNvGrpSpPr/>
+          <p:nvPr/>
+        </p:nvGrpSpPr>
+        <p:grpSpPr>
+          <a:xfrm>
+            <a:off x="12954772" y="41185"/>
+            <a:ext cx="5465688" cy="6270036"/>
+            <a:chOff x="5876925" y="507205"/>
+            <a:chExt cx="5113626" cy="5866163"/>
+          </a:xfrm>
+        </p:grpSpPr>
+        <p:pic>
+          <p:nvPicPr>
+            <p:cNvPr id="12" name="Image 11">
+              <a:extLst>
+                <a:ext uri="{FF2B5EF4-FFF2-40B4-BE49-F238E27FC236}">
+                  <a16:creationId xmlns:a16="http://schemas.microsoft.com/office/drawing/2014/main" id="{B7441E09-7293-0CD1-FEDA-E80804D2A410}"/>
                 </a:ext>
               </a:extLst>
             </p:cNvPr>
@@ -6892,7 +8844,7 @@
             <p:cNvPr id="13" name="Ellipse 12">
               <a:extLst>
                 <a:ext uri="{FF2B5EF4-FFF2-40B4-BE49-F238E27FC236}">
-                  <a16:creationId xmlns:a16="http://schemas.microsoft.com/office/drawing/2014/main" id="{ADB64434-093A-3E87-1D83-F773F38A8F84}"/>
+                  <a16:creationId xmlns:a16="http://schemas.microsoft.com/office/drawing/2014/main" id="{B795E34C-E68C-BCB5-8C32-75EDD34DB83E}"/>
                 </a:ext>
               </a:extLst>
             </p:cNvPr>
@@ -6944,7 +8896,7 @@
             <p:cNvPr id="14" name="Ellipse 13">
               <a:extLst>
                 <a:ext uri="{FF2B5EF4-FFF2-40B4-BE49-F238E27FC236}">
-                  <a16:creationId xmlns:a16="http://schemas.microsoft.com/office/drawing/2014/main" id="{95402DD9-83F6-0F2A-3092-BFA4CED75FB3}"/>
+                  <a16:creationId xmlns:a16="http://schemas.microsoft.com/office/drawing/2014/main" id="{3D4D3110-64FC-3D87-7C5F-D26E38EC9DF5}"/>
                 </a:ext>
               </a:extLst>
             </p:cNvPr>
@@ -6996,7 +8948,7 @@
             <p:cNvPr id="15" name="Ellipse 14">
               <a:extLst>
                 <a:ext uri="{FF2B5EF4-FFF2-40B4-BE49-F238E27FC236}">
-                  <a16:creationId xmlns:a16="http://schemas.microsoft.com/office/drawing/2014/main" id="{E1992D3D-FD11-0BC5-7737-BF2905A24B52}"/>
+                  <a16:creationId xmlns:a16="http://schemas.microsoft.com/office/drawing/2014/main" id="{9EBEC1B0-7B4F-C712-ACB3-5E708C584241}"/>
                 </a:ext>
               </a:extLst>
             </p:cNvPr>
@@ -7046,10 +8998,10 @@
       </p:grpSp>
       <p:sp>
         <p:nvSpPr>
-          <p:cNvPr id="16" name="ZoneTexte 15">
-            <a:extLst>
-              <a:ext uri="{FF2B5EF4-FFF2-40B4-BE49-F238E27FC236}">
-                <a16:creationId xmlns:a16="http://schemas.microsoft.com/office/drawing/2014/main" id="{E1E5016F-33AD-73A3-696F-0EAFA992AD06}"/>
+          <p:cNvPr id="17" name="ZoneTexte 16">
+            <a:extLst>
+              <a:ext uri="{FF2B5EF4-FFF2-40B4-BE49-F238E27FC236}">
+                <a16:creationId xmlns:a16="http://schemas.microsoft.com/office/drawing/2014/main" id="{6CF99381-6191-54EE-F5FF-3A1D0F25D87B}"/>
               </a:ext>
             </a:extLst>
           </p:cNvPr>
@@ -7058,8 +9010,8 @@
         </p:nvSpPr>
         <p:spPr>
           <a:xfrm>
-            <a:off x="1142378" y="5743330"/>
-            <a:ext cx="3723873" cy="923330"/>
+            <a:off x="570729" y="6074087"/>
+            <a:ext cx="11050542" cy="646331"/>
           </a:xfrm>
           <a:prstGeom prst="rect">
             <a:avLst/>
@@ -7067,277 +9019,329 @@
           <a:noFill/>
         </p:spPr>
         <p:txBody>
-          <a:bodyPr wrap="square" rtlCol="0">
+          <a:bodyPr wrap="square">
             <a:spAutoFit/>
           </a:bodyPr>
           <a:lstStyle/>
           <a:p>
             <a:pPr algn="ctr"/>
             <a:r>
-              <a:rPr lang="fr-FR" dirty="0"/>
-              <a:t>Voici les paramètres de l’application utilisés par défaut par le script.</a:t>
-            </a:r>
-          </a:p>
-          <a:p>
-            <a:pPr algn="ctr"/>
-            <a:r>
-              <a:rPr lang="fr-FR" dirty="0"/>
-              <a:t>Ce sont ceux indiqués par Vigie-Chiro.</a:t>
-            </a:r>
-          </a:p>
-        </p:txBody>
-      </p:sp>
-      <p:cxnSp>
-        <p:nvCxnSpPr>
-          <p:cNvPr id="20" name="Connecteur droit 19">
-            <a:extLst>
-              <a:ext uri="{FF2B5EF4-FFF2-40B4-BE49-F238E27FC236}">
-                <a16:creationId xmlns:a16="http://schemas.microsoft.com/office/drawing/2014/main" id="{DE040753-A4EF-6BCC-D664-F89AE78280C4}"/>
-              </a:ext>
-            </a:extLst>
-          </p:cNvPr>
-          <p:cNvCxnSpPr>
-            <a:cxnSpLocks/>
-          </p:cNvCxnSpPr>
+              <a:rPr lang="fr-FR" sz="1800" dirty="0">
+                <a:solidFill>
+                  <a:schemeClr val="bg1">
+                    <a:lumMod val="65000"/>
+                  </a:schemeClr>
+                </a:solidFill>
+              </a:rPr>
+              <a:t>Exemple pour 6 fichiers traités simultanément, avec l’ajout du préfixe ‘</a:t>
+            </a:r>
+            <a:r>
+              <a:rPr lang="fr-FR" sz="1800" dirty="0" err="1">
+                <a:solidFill>
+                  <a:schemeClr val="bg1">
+                    <a:lumMod val="65000"/>
+                  </a:schemeClr>
+                </a:solidFill>
+              </a:rPr>
+              <a:t>test_prefix</a:t>
+            </a:r>
+            <a:r>
+              <a:rPr lang="fr-FR" sz="1800" dirty="0">
+                <a:solidFill>
+                  <a:schemeClr val="bg1">
+                    <a:lumMod val="65000"/>
+                  </a:schemeClr>
+                </a:solidFill>
+              </a:rPr>
+              <a:t>’ aux fichiers .</a:t>
+            </a:r>
+            <a:r>
+              <a:rPr lang="fr-FR" sz="1800" dirty="0" err="1">
+                <a:solidFill>
+                  <a:schemeClr val="bg1">
+                    <a:lumMod val="65000"/>
+                  </a:schemeClr>
+                </a:solidFill>
+              </a:rPr>
+              <a:t>Wav</a:t>
+            </a:r>
+            <a:r>
+              <a:rPr lang="fr-FR" sz="1800" dirty="0">
+                <a:solidFill>
+                  <a:schemeClr val="bg1">
+                    <a:lumMod val="65000"/>
+                  </a:schemeClr>
+                </a:solidFill>
+              </a:rPr>
+              <a:t>, en utilisant la méthode basée sur une durée de 15 secondes max et en ajoutant les silences </a:t>
+            </a:r>
+          </a:p>
+        </p:txBody>
+      </p:sp>
+      <p:sp>
+        <p:nvSpPr>
+          <p:cNvPr id="18" name="Rectangle 17">
+            <a:extLst>
+              <a:ext uri="{FF2B5EF4-FFF2-40B4-BE49-F238E27FC236}">
+                <a16:creationId xmlns:a16="http://schemas.microsoft.com/office/drawing/2014/main" id="{8551960A-B61F-035F-CD7D-BE2EEFA66364}"/>
+              </a:ext>
+            </a:extLst>
+          </p:cNvPr>
+          <p:cNvSpPr/>
           <p:nvPr/>
-        </p:nvCxnSpPr>
-        <p:spPr>
-          <a:xfrm>
-            <a:off x="6096000" y="1973132"/>
-            <a:ext cx="0" cy="4341943"/>
-          </a:xfrm>
-          <a:prstGeom prst="line">
+        </p:nvSpPr>
+        <p:spPr>
+          <a:xfrm>
+            <a:off x="570730" y="5907489"/>
+            <a:ext cx="403996" cy="153988"/>
+          </a:xfrm>
+          <a:prstGeom prst="rect">
             <a:avLst/>
           </a:prstGeom>
-          <a:ln w="38100">
+          <a:noFill/>
+          <a:ln>
             <a:solidFill>
-              <a:schemeClr val="tx1"/>
+              <a:srgbClr val="EE853E"/>
             </a:solidFill>
           </a:ln>
         </p:spPr>
         <p:style>
-          <a:lnRef idx="1">
-            <a:schemeClr val="accent1"/>
+          <a:lnRef idx="2">
+            <a:schemeClr val="accent1">
+              <a:shade val="50000"/>
+            </a:schemeClr>
           </a:lnRef>
-          <a:fillRef idx="0">
+          <a:fillRef idx="1">
             <a:schemeClr val="accent1"/>
           </a:fillRef>
           <a:effectRef idx="0">
             <a:schemeClr val="accent1"/>
           </a:effectRef>
           <a:fontRef idx="minor">
-            <a:schemeClr val="tx1"/>
+            <a:schemeClr val="lt1"/>
           </a:fontRef>
         </p:style>
-      </p:cxnSp>
-      <p:pic>
-        <p:nvPicPr>
-          <p:cNvPr id="31" name="Image 30">
-            <a:extLst>
-              <a:ext uri="{FF2B5EF4-FFF2-40B4-BE49-F238E27FC236}">
-                <a16:creationId xmlns:a16="http://schemas.microsoft.com/office/drawing/2014/main" id="{A210DDDE-B629-F222-B628-21A58EE370FB}"/>
-              </a:ext>
-            </a:extLst>
-          </p:cNvPr>
-          <p:cNvPicPr>
-            <a:picLocks noChangeAspect="1"/>
-          </p:cNvPicPr>
+        <p:txBody>
+          <a:bodyPr rtlCol="0" anchor="ctr"/>
+          <a:lstStyle/>
+          <a:p>
+            <a:pPr algn="ctr"/>
+            <a:endParaRPr lang="fr-FR"/>
+          </a:p>
+        </p:txBody>
+      </p:sp>
+      <p:sp>
+        <p:nvSpPr>
+          <p:cNvPr id="19" name="Rectangle 18">
+            <a:extLst>
+              <a:ext uri="{FF2B5EF4-FFF2-40B4-BE49-F238E27FC236}">
+                <a16:creationId xmlns:a16="http://schemas.microsoft.com/office/drawing/2014/main" id="{B49F7DDA-9D43-7324-D901-ACF334B81339}"/>
+              </a:ext>
+            </a:extLst>
+          </p:cNvPr>
+          <p:cNvSpPr/>
           <p:nvPr/>
-        </p:nvPicPr>
-        <p:blipFill rotWithShape="1">
-          <a:blip r:embed="rId5"/>
-          <a:srcRect t="3186" b="-1"/>
-          <a:stretch/>
-        </p:blipFill>
-        <p:spPr>
-          <a:xfrm>
-            <a:off x="6338730" y="5115953"/>
-            <a:ext cx="5489835" cy="656819"/>
+        </p:nvSpPr>
+        <p:spPr>
+          <a:xfrm>
+            <a:off x="1029719" y="5907489"/>
+            <a:ext cx="1218182" cy="153988"/>
           </a:xfrm>
           <a:prstGeom prst="rect">
             <a:avLst/>
           </a:prstGeom>
+          <a:noFill/>
           <a:ln>
             <a:solidFill>
-              <a:schemeClr val="tx1"/>
+              <a:srgbClr val="FFCC30"/>
             </a:solidFill>
           </a:ln>
         </p:spPr>
-      </p:pic>
-      <p:cxnSp>
-        <p:nvCxnSpPr>
-          <p:cNvPr id="33" name="Connecteur droit avec flèche 32">
-            <a:extLst>
-              <a:ext uri="{FF2B5EF4-FFF2-40B4-BE49-F238E27FC236}">
-                <a16:creationId xmlns:a16="http://schemas.microsoft.com/office/drawing/2014/main" id="{4C275149-938F-BE01-FDFD-03966F6EF5D4}"/>
-              </a:ext>
-            </a:extLst>
-          </p:cNvPr>
-          <p:cNvCxnSpPr>
-            <a:cxnSpLocks/>
-          </p:cNvCxnSpPr>
-          <p:nvPr/>
-        </p:nvCxnSpPr>
-        <p:spPr>
-          <a:xfrm>
-            <a:off x="4572815" y="4341019"/>
-            <a:ext cx="2242323" cy="866761"/>
-          </a:xfrm>
-          <a:prstGeom prst="straightConnector1">
-            <a:avLst/>
-          </a:prstGeom>
-          <a:ln>
-            <a:tailEnd type="triangle"/>
-          </a:ln>
-        </p:spPr>
         <p:style>
-          <a:lnRef idx="1">
-            <a:schemeClr val="accent2"/>
+          <a:lnRef idx="2">
+            <a:schemeClr val="accent1">
+              <a:shade val="50000"/>
+            </a:schemeClr>
           </a:lnRef>
-          <a:fillRef idx="0">
-            <a:schemeClr val="accent2"/>
-          </a:fillRef>
-          <a:effectRef idx="0">
-            <a:schemeClr val="accent2"/>
-          </a:effectRef>
-          <a:fontRef idx="minor">
-            <a:schemeClr val="tx1"/>
-          </a:fontRef>
-        </p:style>
-      </p:cxnSp>
-      <p:cxnSp>
-        <p:nvCxnSpPr>
-          <p:cNvPr id="36" name="Connecteur droit avec flèche 35">
-            <a:extLst>
-              <a:ext uri="{FF2B5EF4-FFF2-40B4-BE49-F238E27FC236}">
-                <a16:creationId xmlns:a16="http://schemas.microsoft.com/office/drawing/2014/main" id="{E6BB645A-660F-5023-D8C2-9FCB7940A4F4}"/>
-              </a:ext>
-            </a:extLst>
-          </p:cNvPr>
-          <p:cNvCxnSpPr>
-            <a:cxnSpLocks/>
-          </p:cNvCxnSpPr>
-          <p:nvPr/>
-        </p:nvCxnSpPr>
-        <p:spPr>
-          <a:xfrm>
-            <a:off x="4521070" y="2946993"/>
-            <a:ext cx="2294068" cy="2750486"/>
-          </a:xfrm>
-          <a:prstGeom prst="straightConnector1">
-            <a:avLst/>
-          </a:prstGeom>
-          <a:ln>
-            <a:solidFill>
-              <a:srgbClr val="00CCFF"/>
-            </a:solidFill>
-            <a:tailEnd type="triangle"/>
-          </a:ln>
-        </p:spPr>
-        <p:style>
-          <a:lnRef idx="1">
-            <a:schemeClr val="accent1"/>
-          </a:lnRef>
-          <a:fillRef idx="0">
+          <a:fillRef idx="1">
             <a:schemeClr val="accent1"/>
           </a:fillRef>
           <a:effectRef idx="0">
             <a:schemeClr val="accent1"/>
           </a:effectRef>
           <a:fontRef idx="minor">
-            <a:schemeClr val="tx1"/>
+            <a:schemeClr val="lt1"/>
           </a:fontRef>
         </p:style>
-      </p:cxnSp>
-      <p:cxnSp>
-        <p:nvCxnSpPr>
-          <p:cNvPr id="38" name="Connecteur droit avec flèche 37">
-            <a:extLst>
-              <a:ext uri="{FF2B5EF4-FFF2-40B4-BE49-F238E27FC236}">
-                <a16:creationId xmlns:a16="http://schemas.microsoft.com/office/drawing/2014/main" id="{CA671BC2-7560-DED2-3FA5-94FB85BAB665}"/>
-              </a:ext>
-            </a:extLst>
-          </p:cNvPr>
-          <p:cNvCxnSpPr>
-            <a:cxnSpLocks/>
-          </p:cNvCxnSpPr>
+        <p:txBody>
+          <a:bodyPr rtlCol="0" anchor="ctr"/>
+          <a:lstStyle/>
+          <a:p>
+            <a:pPr algn="ctr"/>
+            <a:endParaRPr lang="fr-FR"/>
+          </a:p>
+        </p:txBody>
+      </p:sp>
+      <p:sp>
+        <p:nvSpPr>
+          <p:cNvPr id="20" name="Rectangle 19">
+            <a:extLst>
+              <a:ext uri="{FF2B5EF4-FFF2-40B4-BE49-F238E27FC236}">
+                <a16:creationId xmlns:a16="http://schemas.microsoft.com/office/drawing/2014/main" id="{6E2C58B8-977D-475F-08A7-B398B9682D8D}"/>
+              </a:ext>
+            </a:extLst>
+          </p:cNvPr>
+          <p:cNvSpPr/>
           <p:nvPr/>
-        </p:nvCxnSpPr>
-        <p:spPr>
-          <a:xfrm>
-            <a:off x="3045619" y="2195791"/>
-            <a:ext cx="3769519" cy="3133447"/>
-          </a:xfrm>
-          <a:prstGeom prst="straightConnector1">
+        </p:nvSpPr>
+        <p:spPr>
+          <a:xfrm>
+            <a:off x="3398789" y="5907489"/>
+            <a:ext cx="398512" cy="153988"/>
+          </a:xfrm>
+          <a:prstGeom prst="rect">
             <a:avLst/>
           </a:prstGeom>
-          <a:ln>
-            <a:tailEnd type="triangle"/>
-          </a:ln>
-        </p:spPr>
-        <p:style>
-          <a:lnRef idx="1">
-            <a:schemeClr val="accent4"/>
-          </a:lnRef>
-          <a:fillRef idx="0">
-            <a:schemeClr val="accent4"/>
-          </a:fillRef>
-          <a:effectRef idx="0">
-            <a:schemeClr val="accent4"/>
-          </a:effectRef>
-          <a:fontRef idx="minor">
-            <a:schemeClr val="tx1"/>
-          </a:fontRef>
-        </p:style>
-      </p:cxnSp>
-      <p:cxnSp>
-        <p:nvCxnSpPr>
-          <p:cNvPr id="44" name="Connecteur droit avec flèche 43">
-            <a:extLst>
-              <a:ext uri="{FF2B5EF4-FFF2-40B4-BE49-F238E27FC236}">
-                <a16:creationId xmlns:a16="http://schemas.microsoft.com/office/drawing/2014/main" id="{1A4609CB-10B4-5A33-A118-ECD36BA084AB}"/>
-              </a:ext>
-            </a:extLst>
-          </p:cNvPr>
-          <p:cNvCxnSpPr>
-            <a:cxnSpLocks/>
-          </p:cNvCxnSpPr>
-          <p:nvPr/>
-        </p:nvCxnSpPr>
-        <p:spPr>
-          <a:xfrm>
-            <a:off x="2870955" y="2760769"/>
-            <a:ext cx="3944183" cy="2683593"/>
-          </a:xfrm>
-          <a:prstGeom prst="straightConnector1">
-            <a:avLst/>
-          </a:prstGeom>
+          <a:noFill/>
           <a:ln>
             <a:solidFill>
               <a:srgbClr val="7030A0"/>
             </a:solidFill>
-            <a:tailEnd type="triangle"/>
           </a:ln>
         </p:spPr>
         <p:style>
-          <a:lnRef idx="1">
-            <a:schemeClr val="accent4"/>
+          <a:lnRef idx="2">
+            <a:schemeClr val="accent1">
+              <a:shade val="50000"/>
+            </a:schemeClr>
           </a:lnRef>
-          <a:fillRef idx="0">
-            <a:schemeClr val="accent4"/>
+          <a:fillRef idx="1">
+            <a:schemeClr val="accent1"/>
           </a:fillRef>
           <a:effectRef idx="0">
-            <a:schemeClr val="accent4"/>
+            <a:schemeClr val="accent1"/>
           </a:effectRef>
           <a:fontRef idx="minor">
-            <a:schemeClr val="tx1"/>
+            <a:schemeClr val="lt1"/>
           </a:fontRef>
         </p:style>
-      </p:cxnSp>
+        <p:txBody>
+          <a:bodyPr rtlCol="0" anchor="ctr"/>
+          <a:lstStyle/>
+          <a:p>
+            <a:pPr algn="ctr"/>
+            <a:endParaRPr lang="fr-FR"/>
+          </a:p>
+        </p:txBody>
+      </p:sp>
+      <p:sp>
+        <p:nvSpPr>
+          <p:cNvPr id="21" name="Rectangle 20">
+            <a:extLst>
+              <a:ext uri="{FF2B5EF4-FFF2-40B4-BE49-F238E27FC236}">
+                <a16:creationId xmlns:a16="http://schemas.microsoft.com/office/drawing/2014/main" id="{70B72E05-8945-15F6-B0F8-71484DACABB7}"/>
+              </a:ext>
+            </a:extLst>
+          </p:cNvPr>
+          <p:cNvSpPr/>
+          <p:nvPr/>
+        </p:nvSpPr>
+        <p:spPr>
+          <a:xfrm>
+            <a:off x="2331244" y="5907489"/>
+            <a:ext cx="977107" cy="153988"/>
+          </a:xfrm>
+          <a:prstGeom prst="rect">
+            <a:avLst/>
+          </a:prstGeom>
+          <a:noFill/>
+          <a:ln>
+            <a:solidFill>
+              <a:srgbClr val="00CCFF"/>
+            </a:solidFill>
+          </a:ln>
+        </p:spPr>
+        <p:style>
+          <a:lnRef idx="2">
+            <a:schemeClr val="accent1">
+              <a:shade val="50000"/>
+            </a:schemeClr>
+          </a:lnRef>
+          <a:fillRef idx="1">
+            <a:schemeClr val="accent1"/>
+          </a:fillRef>
+          <a:effectRef idx="0">
+            <a:schemeClr val="accent1"/>
+          </a:effectRef>
+          <a:fontRef idx="minor">
+            <a:schemeClr val="lt1"/>
+          </a:fontRef>
+        </p:style>
+        <p:txBody>
+          <a:bodyPr rtlCol="0" anchor="ctr"/>
+          <a:lstStyle/>
+          <a:p>
+            <a:pPr algn="ctr"/>
+            <a:endParaRPr lang="fr-FR"/>
+          </a:p>
+        </p:txBody>
+      </p:sp>
+      <p:sp>
+        <p:nvSpPr>
+          <p:cNvPr id="22" name="Rectangle 21">
+            <a:extLst>
+              <a:ext uri="{FF2B5EF4-FFF2-40B4-BE49-F238E27FC236}">
+                <a16:creationId xmlns:a16="http://schemas.microsoft.com/office/drawing/2014/main" id="{748D90E6-4D6E-1C01-A673-485054BA3DB8}"/>
+              </a:ext>
+            </a:extLst>
+          </p:cNvPr>
+          <p:cNvSpPr/>
+          <p:nvPr/>
+        </p:nvSpPr>
+        <p:spPr>
+          <a:xfrm>
+            <a:off x="3859934" y="5907489"/>
+            <a:ext cx="534266" cy="153988"/>
+          </a:xfrm>
+          <a:prstGeom prst="rect">
+            <a:avLst/>
+          </a:prstGeom>
+          <a:noFill/>
+          <a:ln>
+            <a:solidFill>
+              <a:srgbClr val="CC0066"/>
+            </a:solidFill>
+          </a:ln>
+        </p:spPr>
+        <p:style>
+          <a:lnRef idx="2">
+            <a:schemeClr val="accent1">
+              <a:shade val="50000"/>
+            </a:schemeClr>
+          </a:lnRef>
+          <a:fillRef idx="1">
+            <a:schemeClr val="accent1"/>
+          </a:fillRef>
+          <a:effectRef idx="0">
+            <a:schemeClr val="accent1"/>
+          </a:effectRef>
+          <a:fontRef idx="minor">
+            <a:schemeClr val="lt1"/>
+          </a:fontRef>
+        </p:style>
+        <p:txBody>
+          <a:bodyPr rtlCol="0" anchor="ctr"/>
+          <a:lstStyle/>
+          <a:p>
+            <a:pPr algn="ctr"/>
+            <a:endParaRPr lang="fr-FR"/>
+          </a:p>
+        </p:txBody>
+      </p:sp>
     </p:spTree>
     <p:extLst>
       <p:ext uri="{BB962C8B-B14F-4D97-AF65-F5344CB8AC3E}">
-        <p14:creationId xmlns:p14="http://schemas.microsoft.com/office/powerpoint/2010/main" val="3272556714"/>
+        <p14:creationId xmlns:p14="http://schemas.microsoft.com/office/powerpoint/2010/main" val="113467961"/>
       </p:ext>
     </p:extLst>
   </p:cSld>

--- a/Tuto_decoup_TWAV.pptx
+++ b/Tuto_decoup_TWAV.pptx
@@ -1,28 +1,28 @@
 
 <file path=ppt/presentation.xml><?xml version="1.0" encoding="utf-8"?>
-<p:presentation xmlns:a="http://schemas.openxmlformats.org/drawingml/2006/main" xmlns:r="http://schemas.openxmlformats.org/officeDocument/2006/relationships" xmlns:p="http://schemas.openxmlformats.org/presentationml/2006/main" saveSubsetFonts="1">
+<p:presentation xmlns:a="http://schemas.openxmlformats.org/drawingml/2006/main" xmlns:r="http://schemas.openxmlformats.org/officeDocument/2006/relationships" xmlns:p="http://schemas.openxmlformats.org/presentationml/2006/main" xmlns:m="http://schemas.openxmlformats.org/officeDocument/2006/math" xmlns:w="http://schemas.openxmlformats.org/wordprocessingml/2006/main" saveSubsetFonts="1">
   <p:sldMasterIdLst>
     <p:sldMasterId id="2147483648" r:id="rId1"/>
   </p:sldMasterIdLst>
   <p:sldIdLst>
-    <p:sldId id="262" r:id="rId2"/>
     <p:sldId id="256" r:id="rId3"/>
-    <p:sldId id="263" r:id="rId4"/>
+    <p:sldId id="257" r:id="rId4"/>
     <p:sldId id="258" r:id="rId5"/>
-    <p:sldId id="257" r:id="rId6"/>
+    <p:sldId id="259" r:id="rId6"/>
     <p:sldId id="260" r:id="rId7"/>
     <p:sldId id="261" r:id="rId8"/>
-    <p:sldId id="269" r:id="rId9"/>
-    <p:sldId id="268" r:id="rId10"/>
+    <p:sldId id="262" r:id="rId9"/>
+    <p:sldId id="263" r:id="rId10"/>
+    <p:sldId id="264" r:id="rId11"/>
   </p:sldIdLst>
   <p:sldSz cx="12192000" cy="6858000"/>
-  <p:notesSz cx="6858000" cy="9144000"/>
+  <p:notesSz cx="12192000" cy="6858000"/>
   <p:defaultTextStyle>
     <a:defPPr>
       <a:defRPr lang="fr-FR"/>
     </a:defPPr>
-    <a:lvl1pPr marL="0" algn="l" defTabSz="914400" rtl="0" eaLnBrk="1" latinLnBrk="0" hangingPunct="1">
-      <a:defRPr sz="1800" kern="1200">
+    <a:lvl1pPr marL="0" algn="l" defTabSz="914400">
+      <a:defRPr sz="1800">
         <a:solidFill>
           <a:schemeClr val="tx1"/>
         </a:solidFill>
@@ -31,8 +31,8 @@
         <a:cs typeface="+mn-cs"/>
       </a:defRPr>
     </a:lvl1pPr>
-    <a:lvl2pPr marL="457200" algn="l" defTabSz="914400" rtl="0" eaLnBrk="1" latinLnBrk="0" hangingPunct="1">
-      <a:defRPr sz="1800" kern="1200">
+    <a:lvl2pPr marL="457200" algn="l" defTabSz="914400">
+      <a:defRPr sz="1800">
         <a:solidFill>
           <a:schemeClr val="tx1"/>
         </a:solidFill>
@@ -41,8 +41,8 @@
         <a:cs typeface="+mn-cs"/>
       </a:defRPr>
     </a:lvl2pPr>
-    <a:lvl3pPr marL="914400" algn="l" defTabSz="914400" rtl="0" eaLnBrk="1" latinLnBrk="0" hangingPunct="1">
-      <a:defRPr sz="1800" kern="1200">
+    <a:lvl3pPr marL="914400" algn="l" defTabSz="914400">
+      <a:defRPr sz="1800">
         <a:solidFill>
           <a:schemeClr val="tx1"/>
         </a:solidFill>
@@ -51,8 +51,8 @@
         <a:cs typeface="+mn-cs"/>
       </a:defRPr>
     </a:lvl3pPr>
-    <a:lvl4pPr marL="1371600" algn="l" defTabSz="914400" rtl="0" eaLnBrk="1" latinLnBrk="0" hangingPunct="1">
-      <a:defRPr sz="1800" kern="1200">
+    <a:lvl4pPr marL="1371600" algn="l" defTabSz="914400">
+      <a:defRPr sz="1800">
         <a:solidFill>
           <a:schemeClr val="tx1"/>
         </a:solidFill>
@@ -61,8 +61,8 @@
         <a:cs typeface="+mn-cs"/>
       </a:defRPr>
     </a:lvl4pPr>
-    <a:lvl5pPr marL="1828800" algn="l" defTabSz="914400" rtl="0" eaLnBrk="1" latinLnBrk="0" hangingPunct="1">
-      <a:defRPr sz="1800" kern="1200">
+    <a:lvl5pPr marL="1828800" algn="l" defTabSz="914400">
+      <a:defRPr sz="1800">
         <a:solidFill>
           <a:schemeClr val="tx1"/>
         </a:solidFill>
@@ -71,8 +71,8 @@
         <a:cs typeface="+mn-cs"/>
       </a:defRPr>
     </a:lvl5pPr>
-    <a:lvl6pPr marL="2286000" algn="l" defTabSz="914400" rtl="0" eaLnBrk="1" latinLnBrk="0" hangingPunct="1">
-      <a:defRPr sz="1800" kern="1200">
+    <a:lvl6pPr marL="2286000" algn="l" defTabSz="914400">
+      <a:defRPr sz="1800">
         <a:solidFill>
           <a:schemeClr val="tx1"/>
         </a:solidFill>
@@ -81,8 +81,8 @@
         <a:cs typeface="+mn-cs"/>
       </a:defRPr>
     </a:lvl6pPr>
-    <a:lvl7pPr marL="2743200" algn="l" defTabSz="914400" rtl="0" eaLnBrk="1" latinLnBrk="0" hangingPunct="1">
-      <a:defRPr sz="1800" kern="1200">
+    <a:lvl7pPr marL="2743200" algn="l" defTabSz="914400">
+      <a:defRPr sz="1800">
         <a:solidFill>
           <a:schemeClr val="tx1"/>
         </a:solidFill>
@@ -91,8 +91,8 @@
         <a:cs typeface="+mn-cs"/>
       </a:defRPr>
     </a:lvl7pPr>
-    <a:lvl8pPr marL="3200400" algn="l" defTabSz="914400" rtl="0" eaLnBrk="1" latinLnBrk="0" hangingPunct="1">
-      <a:defRPr sz="1800" kern="1200">
+    <a:lvl8pPr marL="3200400" algn="l" defTabSz="914400">
+      <a:defRPr sz="1800">
         <a:solidFill>
           <a:schemeClr val="tx1"/>
         </a:solidFill>
@@ -101,8 +101,8 @@
         <a:cs typeface="+mn-cs"/>
       </a:defRPr>
     </a:lvl8pPr>
-    <a:lvl9pPr marL="3657600" algn="l" defTabSz="914400" rtl="0" eaLnBrk="1" latinLnBrk="0" hangingPunct="1">
-      <a:defRPr sz="1800" kern="1200">
+    <a:lvl9pPr marL="3657600" algn="l" defTabSz="914400">
+      <a:defRPr sz="1800">
         <a:solidFill>
           <a:schemeClr val="tx1"/>
         </a:solidFill>
@@ -112,16 +112,11 @@
       </a:defRPr>
     </a:lvl9pPr>
   </p:defaultTextStyle>
-  <p:extLst>
-    <p:ext uri="{EFAFB233-063F-42B5-8137-9DF3F51BA10A}">
-      <p15:sldGuideLst xmlns:p15="http://schemas.microsoft.com/office/powerpoint/2012/main"/>
-    </p:ext>
-  </p:extLst>
 </p:presentation>
 </file>
 
 <file path=ppt/slideLayouts/slideLayout1.xml><?xml version="1.0" encoding="utf-8"?>
-<p:sldLayout xmlns:a="http://schemas.openxmlformats.org/drawingml/2006/main" xmlns:r="http://schemas.openxmlformats.org/officeDocument/2006/relationships" xmlns:p="http://schemas.openxmlformats.org/presentationml/2006/main" type="title" preserve="1">
+<p:sldLayout xmlns:a="http://schemas.openxmlformats.org/drawingml/2006/main" xmlns:r="http://schemas.openxmlformats.org/officeDocument/2006/relationships" xmlns:p="http://schemas.openxmlformats.org/presentationml/2006/main" xmlns:m="http://schemas.openxmlformats.org/officeDocument/2006/math" xmlns:w="http://schemas.openxmlformats.org/wordprocessingml/2006/main" matchingName="" preserve="1" showMasterPhAnim="0" type="title" userDrawn="1">
   <p:cSld name="Diapositive de titre">
     <p:spTree>
       <p:nvGrpSpPr>
@@ -129,7 +124,7 @@
         <p:cNvGrpSpPr/>
         <p:nvPr/>
       </p:nvGrpSpPr>
-      <p:grpSpPr>
+      <p:grpSpPr bwMode="auto">
         <a:xfrm>
           <a:off x="0" y="0"/>
           <a:ext cx="0" cy="0"/>
@@ -139,13 +134,7 @@
       </p:grpSpPr>
       <p:sp>
         <p:nvSpPr>
-          <p:cNvPr id="2" name="Titre 1">
-            <a:extLst>
-              <a:ext uri="{FF2B5EF4-FFF2-40B4-BE49-F238E27FC236}">
-                <a16:creationId xmlns:a16="http://schemas.microsoft.com/office/drawing/2014/main" id="{1093C964-AE37-FCA1-1D4F-99FB18E4D578}"/>
-              </a:ext>
-            </a:extLst>
-          </p:cNvPr>
+          <p:cNvPr id="2" name="Titre 1"/>
           <p:cNvSpPr>
             <a:spLocks noGrp="1"/>
           </p:cNvSpPr>
@@ -153,7 +142,7 @@
             <p:ph type="ctrTitle"/>
           </p:nvPr>
         </p:nvSpPr>
-        <p:spPr>
+        <p:spPr bwMode="auto">
           <a:xfrm>
             <a:off x="1524000" y="1122363"/>
             <a:ext cx="9144000" cy="2387600"/>
@@ -167,22 +156,20 @@
             </a:lvl1pPr>
           </a:lstStyle>
           <a:p>
+            <a:pPr>
+              <a:defRPr/>
+            </a:pPr>
             <a:r>
               <a:rPr lang="fr-FR"/>
               <a:t>Modifiez le style du titre</a:t>
             </a:r>
-          </a:p>
-        </p:txBody>
-      </p:sp>
-      <p:sp>
-        <p:nvSpPr>
-          <p:cNvPr id="3" name="Sous-titre 2">
-            <a:extLst>
-              <a:ext uri="{FF2B5EF4-FFF2-40B4-BE49-F238E27FC236}">
-                <a16:creationId xmlns:a16="http://schemas.microsoft.com/office/drawing/2014/main" id="{8BC10AB0-1CF4-9157-F4FF-0834D369E0ED}"/>
-              </a:ext>
-            </a:extLst>
-          </p:cNvPr>
+            <a:endParaRPr/>
+          </a:p>
+        </p:txBody>
+      </p:sp>
+      <p:sp>
+        <p:nvSpPr>
+          <p:cNvPr id="3" name="Sous-titre 2"/>
           <p:cNvSpPr>
             <a:spLocks noGrp="1"/>
           </p:cNvSpPr>
@@ -190,7 +177,7 @@
             <p:ph type="subTitle" idx="1"/>
           </p:nvPr>
         </p:nvSpPr>
-        <p:spPr>
+        <p:spPr bwMode="auto">
           <a:xfrm>
             <a:off x="1524000" y="3602038"/>
             <a:ext cx="9144000" cy="1655762"/>
@@ -237,22 +224,20 @@
             </a:lvl9pPr>
           </a:lstStyle>
           <a:p>
+            <a:pPr>
+              <a:defRPr/>
+            </a:pPr>
             <a:r>
               <a:rPr lang="fr-FR"/>
               <a:t>Modifiez le style des sous-titres du masque</a:t>
             </a:r>
-          </a:p>
-        </p:txBody>
-      </p:sp>
-      <p:sp>
-        <p:nvSpPr>
-          <p:cNvPr id="4" name="Espace réservé de la date 3">
-            <a:extLst>
-              <a:ext uri="{FF2B5EF4-FFF2-40B4-BE49-F238E27FC236}">
-                <a16:creationId xmlns:a16="http://schemas.microsoft.com/office/drawing/2014/main" id="{0B2BBF57-2160-3693-6BC8-120634ACD334}"/>
-              </a:ext>
-            </a:extLst>
-          </p:cNvPr>
+            <a:endParaRPr/>
+          </a:p>
+        </p:txBody>
+      </p:sp>
+      <p:sp>
+        <p:nvSpPr>
+          <p:cNvPr id="4" name="Espace réservé de la date 3"/>
           <p:cNvSpPr>
             <a:spLocks noGrp="1"/>
           </p:cNvSpPr>
@@ -260,14 +245,17 @@
             <p:ph type="dt" sz="half" idx="10"/>
           </p:nvPr>
         </p:nvSpPr>
-        <p:spPr/>
+        <p:spPr bwMode="auto"/>
         <p:txBody>
           <a:bodyPr/>
           <a:lstStyle/>
           <a:p>
+            <a:pPr>
+              <a:defRPr/>
+            </a:pPr>
             <a:fld id="{2A59F47B-E7C1-4F23-BE41-37F7E26DCCF7}" type="datetimeFigureOut">
-              <a:rPr lang="fr-FR" smtClean="0"/>
-              <a:t>20/06/2023</a:t>
+              <a:rPr lang="fr-FR"/>
+              <a:t/>
             </a:fld>
             <a:endParaRPr lang="fr-FR"/>
           </a:p>
@@ -275,13 +263,7 @@
       </p:sp>
       <p:sp>
         <p:nvSpPr>
-          <p:cNvPr id="5" name="Espace réservé du pied de page 4">
-            <a:extLst>
-              <a:ext uri="{FF2B5EF4-FFF2-40B4-BE49-F238E27FC236}">
-                <a16:creationId xmlns:a16="http://schemas.microsoft.com/office/drawing/2014/main" id="{11BCD7EF-CF60-796B-B25E-D451772DE62A}"/>
-              </a:ext>
-            </a:extLst>
-          </p:cNvPr>
+          <p:cNvPr id="5" name="Espace réservé du pied de page 4"/>
           <p:cNvSpPr>
             <a:spLocks noGrp="1"/>
           </p:cNvSpPr>
@@ -289,24 +271,21 @@
             <p:ph type="ftr" sz="quarter" idx="11"/>
           </p:nvPr>
         </p:nvSpPr>
-        <p:spPr/>
+        <p:spPr bwMode="auto"/>
         <p:txBody>
           <a:bodyPr/>
           <a:lstStyle/>
           <a:p>
+            <a:pPr>
+              <a:defRPr/>
+            </a:pPr>
             <a:endParaRPr lang="fr-FR"/>
           </a:p>
         </p:txBody>
       </p:sp>
       <p:sp>
         <p:nvSpPr>
-          <p:cNvPr id="6" name="Espace réservé du numéro de diapositive 5">
-            <a:extLst>
-              <a:ext uri="{FF2B5EF4-FFF2-40B4-BE49-F238E27FC236}">
-                <a16:creationId xmlns:a16="http://schemas.microsoft.com/office/drawing/2014/main" id="{B81F4F54-82FD-FE72-28BE-73A2E008DE69}"/>
-              </a:ext>
-            </a:extLst>
-          </p:cNvPr>
+          <p:cNvPr id="6" name="Espace réservé du numéro de diapositive 5"/>
           <p:cNvSpPr>
             <a:spLocks noGrp="1"/>
           </p:cNvSpPr>
@@ -314,25 +293,23 @@
             <p:ph type="sldNum" sz="quarter" idx="12"/>
           </p:nvPr>
         </p:nvSpPr>
-        <p:spPr/>
+        <p:spPr bwMode="auto"/>
         <p:txBody>
           <a:bodyPr/>
           <a:lstStyle/>
           <a:p>
+            <a:pPr>
+              <a:defRPr/>
+            </a:pPr>
             <a:fld id="{C0B47F44-32C0-44AC-899D-8747F98E9413}" type="slidenum">
-              <a:rPr lang="fr-FR" smtClean="0"/>
-              <a:t>‹N°›</a:t>
+              <a:rPr lang="fr-FR"/>
+              <a:t/>
             </a:fld>
             <a:endParaRPr lang="fr-FR"/>
           </a:p>
         </p:txBody>
       </p:sp>
     </p:spTree>
-    <p:extLst>
-      <p:ext uri="{BB962C8B-B14F-4D97-AF65-F5344CB8AC3E}">
-        <p14:creationId xmlns:p14="http://schemas.microsoft.com/office/powerpoint/2010/main" val="334868203"/>
-      </p:ext>
-    </p:extLst>
   </p:cSld>
   <p:clrMapOvr>
     <a:masterClrMapping/>
@@ -341,7 +318,7 @@
 </file>
 
 <file path=ppt/slideLayouts/slideLayout10.xml><?xml version="1.0" encoding="utf-8"?>
-<p:sldLayout xmlns:a="http://schemas.openxmlformats.org/drawingml/2006/main" xmlns:r="http://schemas.openxmlformats.org/officeDocument/2006/relationships" xmlns:p="http://schemas.openxmlformats.org/presentationml/2006/main" type="vertTx" preserve="1">
+<p:sldLayout xmlns:a="http://schemas.openxmlformats.org/drawingml/2006/main" xmlns:r="http://schemas.openxmlformats.org/officeDocument/2006/relationships" xmlns:p="http://schemas.openxmlformats.org/presentationml/2006/main" xmlns:m="http://schemas.openxmlformats.org/officeDocument/2006/math" xmlns:w="http://schemas.openxmlformats.org/wordprocessingml/2006/main" matchingName="" preserve="1" showMasterPhAnim="0" type="vertTx" userDrawn="1">
   <p:cSld name="Titre et texte vertical">
     <p:spTree>
       <p:nvGrpSpPr>
@@ -349,7 +326,7 @@
         <p:cNvGrpSpPr/>
         <p:nvPr/>
       </p:nvGrpSpPr>
-      <p:grpSpPr>
+      <p:grpSpPr bwMode="auto">
         <a:xfrm>
           <a:off x="0" y="0"/>
           <a:ext cx="0" cy="0"/>
@@ -359,13 +336,7 @@
       </p:grpSpPr>
       <p:sp>
         <p:nvSpPr>
-          <p:cNvPr id="2" name="Titre 1">
-            <a:extLst>
-              <a:ext uri="{FF2B5EF4-FFF2-40B4-BE49-F238E27FC236}">
-                <a16:creationId xmlns:a16="http://schemas.microsoft.com/office/drawing/2014/main" id="{D39D33AA-A8E5-2490-20D2-402DB18792CD}"/>
-              </a:ext>
-            </a:extLst>
-          </p:cNvPr>
+          <p:cNvPr id="2" name="Titre 1"/>
           <p:cNvSpPr>
             <a:spLocks noGrp="1"/>
           </p:cNvSpPr>
@@ -373,27 +344,25 @@
             <p:ph type="title"/>
           </p:nvPr>
         </p:nvSpPr>
-        <p:spPr/>
+        <p:spPr bwMode="auto"/>
         <p:txBody>
           <a:bodyPr/>
           <a:lstStyle/>
           <a:p>
+            <a:pPr>
+              <a:defRPr/>
+            </a:pPr>
             <a:r>
               <a:rPr lang="fr-FR"/>
               <a:t>Modifiez le style du titre</a:t>
             </a:r>
-          </a:p>
-        </p:txBody>
-      </p:sp>
-      <p:sp>
-        <p:nvSpPr>
-          <p:cNvPr id="3" name="Espace réservé du texte vertical 2">
-            <a:extLst>
-              <a:ext uri="{FF2B5EF4-FFF2-40B4-BE49-F238E27FC236}">
-                <a16:creationId xmlns:a16="http://schemas.microsoft.com/office/drawing/2014/main" id="{3A91088A-9008-302F-CACC-E6CD1C0AC89C}"/>
-              </a:ext>
-            </a:extLst>
-          </p:cNvPr>
+            <a:endParaRPr/>
+          </a:p>
+        </p:txBody>
+      </p:sp>
+      <p:sp>
+        <p:nvSpPr>
+          <p:cNvPr id="3" name="Espace réservé du texte vertical 2"/>
           <p:cNvSpPr>
             <a:spLocks noGrp="1"/>
           </p:cNvSpPr>
@@ -401,56 +370,65 @@
             <p:ph type="body" orient="vert" idx="1"/>
           </p:nvPr>
         </p:nvSpPr>
-        <p:spPr/>
+        <p:spPr bwMode="auto"/>
         <p:txBody>
           <a:bodyPr vert="eaVert"/>
           <a:lstStyle/>
           <a:p>
-            <a:pPr lvl="0"/>
+            <a:pPr lvl="0">
+              <a:defRPr/>
+            </a:pPr>
             <a:r>
               <a:rPr lang="fr-FR"/>
               <a:t>Cliquez pour modifier les styles du texte du masque</a:t>
             </a:r>
-          </a:p>
-          <a:p>
-            <a:pPr lvl="1"/>
+            <a:endParaRPr/>
+          </a:p>
+          <a:p>
+            <a:pPr lvl="1">
+              <a:defRPr/>
+            </a:pPr>
             <a:r>
               <a:rPr lang="fr-FR"/>
               <a:t>Deuxième niveau</a:t>
             </a:r>
-          </a:p>
-          <a:p>
-            <a:pPr lvl="2"/>
+            <a:endParaRPr/>
+          </a:p>
+          <a:p>
+            <a:pPr lvl="2">
+              <a:defRPr/>
+            </a:pPr>
             <a:r>
               <a:rPr lang="fr-FR"/>
               <a:t>Troisième niveau</a:t>
             </a:r>
-          </a:p>
-          <a:p>
-            <a:pPr lvl="3"/>
+            <a:endParaRPr/>
+          </a:p>
+          <a:p>
+            <a:pPr lvl="3">
+              <a:defRPr/>
+            </a:pPr>
             <a:r>
               <a:rPr lang="fr-FR"/>
               <a:t>Quatrième niveau</a:t>
             </a:r>
-          </a:p>
-          <a:p>
-            <a:pPr lvl="4"/>
+            <a:endParaRPr/>
+          </a:p>
+          <a:p>
+            <a:pPr lvl="4">
+              <a:defRPr/>
+            </a:pPr>
             <a:r>
               <a:rPr lang="fr-FR"/>
               <a:t>Cinquième niveau</a:t>
             </a:r>
-          </a:p>
-        </p:txBody>
-      </p:sp>
-      <p:sp>
-        <p:nvSpPr>
-          <p:cNvPr id="4" name="Espace réservé de la date 3">
-            <a:extLst>
-              <a:ext uri="{FF2B5EF4-FFF2-40B4-BE49-F238E27FC236}">
-                <a16:creationId xmlns:a16="http://schemas.microsoft.com/office/drawing/2014/main" id="{D607A90E-E760-728D-A6E9-32EF4A36BCB2}"/>
-              </a:ext>
-            </a:extLst>
-          </p:cNvPr>
+            <a:endParaRPr/>
+          </a:p>
+        </p:txBody>
+      </p:sp>
+      <p:sp>
+        <p:nvSpPr>
+          <p:cNvPr id="4" name="Espace réservé de la date 3"/>
           <p:cNvSpPr>
             <a:spLocks noGrp="1"/>
           </p:cNvSpPr>
@@ -458,14 +436,17 @@
             <p:ph type="dt" sz="half" idx="10"/>
           </p:nvPr>
         </p:nvSpPr>
-        <p:spPr/>
+        <p:spPr bwMode="auto"/>
         <p:txBody>
           <a:bodyPr/>
           <a:lstStyle/>
           <a:p>
+            <a:pPr>
+              <a:defRPr/>
+            </a:pPr>
             <a:fld id="{2A59F47B-E7C1-4F23-BE41-37F7E26DCCF7}" type="datetimeFigureOut">
-              <a:rPr lang="fr-FR" smtClean="0"/>
-              <a:t>20/06/2023</a:t>
+              <a:rPr lang="fr-FR"/>
+              <a:t/>
             </a:fld>
             <a:endParaRPr lang="fr-FR"/>
           </a:p>
@@ -473,13 +454,7 @@
       </p:sp>
       <p:sp>
         <p:nvSpPr>
-          <p:cNvPr id="5" name="Espace réservé du pied de page 4">
-            <a:extLst>
-              <a:ext uri="{FF2B5EF4-FFF2-40B4-BE49-F238E27FC236}">
-                <a16:creationId xmlns:a16="http://schemas.microsoft.com/office/drawing/2014/main" id="{EDC81686-8B7C-E708-2E76-3521ACCA667E}"/>
-              </a:ext>
-            </a:extLst>
-          </p:cNvPr>
+          <p:cNvPr id="5" name="Espace réservé du pied de page 4"/>
           <p:cNvSpPr>
             <a:spLocks noGrp="1"/>
           </p:cNvSpPr>
@@ -487,24 +462,21 @@
             <p:ph type="ftr" sz="quarter" idx="11"/>
           </p:nvPr>
         </p:nvSpPr>
-        <p:spPr/>
+        <p:spPr bwMode="auto"/>
         <p:txBody>
           <a:bodyPr/>
           <a:lstStyle/>
           <a:p>
+            <a:pPr>
+              <a:defRPr/>
+            </a:pPr>
             <a:endParaRPr lang="fr-FR"/>
           </a:p>
         </p:txBody>
       </p:sp>
       <p:sp>
         <p:nvSpPr>
-          <p:cNvPr id="6" name="Espace réservé du numéro de diapositive 5">
-            <a:extLst>
-              <a:ext uri="{FF2B5EF4-FFF2-40B4-BE49-F238E27FC236}">
-                <a16:creationId xmlns:a16="http://schemas.microsoft.com/office/drawing/2014/main" id="{6F1D2CE1-7E18-042A-4BF3-8F8AEB634182}"/>
-              </a:ext>
-            </a:extLst>
-          </p:cNvPr>
+          <p:cNvPr id="6" name="Espace réservé du numéro de diapositive 5"/>
           <p:cNvSpPr>
             <a:spLocks noGrp="1"/>
           </p:cNvSpPr>
@@ -512,25 +484,23 @@
             <p:ph type="sldNum" sz="quarter" idx="12"/>
           </p:nvPr>
         </p:nvSpPr>
-        <p:spPr/>
+        <p:spPr bwMode="auto"/>
         <p:txBody>
           <a:bodyPr/>
           <a:lstStyle/>
           <a:p>
+            <a:pPr>
+              <a:defRPr/>
+            </a:pPr>
             <a:fld id="{C0B47F44-32C0-44AC-899D-8747F98E9413}" type="slidenum">
-              <a:rPr lang="fr-FR" smtClean="0"/>
-              <a:t>‹N°›</a:t>
+              <a:rPr lang="fr-FR"/>
+              <a:t/>
             </a:fld>
             <a:endParaRPr lang="fr-FR"/>
           </a:p>
         </p:txBody>
       </p:sp>
     </p:spTree>
-    <p:extLst>
-      <p:ext uri="{BB962C8B-B14F-4D97-AF65-F5344CB8AC3E}">
-        <p14:creationId xmlns:p14="http://schemas.microsoft.com/office/powerpoint/2010/main" val="2575580185"/>
-      </p:ext>
-    </p:extLst>
   </p:cSld>
   <p:clrMapOvr>
     <a:masterClrMapping/>
@@ -539,7 +509,7 @@
 </file>
 
 <file path=ppt/slideLayouts/slideLayout11.xml><?xml version="1.0" encoding="utf-8"?>
-<p:sldLayout xmlns:a="http://schemas.openxmlformats.org/drawingml/2006/main" xmlns:r="http://schemas.openxmlformats.org/officeDocument/2006/relationships" xmlns:p="http://schemas.openxmlformats.org/presentationml/2006/main" type="vertTitleAndTx" preserve="1">
+<p:sldLayout xmlns:a="http://schemas.openxmlformats.org/drawingml/2006/main" xmlns:r="http://schemas.openxmlformats.org/officeDocument/2006/relationships" xmlns:p="http://schemas.openxmlformats.org/presentationml/2006/main" xmlns:m="http://schemas.openxmlformats.org/officeDocument/2006/math" xmlns:w="http://schemas.openxmlformats.org/wordprocessingml/2006/main" matchingName="" preserve="1" showMasterPhAnim="0" type="vertTitleAndTx" userDrawn="1">
   <p:cSld name="Titre vertical et texte">
     <p:spTree>
       <p:nvGrpSpPr>
@@ -547,7 +517,7 @@
         <p:cNvGrpSpPr/>
         <p:nvPr/>
       </p:nvGrpSpPr>
-      <p:grpSpPr>
+      <p:grpSpPr bwMode="auto">
         <a:xfrm>
           <a:off x="0" y="0"/>
           <a:ext cx="0" cy="0"/>
@@ -557,13 +527,7 @@
       </p:grpSpPr>
       <p:sp>
         <p:nvSpPr>
-          <p:cNvPr id="2" name="Titre vertical 1">
-            <a:extLst>
-              <a:ext uri="{FF2B5EF4-FFF2-40B4-BE49-F238E27FC236}">
-                <a16:creationId xmlns:a16="http://schemas.microsoft.com/office/drawing/2014/main" id="{C96BA7BA-794B-A974-E059-93948FC8534F}"/>
-              </a:ext>
-            </a:extLst>
-          </p:cNvPr>
+          <p:cNvPr id="2" name="Titre vertical 1"/>
           <p:cNvSpPr>
             <a:spLocks noGrp="1"/>
           </p:cNvSpPr>
@@ -571,7 +535,7 @@
             <p:ph type="title" orient="vert"/>
           </p:nvPr>
         </p:nvSpPr>
-        <p:spPr>
+        <p:spPr bwMode="auto">
           <a:xfrm>
             <a:off x="8724900" y="365125"/>
             <a:ext cx="2628900" cy="5811838"/>
@@ -581,22 +545,20 @@
           <a:bodyPr vert="eaVert"/>
           <a:lstStyle/>
           <a:p>
+            <a:pPr>
+              <a:defRPr/>
+            </a:pPr>
             <a:r>
               <a:rPr lang="fr-FR"/>
               <a:t>Modifiez le style du titre</a:t>
             </a:r>
-          </a:p>
-        </p:txBody>
-      </p:sp>
-      <p:sp>
-        <p:nvSpPr>
-          <p:cNvPr id="3" name="Espace réservé du texte vertical 2">
-            <a:extLst>
-              <a:ext uri="{FF2B5EF4-FFF2-40B4-BE49-F238E27FC236}">
-                <a16:creationId xmlns:a16="http://schemas.microsoft.com/office/drawing/2014/main" id="{15612035-7BCE-C748-2320-ED1A98B7AC32}"/>
-              </a:ext>
-            </a:extLst>
-          </p:cNvPr>
+            <a:endParaRPr/>
+          </a:p>
+        </p:txBody>
+      </p:sp>
+      <p:sp>
+        <p:nvSpPr>
+          <p:cNvPr id="3" name="Espace réservé du texte vertical 2"/>
           <p:cNvSpPr>
             <a:spLocks noGrp="1"/>
           </p:cNvSpPr>
@@ -604,7 +566,7 @@
             <p:ph type="body" orient="vert" idx="1"/>
           </p:nvPr>
         </p:nvSpPr>
-        <p:spPr>
+        <p:spPr bwMode="auto">
           <a:xfrm>
             <a:off x="838200" y="365125"/>
             <a:ext cx="7734300" cy="5811838"/>
@@ -614,51 +576,60 @@
           <a:bodyPr vert="eaVert"/>
           <a:lstStyle/>
           <a:p>
-            <a:pPr lvl="0"/>
+            <a:pPr lvl="0">
+              <a:defRPr/>
+            </a:pPr>
             <a:r>
               <a:rPr lang="fr-FR"/>
               <a:t>Cliquez pour modifier les styles du texte du masque</a:t>
             </a:r>
-          </a:p>
-          <a:p>
-            <a:pPr lvl="1"/>
+            <a:endParaRPr/>
+          </a:p>
+          <a:p>
+            <a:pPr lvl="1">
+              <a:defRPr/>
+            </a:pPr>
             <a:r>
               <a:rPr lang="fr-FR"/>
               <a:t>Deuxième niveau</a:t>
             </a:r>
-          </a:p>
-          <a:p>
-            <a:pPr lvl="2"/>
+            <a:endParaRPr/>
+          </a:p>
+          <a:p>
+            <a:pPr lvl="2">
+              <a:defRPr/>
+            </a:pPr>
             <a:r>
               <a:rPr lang="fr-FR"/>
               <a:t>Troisième niveau</a:t>
             </a:r>
-          </a:p>
-          <a:p>
-            <a:pPr lvl="3"/>
+            <a:endParaRPr/>
+          </a:p>
+          <a:p>
+            <a:pPr lvl="3">
+              <a:defRPr/>
+            </a:pPr>
             <a:r>
               <a:rPr lang="fr-FR"/>
               <a:t>Quatrième niveau</a:t>
             </a:r>
-          </a:p>
-          <a:p>
-            <a:pPr lvl="4"/>
+            <a:endParaRPr/>
+          </a:p>
+          <a:p>
+            <a:pPr lvl="4">
+              <a:defRPr/>
+            </a:pPr>
             <a:r>
               <a:rPr lang="fr-FR"/>
               <a:t>Cinquième niveau</a:t>
             </a:r>
-          </a:p>
-        </p:txBody>
-      </p:sp>
-      <p:sp>
-        <p:nvSpPr>
-          <p:cNvPr id="4" name="Espace réservé de la date 3">
-            <a:extLst>
-              <a:ext uri="{FF2B5EF4-FFF2-40B4-BE49-F238E27FC236}">
-                <a16:creationId xmlns:a16="http://schemas.microsoft.com/office/drawing/2014/main" id="{F1ACD7C2-8598-968D-F006-259988C53B31}"/>
-              </a:ext>
-            </a:extLst>
-          </p:cNvPr>
+            <a:endParaRPr/>
+          </a:p>
+        </p:txBody>
+      </p:sp>
+      <p:sp>
+        <p:nvSpPr>
+          <p:cNvPr id="4" name="Espace réservé de la date 3"/>
           <p:cNvSpPr>
             <a:spLocks noGrp="1"/>
           </p:cNvSpPr>
@@ -666,14 +637,17 @@
             <p:ph type="dt" sz="half" idx="10"/>
           </p:nvPr>
         </p:nvSpPr>
-        <p:spPr/>
+        <p:spPr bwMode="auto"/>
         <p:txBody>
           <a:bodyPr/>
           <a:lstStyle/>
           <a:p>
+            <a:pPr>
+              <a:defRPr/>
+            </a:pPr>
             <a:fld id="{2A59F47B-E7C1-4F23-BE41-37F7E26DCCF7}" type="datetimeFigureOut">
-              <a:rPr lang="fr-FR" smtClean="0"/>
-              <a:t>20/06/2023</a:t>
+              <a:rPr lang="fr-FR"/>
+              <a:t/>
             </a:fld>
             <a:endParaRPr lang="fr-FR"/>
           </a:p>
@@ -681,13 +655,7 @@
       </p:sp>
       <p:sp>
         <p:nvSpPr>
-          <p:cNvPr id="5" name="Espace réservé du pied de page 4">
-            <a:extLst>
-              <a:ext uri="{FF2B5EF4-FFF2-40B4-BE49-F238E27FC236}">
-                <a16:creationId xmlns:a16="http://schemas.microsoft.com/office/drawing/2014/main" id="{25470E26-9635-2776-3D32-A31E6C6C4DFE}"/>
-              </a:ext>
-            </a:extLst>
-          </p:cNvPr>
+          <p:cNvPr id="5" name="Espace réservé du pied de page 4"/>
           <p:cNvSpPr>
             <a:spLocks noGrp="1"/>
           </p:cNvSpPr>
@@ -695,24 +663,21 @@
             <p:ph type="ftr" sz="quarter" idx="11"/>
           </p:nvPr>
         </p:nvSpPr>
-        <p:spPr/>
+        <p:spPr bwMode="auto"/>
         <p:txBody>
           <a:bodyPr/>
           <a:lstStyle/>
           <a:p>
+            <a:pPr>
+              <a:defRPr/>
+            </a:pPr>
             <a:endParaRPr lang="fr-FR"/>
           </a:p>
         </p:txBody>
       </p:sp>
       <p:sp>
         <p:nvSpPr>
-          <p:cNvPr id="6" name="Espace réservé du numéro de diapositive 5">
-            <a:extLst>
-              <a:ext uri="{FF2B5EF4-FFF2-40B4-BE49-F238E27FC236}">
-                <a16:creationId xmlns:a16="http://schemas.microsoft.com/office/drawing/2014/main" id="{039223D3-F108-1207-B732-ED703E906F00}"/>
-              </a:ext>
-            </a:extLst>
-          </p:cNvPr>
+          <p:cNvPr id="6" name="Espace réservé du numéro de diapositive 5"/>
           <p:cNvSpPr>
             <a:spLocks noGrp="1"/>
           </p:cNvSpPr>
@@ -720,25 +685,23 @@
             <p:ph type="sldNum" sz="quarter" idx="12"/>
           </p:nvPr>
         </p:nvSpPr>
-        <p:spPr/>
+        <p:spPr bwMode="auto"/>
         <p:txBody>
           <a:bodyPr/>
           <a:lstStyle/>
           <a:p>
+            <a:pPr>
+              <a:defRPr/>
+            </a:pPr>
             <a:fld id="{C0B47F44-32C0-44AC-899D-8747F98E9413}" type="slidenum">
-              <a:rPr lang="fr-FR" smtClean="0"/>
-              <a:t>‹N°›</a:t>
+              <a:rPr lang="fr-FR"/>
+              <a:t/>
             </a:fld>
             <a:endParaRPr lang="fr-FR"/>
           </a:p>
         </p:txBody>
       </p:sp>
     </p:spTree>
-    <p:extLst>
-      <p:ext uri="{BB962C8B-B14F-4D97-AF65-F5344CB8AC3E}">
-        <p14:creationId xmlns:p14="http://schemas.microsoft.com/office/powerpoint/2010/main" val="805161893"/>
-      </p:ext>
-    </p:extLst>
   </p:cSld>
   <p:clrMapOvr>
     <a:masterClrMapping/>
@@ -747,7 +710,7 @@
 </file>
 
 <file path=ppt/slideLayouts/slideLayout2.xml><?xml version="1.0" encoding="utf-8"?>
-<p:sldLayout xmlns:a="http://schemas.openxmlformats.org/drawingml/2006/main" xmlns:r="http://schemas.openxmlformats.org/officeDocument/2006/relationships" xmlns:p="http://schemas.openxmlformats.org/presentationml/2006/main" type="obj" preserve="1">
+<p:sldLayout xmlns:a="http://schemas.openxmlformats.org/drawingml/2006/main" xmlns:r="http://schemas.openxmlformats.org/officeDocument/2006/relationships" xmlns:p="http://schemas.openxmlformats.org/presentationml/2006/main" xmlns:m="http://schemas.openxmlformats.org/officeDocument/2006/math" xmlns:w="http://schemas.openxmlformats.org/wordprocessingml/2006/main" matchingName="" preserve="1" showMasterPhAnim="0" type="obj" userDrawn="1">
   <p:cSld name="Titre et contenu">
     <p:spTree>
       <p:nvGrpSpPr>
@@ -755,7 +718,7 @@
         <p:cNvGrpSpPr/>
         <p:nvPr/>
       </p:nvGrpSpPr>
-      <p:grpSpPr>
+      <p:grpSpPr bwMode="auto">
         <a:xfrm>
           <a:off x="0" y="0"/>
           <a:ext cx="0" cy="0"/>
@@ -765,13 +728,7 @@
       </p:grpSpPr>
       <p:sp>
         <p:nvSpPr>
-          <p:cNvPr id="2" name="Titre 1">
-            <a:extLst>
-              <a:ext uri="{FF2B5EF4-FFF2-40B4-BE49-F238E27FC236}">
-                <a16:creationId xmlns:a16="http://schemas.microsoft.com/office/drawing/2014/main" id="{E595A0A6-3ABB-A9F9-923A-6837D440644E}"/>
-              </a:ext>
-            </a:extLst>
-          </p:cNvPr>
+          <p:cNvPr id="2" name="Titre 1"/>
           <p:cNvSpPr>
             <a:spLocks noGrp="1"/>
           </p:cNvSpPr>
@@ -779,27 +736,25 @@
             <p:ph type="title"/>
           </p:nvPr>
         </p:nvSpPr>
-        <p:spPr/>
+        <p:spPr bwMode="auto"/>
         <p:txBody>
           <a:bodyPr/>
           <a:lstStyle/>
           <a:p>
+            <a:pPr>
+              <a:defRPr/>
+            </a:pPr>
             <a:r>
               <a:rPr lang="fr-FR"/>
               <a:t>Modifiez le style du titre</a:t>
             </a:r>
-          </a:p>
-        </p:txBody>
-      </p:sp>
-      <p:sp>
-        <p:nvSpPr>
-          <p:cNvPr id="3" name="Espace réservé du contenu 2">
-            <a:extLst>
-              <a:ext uri="{FF2B5EF4-FFF2-40B4-BE49-F238E27FC236}">
-                <a16:creationId xmlns:a16="http://schemas.microsoft.com/office/drawing/2014/main" id="{BB8084C1-2958-301B-3F76-9DC8420FE847}"/>
-              </a:ext>
-            </a:extLst>
-          </p:cNvPr>
+            <a:endParaRPr/>
+          </a:p>
+        </p:txBody>
+      </p:sp>
+      <p:sp>
+        <p:nvSpPr>
+          <p:cNvPr id="3" name="Espace réservé du contenu 2"/>
           <p:cNvSpPr>
             <a:spLocks noGrp="1"/>
           </p:cNvSpPr>
@@ -807,56 +762,65 @@
             <p:ph idx="1"/>
           </p:nvPr>
         </p:nvSpPr>
-        <p:spPr/>
+        <p:spPr bwMode="auto"/>
         <p:txBody>
           <a:bodyPr/>
           <a:lstStyle/>
           <a:p>
-            <a:pPr lvl="0"/>
+            <a:pPr lvl="0">
+              <a:defRPr/>
+            </a:pPr>
             <a:r>
               <a:rPr lang="fr-FR"/>
               <a:t>Cliquez pour modifier les styles du texte du masque</a:t>
             </a:r>
-          </a:p>
-          <a:p>
-            <a:pPr lvl="1"/>
+            <a:endParaRPr/>
+          </a:p>
+          <a:p>
+            <a:pPr lvl="1">
+              <a:defRPr/>
+            </a:pPr>
             <a:r>
               <a:rPr lang="fr-FR"/>
               <a:t>Deuxième niveau</a:t>
             </a:r>
-          </a:p>
-          <a:p>
-            <a:pPr lvl="2"/>
+            <a:endParaRPr/>
+          </a:p>
+          <a:p>
+            <a:pPr lvl="2">
+              <a:defRPr/>
+            </a:pPr>
             <a:r>
               <a:rPr lang="fr-FR"/>
               <a:t>Troisième niveau</a:t>
             </a:r>
-          </a:p>
-          <a:p>
-            <a:pPr lvl="3"/>
+            <a:endParaRPr/>
+          </a:p>
+          <a:p>
+            <a:pPr lvl="3">
+              <a:defRPr/>
+            </a:pPr>
             <a:r>
               <a:rPr lang="fr-FR"/>
               <a:t>Quatrième niveau</a:t>
             </a:r>
-          </a:p>
-          <a:p>
-            <a:pPr lvl="4"/>
+            <a:endParaRPr/>
+          </a:p>
+          <a:p>
+            <a:pPr lvl="4">
+              <a:defRPr/>
+            </a:pPr>
             <a:r>
               <a:rPr lang="fr-FR"/>
               <a:t>Cinquième niveau</a:t>
             </a:r>
-          </a:p>
-        </p:txBody>
-      </p:sp>
-      <p:sp>
-        <p:nvSpPr>
-          <p:cNvPr id="4" name="Espace réservé de la date 3">
-            <a:extLst>
-              <a:ext uri="{FF2B5EF4-FFF2-40B4-BE49-F238E27FC236}">
-                <a16:creationId xmlns:a16="http://schemas.microsoft.com/office/drawing/2014/main" id="{C80103B0-B4B9-0AD4-39A2-9AD9223E45AF}"/>
-              </a:ext>
-            </a:extLst>
-          </p:cNvPr>
+            <a:endParaRPr/>
+          </a:p>
+        </p:txBody>
+      </p:sp>
+      <p:sp>
+        <p:nvSpPr>
+          <p:cNvPr id="4" name="Espace réservé de la date 3"/>
           <p:cNvSpPr>
             <a:spLocks noGrp="1"/>
           </p:cNvSpPr>
@@ -864,14 +828,17 @@
             <p:ph type="dt" sz="half" idx="10"/>
           </p:nvPr>
         </p:nvSpPr>
-        <p:spPr/>
+        <p:spPr bwMode="auto"/>
         <p:txBody>
           <a:bodyPr/>
           <a:lstStyle/>
           <a:p>
+            <a:pPr>
+              <a:defRPr/>
+            </a:pPr>
             <a:fld id="{2A59F47B-E7C1-4F23-BE41-37F7E26DCCF7}" type="datetimeFigureOut">
-              <a:rPr lang="fr-FR" smtClean="0"/>
-              <a:t>20/06/2023</a:t>
+              <a:rPr lang="fr-FR"/>
+              <a:t/>
             </a:fld>
             <a:endParaRPr lang="fr-FR"/>
           </a:p>
@@ -879,13 +846,7 @@
       </p:sp>
       <p:sp>
         <p:nvSpPr>
-          <p:cNvPr id="5" name="Espace réservé du pied de page 4">
-            <a:extLst>
-              <a:ext uri="{FF2B5EF4-FFF2-40B4-BE49-F238E27FC236}">
-                <a16:creationId xmlns:a16="http://schemas.microsoft.com/office/drawing/2014/main" id="{15509C03-1405-4385-770D-6041F343B914}"/>
-              </a:ext>
-            </a:extLst>
-          </p:cNvPr>
+          <p:cNvPr id="5" name="Espace réservé du pied de page 4"/>
           <p:cNvSpPr>
             <a:spLocks noGrp="1"/>
           </p:cNvSpPr>
@@ -893,24 +854,21 @@
             <p:ph type="ftr" sz="quarter" idx="11"/>
           </p:nvPr>
         </p:nvSpPr>
-        <p:spPr/>
+        <p:spPr bwMode="auto"/>
         <p:txBody>
           <a:bodyPr/>
           <a:lstStyle/>
           <a:p>
+            <a:pPr>
+              <a:defRPr/>
+            </a:pPr>
             <a:endParaRPr lang="fr-FR"/>
           </a:p>
         </p:txBody>
       </p:sp>
       <p:sp>
         <p:nvSpPr>
-          <p:cNvPr id="6" name="Espace réservé du numéro de diapositive 5">
-            <a:extLst>
-              <a:ext uri="{FF2B5EF4-FFF2-40B4-BE49-F238E27FC236}">
-                <a16:creationId xmlns:a16="http://schemas.microsoft.com/office/drawing/2014/main" id="{0C7EA2C5-038A-0974-E830-DF374084C12E}"/>
-              </a:ext>
-            </a:extLst>
-          </p:cNvPr>
+          <p:cNvPr id="6" name="Espace réservé du numéro de diapositive 5"/>
           <p:cNvSpPr>
             <a:spLocks noGrp="1"/>
           </p:cNvSpPr>
@@ -918,25 +876,23 @@
             <p:ph type="sldNum" sz="quarter" idx="12"/>
           </p:nvPr>
         </p:nvSpPr>
-        <p:spPr/>
+        <p:spPr bwMode="auto"/>
         <p:txBody>
           <a:bodyPr/>
           <a:lstStyle/>
           <a:p>
+            <a:pPr>
+              <a:defRPr/>
+            </a:pPr>
             <a:fld id="{C0B47F44-32C0-44AC-899D-8747F98E9413}" type="slidenum">
-              <a:rPr lang="fr-FR" smtClean="0"/>
-              <a:t>‹N°›</a:t>
+              <a:rPr lang="fr-FR"/>
+              <a:t/>
             </a:fld>
             <a:endParaRPr lang="fr-FR"/>
           </a:p>
         </p:txBody>
       </p:sp>
     </p:spTree>
-    <p:extLst>
-      <p:ext uri="{BB962C8B-B14F-4D97-AF65-F5344CB8AC3E}">
-        <p14:creationId xmlns:p14="http://schemas.microsoft.com/office/powerpoint/2010/main" val="2730303659"/>
-      </p:ext>
-    </p:extLst>
   </p:cSld>
   <p:clrMapOvr>
     <a:masterClrMapping/>
@@ -945,7 +901,7 @@
 </file>
 
 <file path=ppt/slideLayouts/slideLayout3.xml><?xml version="1.0" encoding="utf-8"?>
-<p:sldLayout xmlns:a="http://schemas.openxmlformats.org/drawingml/2006/main" xmlns:r="http://schemas.openxmlformats.org/officeDocument/2006/relationships" xmlns:p="http://schemas.openxmlformats.org/presentationml/2006/main" type="secHead" preserve="1">
+<p:sldLayout xmlns:a="http://schemas.openxmlformats.org/drawingml/2006/main" xmlns:r="http://schemas.openxmlformats.org/officeDocument/2006/relationships" xmlns:p="http://schemas.openxmlformats.org/presentationml/2006/main" xmlns:m="http://schemas.openxmlformats.org/officeDocument/2006/math" xmlns:w="http://schemas.openxmlformats.org/wordprocessingml/2006/main" matchingName="" preserve="1" showMasterPhAnim="0" type="secHead" userDrawn="1">
   <p:cSld name="Titre de section">
     <p:spTree>
       <p:nvGrpSpPr>
@@ -953,7 +909,7 @@
         <p:cNvGrpSpPr/>
         <p:nvPr/>
       </p:nvGrpSpPr>
-      <p:grpSpPr>
+      <p:grpSpPr bwMode="auto">
         <a:xfrm>
           <a:off x="0" y="0"/>
           <a:ext cx="0" cy="0"/>
@@ -963,13 +919,7 @@
       </p:grpSpPr>
       <p:sp>
         <p:nvSpPr>
-          <p:cNvPr id="2" name="Titre 1">
-            <a:extLst>
-              <a:ext uri="{FF2B5EF4-FFF2-40B4-BE49-F238E27FC236}">
-                <a16:creationId xmlns:a16="http://schemas.microsoft.com/office/drawing/2014/main" id="{F7B720F3-3E3A-3345-DBDB-92F2F0E7D914}"/>
-              </a:ext>
-            </a:extLst>
-          </p:cNvPr>
+          <p:cNvPr id="2" name="Titre 1"/>
           <p:cNvSpPr>
             <a:spLocks noGrp="1"/>
           </p:cNvSpPr>
@@ -977,7 +927,7 @@
             <p:ph type="title"/>
           </p:nvPr>
         </p:nvSpPr>
-        <p:spPr>
+        <p:spPr bwMode="auto">
           <a:xfrm>
             <a:off x="831850" y="1709738"/>
             <a:ext cx="10515600" cy="2852737"/>
@@ -991,22 +941,20 @@
             </a:lvl1pPr>
           </a:lstStyle>
           <a:p>
+            <a:pPr>
+              <a:defRPr/>
+            </a:pPr>
             <a:r>
               <a:rPr lang="fr-FR"/>
               <a:t>Modifiez le style du titre</a:t>
             </a:r>
-          </a:p>
-        </p:txBody>
-      </p:sp>
-      <p:sp>
-        <p:nvSpPr>
-          <p:cNvPr id="3" name="Espace réservé du texte 2">
-            <a:extLst>
-              <a:ext uri="{FF2B5EF4-FFF2-40B4-BE49-F238E27FC236}">
-                <a16:creationId xmlns:a16="http://schemas.microsoft.com/office/drawing/2014/main" id="{2C8A7088-ADD1-E6D3-57D8-65789FF33B31}"/>
-              </a:ext>
-            </a:extLst>
-          </p:cNvPr>
+            <a:endParaRPr/>
+          </a:p>
+        </p:txBody>
+      </p:sp>
+      <p:sp>
+        <p:nvSpPr>
+          <p:cNvPr id="3" name="Espace réservé du texte 2"/>
           <p:cNvSpPr>
             <a:spLocks noGrp="1"/>
           </p:cNvSpPr>
@@ -1014,7 +962,7 @@
             <p:ph type="body" idx="1"/>
           </p:nvPr>
         </p:nvSpPr>
-        <p:spPr>
+        <p:spPr bwMode="auto">
           <a:xfrm>
             <a:off x="831850" y="4589463"/>
             <a:ext cx="10515600" cy="1500187"/>
@@ -1115,23 +1063,20 @@
             </a:lvl9pPr>
           </a:lstStyle>
           <a:p>
-            <a:pPr lvl="0"/>
+            <a:pPr lvl="0">
+              <a:defRPr/>
+            </a:pPr>
             <a:r>
               <a:rPr lang="fr-FR"/>
               <a:t>Cliquez pour modifier les styles du texte du masque</a:t>
             </a:r>
-          </a:p>
-        </p:txBody>
-      </p:sp>
-      <p:sp>
-        <p:nvSpPr>
-          <p:cNvPr id="4" name="Espace réservé de la date 3">
-            <a:extLst>
-              <a:ext uri="{FF2B5EF4-FFF2-40B4-BE49-F238E27FC236}">
-                <a16:creationId xmlns:a16="http://schemas.microsoft.com/office/drawing/2014/main" id="{A37109B9-6699-E175-D0B1-6ED9B72690A8}"/>
-              </a:ext>
-            </a:extLst>
-          </p:cNvPr>
+            <a:endParaRPr/>
+          </a:p>
+        </p:txBody>
+      </p:sp>
+      <p:sp>
+        <p:nvSpPr>
+          <p:cNvPr id="4" name="Espace réservé de la date 3"/>
           <p:cNvSpPr>
             <a:spLocks noGrp="1"/>
           </p:cNvSpPr>
@@ -1139,14 +1084,17 @@
             <p:ph type="dt" sz="half" idx="10"/>
           </p:nvPr>
         </p:nvSpPr>
-        <p:spPr/>
+        <p:spPr bwMode="auto"/>
         <p:txBody>
           <a:bodyPr/>
           <a:lstStyle/>
           <a:p>
+            <a:pPr>
+              <a:defRPr/>
+            </a:pPr>
             <a:fld id="{2A59F47B-E7C1-4F23-BE41-37F7E26DCCF7}" type="datetimeFigureOut">
-              <a:rPr lang="fr-FR" smtClean="0"/>
-              <a:t>20/06/2023</a:t>
+              <a:rPr lang="fr-FR"/>
+              <a:t/>
             </a:fld>
             <a:endParaRPr lang="fr-FR"/>
           </a:p>
@@ -1154,13 +1102,7 @@
       </p:sp>
       <p:sp>
         <p:nvSpPr>
-          <p:cNvPr id="5" name="Espace réservé du pied de page 4">
-            <a:extLst>
-              <a:ext uri="{FF2B5EF4-FFF2-40B4-BE49-F238E27FC236}">
-                <a16:creationId xmlns:a16="http://schemas.microsoft.com/office/drawing/2014/main" id="{4FF38519-6A1C-8586-8477-A841054EE1BD}"/>
-              </a:ext>
-            </a:extLst>
-          </p:cNvPr>
+          <p:cNvPr id="5" name="Espace réservé du pied de page 4"/>
           <p:cNvSpPr>
             <a:spLocks noGrp="1"/>
           </p:cNvSpPr>
@@ -1168,24 +1110,21 @@
             <p:ph type="ftr" sz="quarter" idx="11"/>
           </p:nvPr>
         </p:nvSpPr>
-        <p:spPr/>
+        <p:spPr bwMode="auto"/>
         <p:txBody>
           <a:bodyPr/>
           <a:lstStyle/>
           <a:p>
+            <a:pPr>
+              <a:defRPr/>
+            </a:pPr>
             <a:endParaRPr lang="fr-FR"/>
           </a:p>
         </p:txBody>
       </p:sp>
       <p:sp>
         <p:nvSpPr>
-          <p:cNvPr id="6" name="Espace réservé du numéro de diapositive 5">
-            <a:extLst>
-              <a:ext uri="{FF2B5EF4-FFF2-40B4-BE49-F238E27FC236}">
-                <a16:creationId xmlns:a16="http://schemas.microsoft.com/office/drawing/2014/main" id="{64A08A40-B5DA-7B11-1EA5-E03989D655B2}"/>
-              </a:ext>
-            </a:extLst>
-          </p:cNvPr>
+          <p:cNvPr id="6" name="Espace réservé du numéro de diapositive 5"/>
           <p:cNvSpPr>
             <a:spLocks noGrp="1"/>
           </p:cNvSpPr>
@@ -1193,25 +1132,23 @@
             <p:ph type="sldNum" sz="quarter" idx="12"/>
           </p:nvPr>
         </p:nvSpPr>
-        <p:spPr/>
+        <p:spPr bwMode="auto"/>
         <p:txBody>
           <a:bodyPr/>
           <a:lstStyle/>
           <a:p>
+            <a:pPr>
+              <a:defRPr/>
+            </a:pPr>
             <a:fld id="{C0B47F44-32C0-44AC-899D-8747F98E9413}" type="slidenum">
-              <a:rPr lang="fr-FR" smtClean="0"/>
-              <a:t>‹N°›</a:t>
+              <a:rPr lang="fr-FR"/>
+              <a:t/>
             </a:fld>
             <a:endParaRPr lang="fr-FR"/>
           </a:p>
         </p:txBody>
       </p:sp>
     </p:spTree>
-    <p:extLst>
-      <p:ext uri="{BB962C8B-B14F-4D97-AF65-F5344CB8AC3E}">
-        <p14:creationId xmlns:p14="http://schemas.microsoft.com/office/powerpoint/2010/main" val="1460545879"/>
-      </p:ext>
-    </p:extLst>
   </p:cSld>
   <p:clrMapOvr>
     <a:masterClrMapping/>
@@ -1220,7 +1157,7 @@
 </file>
 
 <file path=ppt/slideLayouts/slideLayout4.xml><?xml version="1.0" encoding="utf-8"?>
-<p:sldLayout xmlns:a="http://schemas.openxmlformats.org/drawingml/2006/main" xmlns:r="http://schemas.openxmlformats.org/officeDocument/2006/relationships" xmlns:p="http://schemas.openxmlformats.org/presentationml/2006/main" type="twoObj" preserve="1">
+<p:sldLayout xmlns:a="http://schemas.openxmlformats.org/drawingml/2006/main" xmlns:r="http://schemas.openxmlformats.org/officeDocument/2006/relationships" xmlns:p="http://schemas.openxmlformats.org/presentationml/2006/main" xmlns:m="http://schemas.openxmlformats.org/officeDocument/2006/math" xmlns:w="http://schemas.openxmlformats.org/wordprocessingml/2006/main" matchingName="" preserve="1" showMasterPhAnim="0" type="twoObj" userDrawn="1">
   <p:cSld name="Deux contenus">
     <p:spTree>
       <p:nvGrpSpPr>
@@ -1228,7 +1165,7 @@
         <p:cNvGrpSpPr/>
         <p:nvPr/>
       </p:nvGrpSpPr>
-      <p:grpSpPr>
+      <p:grpSpPr bwMode="auto">
         <a:xfrm>
           <a:off x="0" y="0"/>
           <a:ext cx="0" cy="0"/>
@@ -1238,13 +1175,7 @@
       </p:grpSpPr>
       <p:sp>
         <p:nvSpPr>
-          <p:cNvPr id="2" name="Titre 1">
-            <a:extLst>
-              <a:ext uri="{FF2B5EF4-FFF2-40B4-BE49-F238E27FC236}">
-                <a16:creationId xmlns:a16="http://schemas.microsoft.com/office/drawing/2014/main" id="{E56E48FD-D568-2744-B6E2-53F76380D43E}"/>
-              </a:ext>
-            </a:extLst>
-          </p:cNvPr>
+          <p:cNvPr id="2" name="Titre 1"/>
           <p:cNvSpPr>
             <a:spLocks noGrp="1"/>
           </p:cNvSpPr>
@@ -1252,27 +1183,25 @@
             <p:ph type="title"/>
           </p:nvPr>
         </p:nvSpPr>
-        <p:spPr/>
+        <p:spPr bwMode="auto"/>
         <p:txBody>
           <a:bodyPr/>
           <a:lstStyle/>
           <a:p>
+            <a:pPr>
+              <a:defRPr/>
+            </a:pPr>
             <a:r>
               <a:rPr lang="fr-FR"/>
               <a:t>Modifiez le style du titre</a:t>
             </a:r>
-          </a:p>
-        </p:txBody>
-      </p:sp>
-      <p:sp>
-        <p:nvSpPr>
-          <p:cNvPr id="3" name="Espace réservé du contenu 2">
-            <a:extLst>
-              <a:ext uri="{FF2B5EF4-FFF2-40B4-BE49-F238E27FC236}">
-                <a16:creationId xmlns:a16="http://schemas.microsoft.com/office/drawing/2014/main" id="{41B4FEEA-616D-BA26-B33C-3E629EA2019F}"/>
-              </a:ext>
-            </a:extLst>
-          </p:cNvPr>
+            <a:endParaRPr/>
+          </a:p>
+        </p:txBody>
+      </p:sp>
+      <p:sp>
+        <p:nvSpPr>
+          <p:cNvPr id="3" name="Espace réservé du contenu 2"/>
           <p:cNvSpPr>
             <a:spLocks noGrp="1"/>
           </p:cNvSpPr>
@@ -1280,7 +1209,7 @@
             <p:ph sz="half" idx="1"/>
           </p:nvPr>
         </p:nvSpPr>
-        <p:spPr>
+        <p:spPr bwMode="auto">
           <a:xfrm>
             <a:off x="838200" y="1825625"/>
             <a:ext cx="5181600" cy="4351338"/>
@@ -1290,51 +1219,60 @@
           <a:bodyPr/>
           <a:lstStyle/>
           <a:p>
-            <a:pPr lvl="0"/>
+            <a:pPr lvl="0">
+              <a:defRPr/>
+            </a:pPr>
             <a:r>
               <a:rPr lang="fr-FR"/>
               <a:t>Cliquez pour modifier les styles du texte du masque</a:t>
             </a:r>
-          </a:p>
-          <a:p>
-            <a:pPr lvl="1"/>
+            <a:endParaRPr/>
+          </a:p>
+          <a:p>
+            <a:pPr lvl="1">
+              <a:defRPr/>
+            </a:pPr>
             <a:r>
               <a:rPr lang="fr-FR"/>
               <a:t>Deuxième niveau</a:t>
             </a:r>
-          </a:p>
-          <a:p>
-            <a:pPr lvl="2"/>
+            <a:endParaRPr/>
+          </a:p>
+          <a:p>
+            <a:pPr lvl="2">
+              <a:defRPr/>
+            </a:pPr>
             <a:r>
               <a:rPr lang="fr-FR"/>
               <a:t>Troisième niveau</a:t>
             </a:r>
-          </a:p>
-          <a:p>
-            <a:pPr lvl="3"/>
+            <a:endParaRPr/>
+          </a:p>
+          <a:p>
+            <a:pPr lvl="3">
+              <a:defRPr/>
+            </a:pPr>
             <a:r>
               <a:rPr lang="fr-FR"/>
               <a:t>Quatrième niveau</a:t>
             </a:r>
-          </a:p>
-          <a:p>
-            <a:pPr lvl="4"/>
+            <a:endParaRPr/>
+          </a:p>
+          <a:p>
+            <a:pPr lvl="4">
+              <a:defRPr/>
+            </a:pPr>
             <a:r>
               <a:rPr lang="fr-FR"/>
               <a:t>Cinquième niveau</a:t>
             </a:r>
-          </a:p>
-        </p:txBody>
-      </p:sp>
-      <p:sp>
-        <p:nvSpPr>
-          <p:cNvPr id="4" name="Espace réservé du contenu 3">
-            <a:extLst>
-              <a:ext uri="{FF2B5EF4-FFF2-40B4-BE49-F238E27FC236}">
-                <a16:creationId xmlns:a16="http://schemas.microsoft.com/office/drawing/2014/main" id="{84A709E6-C923-275C-5FB8-E7AB33A70433}"/>
-              </a:ext>
-            </a:extLst>
-          </p:cNvPr>
+            <a:endParaRPr/>
+          </a:p>
+        </p:txBody>
+      </p:sp>
+      <p:sp>
+        <p:nvSpPr>
+          <p:cNvPr id="4" name="Espace réservé du contenu 3"/>
           <p:cNvSpPr>
             <a:spLocks noGrp="1"/>
           </p:cNvSpPr>
@@ -1342,7 +1280,7 @@
             <p:ph sz="half" idx="2"/>
           </p:nvPr>
         </p:nvSpPr>
-        <p:spPr>
+        <p:spPr bwMode="auto">
           <a:xfrm>
             <a:off x="6172200" y="1825625"/>
             <a:ext cx="5181600" cy="4351338"/>
@@ -1352,51 +1290,60 @@
           <a:bodyPr/>
           <a:lstStyle/>
           <a:p>
-            <a:pPr lvl="0"/>
+            <a:pPr lvl="0">
+              <a:defRPr/>
+            </a:pPr>
             <a:r>
               <a:rPr lang="fr-FR"/>
               <a:t>Cliquez pour modifier les styles du texte du masque</a:t>
             </a:r>
-          </a:p>
-          <a:p>
-            <a:pPr lvl="1"/>
+            <a:endParaRPr/>
+          </a:p>
+          <a:p>
+            <a:pPr lvl="1">
+              <a:defRPr/>
+            </a:pPr>
             <a:r>
               <a:rPr lang="fr-FR"/>
               <a:t>Deuxième niveau</a:t>
             </a:r>
-          </a:p>
-          <a:p>
-            <a:pPr lvl="2"/>
+            <a:endParaRPr/>
+          </a:p>
+          <a:p>
+            <a:pPr lvl="2">
+              <a:defRPr/>
+            </a:pPr>
             <a:r>
               <a:rPr lang="fr-FR"/>
               <a:t>Troisième niveau</a:t>
             </a:r>
-          </a:p>
-          <a:p>
-            <a:pPr lvl="3"/>
+            <a:endParaRPr/>
+          </a:p>
+          <a:p>
+            <a:pPr lvl="3">
+              <a:defRPr/>
+            </a:pPr>
             <a:r>
               <a:rPr lang="fr-FR"/>
               <a:t>Quatrième niveau</a:t>
             </a:r>
-          </a:p>
-          <a:p>
-            <a:pPr lvl="4"/>
+            <a:endParaRPr/>
+          </a:p>
+          <a:p>
+            <a:pPr lvl="4">
+              <a:defRPr/>
+            </a:pPr>
             <a:r>
               <a:rPr lang="fr-FR"/>
               <a:t>Cinquième niveau</a:t>
             </a:r>
-          </a:p>
-        </p:txBody>
-      </p:sp>
-      <p:sp>
-        <p:nvSpPr>
-          <p:cNvPr id="5" name="Espace réservé de la date 4">
-            <a:extLst>
-              <a:ext uri="{FF2B5EF4-FFF2-40B4-BE49-F238E27FC236}">
-                <a16:creationId xmlns:a16="http://schemas.microsoft.com/office/drawing/2014/main" id="{DCE6DD6A-AD9F-A96B-B4B2-CACD8529ED37}"/>
-              </a:ext>
-            </a:extLst>
-          </p:cNvPr>
+            <a:endParaRPr/>
+          </a:p>
+        </p:txBody>
+      </p:sp>
+      <p:sp>
+        <p:nvSpPr>
+          <p:cNvPr id="5" name="Espace réservé de la date 4"/>
           <p:cNvSpPr>
             <a:spLocks noGrp="1"/>
           </p:cNvSpPr>
@@ -1404,14 +1351,17 @@
             <p:ph type="dt" sz="half" idx="10"/>
           </p:nvPr>
         </p:nvSpPr>
-        <p:spPr/>
+        <p:spPr bwMode="auto"/>
         <p:txBody>
           <a:bodyPr/>
           <a:lstStyle/>
           <a:p>
+            <a:pPr>
+              <a:defRPr/>
+            </a:pPr>
             <a:fld id="{2A59F47B-E7C1-4F23-BE41-37F7E26DCCF7}" type="datetimeFigureOut">
-              <a:rPr lang="fr-FR" smtClean="0"/>
-              <a:t>20/06/2023</a:t>
+              <a:rPr lang="fr-FR"/>
+              <a:t/>
             </a:fld>
             <a:endParaRPr lang="fr-FR"/>
           </a:p>
@@ -1419,13 +1369,7 @@
       </p:sp>
       <p:sp>
         <p:nvSpPr>
-          <p:cNvPr id="6" name="Espace réservé du pied de page 5">
-            <a:extLst>
-              <a:ext uri="{FF2B5EF4-FFF2-40B4-BE49-F238E27FC236}">
-                <a16:creationId xmlns:a16="http://schemas.microsoft.com/office/drawing/2014/main" id="{101F37BB-3CDF-49C1-7A7C-B40949FF36A4}"/>
-              </a:ext>
-            </a:extLst>
-          </p:cNvPr>
+          <p:cNvPr id="6" name="Espace réservé du pied de page 5"/>
           <p:cNvSpPr>
             <a:spLocks noGrp="1"/>
           </p:cNvSpPr>
@@ -1433,24 +1377,21 @@
             <p:ph type="ftr" sz="quarter" idx="11"/>
           </p:nvPr>
         </p:nvSpPr>
-        <p:spPr/>
+        <p:spPr bwMode="auto"/>
         <p:txBody>
           <a:bodyPr/>
           <a:lstStyle/>
           <a:p>
+            <a:pPr>
+              <a:defRPr/>
+            </a:pPr>
             <a:endParaRPr lang="fr-FR"/>
           </a:p>
         </p:txBody>
       </p:sp>
       <p:sp>
         <p:nvSpPr>
-          <p:cNvPr id="7" name="Espace réservé du numéro de diapositive 6">
-            <a:extLst>
-              <a:ext uri="{FF2B5EF4-FFF2-40B4-BE49-F238E27FC236}">
-                <a16:creationId xmlns:a16="http://schemas.microsoft.com/office/drawing/2014/main" id="{6C9AD20A-F74C-5CD0-1962-0CF2C5882802}"/>
-              </a:ext>
-            </a:extLst>
-          </p:cNvPr>
+          <p:cNvPr id="7" name="Espace réservé du numéro de diapositive 6"/>
           <p:cNvSpPr>
             <a:spLocks noGrp="1"/>
           </p:cNvSpPr>
@@ -1458,25 +1399,23 @@
             <p:ph type="sldNum" sz="quarter" idx="12"/>
           </p:nvPr>
         </p:nvSpPr>
-        <p:spPr/>
+        <p:spPr bwMode="auto"/>
         <p:txBody>
           <a:bodyPr/>
           <a:lstStyle/>
           <a:p>
+            <a:pPr>
+              <a:defRPr/>
+            </a:pPr>
             <a:fld id="{C0B47F44-32C0-44AC-899D-8747F98E9413}" type="slidenum">
-              <a:rPr lang="fr-FR" smtClean="0"/>
-              <a:t>‹N°›</a:t>
+              <a:rPr lang="fr-FR"/>
+              <a:t/>
             </a:fld>
             <a:endParaRPr lang="fr-FR"/>
           </a:p>
         </p:txBody>
       </p:sp>
     </p:spTree>
-    <p:extLst>
-      <p:ext uri="{BB962C8B-B14F-4D97-AF65-F5344CB8AC3E}">
-        <p14:creationId xmlns:p14="http://schemas.microsoft.com/office/powerpoint/2010/main" val="188396636"/>
-      </p:ext>
-    </p:extLst>
   </p:cSld>
   <p:clrMapOvr>
     <a:masterClrMapping/>
@@ -1485,7 +1424,7 @@
 </file>
 
 <file path=ppt/slideLayouts/slideLayout5.xml><?xml version="1.0" encoding="utf-8"?>
-<p:sldLayout xmlns:a="http://schemas.openxmlformats.org/drawingml/2006/main" xmlns:r="http://schemas.openxmlformats.org/officeDocument/2006/relationships" xmlns:p="http://schemas.openxmlformats.org/presentationml/2006/main" type="twoTxTwoObj" preserve="1">
+<p:sldLayout xmlns:a="http://schemas.openxmlformats.org/drawingml/2006/main" xmlns:r="http://schemas.openxmlformats.org/officeDocument/2006/relationships" xmlns:p="http://schemas.openxmlformats.org/presentationml/2006/main" xmlns:m="http://schemas.openxmlformats.org/officeDocument/2006/math" xmlns:w="http://schemas.openxmlformats.org/wordprocessingml/2006/main" matchingName="" preserve="1" showMasterPhAnim="0" type="twoTxTwoObj" userDrawn="1">
   <p:cSld name="Comparaison">
     <p:spTree>
       <p:nvGrpSpPr>
@@ -1493,7 +1432,7 @@
         <p:cNvGrpSpPr/>
         <p:nvPr/>
       </p:nvGrpSpPr>
-      <p:grpSpPr>
+      <p:grpSpPr bwMode="auto">
         <a:xfrm>
           <a:off x="0" y="0"/>
           <a:ext cx="0" cy="0"/>
@@ -1503,13 +1442,7 @@
       </p:grpSpPr>
       <p:sp>
         <p:nvSpPr>
-          <p:cNvPr id="2" name="Titre 1">
-            <a:extLst>
-              <a:ext uri="{FF2B5EF4-FFF2-40B4-BE49-F238E27FC236}">
-                <a16:creationId xmlns:a16="http://schemas.microsoft.com/office/drawing/2014/main" id="{23CAD8CB-8652-4369-B15D-47DFD7C3D589}"/>
-              </a:ext>
-            </a:extLst>
-          </p:cNvPr>
+          <p:cNvPr id="2" name="Titre 1"/>
           <p:cNvSpPr>
             <a:spLocks noGrp="1"/>
           </p:cNvSpPr>
@@ -1517,7 +1450,7 @@
             <p:ph type="title"/>
           </p:nvPr>
         </p:nvSpPr>
-        <p:spPr>
+        <p:spPr bwMode="auto">
           <a:xfrm>
             <a:off x="839788" y="365125"/>
             <a:ext cx="10515600" cy="1325563"/>
@@ -1527,22 +1460,20 @@
           <a:bodyPr/>
           <a:lstStyle/>
           <a:p>
+            <a:pPr>
+              <a:defRPr/>
+            </a:pPr>
             <a:r>
               <a:rPr lang="fr-FR"/>
               <a:t>Modifiez le style du titre</a:t>
             </a:r>
-          </a:p>
-        </p:txBody>
-      </p:sp>
-      <p:sp>
-        <p:nvSpPr>
-          <p:cNvPr id="3" name="Espace réservé du texte 2">
-            <a:extLst>
-              <a:ext uri="{FF2B5EF4-FFF2-40B4-BE49-F238E27FC236}">
-                <a16:creationId xmlns:a16="http://schemas.microsoft.com/office/drawing/2014/main" id="{60366CC4-1926-1313-BB3C-2CCBF67B49F6}"/>
-              </a:ext>
-            </a:extLst>
-          </p:cNvPr>
+            <a:endParaRPr/>
+          </a:p>
+        </p:txBody>
+      </p:sp>
+      <p:sp>
+        <p:nvSpPr>
+          <p:cNvPr id="3" name="Espace réservé du texte 2"/>
           <p:cNvSpPr>
             <a:spLocks noGrp="1"/>
           </p:cNvSpPr>
@@ -1550,7 +1481,7 @@
             <p:ph type="body" idx="1"/>
           </p:nvPr>
         </p:nvSpPr>
-        <p:spPr>
+        <p:spPr bwMode="auto">
           <a:xfrm>
             <a:off x="839788" y="1681163"/>
             <a:ext cx="5157787" cy="823912"/>
@@ -1597,23 +1528,20 @@
             </a:lvl9pPr>
           </a:lstStyle>
           <a:p>
-            <a:pPr lvl="0"/>
+            <a:pPr lvl="0">
+              <a:defRPr/>
+            </a:pPr>
             <a:r>
               <a:rPr lang="fr-FR"/>
               <a:t>Cliquez pour modifier les styles du texte du masque</a:t>
             </a:r>
-          </a:p>
-        </p:txBody>
-      </p:sp>
-      <p:sp>
-        <p:nvSpPr>
-          <p:cNvPr id="4" name="Espace réservé du contenu 3">
-            <a:extLst>
-              <a:ext uri="{FF2B5EF4-FFF2-40B4-BE49-F238E27FC236}">
-                <a16:creationId xmlns:a16="http://schemas.microsoft.com/office/drawing/2014/main" id="{B19B22D4-3CD2-90C3-52E7-08C248CE81C0}"/>
-              </a:ext>
-            </a:extLst>
-          </p:cNvPr>
+            <a:endParaRPr/>
+          </a:p>
+        </p:txBody>
+      </p:sp>
+      <p:sp>
+        <p:nvSpPr>
+          <p:cNvPr id="4" name="Espace réservé du contenu 3"/>
           <p:cNvSpPr>
             <a:spLocks noGrp="1"/>
           </p:cNvSpPr>
@@ -1621,9 +1549,9 @@
             <p:ph sz="half" idx="2"/>
           </p:nvPr>
         </p:nvSpPr>
-        <p:spPr>
-          <a:xfrm>
-            <a:off x="839788" y="2505075"/>
+        <p:spPr bwMode="auto">
+          <a:xfrm>
+            <a:off x="839788" y="2505074"/>
             <a:ext cx="5157787" cy="3684588"/>
           </a:xfrm>
         </p:spPr>
@@ -1631,51 +1559,60 @@
           <a:bodyPr/>
           <a:lstStyle/>
           <a:p>
-            <a:pPr lvl="0"/>
+            <a:pPr lvl="0">
+              <a:defRPr/>
+            </a:pPr>
             <a:r>
               <a:rPr lang="fr-FR"/>
               <a:t>Cliquez pour modifier les styles du texte du masque</a:t>
             </a:r>
-          </a:p>
-          <a:p>
-            <a:pPr lvl="1"/>
+            <a:endParaRPr/>
+          </a:p>
+          <a:p>
+            <a:pPr lvl="1">
+              <a:defRPr/>
+            </a:pPr>
             <a:r>
               <a:rPr lang="fr-FR"/>
               <a:t>Deuxième niveau</a:t>
             </a:r>
-          </a:p>
-          <a:p>
-            <a:pPr lvl="2"/>
+            <a:endParaRPr/>
+          </a:p>
+          <a:p>
+            <a:pPr lvl="2">
+              <a:defRPr/>
+            </a:pPr>
             <a:r>
               <a:rPr lang="fr-FR"/>
               <a:t>Troisième niveau</a:t>
             </a:r>
-          </a:p>
-          <a:p>
-            <a:pPr lvl="3"/>
+            <a:endParaRPr/>
+          </a:p>
+          <a:p>
+            <a:pPr lvl="3">
+              <a:defRPr/>
+            </a:pPr>
             <a:r>
               <a:rPr lang="fr-FR"/>
               <a:t>Quatrième niveau</a:t>
             </a:r>
-          </a:p>
-          <a:p>
-            <a:pPr lvl="4"/>
+            <a:endParaRPr/>
+          </a:p>
+          <a:p>
+            <a:pPr lvl="4">
+              <a:defRPr/>
+            </a:pPr>
             <a:r>
               <a:rPr lang="fr-FR"/>
               <a:t>Cinquième niveau</a:t>
             </a:r>
-          </a:p>
-        </p:txBody>
-      </p:sp>
-      <p:sp>
-        <p:nvSpPr>
-          <p:cNvPr id="5" name="Espace réservé du texte 4">
-            <a:extLst>
-              <a:ext uri="{FF2B5EF4-FFF2-40B4-BE49-F238E27FC236}">
-                <a16:creationId xmlns:a16="http://schemas.microsoft.com/office/drawing/2014/main" id="{B14159C5-224C-58C9-A5DF-5D109978AA26}"/>
-              </a:ext>
-            </a:extLst>
-          </p:cNvPr>
+            <a:endParaRPr/>
+          </a:p>
+        </p:txBody>
+      </p:sp>
+      <p:sp>
+        <p:nvSpPr>
+          <p:cNvPr id="5" name="Espace réservé du texte 4"/>
           <p:cNvSpPr>
             <a:spLocks noGrp="1"/>
           </p:cNvSpPr>
@@ -1683,7 +1620,7 @@
             <p:ph type="body" sz="quarter" idx="3"/>
           </p:nvPr>
         </p:nvSpPr>
-        <p:spPr>
+        <p:spPr bwMode="auto">
           <a:xfrm>
             <a:off x="6172200" y="1681163"/>
             <a:ext cx="5183188" cy="823912"/>
@@ -1730,23 +1667,20 @@
             </a:lvl9pPr>
           </a:lstStyle>
           <a:p>
-            <a:pPr lvl="0"/>
+            <a:pPr lvl="0">
+              <a:defRPr/>
+            </a:pPr>
             <a:r>
               <a:rPr lang="fr-FR"/>
               <a:t>Cliquez pour modifier les styles du texte du masque</a:t>
             </a:r>
-          </a:p>
-        </p:txBody>
-      </p:sp>
-      <p:sp>
-        <p:nvSpPr>
-          <p:cNvPr id="6" name="Espace réservé du contenu 5">
-            <a:extLst>
-              <a:ext uri="{FF2B5EF4-FFF2-40B4-BE49-F238E27FC236}">
-                <a16:creationId xmlns:a16="http://schemas.microsoft.com/office/drawing/2014/main" id="{3B74C379-785B-DDE4-1508-411D06DCA250}"/>
-              </a:ext>
-            </a:extLst>
-          </p:cNvPr>
+            <a:endParaRPr/>
+          </a:p>
+        </p:txBody>
+      </p:sp>
+      <p:sp>
+        <p:nvSpPr>
+          <p:cNvPr id="6" name="Espace réservé du contenu 5"/>
           <p:cNvSpPr>
             <a:spLocks noGrp="1"/>
           </p:cNvSpPr>
@@ -1754,9 +1688,9 @@
             <p:ph sz="quarter" idx="4"/>
           </p:nvPr>
         </p:nvSpPr>
-        <p:spPr>
-          <a:xfrm>
-            <a:off x="6172200" y="2505075"/>
+        <p:spPr bwMode="auto">
+          <a:xfrm>
+            <a:off x="6172200" y="2505074"/>
             <a:ext cx="5183188" cy="3684588"/>
           </a:xfrm>
         </p:spPr>
@@ -1764,51 +1698,60 @@
           <a:bodyPr/>
           <a:lstStyle/>
           <a:p>
-            <a:pPr lvl="0"/>
+            <a:pPr lvl="0">
+              <a:defRPr/>
+            </a:pPr>
             <a:r>
               <a:rPr lang="fr-FR"/>
               <a:t>Cliquez pour modifier les styles du texte du masque</a:t>
             </a:r>
-          </a:p>
-          <a:p>
-            <a:pPr lvl="1"/>
+            <a:endParaRPr/>
+          </a:p>
+          <a:p>
+            <a:pPr lvl="1">
+              <a:defRPr/>
+            </a:pPr>
             <a:r>
               <a:rPr lang="fr-FR"/>
               <a:t>Deuxième niveau</a:t>
             </a:r>
-          </a:p>
-          <a:p>
-            <a:pPr lvl="2"/>
+            <a:endParaRPr/>
+          </a:p>
+          <a:p>
+            <a:pPr lvl="2">
+              <a:defRPr/>
+            </a:pPr>
             <a:r>
               <a:rPr lang="fr-FR"/>
               <a:t>Troisième niveau</a:t>
             </a:r>
-          </a:p>
-          <a:p>
-            <a:pPr lvl="3"/>
+            <a:endParaRPr/>
+          </a:p>
+          <a:p>
+            <a:pPr lvl="3">
+              <a:defRPr/>
+            </a:pPr>
             <a:r>
               <a:rPr lang="fr-FR"/>
               <a:t>Quatrième niveau</a:t>
             </a:r>
-          </a:p>
-          <a:p>
-            <a:pPr lvl="4"/>
+            <a:endParaRPr/>
+          </a:p>
+          <a:p>
+            <a:pPr lvl="4">
+              <a:defRPr/>
+            </a:pPr>
             <a:r>
               <a:rPr lang="fr-FR"/>
               <a:t>Cinquième niveau</a:t>
             </a:r>
-          </a:p>
-        </p:txBody>
-      </p:sp>
-      <p:sp>
-        <p:nvSpPr>
-          <p:cNvPr id="7" name="Espace réservé de la date 6">
-            <a:extLst>
-              <a:ext uri="{FF2B5EF4-FFF2-40B4-BE49-F238E27FC236}">
-                <a16:creationId xmlns:a16="http://schemas.microsoft.com/office/drawing/2014/main" id="{2EBBA88D-54D4-C70E-A3F8-16943F8540AE}"/>
-              </a:ext>
-            </a:extLst>
-          </p:cNvPr>
+            <a:endParaRPr/>
+          </a:p>
+        </p:txBody>
+      </p:sp>
+      <p:sp>
+        <p:nvSpPr>
+          <p:cNvPr id="7" name="Espace réservé de la date 6"/>
           <p:cNvSpPr>
             <a:spLocks noGrp="1"/>
           </p:cNvSpPr>
@@ -1816,14 +1759,17 @@
             <p:ph type="dt" sz="half" idx="10"/>
           </p:nvPr>
         </p:nvSpPr>
-        <p:spPr/>
+        <p:spPr bwMode="auto"/>
         <p:txBody>
           <a:bodyPr/>
           <a:lstStyle/>
           <a:p>
+            <a:pPr>
+              <a:defRPr/>
+            </a:pPr>
             <a:fld id="{2A59F47B-E7C1-4F23-BE41-37F7E26DCCF7}" type="datetimeFigureOut">
-              <a:rPr lang="fr-FR" smtClean="0"/>
-              <a:t>20/06/2023</a:t>
+              <a:rPr lang="fr-FR"/>
+              <a:t/>
             </a:fld>
             <a:endParaRPr lang="fr-FR"/>
           </a:p>
@@ -1831,13 +1777,7 @@
       </p:sp>
       <p:sp>
         <p:nvSpPr>
-          <p:cNvPr id="8" name="Espace réservé du pied de page 7">
-            <a:extLst>
-              <a:ext uri="{FF2B5EF4-FFF2-40B4-BE49-F238E27FC236}">
-                <a16:creationId xmlns:a16="http://schemas.microsoft.com/office/drawing/2014/main" id="{5426381C-5EEC-28CC-E547-581DEAE05CE7}"/>
-              </a:ext>
-            </a:extLst>
-          </p:cNvPr>
+          <p:cNvPr id="8" name="Espace réservé du pied de page 7"/>
           <p:cNvSpPr>
             <a:spLocks noGrp="1"/>
           </p:cNvSpPr>
@@ -1845,24 +1785,21 @@
             <p:ph type="ftr" sz="quarter" idx="11"/>
           </p:nvPr>
         </p:nvSpPr>
-        <p:spPr/>
+        <p:spPr bwMode="auto"/>
         <p:txBody>
           <a:bodyPr/>
           <a:lstStyle/>
           <a:p>
+            <a:pPr>
+              <a:defRPr/>
+            </a:pPr>
             <a:endParaRPr lang="fr-FR"/>
           </a:p>
         </p:txBody>
       </p:sp>
       <p:sp>
         <p:nvSpPr>
-          <p:cNvPr id="9" name="Espace réservé du numéro de diapositive 8">
-            <a:extLst>
-              <a:ext uri="{FF2B5EF4-FFF2-40B4-BE49-F238E27FC236}">
-                <a16:creationId xmlns:a16="http://schemas.microsoft.com/office/drawing/2014/main" id="{A759EBD2-4B56-198A-B336-317476BF12BC}"/>
-              </a:ext>
-            </a:extLst>
-          </p:cNvPr>
+          <p:cNvPr id="9" name="Espace réservé du numéro de diapositive 8"/>
           <p:cNvSpPr>
             <a:spLocks noGrp="1"/>
           </p:cNvSpPr>
@@ -1870,25 +1807,23 @@
             <p:ph type="sldNum" sz="quarter" idx="12"/>
           </p:nvPr>
         </p:nvSpPr>
-        <p:spPr/>
+        <p:spPr bwMode="auto"/>
         <p:txBody>
           <a:bodyPr/>
           <a:lstStyle/>
           <a:p>
+            <a:pPr>
+              <a:defRPr/>
+            </a:pPr>
             <a:fld id="{C0B47F44-32C0-44AC-899D-8747F98E9413}" type="slidenum">
-              <a:rPr lang="fr-FR" smtClean="0"/>
-              <a:t>‹N°›</a:t>
+              <a:rPr lang="fr-FR"/>
+              <a:t/>
             </a:fld>
             <a:endParaRPr lang="fr-FR"/>
           </a:p>
         </p:txBody>
       </p:sp>
     </p:spTree>
-    <p:extLst>
-      <p:ext uri="{BB962C8B-B14F-4D97-AF65-F5344CB8AC3E}">
-        <p14:creationId xmlns:p14="http://schemas.microsoft.com/office/powerpoint/2010/main" val="1727719479"/>
-      </p:ext>
-    </p:extLst>
   </p:cSld>
   <p:clrMapOvr>
     <a:masterClrMapping/>
@@ -1897,7 +1832,7 @@
 </file>
 
 <file path=ppt/slideLayouts/slideLayout6.xml><?xml version="1.0" encoding="utf-8"?>
-<p:sldLayout xmlns:a="http://schemas.openxmlformats.org/drawingml/2006/main" xmlns:r="http://schemas.openxmlformats.org/officeDocument/2006/relationships" xmlns:p="http://schemas.openxmlformats.org/presentationml/2006/main" type="titleOnly" preserve="1">
+<p:sldLayout xmlns:a="http://schemas.openxmlformats.org/drawingml/2006/main" xmlns:r="http://schemas.openxmlformats.org/officeDocument/2006/relationships" xmlns:p="http://schemas.openxmlformats.org/presentationml/2006/main" xmlns:m="http://schemas.openxmlformats.org/officeDocument/2006/math" xmlns:w="http://schemas.openxmlformats.org/wordprocessingml/2006/main" matchingName="" preserve="1" showMasterPhAnim="0" type="titleOnly" userDrawn="1">
   <p:cSld name="Titre seul">
     <p:spTree>
       <p:nvGrpSpPr>
@@ -1905,7 +1840,7 @@
         <p:cNvGrpSpPr/>
         <p:nvPr/>
       </p:nvGrpSpPr>
-      <p:grpSpPr>
+      <p:grpSpPr bwMode="auto">
         <a:xfrm>
           <a:off x="0" y="0"/>
           <a:ext cx="0" cy="0"/>
@@ -1915,13 +1850,7 @@
       </p:grpSpPr>
       <p:sp>
         <p:nvSpPr>
-          <p:cNvPr id="2" name="Titre 1">
-            <a:extLst>
-              <a:ext uri="{FF2B5EF4-FFF2-40B4-BE49-F238E27FC236}">
-                <a16:creationId xmlns:a16="http://schemas.microsoft.com/office/drawing/2014/main" id="{18A1E74F-C0C1-9901-C97F-C62A2ABEF12E}"/>
-              </a:ext>
-            </a:extLst>
-          </p:cNvPr>
+          <p:cNvPr id="2" name="Titre 1"/>
           <p:cNvSpPr>
             <a:spLocks noGrp="1"/>
           </p:cNvSpPr>
@@ -1929,27 +1858,25 @@
             <p:ph type="title"/>
           </p:nvPr>
         </p:nvSpPr>
-        <p:spPr/>
+        <p:spPr bwMode="auto"/>
         <p:txBody>
           <a:bodyPr/>
           <a:lstStyle/>
           <a:p>
+            <a:pPr>
+              <a:defRPr/>
+            </a:pPr>
             <a:r>
               <a:rPr lang="fr-FR"/>
               <a:t>Modifiez le style du titre</a:t>
             </a:r>
-          </a:p>
-        </p:txBody>
-      </p:sp>
-      <p:sp>
-        <p:nvSpPr>
-          <p:cNvPr id="3" name="Espace réservé de la date 2">
-            <a:extLst>
-              <a:ext uri="{FF2B5EF4-FFF2-40B4-BE49-F238E27FC236}">
-                <a16:creationId xmlns:a16="http://schemas.microsoft.com/office/drawing/2014/main" id="{5F04BB1F-1BE1-9525-CFF2-0634E59F77DE}"/>
-              </a:ext>
-            </a:extLst>
-          </p:cNvPr>
+            <a:endParaRPr/>
+          </a:p>
+        </p:txBody>
+      </p:sp>
+      <p:sp>
+        <p:nvSpPr>
+          <p:cNvPr id="3" name="Espace réservé de la date 2"/>
           <p:cNvSpPr>
             <a:spLocks noGrp="1"/>
           </p:cNvSpPr>
@@ -1957,14 +1884,17 @@
             <p:ph type="dt" sz="half" idx="10"/>
           </p:nvPr>
         </p:nvSpPr>
-        <p:spPr/>
+        <p:spPr bwMode="auto"/>
         <p:txBody>
           <a:bodyPr/>
           <a:lstStyle/>
           <a:p>
+            <a:pPr>
+              <a:defRPr/>
+            </a:pPr>
             <a:fld id="{2A59F47B-E7C1-4F23-BE41-37F7E26DCCF7}" type="datetimeFigureOut">
-              <a:rPr lang="fr-FR" smtClean="0"/>
-              <a:t>20/06/2023</a:t>
+              <a:rPr lang="fr-FR"/>
+              <a:t/>
             </a:fld>
             <a:endParaRPr lang="fr-FR"/>
           </a:p>
@@ -1972,13 +1902,7 @@
       </p:sp>
       <p:sp>
         <p:nvSpPr>
-          <p:cNvPr id="4" name="Espace réservé du pied de page 3">
-            <a:extLst>
-              <a:ext uri="{FF2B5EF4-FFF2-40B4-BE49-F238E27FC236}">
-                <a16:creationId xmlns:a16="http://schemas.microsoft.com/office/drawing/2014/main" id="{77BA64A5-E743-EE36-62D6-F3F4AE215808}"/>
-              </a:ext>
-            </a:extLst>
-          </p:cNvPr>
+          <p:cNvPr id="4" name="Espace réservé du pied de page 3"/>
           <p:cNvSpPr>
             <a:spLocks noGrp="1"/>
           </p:cNvSpPr>
@@ -1986,24 +1910,21 @@
             <p:ph type="ftr" sz="quarter" idx="11"/>
           </p:nvPr>
         </p:nvSpPr>
-        <p:spPr/>
+        <p:spPr bwMode="auto"/>
         <p:txBody>
           <a:bodyPr/>
           <a:lstStyle/>
           <a:p>
+            <a:pPr>
+              <a:defRPr/>
+            </a:pPr>
             <a:endParaRPr lang="fr-FR"/>
           </a:p>
         </p:txBody>
       </p:sp>
       <p:sp>
         <p:nvSpPr>
-          <p:cNvPr id="5" name="Espace réservé du numéro de diapositive 4">
-            <a:extLst>
-              <a:ext uri="{FF2B5EF4-FFF2-40B4-BE49-F238E27FC236}">
-                <a16:creationId xmlns:a16="http://schemas.microsoft.com/office/drawing/2014/main" id="{1238D40F-88E0-DC5A-5F3B-CA963B77E8F2}"/>
-              </a:ext>
-            </a:extLst>
-          </p:cNvPr>
+          <p:cNvPr id="5" name="Espace réservé du numéro de diapositive 4"/>
           <p:cNvSpPr>
             <a:spLocks noGrp="1"/>
           </p:cNvSpPr>
@@ -2011,25 +1932,23 @@
             <p:ph type="sldNum" sz="quarter" idx="12"/>
           </p:nvPr>
         </p:nvSpPr>
-        <p:spPr/>
+        <p:spPr bwMode="auto"/>
         <p:txBody>
           <a:bodyPr/>
           <a:lstStyle/>
           <a:p>
+            <a:pPr>
+              <a:defRPr/>
+            </a:pPr>
             <a:fld id="{C0B47F44-32C0-44AC-899D-8747F98E9413}" type="slidenum">
-              <a:rPr lang="fr-FR" smtClean="0"/>
-              <a:t>‹N°›</a:t>
+              <a:rPr lang="fr-FR"/>
+              <a:t/>
             </a:fld>
             <a:endParaRPr lang="fr-FR"/>
           </a:p>
         </p:txBody>
       </p:sp>
     </p:spTree>
-    <p:extLst>
-      <p:ext uri="{BB962C8B-B14F-4D97-AF65-F5344CB8AC3E}">
-        <p14:creationId xmlns:p14="http://schemas.microsoft.com/office/powerpoint/2010/main" val="3343839468"/>
-      </p:ext>
-    </p:extLst>
   </p:cSld>
   <p:clrMapOvr>
     <a:masterClrMapping/>
@@ -2038,7 +1957,7 @@
 </file>
 
 <file path=ppt/slideLayouts/slideLayout7.xml><?xml version="1.0" encoding="utf-8"?>
-<p:sldLayout xmlns:a="http://schemas.openxmlformats.org/drawingml/2006/main" xmlns:r="http://schemas.openxmlformats.org/officeDocument/2006/relationships" xmlns:p="http://schemas.openxmlformats.org/presentationml/2006/main" type="blank" preserve="1">
+<p:sldLayout xmlns:a="http://schemas.openxmlformats.org/drawingml/2006/main" xmlns:r="http://schemas.openxmlformats.org/officeDocument/2006/relationships" xmlns:p="http://schemas.openxmlformats.org/presentationml/2006/main" xmlns:m="http://schemas.openxmlformats.org/officeDocument/2006/math" xmlns:w="http://schemas.openxmlformats.org/wordprocessingml/2006/main" matchingName="" preserve="1" showMasterPhAnim="0" type="blank" userDrawn="1">
   <p:cSld name="Vide">
     <p:spTree>
       <p:nvGrpSpPr>
@@ -2046,7 +1965,7 @@
         <p:cNvGrpSpPr/>
         <p:nvPr/>
       </p:nvGrpSpPr>
-      <p:grpSpPr>
+      <p:grpSpPr bwMode="auto">
         <a:xfrm>
           <a:off x="0" y="0"/>
           <a:ext cx="0" cy="0"/>
@@ -2056,13 +1975,7 @@
       </p:grpSpPr>
       <p:sp>
         <p:nvSpPr>
-          <p:cNvPr id="2" name="Espace réservé de la date 1">
-            <a:extLst>
-              <a:ext uri="{FF2B5EF4-FFF2-40B4-BE49-F238E27FC236}">
-                <a16:creationId xmlns:a16="http://schemas.microsoft.com/office/drawing/2014/main" id="{DB304C4F-DB58-8DF9-13E7-C49B4691A887}"/>
-              </a:ext>
-            </a:extLst>
-          </p:cNvPr>
+          <p:cNvPr id="2" name="Espace réservé de la date 1"/>
           <p:cNvSpPr>
             <a:spLocks noGrp="1"/>
           </p:cNvSpPr>
@@ -2070,14 +1983,17 @@
             <p:ph type="dt" sz="half" idx="10"/>
           </p:nvPr>
         </p:nvSpPr>
-        <p:spPr/>
+        <p:spPr bwMode="auto"/>
         <p:txBody>
           <a:bodyPr/>
           <a:lstStyle/>
           <a:p>
+            <a:pPr>
+              <a:defRPr/>
+            </a:pPr>
             <a:fld id="{2A59F47B-E7C1-4F23-BE41-37F7E26DCCF7}" type="datetimeFigureOut">
-              <a:rPr lang="fr-FR" smtClean="0"/>
-              <a:t>20/06/2023</a:t>
+              <a:rPr lang="fr-FR"/>
+              <a:t/>
             </a:fld>
             <a:endParaRPr lang="fr-FR"/>
           </a:p>
@@ -2085,13 +2001,7 @@
       </p:sp>
       <p:sp>
         <p:nvSpPr>
-          <p:cNvPr id="3" name="Espace réservé du pied de page 2">
-            <a:extLst>
-              <a:ext uri="{FF2B5EF4-FFF2-40B4-BE49-F238E27FC236}">
-                <a16:creationId xmlns:a16="http://schemas.microsoft.com/office/drawing/2014/main" id="{0C9AADB0-628E-3937-0958-178D83B01E1F}"/>
-              </a:ext>
-            </a:extLst>
-          </p:cNvPr>
+          <p:cNvPr id="3" name="Espace réservé du pied de page 2"/>
           <p:cNvSpPr>
             <a:spLocks noGrp="1"/>
           </p:cNvSpPr>
@@ -2099,24 +2009,21 @@
             <p:ph type="ftr" sz="quarter" idx="11"/>
           </p:nvPr>
         </p:nvSpPr>
-        <p:spPr/>
+        <p:spPr bwMode="auto"/>
         <p:txBody>
           <a:bodyPr/>
           <a:lstStyle/>
           <a:p>
+            <a:pPr>
+              <a:defRPr/>
+            </a:pPr>
             <a:endParaRPr lang="fr-FR"/>
           </a:p>
         </p:txBody>
       </p:sp>
       <p:sp>
         <p:nvSpPr>
-          <p:cNvPr id="4" name="Espace réservé du numéro de diapositive 3">
-            <a:extLst>
-              <a:ext uri="{FF2B5EF4-FFF2-40B4-BE49-F238E27FC236}">
-                <a16:creationId xmlns:a16="http://schemas.microsoft.com/office/drawing/2014/main" id="{B2146D6C-C421-5610-3E3A-AC3F93ABD588}"/>
-              </a:ext>
-            </a:extLst>
-          </p:cNvPr>
+          <p:cNvPr id="4" name="Espace réservé du numéro de diapositive 3"/>
           <p:cNvSpPr>
             <a:spLocks noGrp="1"/>
           </p:cNvSpPr>
@@ -2124,25 +2031,23 @@
             <p:ph type="sldNum" sz="quarter" idx="12"/>
           </p:nvPr>
         </p:nvSpPr>
-        <p:spPr/>
+        <p:spPr bwMode="auto"/>
         <p:txBody>
           <a:bodyPr/>
           <a:lstStyle/>
           <a:p>
+            <a:pPr>
+              <a:defRPr/>
+            </a:pPr>
             <a:fld id="{C0B47F44-32C0-44AC-899D-8747F98E9413}" type="slidenum">
-              <a:rPr lang="fr-FR" smtClean="0"/>
-              <a:t>‹N°›</a:t>
+              <a:rPr lang="fr-FR"/>
+              <a:t/>
             </a:fld>
             <a:endParaRPr lang="fr-FR"/>
           </a:p>
         </p:txBody>
       </p:sp>
     </p:spTree>
-    <p:extLst>
-      <p:ext uri="{BB962C8B-B14F-4D97-AF65-F5344CB8AC3E}">
-        <p14:creationId xmlns:p14="http://schemas.microsoft.com/office/powerpoint/2010/main" val="99647952"/>
-      </p:ext>
-    </p:extLst>
   </p:cSld>
   <p:clrMapOvr>
     <a:masterClrMapping/>
@@ -2151,7 +2056,7 @@
 </file>
 
 <file path=ppt/slideLayouts/slideLayout8.xml><?xml version="1.0" encoding="utf-8"?>
-<p:sldLayout xmlns:a="http://schemas.openxmlformats.org/drawingml/2006/main" xmlns:r="http://schemas.openxmlformats.org/officeDocument/2006/relationships" xmlns:p="http://schemas.openxmlformats.org/presentationml/2006/main" type="objTx" preserve="1">
+<p:sldLayout xmlns:a="http://schemas.openxmlformats.org/drawingml/2006/main" xmlns:r="http://schemas.openxmlformats.org/officeDocument/2006/relationships" xmlns:p="http://schemas.openxmlformats.org/presentationml/2006/main" xmlns:m="http://schemas.openxmlformats.org/officeDocument/2006/math" xmlns:w="http://schemas.openxmlformats.org/wordprocessingml/2006/main" matchingName="" preserve="1" showMasterPhAnim="0" type="objTx" userDrawn="1">
   <p:cSld name="Contenu avec légende">
     <p:spTree>
       <p:nvGrpSpPr>
@@ -2159,7 +2064,7 @@
         <p:cNvGrpSpPr/>
         <p:nvPr/>
       </p:nvGrpSpPr>
-      <p:grpSpPr>
+      <p:grpSpPr bwMode="auto">
         <a:xfrm>
           <a:off x="0" y="0"/>
           <a:ext cx="0" cy="0"/>
@@ -2169,13 +2074,7 @@
       </p:grpSpPr>
       <p:sp>
         <p:nvSpPr>
-          <p:cNvPr id="2" name="Titre 1">
-            <a:extLst>
-              <a:ext uri="{FF2B5EF4-FFF2-40B4-BE49-F238E27FC236}">
-                <a16:creationId xmlns:a16="http://schemas.microsoft.com/office/drawing/2014/main" id="{355C0109-1942-BD93-30DB-7FB73970F1A9}"/>
-              </a:ext>
-            </a:extLst>
-          </p:cNvPr>
+          <p:cNvPr id="2" name="Titre 1"/>
           <p:cNvSpPr>
             <a:spLocks noGrp="1"/>
           </p:cNvSpPr>
@@ -2183,7 +2082,7 @@
             <p:ph type="title"/>
           </p:nvPr>
         </p:nvSpPr>
-        <p:spPr>
+        <p:spPr bwMode="auto">
           <a:xfrm>
             <a:off x="839788" y="457200"/>
             <a:ext cx="3932237" cy="1600200"/>
@@ -2197,22 +2096,20 @@
             </a:lvl1pPr>
           </a:lstStyle>
           <a:p>
+            <a:pPr>
+              <a:defRPr/>
+            </a:pPr>
             <a:r>
               <a:rPr lang="fr-FR"/>
               <a:t>Modifiez le style du titre</a:t>
             </a:r>
-          </a:p>
-        </p:txBody>
-      </p:sp>
-      <p:sp>
-        <p:nvSpPr>
-          <p:cNvPr id="3" name="Espace réservé du contenu 2">
-            <a:extLst>
-              <a:ext uri="{FF2B5EF4-FFF2-40B4-BE49-F238E27FC236}">
-                <a16:creationId xmlns:a16="http://schemas.microsoft.com/office/drawing/2014/main" id="{6F89DA20-487E-2AA4-719E-B2B077E3A595}"/>
-              </a:ext>
-            </a:extLst>
-          </p:cNvPr>
+            <a:endParaRPr/>
+          </a:p>
+        </p:txBody>
+      </p:sp>
+      <p:sp>
+        <p:nvSpPr>
+          <p:cNvPr id="3" name="Espace réservé du contenu 2"/>
           <p:cNvSpPr>
             <a:spLocks noGrp="1"/>
           </p:cNvSpPr>
@@ -2220,7 +2117,7 @@
             <p:ph idx="1"/>
           </p:nvPr>
         </p:nvSpPr>
-        <p:spPr>
+        <p:spPr bwMode="auto">
           <a:xfrm>
             <a:off x="5183188" y="987425"/>
             <a:ext cx="6172200" cy="4873625"/>
@@ -2258,51 +2155,60 @@
             </a:lvl9pPr>
           </a:lstStyle>
           <a:p>
-            <a:pPr lvl="0"/>
+            <a:pPr lvl="0">
+              <a:defRPr/>
+            </a:pPr>
             <a:r>
               <a:rPr lang="fr-FR"/>
               <a:t>Cliquez pour modifier les styles du texte du masque</a:t>
             </a:r>
-          </a:p>
-          <a:p>
-            <a:pPr lvl="1"/>
+            <a:endParaRPr/>
+          </a:p>
+          <a:p>
+            <a:pPr lvl="1">
+              <a:defRPr/>
+            </a:pPr>
             <a:r>
               <a:rPr lang="fr-FR"/>
               <a:t>Deuxième niveau</a:t>
             </a:r>
-          </a:p>
-          <a:p>
-            <a:pPr lvl="2"/>
+            <a:endParaRPr/>
+          </a:p>
+          <a:p>
+            <a:pPr lvl="2">
+              <a:defRPr/>
+            </a:pPr>
             <a:r>
               <a:rPr lang="fr-FR"/>
               <a:t>Troisième niveau</a:t>
             </a:r>
-          </a:p>
-          <a:p>
-            <a:pPr lvl="3"/>
+            <a:endParaRPr/>
+          </a:p>
+          <a:p>
+            <a:pPr lvl="3">
+              <a:defRPr/>
+            </a:pPr>
             <a:r>
               <a:rPr lang="fr-FR"/>
               <a:t>Quatrième niveau</a:t>
             </a:r>
-          </a:p>
-          <a:p>
-            <a:pPr lvl="4"/>
+            <a:endParaRPr/>
+          </a:p>
+          <a:p>
+            <a:pPr lvl="4">
+              <a:defRPr/>
+            </a:pPr>
             <a:r>
               <a:rPr lang="fr-FR"/>
               <a:t>Cinquième niveau</a:t>
             </a:r>
-          </a:p>
-        </p:txBody>
-      </p:sp>
-      <p:sp>
-        <p:nvSpPr>
-          <p:cNvPr id="4" name="Espace réservé du texte 3">
-            <a:extLst>
-              <a:ext uri="{FF2B5EF4-FFF2-40B4-BE49-F238E27FC236}">
-                <a16:creationId xmlns:a16="http://schemas.microsoft.com/office/drawing/2014/main" id="{74711573-279C-E5D0-80F6-F962076E0864}"/>
-              </a:ext>
-            </a:extLst>
-          </p:cNvPr>
+            <a:endParaRPr/>
+          </a:p>
+        </p:txBody>
+      </p:sp>
+      <p:sp>
+        <p:nvSpPr>
+          <p:cNvPr id="4" name="Espace réservé du texte 3"/>
           <p:cNvSpPr>
             <a:spLocks noGrp="1"/>
           </p:cNvSpPr>
@@ -2310,7 +2216,7 @@
             <p:ph type="body" sz="half" idx="2"/>
           </p:nvPr>
         </p:nvSpPr>
-        <p:spPr>
+        <p:spPr bwMode="auto">
           <a:xfrm>
             <a:off x="839788" y="2057400"/>
             <a:ext cx="3932237" cy="3811588"/>
@@ -2357,23 +2263,20 @@
             </a:lvl9pPr>
           </a:lstStyle>
           <a:p>
-            <a:pPr lvl="0"/>
+            <a:pPr lvl="0">
+              <a:defRPr/>
+            </a:pPr>
             <a:r>
               <a:rPr lang="fr-FR"/>
               <a:t>Cliquez pour modifier les styles du texte du masque</a:t>
             </a:r>
-          </a:p>
-        </p:txBody>
-      </p:sp>
-      <p:sp>
-        <p:nvSpPr>
-          <p:cNvPr id="5" name="Espace réservé de la date 4">
-            <a:extLst>
-              <a:ext uri="{FF2B5EF4-FFF2-40B4-BE49-F238E27FC236}">
-                <a16:creationId xmlns:a16="http://schemas.microsoft.com/office/drawing/2014/main" id="{1CB8454C-8D50-FA5C-C990-315C3399BC83}"/>
-              </a:ext>
-            </a:extLst>
-          </p:cNvPr>
+            <a:endParaRPr/>
+          </a:p>
+        </p:txBody>
+      </p:sp>
+      <p:sp>
+        <p:nvSpPr>
+          <p:cNvPr id="5" name="Espace réservé de la date 4"/>
           <p:cNvSpPr>
             <a:spLocks noGrp="1"/>
           </p:cNvSpPr>
@@ -2381,14 +2284,17 @@
             <p:ph type="dt" sz="half" idx="10"/>
           </p:nvPr>
         </p:nvSpPr>
-        <p:spPr/>
+        <p:spPr bwMode="auto"/>
         <p:txBody>
           <a:bodyPr/>
           <a:lstStyle/>
           <a:p>
+            <a:pPr>
+              <a:defRPr/>
+            </a:pPr>
             <a:fld id="{2A59F47B-E7C1-4F23-BE41-37F7E26DCCF7}" type="datetimeFigureOut">
-              <a:rPr lang="fr-FR" smtClean="0"/>
-              <a:t>20/06/2023</a:t>
+              <a:rPr lang="fr-FR"/>
+              <a:t/>
             </a:fld>
             <a:endParaRPr lang="fr-FR"/>
           </a:p>
@@ -2396,13 +2302,7 @@
       </p:sp>
       <p:sp>
         <p:nvSpPr>
-          <p:cNvPr id="6" name="Espace réservé du pied de page 5">
-            <a:extLst>
-              <a:ext uri="{FF2B5EF4-FFF2-40B4-BE49-F238E27FC236}">
-                <a16:creationId xmlns:a16="http://schemas.microsoft.com/office/drawing/2014/main" id="{ECC4C03B-F5F6-A44A-7E7A-AF2D69A08740}"/>
-              </a:ext>
-            </a:extLst>
-          </p:cNvPr>
+          <p:cNvPr id="6" name="Espace réservé du pied de page 5"/>
           <p:cNvSpPr>
             <a:spLocks noGrp="1"/>
           </p:cNvSpPr>
@@ -2410,24 +2310,21 @@
             <p:ph type="ftr" sz="quarter" idx="11"/>
           </p:nvPr>
         </p:nvSpPr>
-        <p:spPr/>
+        <p:spPr bwMode="auto"/>
         <p:txBody>
           <a:bodyPr/>
           <a:lstStyle/>
           <a:p>
+            <a:pPr>
+              <a:defRPr/>
+            </a:pPr>
             <a:endParaRPr lang="fr-FR"/>
           </a:p>
         </p:txBody>
       </p:sp>
       <p:sp>
         <p:nvSpPr>
-          <p:cNvPr id="7" name="Espace réservé du numéro de diapositive 6">
-            <a:extLst>
-              <a:ext uri="{FF2B5EF4-FFF2-40B4-BE49-F238E27FC236}">
-                <a16:creationId xmlns:a16="http://schemas.microsoft.com/office/drawing/2014/main" id="{395B6B2D-B398-90FC-BE64-5A4FB1589BAC}"/>
-              </a:ext>
-            </a:extLst>
-          </p:cNvPr>
+          <p:cNvPr id="7" name="Espace réservé du numéro de diapositive 6"/>
           <p:cNvSpPr>
             <a:spLocks noGrp="1"/>
           </p:cNvSpPr>
@@ -2435,25 +2332,23 @@
             <p:ph type="sldNum" sz="quarter" idx="12"/>
           </p:nvPr>
         </p:nvSpPr>
-        <p:spPr/>
+        <p:spPr bwMode="auto"/>
         <p:txBody>
           <a:bodyPr/>
           <a:lstStyle/>
           <a:p>
+            <a:pPr>
+              <a:defRPr/>
+            </a:pPr>
             <a:fld id="{C0B47F44-32C0-44AC-899D-8747F98E9413}" type="slidenum">
-              <a:rPr lang="fr-FR" smtClean="0"/>
-              <a:t>‹N°›</a:t>
+              <a:rPr lang="fr-FR"/>
+              <a:t/>
             </a:fld>
             <a:endParaRPr lang="fr-FR"/>
           </a:p>
         </p:txBody>
       </p:sp>
     </p:spTree>
-    <p:extLst>
-      <p:ext uri="{BB962C8B-B14F-4D97-AF65-F5344CB8AC3E}">
-        <p14:creationId xmlns:p14="http://schemas.microsoft.com/office/powerpoint/2010/main" val="1298444735"/>
-      </p:ext>
-    </p:extLst>
   </p:cSld>
   <p:clrMapOvr>
     <a:masterClrMapping/>
@@ -2462,7 +2357,7 @@
 </file>
 
 <file path=ppt/slideLayouts/slideLayout9.xml><?xml version="1.0" encoding="utf-8"?>
-<p:sldLayout xmlns:a="http://schemas.openxmlformats.org/drawingml/2006/main" xmlns:r="http://schemas.openxmlformats.org/officeDocument/2006/relationships" xmlns:p="http://schemas.openxmlformats.org/presentationml/2006/main" type="picTx" preserve="1">
+<p:sldLayout xmlns:a="http://schemas.openxmlformats.org/drawingml/2006/main" xmlns:r="http://schemas.openxmlformats.org/officeDocument/2006/relationships" xmlns:p="http://schemas.openxmlformats.org/presentationml/2006/main" xmlns:m="http://schemas.openxmlformats.org/officeDocument/2006/math" xmlns:w="http://schemas.openxmlformats.org/wordprocessingml/2006/main" matchingName="" preserve="1" showMasterPhAnim="0" type="picTx" userDrawn="1">
   <p:cSld name="Image avec légende">
     <p:spTree>
       <p:nvGrpSpPr>
@@ -2470,7 +2365,7 @@
         <p:cNvGrpSpPr/>
         <p:nvPr/>
       </p:nvGrpSpPr>
-      <p:grpSpPr>
+      <p:grpSpPr bwMode="auto">
         <a:xfrm>
           <a:off x="0" y="0"/>
           <a:ext cx="0" cy="0"/>
@@ -2480,13 +2375,7 @@
       </p:grpSpPr>
       <p:sp>
         <p:nvSpPr>
-          <p:cNvPr id="2" name="Titre 1">
-            <a:extLst>
-              <a:ext uri="{FF2B5EF4-FFF2-40B4-BE49-F238E27FC236}">
-                <a16:creationId xmlns:a16="http://schemas.microsoft.com/office/drawing/2014/main" id="{344677B2-7BBC-4E20-E951-5E98C9D7C4F7}"/>
-              </a:ext>
-            </a:extLst>
-          </p:cNvPr>
+          <p:cNvPr id="2" name="Titre 1"/>
           <p:cNvSpPr>
             <a:spLocks noGrp="1"/>
           </p:cNvSpPr>
@@ -2494,7 +2383,7 @@
             <p:ph type="title"/>
           </p:nvPr>
         </p:nvSpPr>
-        <p:spPr>
+        <p:spPr bwMode="auto">
           <a:xfrm>
             <a:off x="839788" y="457200"/>
             <a:ext cx="3932237" cy="1600200"/>
@@ -2508,22 +2397,20 @@
             </a:lvl1pPr>
           </a:lstStyle>
           <a:p>
+            <a:pPr>
+              <a:defRPr/>
+            </a:pPr>
             <a:r>
               <a:rPr lang="fr-FR"/>
               <a:t>Modifiez le style du titre</a:t>
             </a:r>
-          </a:p>
-        </p:txBody>
-      </p:sp>
-      <p:sp>
-        <p:nvSpPr>
-          <p:cNvPr id="3" name="Espace réservé pour une image  2">
-            <a:extLst>
-              <a:ext uri="{FF2B5EF4-FFF2-40B4-BE49-F238E27FC236}">
-                <a16:creationId xmlns:a16="http://schemas.microsoft.com/office/drawing/2014/main" id="{87046D05-B4AB-1FCE-02B7-2ADEF91C3BB0}"/>
-              </a:ext>
-            </a:extLst>
-          </p:cNvPr>
+            <a:endParaRPr/>
+          </a:p>
+        </p:txBody>
+      </p:sp>
+      <p:sp>
+        <p:nvSpPr>
+          <p:cNvPr id="3" name="Espace réservé pour une image  2"/>
           <p:cNvSpPr>
             <a:spLocks noGrp="1"/>
           </p:cNvSpPr>
@@ -2531,7 +2418,7 @@
             <p:ph type="pic" idx="1"/>
           </p:nvPr>
         </p:nvSpPr>
-        <p:spPr>
+        <p:spPr bwMode="auto">
           <a:xfrm>
             <a:off x="5183188" y="987425"/>
             <a:ext cx="6172200" cy="4873625"/>
@@ -2578,19 +2465,16 @@
             </a:lvl9pPr>
           </a:lstStyle>
           <a:p>
+            <a:pPr>
+              <a:defRPr/>
+            </a:pPr>
             <a:endParaRPr lang="fr-FR"/>
           </a:p>
         </p:txBody>
       </p:sp>
       <p:sp>
         <p:nvSpPr>
-          <p:cNvPr id="4" name="Espace réservé du texte 3">
-            <a:extLst>
-              <a:ext uri="{FF2B5EF4-FFF2-40B4-BE49-F238E27FC236}">
-                <a16:creationId xmlns:a16="http://schemas.microsoft.com/office/drawing/2014/main" id="{1B733BCA-C955-4B83-585C-7B0A02840EE7}"/>
-              </a:ext>
-            </a:extLst>
-          </p:cNvPr>
+          <p:cNvPr id="4" name="Espace réservé du texte 3"/>
           <p:cNvSpPr>
             <a:spLocks noGrp="1"/>
           </p:cNvSpPr>
@@ -2598,7 +2482,7 @@
             <p:ph type="body" sz="half" idx="2"/>
           </p:nvPr>
         </p:nvSpPr>
-        <p:spPr>
+        <p:spPr bwMode="auto">
           <a:xfrm>
             <a:off x="839788" y="2057400"/>
             <a:ext cx="3932237" cy="3811588"/>
@@ -2645,23 +2529,20 @@
             </a:lvl9pPr>
           </a:lstStyle>
           <a:p>
-            <a:pPr lvl="0"/>
+            <a:pPr lvl="0">
+              <a:defRPr/>
+            </a:pPr>
             <a:r>
               <a:rPr lang="fr-FR"/>
               <a:t>Cliquez pour modifier les styles du texte du masque</a:t>
             </a:r>
-          </a:p>
-        </p:txBody>
-      </p:sp>
-      <p:sp>
-        <p:nvSpPr>
-          <p:cNvPr id="5" name="Espace réservé de la date 4">
-            <a:extLst>
-              <a:ext uri="{FF2B5EF4-FFF2-40B4-BE49-F238E27FC236}">
-                <a16:creationId xmlns:a16="http://schemas.microsoft.com/office/drawing/2014/main" id="{13009394-AF8B-9275-595B-448752939012}"/>
-              </a:ext>
-            </a:extLst>
-          </p:cNvPr>
+            <a:endParaRPr/>
+          </a:p>
+        </p:txBody>
+      </p:sp>
+      <p:sp>
+        <p:nvSpPr>
+          <p:cNvPr id="5" name="Espace réservé de la date 4"/>
           <p:cNvSpPr>
             <a:spLocks noGrp="1"/>
           </p:cNvSpPr>
@@ -2669,14 +2550,17 @@
             <p:ph type="dt" sz="half" idx="10"/>
           </p:nvPr>
         </p:nvSpPr>
-        <p:spPr/>
+        <p:spPr bwMode="auto"/>
         <p:txBody>
           <a:bodyPr/>
           <a:lstStyle/>
           <a:p>
+            <a:pPr>
+              <a:defRPr/>
+            </a:pPr>
             <a:fld id="{2A59F47B-E7C1-4F23-BE41-37F7E26DCCF7}" type="datetimeFigureOut">
-              <a:rPr lang="fr-FR" smtClean="0"/>
-              <a:t>20/06/2023</a:t>
+              <a:rPr lang="fr-FR"/>
+              <a:t/>
             </a:fld>
             <a:endParaRPr lang="fr-FR"/>
           </a:p>
@@ -2684,13 +2568,7 @@
       </p:sp>
       <p:sp>
         <p:nvSpPr>
-          <p:cNvPr id="6" name="Espace réservé du pied de page 5">
-            <a:extLst>
-              <a:ext uri="{FF2B5EF4-FFF2-40B4-BE49-F238E27FC236}">
-                <a16:creationId xmlns:a16="http://schemas.microsoft.com/office/drawing/2014/main" id="{0C6D1732-B6A3-8AD0-55F4-865EC85D478E}"/>
-              </a:ext>
-            </a:extLst>
-          </p:cNvPr>
+          <p:cNvPr id="6" name="Espace réservé du pied de page 5"/>
           <p:cNvSpPr>
             <a:spLocks noGrp="1"/>
           </p:cNvSpPr>
@@ -2698,24 +2576,21 @@
             <p:ph type="ftr" sz="quarter" idx="11"/>
           </p:nvPr>
         </p:nvSpPr>
-        <p:spPr/>
+        <p:spPr bwMode="auto"/>
         <p:txBody>
           <a:bodyPr/>
           <a:lstStyle/>
           <a:p>
+            <a:pPr>
+              <a:defRPr/>
+            </a:pPr>
             <a:endParaRPr lang="fr-FR"/>
           </a:p>
         </p:txBody>
       </p:sp>
       <p:sp>
         <p:nvSpPr>
-          <p:cNvPr id="7" name="Espace réservé du numéro de diapositive 6">
-            <a:extLst>
-              <a:ext uri="{FF2B5EF4-FFF2-40B4-BE49-F238E27FC236}">
-                <a16:creationId xmlns:a16="http://schemas.microsoft.com/office/drawing/2014/main" id="{8F5C9181-946E-68CA-73FF-75B2E23FB7F6}"/>
-              </a:ext>
-            </a:extLst>
-          </p:cNvPr>
+          <p:cNvPr id="7" name="Espace réservé du numéro de diapositive 6"/>
           <p:cNvSpPr>
             <a:spLocks noGrp="1"/>
           </p:cNvSpPr>
@@ -2723,25 +2598,23 @@
             <p:ph type="sldNum" sz="quarter" idx="12"/>
           </p:nvPr>
         </p:nvSpPr>
-        <p:spPr/>
+        <p:spPr bwMode="auto"/>
         <p:txBody>
           <a:bodyPr/>
           <a:lstStyle/>
           <a:p>
+            <a:pPr>
+              <a:defRPr/>
+            </a:pPr>
             <a:fld id="{C0B47F44-32C0-44AC-899D-8747F98E9413}" type="slidenum">
-              <a:rPr lang="fr-FR" smtClean="0"/>
-              <a:t>‹N°›</a:t>
+              <a:rPr lang="fr-FR"/>
+              <a:t/>
             </a:fld>
             <a:endParaRPr lang="fr-FR"/>
           </a:p>
         </p:txBody>
       </p:sp>
     </p:spTree>
-    <p:extLst>
-      <p:ext uri="{BB962C8B-B14F-4D97-AF65-F5344CB8AC3E}">
-        <p14:creationId xmlns:p14="http://schemas.microsoft.com/office/powerpoint/2010/main" val="3509936859"/>
-      </p:ext>
-    </p:extLst>
   </p:cSld>
   <p:clrMapOvr>
     <a:masterClrMapping/>
@@ -2750,8 +2623,8 @@
 </file>
 
 <file path=ppt/slideMasters/slideMaster1.xml><?xml version="1.0" encoding="utf-8"?>
-<p:sldMaster xmlns:a="http://schemas.openxmlformats.org/drawingml/2006/main" xmlns:r="http://schemas.openxmlformats.org/officeDocument/2006/relationships" xmlns:p="http://schemas.openxmlformats.org/presentationml/2006/main">
-  <p:cSld>
+<p:sldMaster xmlns:a="http://schemas.openxmlformats.org/drawingml/2006/main" xmlns:r="http://schemas.openxmlformats.org/officeDocument/2006/relationships" xmlns:p="http://schemas.openxmlformats.org/presentationml/2006/main" xmlns:m="http://schemas.openxmlformats.org/officeDocument/2006/math" xmlns:w="http://schemas.openxmlformats.org/wordprocessingml/2006/main" preserve="0">
+  <p:cSld name="">
     <p:bg>
       <p:bgRef idx="1001">
         <a:schemeClr val="bg1"/>
@@ -2763,7 +2636,7 @@
         <p:cNvGrpSpPr/>
         <p:nvPr/>
       </p:nvGrpSpPr>
-      <p:grpSpPr>
+      <p:grpSpPr bwMode="auto">
         <a:xfrm>
           <a:off x="0" y="0"/>
           <a:ext cx="0" cy="0"/>
@@ -2773,13 +2646,7 @@
       </p:grpSpPr>
       <p:sp>
         <p:nvSpPr>
-          <p:cNvPr id="2" name="Espace réservé du titre 1">
-            <a:extLst>
-              <a:ext uri="{FF2B5EF4-FFF2-40B4-BE49-F238E27FC236}">
-                <a16:creationId xmlns:a16="http://schemas.microsoft.com/office/drawing/2014/main" id="{9C16637B-C0E2-6F45-A7EB-63F5C45C5DF7}"/>
-              </a:ext>
-            </a:extLst>
-          </p:cNvPr>
+          <p:cNvPr id="2" name="Espace réservé du titre 1"/>
           <p:cNvSpPr>
             <a:spLocks noGrp="1"/>
           </p:cNvSpPr>
@@ -2787,7 +2654,7 @@
             <p:ph type="title"/>
           </p:nvPr>
         </p:nvSpPr>
-        <p:spPr>
+        <p:spPr bwMode="auto">
           <a:xfrm>
             <a:off x="838200" y="365125"/>
             <a:ext cx="10515600" cy="1325563"/>
@@ -2802,22 +2669,20 @@
           </a:bodyPr>
           <a:lstStyle/>
           <a:p>
+            <a:pPr>
+              <a:defRPr/>
+            </a:pPr>
             <a:r>
               <a:rPr lang="fr-FR"/>
               <a:t>Modifiez le style du titre</a:t>
             </a:r>
-          </a:p>
-        </p:txBody>
-      </p:sp>
-      <p:sp>
-        <p:nvSpPr>
-          <p:cNvPr id="3" name="Espace réservé du texte 2">
-            <a:extLst>
-              <a:ext uri="{FF2B5EF4-FFF2-40B4-BE49-F238E27FC236}">
-                <a16:creationId xmlns:a16="http://schemas.microsoft.com/office/drawing/2014/main" id="{B32F749A-7015-4BBB-8724-8A0209B7F1D9}"/>
-              </a:ext>
-            </a:extLst>
-          </p:cNvPr>
+            <a:endParaRPr/>
+          </a:p>
+        </p:txBody>
+      </p:sp>
+      <p:sp>
+        <p:nvSpPr>
+          <p:cNvPr id="3" name="Espace réservé du texte 2"/>
           <p:cNvSpPr>
             <a:spLocks noGrp="1"/>
           </p:cNvSpPr>
@@ -2825,7 +2690,7 @@
             <p:ph type="body" idx="1"/>
           </p:nvPr>
         </p:nvSpPr>
-        <p:spPr>
+        <p:spPr bwMode="auto">
           <a:xfrm>
             <a:off x="838200" y="1825625"/>
             <a:ext cx="10515600" cy="4351338"/>
@@ -2840,51 +2705,60 @@
           </a:bodyPr>
           <a:lstStyle/>
           <a:p>
-            <a:pPr lvl="0"/>
+            <a:pPr lvl="0">
+              <a:defRPr/>
+            </a:pPr>
             <a:r>
               <a:rPr lang="fr-FR"/>
               <a:t>Cliquez pour modifier les styles du texte du masque</a:t>
             </a:r>
-          </a:p>
-          <a:p>
-            <a:pPr lvl="1"/>
+            <a:endParaRPr/>
+          </a:p>
+          <a:p>
+            <a:pPr lvl="1">
+              <a:defRPr/>
+            </a:pPr>
             <a:r>
               <a:rPr lang="fr-FR"/>
               <a:t>Deuxième niveau</a:t>
             </a:r>
-          </a:p>
-          <a:p>
-            <a:pPr lvl="2"/>
+            <a:endParaRPr/>
+          </a:p>
+          <a:p>
+            <a:pPr lvl="2">
+              <a:defRPr/>
+            </a:pPr>
             <a:r>
               <a:rPr lang="fr-FR"/>
               <a:t>Troisième niveau</a:t>
             </a:r>
-          </a:p>
-          <a:p>
-            <a:pPr lvl="3"/>
+            <a:endParaRPr/>
+          </a:p>
+          <a:p>
+            <a:pPr lvl="3">
+              <a:defRPr/>
+            </a:pPr>
             <a:r>
               <a:rPr lang="fr-FR"/>
               <a:t>Quatrième niveau</a:t>
             </a:r>
-          </a:p>
-          <a:p>
-            <a:pPr lvl="4"/>
+            <a:endParaRPr/>
+          </a:p>
+          <a:p>
+            <a:pPr lvl="4">
+              <a:defRPr/>
+            </a:pPr>
             <a:r>
               <a:rPr lang="fr-FR"/>
               <a:t>Cinquième niveau</a:t>
             </a:r>
-          </a:p>
-        </p:txBody>
-      </p:sp>
-      <p:sp>
-        <p:nvSpPr>
-          <p:cNvPr id="4" name="Espace réservé de la date 3">
-            <a:extLst>
-              <a:ext uri="{FF2B5EF4-FFF2-40B4-BE49-F238E27FC236}">
-                <a16:creationId xmlns:a16="http://schemas.microsoft.com/office/drawing/2014/main" id="{96CD4ECA-E86A-4162-F71F-AC3AEE91FD81}"/>
-              </a:ext>
-            </a:extLst>
-          </p:cNvPr>
+            <a:endParaRPr/>
+          </a:p>
+        </p:txBody>
+      </p:sp>
+      <p:sp>
+        <p:nvSpPr>
+          <p:cNvPr id="4" name="Espace réservé de la date 3"/>
           <p:cNvSpPr>
             <a:spLocks noGrp="1"/>
           </p:cNvSpPr>
@@ -2892,7 +2766,7 @@
             <p:ph type="dt" sz="half" idx="2"/>
           </p:nvPr>
         </p:nvSpPr>
-        <p:spPr>
+        <p:spPr bwMode="auto">
           <a:xfrm>
             <a:off x="838200" y="6356350"/>
             <a:ext cx="2743200" cy="365125"/>
@@ -2915,9 +2789,12 @@
             </a:lvl1pPr>
           </a:lstStyle>
           <a:p>
+            <a:pPr>
+              <a:defRPr/>
+            </a:pPr>
             <a:fld id="{2A59F47B-E7C1-4F23-BE41-37F7E26DCCF7}" type="datetimeFigureOut">
-              <a:rPr lang="fr-FR" smtClean="0"/>
-              <a:t>20/06/2023</a:t>
+              <a:rPr lang="fr-FR"/>
+              <a:t/>
             </a:fld>
             <a:endParaRPr lang="fr-FR"/>
           </a:p>
@@ -2925,13 +2802,7 @@
       </p:sp>
       <p:sp>
         <p:nvSpPr>
-          <p:cNvPr id="5" name="Espace réservé du pied de page 4">
-            <a:extLst>
-              <a:ext uri="{FF2B5EF4-FFF2-40B4-BE49-F238E27FC236}">
-                <a16:creationId xmlns:a16="http://schemas.microsoft.com/office/drawing/2014/main" id="{E419B088-4386-C636-06D7-233503CD561F}"/>
-              </a:ext>
-            </a:extLst>
-          </p:cNvPr>
+          <p:cNvPr id="5" name="Espace réservé du pied de page 4"/>
           <p:cNvSpPr>
             <a:spLocks noGrp="1"/>
           </p:cNvSpPr>
@@ -2939,7 +2810,7 @@
             <p:ph type="ftr" sz="quarter" idx="3"/>
           </p:nvPr>
         </p:nvSpPr>
-        <p:spPr>
+        <p:spPr bwMode="auto">
           <a:xfrm>
             <a:off x="4038600" y="6356350"/>
             <a:ext cx="4114800" cy="365125"/>
@@ -2962,19 +2833,16 @@
             </a:lvl1pPr>
           </a:lstStyle>
           <a:p>
+            <a:pPr>
+              <a:defRPr/>
+            </a:pPr>
             <a:endParaRPr lang="fr-FR"/>
           </a:p>
         </p:txBody>
       </p:sp>
       <p:sp>
         <p:nvSpPr>
-          <p:cNvPr id="6" name="Espace réservé du numéro de diapositive 5">
-            <a:extLst>
-              <a:ext uri="{FF2B5EF4-FFF2-40B4-BE49-F238E27FC236}">
-                <a16:creationId xmlns:a16="http://schemas.microsoft.com/office/drawing/2014/main" id="{A02EAA13-BA02-7B09-377D-4E58357AABD4}"/>
-              </a:ext>
-            </a:extLst>
-          </p:cNvPr>
+          <p:cNvPr id="6" name="Espace réservé du numéro de diapositive 5"/>
           <p:cNvSpPr>
             <a:spLocks noGrp="1"/>
           </p:cNvSpPr>
@@ -2982,7 +2850,7 @@
             <p:ph type="sldNum" sz="quarter" idx="4"/>
           </p:nvPr>
         </p:nvSpPr>
-        <p:spPr>
+        <p:spPr bwMode="auto">
           <a:xfrm>
             <a:off x="8610600" y="6356350"/>
             <a:ext cx="2743200" cy="365125"/>
@@ -3005,20 +2873,18 @@
             </a:lvl1pPr>
           </a:lstStyle>
           <a:p>
+            <a:pPr>
+              <a:defRPr/>
+            </a:pPr>
             <a:fld id="{C0B47F44-32C0-44AC-899D-8747F98E9413}" type="slidenum">
-              <a:rPr lang="fr-FR" smtClean="0"/>
-              <a:t>‹N°›</a:t>
+              <a:rPr lang="fr-FR"/>
+              <a:t/>
             </a:fld>
             <a:endParaRPr lang="fr-FR"/>
           </a:p>
         </p:txBody>
       </p:sp>
     </p:spTree>
-    <p:extLst>
-      <p:ext uri="{BB962C8B-B14F-4D97-AF65-F5344CB8AC3E}">
-        <p14:creationId xmlns:p14="http://schemas.microsoft.com/office/powerpoint/2010/main" val="2310355764"/>
-      </p:ext>
-    </p:extLst>
   </p:cSld>
   <p:clrMap bg1="lt1" tx1="dk1" bg2="lt2" tx2="dk2" accent1="accent1" accent2="accent2" accent3="accent3" accent4="accent4" accent5="accent5" accent6="accent6" hlink="hlink" folHlink="folHlink"/>
   <p:sldLayoutIdLst>
@@ -3036,15 +2902,15 @@
   </p:sldLayoutIdLst>
   <p:txStyles>
     <p:titleStyle>
-      <a:lvl1pPr algn="l" defTabSz="914400" rtl="0" eaLnBrk="1" latinLnBrk="0" hangingPunct="1">
+      <a:lvl1pPr algn="l" defTabSz="914400">
         <a:lnSpc>
           <a:spcPct val="90000"/>
         </a:lnSpc>
         <a:spcBef>
-          <a:spcPct val="0"/>
+          <a:spcPts val="0"/>
         </a:spcBef>
         <a:buNone/>
-        <a:defRPr sz="4400" kern="1200">
+        <a:defRPr sz="4400">
           <a:solidFill>
             <a:schemeClr val="tx1"/>
           </a:solidFill>
@@ -3055,16 +2921,16 @@
       </a:lvl1pPr>
     </p:titleStyle>
     <p:bodyStyle>
-      <a:lvl1pPr marL="228600" indent="-228600" algn="l" defTabSz="914400" rtl="0" eaLnBrk="1" latinLnBrk="0" hangingPunct="1">
+      <a:lvl1pPr marL="228600" indent="-228600" algn="l" defTabSz="914400">
         <a:lnSpc>
           <a:spcPct val="90000"/>
         </a:lnSpc>
         <a:spcBef>
           <a:spcPts val="1000"/>
         </a:spcBef>
-        <a:buFont typeface="Arial" panose="020B0604020202020204" pitchFamily="34" charset="0"/>
+        <a:buFont typeface="Arial"/>
         <a:buChar char="•"/>
-        <a:defRPr sz="2800" kern="1200">
+        <a:defRPr sz="2800">
           <a:solidFill>
             <a:schemeClr val="tx1"/>
           </a:solidFill>
@@ -3073,16 +2939,16 @@
           <a:cs typeface="+mn-cs"/>
         </a:defRPr>
       </a:lvl1pPr>
-      <a:lvl2pPr marL="685800" indent="-228600" algn="l" defTabSz="914400" rtl="0" eaLnBrk="1" latinLnBrk="0" hangingPunct="1">
+      <a:lvl2pPr marL="685800" indent="-228600" algn="l" defTabSz="914400">
         <a:lnSpc>
           <a:spcPct val="90000"/>
         </a:lnSpc>
         <a:spcBef>
           <a:spcPts val="500"/>
         </a:spcBef>
-        <a:buFont typeface="Arial" panose="020B0604020202020204" pitchFamily="34" charset="0"/>
+        <a:buFont typeface="Arial"/>
         <a:buChar char="•"/>
-        <a:defRPr sz="2400" kern="1200">
+        <a:defRPr sz="2400">
           <a:solidFill>
             <a:schemeClr val="tx1"/>
           </a:solidFill>
@@ -3091,16 +2957,16 @@
           <a:cs typeface="+mn-cs"/>
         </a:defRPr>
       </a:lvl2pPr>
-      <a:lvl3pPr marL="1143000" indent="-228600" algn="l" defTabSz="914400" rtl="0" eaLnBrk="1" latinLnBrk="0" hangingPunct="1">
+      <a:lvl3pPr marL="1143000" indent="-228600" algn="l" defTabSz="914400">
         <a:lnSpc>
           <a:spcPct val="90000"/>
         </a:lnSpc>
         <a:spcBef>
           <a:spcPts val="500"/>
         </a:spcBef>
-        <a:buFont typeface="Arial" panose="020B0604020202020204" pitchFamily="34" charset="0"/>
+        <a:buFont typeface="Arial"/>
         <a:buChar char="•"/>
-        <a:defRPr sz="2000" kern="1200">
+        <a:defRPr sz="2000">
           <a:solidFill>
             <a:schemeClr val="tx1"/>
           </a:solidFill>
@@ -3109,16 +2975,16 @@
           <a:cs typeface="+mn-cs"/>
         </a:defRPr>
       </a:lvl3pPr>
-      <a:lvl4pPr marL="1600200" indent="-228600" algn="l" defTabSz="914400" rtl="0" eaLnBrk="1" latinLnBrk="0" hangingPunct="1">
+      <a:lvl4pPr marL="1600200" indent="-228600" algn="l" defTabSz="914400">
         <a:lnSpc>
           <a:spcPct val="90000"/>
         </a:lnSpc>
         <a:spcBef>
           <a:spcPts val="500"/>
         </a:spcBef>
-        <a:buFont typeface="Arial" panose="020B0604020202020204" pitchFamily="34" charset="0"/>
+        <a:buFont typeface="Arial"/>
         <a:buChar char="•"/>
-        <a:defRPr sz="1800" kern="1200">
+        <a:defRPr sz="1800">
           <a:solidFill>
             <a:schemeClr val="tx1"/>
           </a:solidFill>
@@ -3127,16 +2993,16 @@
           <a:cs typeface="+mn-cs"/>
         </a:defRPr>
       </a:lvl4pPr>
-      <a:lvl5pPr marL="2057400" indent="-228600" algn="l" defTabSz="914400" rtl="0" eaLnBrk="1" latinLnBrk="0" hangingPunct="1">
+      <a:lvl5pPr marL="2057400" indent="-228600" algn="l" defTabSz="914400">
         <a:lnSpc>
           <a:spcPct val="90000"/>
         </a:lnSpc>
         <a:spcBef>
           <a:spcPts val="500"/>
         </a:spcBef>
-        <a:buFont typeface="Arial" panose="020B0604020202020204" pitchFamily="34" charset="0"/>
+        <a:buFont typeface="Arial"/>
         <a:buChar char="•"/>
-        <a:defRPr sz="1800" kern="1200">
+        <a:defRPr sz="1800">
           <a:solidFill>
             <a:schemeClr val="tx1"/>
           </a:solidFill>
@@ -3145,16 +3011,16 @@
           <a:cs typeface="+mn-cs"/>
         </a:defRPr>
       </a:lvl5pPr>
-      <a:lvl6pPr marL="2514600" indent="-228600" algn="l" defTabSz="914400" rtl="0" eaLnBrk="1" latinLnBrk="0" hangingPunct="1">
+      <a:lvl6pPr marL="2514600" indent="-228600" algn="l" defTabSz="914400">
         <a:lnSpc>
           <a:spcPct val="90000"/>
         </a:lnSpc>
         <a:spcBef>
           <a:spcPts val="500"/>
         </a:spcBef>
-        <a:buFont typeface="Arial" panose="020B0604020202020204" pitchFamily="34" charset="0"/>
+        <a:buFont typeface="Arial"/>
         <a:buChar char="•"/>
-        <a:defRPr sz="1800" kern="1200">
+        <a:defRPr sz="1800">
           <a:solidFill>
             <a:schemeClr val="tx1"/>
           </a:solidFill>
@@ -3163,16 +3029,16 @@
           <a:cs typeface="+mn-cs"/>
         </a:defRPr>
       </a:lvl6pPr>
-      <a:lvl7pPr marL="2971800" indent="-228600" algn="l" defTabSz="914400" rtl="0" eaLnBrk="1" latinLnBrk="0" hangingPunct="1">
+      <a:lvl7pPr marL="2971800" indent="-228600" algn="l" defTabSz="914400">
         <a:lnSpc>
           <a:spcPct val="90000"/>
         </a:lnSpc>
         <a:spcBef>
           <a:spcPts val="500"/>
         </a:spcBef>
-        <a:buFont typeface="Arial" panose="020B0604020202020204" pitchFamily="34" charset="0"/>
+        <a:buFont typeface="Arial"/>
         <a:buChar char="•"/>
-        <a:defRPr sz="1800" kern="1200">
+        <a:defRPr sz="1800">
           <a:solidFill>
             <a:schemeClr val="tx1"/>
           </a:solidFill>
@@ -3181,16 +3047,16 @@
           <a:cs typeface="+mn-cs"/>
         </a:defRPr>
       </a:lvl7pPr>
-      <a:lvl8pPr marL="3429000" indent="-228600" algn="l" defTabSz="914400" rtl="0" eaLnBrk="1" latinLnBrk="0" hangingPunct="1">
+      <a:lvl8pPr marL="3429000" indent="-228600" algn="l" defTabSz="914400">
         <a:lnSpc>
           <a:spcPct val="90000"/>
         </a:lnSpc>
         <a:spcBef>
           <a:spcPts val="500"/>
         </a:spcBef>
-        <a:buFont typeface="Arial" panose="020B0604020202020204" pitchFamily="34" charset="0"/>
+        <a:buFont typeface="Arial"/>
         <a:buChar char="•"/>
-        <a:defRPr sz="1800" kern="1200">
+        <a:defRPr sz="1800">
           <a:solidFill>
             <a:schemeClr val="tx1"/>
           </a:solidFill>
@@ -3199,16 +3065,16 @@
           <a:cs typeface="+mn-cs"/>
         </a:defRPr>
       </a:lvl8pPr>
-      <a:lvl9pPr marL="3886200" indent="-228600" algn="l" defTabSz="914400" rtl="0" eaLnBrk="1" latinLnBrk="0" hangingPunct="1">
+      <a:lvl9pPr marL="3886200" indent="-228600" algn="l" defTabSz="914400">
         <a:lnSpc>
           <a:spcPct val="90000"/>
         </a:lnSpc>
         <a:spcBef>
           <a:spcPts val="500"/>
         </a:spcBef>
-        <a:buFont typeface="Arial" panose="020B0604020202020204" pitchFamily="34" charset="0"/>
+        <a:buFont typeface="Arial"/>
         <a:buChar char="•"/>
-        <a:defRPr sz="1800" kern="1200">
+        <a:defRPr sz="1800">
           <a:solidFill>
             <a:schemeClr val="tx1"/>
           </a:solidFill>
@@ -3222,8 +3088,8 @@
       <a:defPPr>
         <a:defRPr lang="fr-FR"/>
       </a:defPPr>
-      <a:lvl1pPr marL="0" algn="l" defTabSz="914400" rtl="0" eaLnBrk="1" latinLnBrk="0" hangingPunct="1">
-        <a:defRPr sz="1800" kern="1200">
+      <a:lvl1pPr marL="0" algn="l" defTabSz="914400">
+        <a:defRPr sz="1800">
           <a:solidFill>
             <a:schemeClr val="tx1"/>
           </a:solidFill>
@@ -3232,8 +3098,8 @@
           <a:cs typeface="+mn-cs"/>
         </a:defRPr>
       </a:lvl1pPr>
-      <a:lvl2pPr marL="457200" algn="l" defTabSz="914400" rtl="0" eaLnBrk="1" latinLnBrk="0" hangingPunct="1">
-        <a:defRPr sz="1800" kern="1200">
+      <a:lvl2pPr marL="457200" algn="l" defTabSz="914400">
+        <a:defRPr sz="1800">
           <a:solidFill>
             <a:schemeClr val="tx1"/>
           </a:solidFill>
@@ -3242,8 +3108,8 @@
           <a:cs typeface="+mn-cs"/>
         </a:defRPr>
       </a:lvl2pPr>
-      <a:lvl3pPr marL="914400" algn="l" defTabSz="914400" rtl="0" eaLnBrk="1" latinLnBrk="0" hangingPunct="1">
-        <a:defRPr sz="1800" kern="1200">
+      <a:lvl3pPr marL="914400" algn="l" defTabSz="914400">
+        <a:defRPr sz="1800">
           <a:solidFill>
             <a:schemeClr val="tx1"/>
           </a:solidFill>
@@ -3252,8 +3118,8 @@
           <a:cs typeface="+mn-cs"/>
         </a:defRPr>
       </a:lvl3pPr>
-      <a:lvl4pPr marL="1371600" algn="l" defTabSz="914400" rtl="0" eaLnBrk="1" latinLnBrk="0" hangingPunct="1">
-        <a:defRPr sz="1800" kern="1200">
+      <a:lvl4pPr marL="1371600" algn="l" defTabSz="914400">
+        <a:defRPr sz="1800">
           <a:solidFill>
             <a:schemeClr val="tx1"/>
           </a:solidFill>
@@ -3262,8 +3128,8 @@
           <a:cs typeface="+mn-cs"/>
         </a:defRPr>
       </a:lvl4pPr>
-      <a:lvl5pPr marL="1828800" algn="l" defTabSz="914400" rtl="0" eaLnBrk="1" latinLnBrk="0" hangingPunct="1">
-        <a:defRPr sz="1800" kern="1200">
+      <a:lvl5pPr marL="1828800" algn="l" defTabSz="914400">
+        <a:defRPr sz="1800">
           <a:solidFill>
             <a:schemeClr val="tx1"/>
           </a:solidFill>
@@ -3272,8 +3138,8 @@
           <a:cs typeface="+mn-cs"/>
         </a:defRPr>
       </a:lvl5pPr>
-      <a:lvl6pPr marL="2286000" algn="l" defTabSz="914400" rtl="0" eaLnBrk="1" latinLnBrk="0" hangingPunct="1">
-        <a:defRPr sz="1800" kern="1200">
+      <a:lvl6pPr marL="2286000" algn="l" defTabSz="914400">
+        <a:defRPr sz="1800">
           <a:solidFill>
             <a:schemeClr val="tx1"/>
           </a:solidFill>
@@ -3282,8 +3148,8 @@
           <a:cs typeface="+mn-cs"/>
         </a:defRPr>
       </a:lvl6pPr>
-      <a:lvl7pPr marL="2743200" algn="l" defTabSz="914400" rtl="0" eaLnBrk="1" latinLnBrk="0" hangingPunct="1">
-        <a:defRPr sz="1800" kern="1200">
+      <a:lvl7pPr marL="2743200" algn="l" defTabSz="914400">
+        <a:defRPr sz="1800">
           <a:solidFill>
             <a:schemeClr val="tx1"/>
           </a:solidFill>
@@ -3292,8 +3158,8 @@
           <a:cs typeface="+mn-cs"/>
         </a:defRPr>
       </a:lvl7pPr>
-      <a:lvl8pPr marL="3200400" algn="l" defTabSz="914400" rtl="0" eaLnBrk="1" latinLnBrk="0" hangingPunct="1">
-        <a:defRPr sz="1800" kern="1200">
+      <a:lvl8pPr marL="3200400" algn="l" defTabSz="914400">
+        <a:defRPr sz="1800">
           <a:solidFill>
             <a:schemeClr val="tx1"/>
           </a:solidFill>
@@ -3302,8 +3168,8 @@
           <a:cs typeface="+mn-cs"/>
         </a:defRPr>
       </a:lvl8pPr>
-      <a:lvl9pPr marL="3657600" algn="l" defTabSz="914400" rtl="0" eaLnBrk="1" latinLnBrk="0" hangingPunct="1">
-        <a:defRPr sz="1800" kern="1200">
+      <a:lvl9pPr marL="3657600" algn="l" defTabSz="914400">
+        <a:defRPr sz="1800">
           <a:solidFill>
             <a:schemeClr val="tx1"/>
           </a:solidFill>
@@ -3318,15 +3184,15 @@
 </file>
 
 <file path=ppt/slides/slide1.xml><?xml version="1.0" encoding="utf-8"?>
-<p:sld xmlns:a="http://schemas.openxmlformats.org/drawingml/2006/main" xmlns:r="http://schemas.openxmlformats.org/officeDocument/2006/relationships" xmlns:p="http://schemas.openxmlformats.org/presentationml/2006/main">
-  <p:cSld>
+<p:sld xmlns:a="http://schemas.openxmlformats.org/drawingml/2006/main" xmlns:r="http://schemas.openxmlformats.org/officeDocument/2006/relationships" xmlns:p="http://schemas.openxmlformats.org/presentationml/2006/main" xmlns:m="http://schemas.openxmlformats.org/officeDocument/2006/math" xmlns:w="http://schemas.openxmlformats.org/wordprocessingml/2006/main" showMasterPhAnim="0" show="1">
+  <p:cSld name="">
     <p:spTree>
       <p:nvGrpSpPr>
         <p:cNvPr id="1" name=""/>
         <p:cNvGrpSpPr/>
         <p:nvPr/>
       </p:nvGrpSpPr>
-      <p:grpSpPr>
+      <p:grpSpPr bwMode="auto">
         <a:xfrm>
           <a:off x="0" y="0"/>
           <a:ext cx="0" cy="0"/>
@@ -3336,30 +3202,15 @@
       </p:grpSpPr>
       <p:pic>
         <p:nvPicPr>
-          <p:cNvPr id="4" name="Picture 4" descr="AudioMoth – Applications sur Google Play">
-            <a:extLst>
-              <a:ext uri="{FF2B5EF4-FFF2-40B4-BE49-F238E27FC236}">
-                <a16:creationId xmlns:a16="http://schemas.microsoft.com/office/drawing/2014/main" id="{C8AB8872-9BF4-2FE8-CF14-C3BA1A818659}"/>
-              </a:ext>
-            </a:extLst>
-          </p:cNvPr>
+          <p:cNvPr id="4" name="Picture 4" descr="AudioMoth – Applications sur Google Play"/>
           <p:cNvPicPr>
             <a:picLocks noChangeAspect="1" noChangeArrowheads="1"/>
           </p:cNvPicPr>
           <p:nvPr/>
         </p:nvPicPr>
         <p:blipFill>
-          <a:blip r:embed="rId2">
-            <a:extLst>
-              <a:ext uri="{28A0092B-C50C-407E-A947-70E740481C1C}">
-                <a14:useLocalDpi xmlns:a14="http://schemas.microsoft.com/office/drawing/2010/main" val="0"/>
-              </a:ext>
-            </a:extLst>
-          </a:blip>
-          <a:srcRect/>
-          <a:stretch>
-            <a:fillRect/>
-          </a:stretch>
+          <a:blip r:embed="rId2"/>
+          <a:stretch/>
         </p:blipFill>
         <p:spPr bwMode="auto">
           <a:xfrm>
@@ -3370,30 +3221,15 @@
             <a:avLst/>
           </a:prstGeom>
           <a:noFill/>
-          <a:extLst>
-            <a:ext uri="{909E8E84-426E-40DD-AFC4-6F175D3DCCD1}">
-              <a14:hiddenFill xmlns:a14="http://schemas.microsoft.com/office/drawing/2010/main">
-                <a:solidFill>
-                  <a:srgbClr val="FFFFFF"/>
-                </a:solidFill>
-              </a14:hiddenFill>
-            </a:ext>
-          </a:extLst>
         </p:spPr>
       </p:pic>
       <p:sp>
         <p:nvSpPr>
-          <p:cNvPr id="7" name="ZoneTexte 6">
-            <a:extLst>
-              <a:ext uri="{FF2B5EF4-FFF2-40B4-BE49-F238E27FC236}">
-                <a16:creationId xmlns:a16="http://schemas.microsoft.com/office/drawing/2014/main" id="{CC2B482F-6202-7B2A-6269-C08D2EE639B5}"/>
-              </a:ext>
-            </a:extLst>
-          </p:cNvPr>
+          <p:cNvPr id="7" name="ZoneTexte 6"/>
           <p:cNvSpPr txBox="1"/>
           <p:nvPr/>
         </p:nvSpPr>
-        <p:spPr>
+        <p:spPr bwMode="auto">
           <a:xfrm>
             <a:off x="1357357" y="1428042"/>
             <a:ext cx="9477286" cy="954107"/>
@@ -3409,41 +3245,35 @@
           </a:bodyPr>
           <a:lstStyle/>
           <a:p>
-            <a:pPr algn="ctr"/>
-            <a:r>
-              <a:rPr lang="fr-FR" sz="2800" b="1" dirty="0"/>
+            <a:pPr algn="ctr">
+              <a:defRPr/>
+            </a:pPr>
+            <a:r>
+              <a:rPr lang="fr-FR" sz="2800" b="1"/>
               <a:t>Script pour le découpage des fichiers AudioMoth</a:t>
             </a:r>
             <a:br>
-              <a:rPr lang="fr-FR" sz="2800" b="1" dirty="0"/>
+              <a:rPr lang="fr-FR" sz="2800" b="1"/>
             </a:br>
             <a:r>
-              <a:rPr lang="fr-FR" sz="2800" b="1" dirty="0"/>
+              <a:rPr lang="fr-FR" sz="2800" b="1"/>
               <a:t>de plusieurs sous-dossiers (T.Wav </a:t>
             </a:r>
             <a:r>
-              <a:rPr lang="fr-FR" sz="2800" b="1" dirty="0">
-                <a:sym typeface="Wingdings" panose="05000000000000000000" pitchFamily="2" charset="2"/>
-              </a:rPr>
+              <a:rPr lang="fr-FR" sz="2800" b="1"/>
               <a:t> .Wav)</a:t>
             </a:r>
-            <a:endParaRPr lang="fr-FR" sz="2800" b="1" dirty="0"/>
-          </a:p>
-        </p:txBody>
-      </p:sp>
-      <p:sp>
-        <p:nvSpPr>
-          <p:cNvPr id="3" name="ZoneTexte 2">
-            <a:extLst>
-              <a:ext uri="{FF2B5EF4-FFF2-40B4-BE49-F238E27FC236}">
-                <a16:creationId xmlns:a16="http://schemas.microsoft.com/office/drawing/2014/main" id="{144B70C1-CB3B-CE73-C41D-BDB6521623FD}"/>
-              </a:ext>
-            </a:extLst>
-          </p:cNvPr>
+            <a:endParaRPr lang="fr-FR" sz="2800" b="1"/>
+          </a:p>
+        </p:txBody>
+      </p:sp>
+      <p:sp>
+        <p:nvSpPr>
+          <p:cNvPr id="3" name="ZoneTexte 2"/>
           <p:cNvSpPr txBox="1"/>
           <p:nvPr/>
         </p:nvSpPr>
-        <p:spPr>
+        <p:spPr bwMode="auto">
           <a:xfrm>
             <a:off x="797979" y="2530728"/>
             <a:ext cx="10111038" cy="1846659"/>
@@ -3459,74 +3289,87 @@
           </a:bodyPr>
           <a:lstStyle/>
           <a:p>
-            <a:r>
-              <a:rPr lang="fr-FR" sz="2400" b="1" dirty="0"/>
+            <a:pPr>
+              <a:defRPr/>
+            </a:pPr>
+            <a:r>
+              <a:rPr lang="fr-FR" sz="2400" b="1"/>
               <a:t>Objectif du script :</a:t>
             </a:r>
-          </a:p>
-          <a:p>
-            <a:r>
-              <a:rPr lang="fr-FR" dirty="0"/>
+            <a:endParaRPr/>
+          </a:p>
+          <a:p>
+            <a:pPr>
+              <a:defRPr/>
+            </a:pPr>
+            <a:r>
+              <a:rPr lang="fr-FR"/>
               <a:t>L’application AudioMoth ne détecte pas les enregistrements T.Wav qui sont rangés dans des sous-dossiers.</a:t>
             </a:r>
             <a:br>
-              <a:rPr lang="fr-FR" dirty="0"/>
+              <a:rPr lang="fr-FR"/>
             </a:br>
             <a:r>
-              <a:rPr lang="fr-FR" dirty="0"/>
+              <a:rPr lang="fr-FR"/>
               <a:t>Ce script permet de découper les T.Wav en .</a:t>
             </a:r>
             <a:r>
-              <a:rPr lang="fr-FR" dirty="0" err="1"/>
+              <a:rPr lang="fr-FR"/>
               <a:t>Wav</a:t>
             </a:r>
             <a:r>
-              <a:rPr lang="fr-FR" dirty="0"/>
+              <a:rPr lang="fr-FR"/>
               <a:t> quelle que soit l’arborescence de vos dossiers.</a:t>
             </a:r>
-          </a:p>
-          <a:p>
-            <a:r>
-              <a:rPr lang="fr-FR" dirty="0"/>
+            <a:endParaRPr/>
+          </a:p>
+          <a:p>
+            <a:pPr>
+              <a:defRPr/>
+            </a:pPr>
+            <a:r>
+              <a:rPr lang="fr-FR"/>
               <a:t>Il évite donc de devoir traiter chaque sous-dossier un par un sur l’application AudioMoth.</a:t>
             </a:r>
-          </a:p>
-          <a:p>
-            <a:r>
-              <a:rPr lang="fr-FR" dirty="0"/>
+            <a:endParaRPr/>
+          </a:p>
+          <a:p>
+            <a:pPr>
+              <a:defRPr/>
+            </a:pPr>
+            <a:r>
+              <a:rPr lang="fr-FR"/>
               <a:t>Le script copie l’arborescence des dossiers contenant des fichiers T.Wav et les remplace par des .</a:t>
             </a:r>
             <a:r>
-              <a:rPr lang="fr-FR" dirty="0" err="1"/>
+              <a:rPr lang="fr-FR"/>
               <a:t>Wav</a:t>
             </a:r>
-            <a:endParaRPr lang="fr-FR" dirty="0"/>
-          </a:p>
-          <a:p>
-            <a:r>
-              <a:rPr lang="fr-FR" b="1" dirty="0"/>
+            <a:endParaRPr lang="fr-FR"/>
+          </a:p>
+          <a:p>
+            <a:pPr>
+              <a:defRPr/>
+            </a:pPr>
+            <a:r>
+              <a:rPr lang="fr-FR" b="1"/>
               <a:t>Le découpage des T.Wav se fait selon la norme Vigie-Chiro </a:t>
             </a:r>
             <a:r>
-              <a:rPr lang="fr-FR" dirty="0"/>
+              <a:rPr lang="fr-FR"/>
               <a:t>; les paramètres sont cependant modifiables</a:t>
             </a:r>
-          </a:p>
-        </p:txBody>
-      </p:sp>
-      <p:sp>
-        <p:nvSpPr>
-          <p:cNvPr id="5" name="ZoneTexte 4">
-            <a:extLst>
-              <a:ext uri="{FF2B5EF4-FFF2-40B4-BE49-F238E27FC236}">
-                <a16:creationId xmlns:a16="http://schemas.microsoft.com/office/drawing/2014/main" id="{69085C75-0126-D584-42BE-CD4868A6079A}"/>
-              </a:ext>
-            </a:extLst>
-          </p:cNvPr>
+            <a:endParaRPr/>
+          </a:p>
+        </p:txBody>
+      </p:sp>
+      <p:sp>
+        <p:nvSpPr>
+          <p:cNvPr id="5" name="ZoneTexte 4"/>
           <p:cNvSpPr txBox="1"/>
           <p:nvPr/>
         </p:nvSpPr>
-        <p:spPr>
+        <p:spPr bwMode="auto">
           <a:xfrm>
             <a:off x="797979" y="4525967"/>
             <a:ext cx="11199028" cy="1569660"/>
@@ -3542,59 +3385,72 @@
           </a:bodyPr>
           <a:lstStyle/>
           <a:p>
-            <a:r>
-              <a:rPr lang="fr-FR" sz="2400" b="1" dirty="0"/>
+            <a:pPr>
+              <a:defRPr/>
+            </a:pPr>
+            <a:r>
+              <a:rPr lang="fr-FR" sz="2400" b="1"/>
               <a:t>Remerciements et sources :</a:t>
             </a:r>
-          </a:p>
-          <a:p>
-            <a:r>
-              <a:rPr lang="fr-FR" dirty="0"/>
+            <a:endParaRPr/>
+          </a:p>
+          <a:p>
+            <a:pPr>
+              <a:defRPr/>
+            </a:pPr>
+            <a:r>
+              <a:rPr lang="fr-FR"/>
               <a:t>La découpe des fichiers se base sur le script Open Source d’AudioMoth :</a:t>
             </a:r>
-          </a:p>
-          <a:p>
-            <a:r>
-              <a:rPr lang="fr-FR" dirty="0">
-                <a:hlinkClick r:id="rId3"/>
+            <a:endParaRPr/>
+          </a:p>
+          <a:p>
+            <a:pPr>
+              <a:defRPr/>
+            </a:pPr>
+            <a:r>
+              <a:rPr lang="fr-FR" u="sng">
+                <a:hlinkClick r:id="rId3" tooltip="https://github.com/OpenAcousticDevices/audiomoth-utils"/>
               </a:rPr>
               <a:t>https://github.com/OpenAcousticDevices/audiomoth-utils</a:t>
             </a:r>
-            <a:endParaRPr lang="fr-FR" dirty="0"/>
-          </a:p>
-          <a:p>
-            <a:r>
-              <a:rPr lang="fr-FR" dirty="0"/>
+            <a:endParaRPr lang="fr-FR"/>
+          </a:p>
+          <a:p>
+            <a:pPr>
+              <a:defRPr/>
+            </a:pPr>
+            <a:r>
+              <a:rPr lang="fr-FR"/>
               <a:t>L’automatisation de la découpe des fichiers T.Wav pour tous les sous-dossiers a été codé par Dominique BESSONNEAU</a:t>
             </a:r>
-          </a:p>
-          <a:p>
-            <a:r>
-              <a:rPr lang="fr-FR" dirty="0">
-                <a:hlinkClick r:id="rId4"/>
+            <a:endParaRPr/>
+          </a:p>
+          <a:p>
+            <a:pPr>
+              <a:defRPr/>
+            </a:pPr>
+            <a:r>
+              <a:rPr lang="fr-FR" u="sng">
+                <a:hlinkClick r:id="rId4" tooltip="mailto:Dominique.Bessonneau@cerema.fr"/>
               </a:rPr>
               <a:t>Dominique.Bessonneau@cerema.fr</a:t>
             </a:r>
             <a:r>
-              <a:rPr lang="fr-FR" dirty="0"/>
+              <a:rPr lang="fr-FR"/>
               <a:t> </a:t>
             </a:r>
-          </a:p>
-        </p:txBody>
-      </p:sp>
-      <p:sp>
-        <p:nvSpPr>
-          <p:cNvPr id="2" name="ZoneTexte 1">
-            <a:extLst>
-              <a:ext uri="{FF2B5EF4-FFF2-40B4-BE49-F238E27FC236}">
-                <a16:creationId xmlns:a16="http://schemas.microsoft.com/office/drawing/2014/main" id="{650AB4D4-AF96-0E92-0734-81BCCF0DB0D6}"/>
-              </a:ext>
-            </a:extLst>
-          </p:cNvPr>
+            <a:endParaRPr/>
+          </a:p>
+        </p:txBody>
+      </p:sp>
+      <p:sp>
+        <p:nvSpPr>
+          <p:cNvPr id="2" name="ZoneTexte 1"/>
           <p:cNvSpPr txBox="1"/>
           <p:nvPr/>
         </p:nvSpPr>
-        <p:spPr>
+        <p:spPr bwMode="auto">
           <a:xfrm>
             <a:off x="10565057" y="4058649"/>
             <a:ext cx="1431950" cy="246221"/>
@@ -3610,46 +3466,53 @@
           </a:bodyPr>
           <a:lstStyle/>
           <a:p>
-            <a:r>
-              <a:rPr lang="fr-FR" sz="1000" dirty="0"/>
+            <a:pPr>
+              <a:defRPr/>
+            </a:pPr>
+            <a:r>
+              <a:rPr lang="fr-FR" sz="1000"/>
               <a:t>- </a:t>
             </a:r>
             <a:r>
-              <a:rPr lang="fr-FR" sz="1000" dirty="0">
-                <a:hlinkClick r:id="rId5" action="ppaction://hlinksldjump"/>
+              <a:rPr lang="fr-FR" sz="1000" u="sng">
+                <a:hlinkClick r:id="rId5" action="ppaction://hlinksldjump" tooltip="ppaction://hlinksldjumpslide7"/>
               </a:rPr>
               <a:t>cf. dernière diapo</a:t>
             </a:r>
             <a:r>
-              <a:rPr lang="fr-FR" sz="1000" dirty="0"/>
+              <a:rPr lang="fr-FR" sz="1000"/>
               <a:t> -</a:t>
             </a:r>
+            <a:endParaRPr/>
           </a:p>
         </p:txBody>
       </p:sp>
     </p:spTree>
-    <p:extLst>
-      <p:ext uri="{BB962C8B-B14F-4D97-AF65-F5344CB8AC3E}">
-        <p14:creationId xmlns:p14="http://schemas.microsoft.com/office/powerpoint/2010/main" val="2549037410"/>
-      </p:ext>
-    </p:extLst>
   </p:cSld>
   <p:clrMapOvr>
     <a:masterClrMapping/>
   </p:clrMapOvr>
+  <mc:AlternateContent xmlns:mc="http://schemas.openxmlformats.org/markup-compatibility/2006">
+    <mc:Choice xmlns:p14="http://schemas.microsoft.com/office/powerpoint/2010/main" Requires="p14">
+      <p:transition p14:dur="2000" advClick="1"/>
+    </mc:Choice>
+    <mc:Fallback>
+      <p:transition advClick="1"/>
+    </mc:Fallback>
+  </mc:AlternateContent>
 </p:sld>
 </file>
 
 <file path=ppt/slides/slide2.xml><?xml version="1.0" encoding="utf-8"?>
-<p:sld xmlns:a="http://schemas.openxmlformats.org/drawingml/2006/main" xmlns:r="http://schemas.openxmlformats.org/officeDocument/2006/relationships" xmlns:p="http://schemas.openxmlformats.org/presentationml/2006/main">
-  <p:cSld>
+<p:sld xmlns:a="http://schemas.openxmlformats.org/drawingml/2006/main" xmlns:r="http://schemas.openxmlformats.org/officeDocument/2006/relationships" xmlns:p="http://schemas.openxmlformats.org/presentationml/2006/main" xmlns:m="http://schemas.openxmlformats.org/officeDocument/2006/math" xmlns:w="http://schemas.openxmlformats.org/wordprocessingml/2006/main" showMasterPhAnim="0" show="1">
+  <p:cSld name="">
     <p:spTree>
       <p:nvGrpSpPr>
         <p:cNvPr id="1" name=""/>
         <p:cNvGrpSpPr/>
         <p:nvPr/>
       </p:nvGrpSpPr>
-      <p:grpSpPr>
+      <p:grpSpPr bwMode="auto">
         <a:xfrm>
           <a:off x="0" y="0"/>
           <a:ext cx="0" cy="0"/>
@@ -3659,30 +3522,15 @@
       </p:grpSpPr>
       <p:pic>
         <p:nvPicPr>
-          <p:cNvPr id="4" name="Picture 4" descr="AudioMoth – Applications sur Google Play">
-            <a:extLst>
-              <a:ext uri="{FF2B5EF4-FFF2-40B4-BE49-F238E27FC236}">
-                <a16:creationId xmlns:a16="http://schemas.microsoft.com/office/drawing/2014/main" id="{C8AB8872-9BF4-2FE8-CF14-C3BA1A818659}"/>
-              </a:ext>
-            </a:extLst>
-          </p:cNvPr>
+          <p:cNvPr id="4" name="Picture 4" descr="AudioMoth – Applications sur Google Play"/>
           <p:cNvPicPr>
             <a:picLocks noChangeAspect="1" noChangeArrowheads="1"/>
           </p:cNvPicPr>
           <p:nvPr/>
         </p:nvPicPr>
         <p:blipFill>
-          <a:blip r:embed="rId2">
-            <a:extLst>
-              <a:ext uri="{28A0092B-C50C-407E-A947-70E740481C1C}">
-                <a14:useLocalDpi xmlns:a14="http://schemas.microsoft.com/office/drawing/2010/main" val="0"/>
-              </a:ext>
-            </a:extLst>
-          </a:blip>
-          <a:srcRect/>
-          <a:stretch>
-            <a:fillRect/>
-          </a:stretch>
+          <a:blip r:embed="rId2"/>
+          <a:stretch/>
         </p:blipFill>
         <p:spPr bwMode="auto">
           <a:xfrm>
@@ -3693,30 +3541,15 @@
             <a:avLst/>
           </a:prstGeom>
           <a:noFill/>
-          <a:extLst>
-            <a:ext uri="{909E8E84-426E-40DD-AFC4-6F175D3DCCD1}">
-              <a14:hiddenFill xmlns:a14="http://schemas.microsoft.com/office/drawing/2010/main">
-                <a:solidFill>
-                  <a:srgbClr val="FFFFFF"/>
-                </a:solidFill>
-              </a14:hiddenFill>
-            </a:ext>
-          </a:extLst>
         </p:spPr>
       </p:pic>
       <p:sp>
         <p:nvSpPr>
-          <p:cNvPr id="8" name="ZoneTexte 7">
-            <a:extLst>
-              <a:ext uri="{FF2B5EF4-FFF2-40B4-BE49-F238E27FC236}">
-                <a16:creationId xmlns:a16="http://schemas.microsoft.com/office/drawing/2014/main" id="{74A916C0-FE2C-7C13-2526-5459F9AF48DF}"/>
-              </a:ext>
-            </a:extLst>
-          </p:cNvPr>
+          <p:cNvPr id="8" name="ZoneTexte 7"/>
           <p:cNvSpPr txBox="1"/>
           <p:nvPr/>
         </p:nvSpPr>
-        <p:spPr>
+        <p:spPr bwMode="auto">
           <a:xfrm>
             <a:off x="797979" y="2860962"/>
             <a:ext cx="11190243" cy="3508653"/>
@@ -3732,63 +3565,75 @@
           </a:bodyPr>
           <a:lstStyle/>
           <a:p>
-            <a:r>
-              <a:rPr lang="fr-FR" sz="2400" b="1" dirty="0"/>
+            <a:pPr>
+              <a:defRPr/>
+            </a:pPr>
+            <a:r>
+              <a:rPr lang="fr-FR" sz="2400" b="1"/>
               <a:t>Prérequis :</a:t>
             </a:r>
-          </a:p>
-          <a:p>
-            <a:endParaRPr lang="fr-FR" b="1" dirty="0"/>
+            <a:endParaRPr/>
+          </a:p>
+          <a:p>
+            <a:pPr>
+              <a:defRPr/>
+            </a:pPr>
+            <a:endParaRPr lang="fr-FR" b="1"/>
           </a:p>
           <a:p>
             <a:pPr marL="742950" lvl="1" indent="-285750">
-              <a:buFont typeface="Arial" panose="020B0604020202020204" pitchFamily="34" charset="0"/>
+              <a:buFont typeface="Arial"/>
               <a:buChar char="•"/>
-            </a:pPr>
-            <a:r>
-              <a:rPr lang="fr-FR" dirty="0"/>
+              <a:defRPr/>
+            </a:pPr>
+            <a:r>
+              <a:rPr lang="fr-FR"/>
               <a:t>Télécharger Python 3 (nécessaire pour faire tourner le script) : </a:t>
             </a:r>
             <a:r>
-              <a:rPr lang="fr-FR" dirty="0">
-                <a:hlinkClick r:id="rId3"/>
+              <a:rPr lang="fr-FR" u="sng">
+                <a:hlinkClick r:id="rId3" tooltip="https://www.python.org/downloads/"/>
               </a:rPr>
               <a:t>https://www.python.org/downloads/</a:t>
             </a:r>
-            <a:endParaRPr lang="fr-FR" dirty="0"/>
+            <a:endParaRPr lang="fr-FR"/>
           </a:p>
           <a:p>
             <a:pPr marL="742950" lvl="1" indent="-285750">
-              <a:buFont typeface="Arial" panose="020B0604020202020204" pitchFamily="34" charset="0"/>
+              <a:buFont typeface="Arial"/>
               <a:buChar char="•"/>
-            </a:pPr>
-            <a:r>
-              <a:rPr lang="fr-FR" dirty="0"/>
+              <a:defRPr/>
+            </a:pPr>
+            <a:r>
+              <a:rPr lang="fr-FR"/>
               <a:t>Télécharger Node.js (nécessaire pour faire tourner le script) : </a:t>
             </a:r>
             <a:r>
-              <a:rPr lang="fr-FR" dirty="0">
-                <a:hlinkClick r:id="rId4"/>
+              <a:rPr lang="fr-FR" u="sng">
+                <a:hlinkClick r:id="rId4" tooltip="https://nodejs.org/en/download"/>
               </a:rPr>
               <a:t>https://nodejs.org/en/download</a:t>
             </a:r>
-            <a:endParaRPr lang="fr-FR" dirty="0"/>
-          </a:p>
-          <a:p>
-            <a:pPr lvl="1"/>
-            <a:endParaRPr lang="fr-FR" dirty="0"/>
+            <a:endParaRPr lang="fr-FR"/>
+          </a:p>
+          <a:p>
+            <a:pPr lvl="1">
+              <a:defRPr/>
+            </a:pPr>
+            <a:endParaRPr lang="fr-FR"/>
           </a:p>
           <a:p>
             <a:pPr marL="742950" lvl="1" indent="-285750">
-              <a:buFont typeface="Arial" panose="020B0604020202020204" pitchFamily="34" charset="0"/>
+              <a:buFont typeface="Arial"/>
               <a:buChar char="•"/>
-            </a:pPr>
-            <a:r>
-              <a:rPr lang="fr-FR" dirty="0"/>
+              <a:defRPr/>
+            </a:pPr>
+            <a:r>
+              <a:rPr lang="fr-FR"/>
               <a:t>Avoir un </a:t>
             </a:r>
             <a:r>
-              <a:rPr lang="fr-FR" b="1" dirty="0">
+              <a:rPr lang="fr-FR" b="1">
                 <a:solidFill>
                   <a:srgbClr val="3E8E5B"/>
                 </a:solidFill>
@@ -3796,42 +3641,47 @@
               <a:t>dossier source </a:t>
             </a:r>
             <a:r>
-              <a:rPr lang="fr-FR" dirty="0"/>
+              <a:rPr lang="fr-FR"/>
               <a:t>qui contient tous les fichiers T.Wav </a:t>
             </a:r>
             <a:r>
-              <a:rPr lang="fr-FR" b="1" dirty="0"/>
+              <a:rPr lang="fr-FR" b="1"/>
               <a:t>(ne pas mettre d’espace dans le nom du dossier !)</a:t>
             </a:r>
+            <a:endParaRPr/>
           </a:p>
           <a:p>
             <a:pPr marL="1257300" lvl="2" indent="-342900">
-              <a:buFont typeface="Calibri" panose="020F0502020204030204" pitchFamily="34" charset="0"/>
+              <a:buFont typeface="Calibri"/>
               <a:buChar char="»"/>
-            </a:pPr>
-            <a:r>
-              <a:rPr lang="fr-FR" dirty="0"/>
+              <a:defRPr/>
+            </a:pPr>
+            <a:r>
+              <a:rPr lang="fr-FR"/>
               <a:t>Ce dossier peut contenir des sous dossiers ainsi que des fichiers autres que les T.Wav</a:t>
             </a:r>
+            <a:endParaRPr/>
           </a:p>
           <a:p>
             <a:pPr marL="1257300" lvl="2" indent="-342900">
-              <a:buFont typeface="Calibri" panose="020F0502020204030204" pitchFamily="34" charset="0"/>
+              <a:buFont typeface="Calibri"/>
               <a:buChar char="»"/>
-            </a:pPr>
-            <a:endParaRPr lang="fr-FR" dirty="0"/>
+              <a:defRPr/>
+            </a:pPr>
+            <a:endParaRPr lang="fr-FR"/>
           </a:p>
           <a:p>
             <a:pPr marL="742950" lvl="1" indent="-285750">
-              <a:buFont typeface="Arial" panose="020B0604020202020204" pitchFamily="34" charset="0"/>
+              <a:buFont typeface="Arial"/>
               <a:buChar char="•"/>
-            </a:pPr>
-            <a:r>
-              <a:rPr lang="fr-FR" dirty="0"/>
+              <a:defRPr/>
+            </a:pPr>
+            <a:r>
+              <a:rPr lang="fr-FR"/>
               <a:t>Créer un nouveau dossier vide où seront stockés les fichiers .Wav : le </a:t>
             </a:r>
             <a:r>
-              <a:rPr lang="fr-FR" b="1" dirty="0">
+              <a:rPr lang="fr-FR" b="1">
                 <a:solidFill>
                   <a:srgbClr val="3E8E5B"/>
                 </a:solidFill>
@@ -3839,13 +3689,16 @@
               <a:t>dossier de sortie </a:t>
             </a:r>
             <a:r>
-              <a:rPr lang="fr-FR" b="1" dirty="0"/>
+              <a:rPr lang="fr-FR" b="1"/>
               <a:t>(nom sans espace !)</a:t>
             </a:r>
-          </a:p>
-          <a:p>
-            <a:pPr lvl="1"/>
-            <a:endParaRPr lang="fr-FR" b="1" dirty="0">
+            <a:endParaRPr/>
+          </a:p>
+          <a:p>
+            <a:pPr lvl="1">
+              <a:defRPr/>
+            </a:pPr>
+            <a:endParaRPr lang="fr-FR" b="1">
               <a:solidFill>
                 <a:srgbClr val="3E8E5B"/>
               </a:solidFill>
@@ -3853,39 +3706,37 @@
           </a:p>
           <a:p>
             <a:pPr marL="742950" lvl="1" indent="-285750">
-              <a:buFont typeface="Arial" panose="020B0604020202020204" pitchFamily="34" charset="0"/>
+              <a:buFont typeface="Arial"/>
               <a:buChar char="•"/>
-            </a:pPr>
-            <a:r>
-              <a:rPr lang="fr-FR" dirty="0"/>
+              <a:defRPr/>
+            </a:pPr>
+            <a:r>
+              <a:rPr lang="fr-FR"/>
               <a:t>S’assurer d’avoir suffisamment d’espace de stockage</a:t>
             </a:r>
+            <a:endParaRPr/>
           </a:p>
           <a:p>
             <a:pPr marL="1257300" lvl="2" indent="-342900">
-              <a:buFont typeface="Calibri" panose="020F0502020204030204" pitchFamily="34" charset="0"/>
+              <a:buFont typeface="Calibri"/>
               <a:buChar char="»"/>
-            </a:pPr>
-            <a:r>
-              <a:rPr lang="fr-FR" dirty="0"/>
+              <a:defRPr/>
+            </a:pPr>
+            <a:r>
+              <a:rPr lang="fr-FR"/>
               <a:t>L’ensemble des fichiers .Wav fera environ la même taille que les fichiers T.Wav</a:t>
             </a:r>
-          </a:p>
-        </p:txBody>
-      </p:sp>
-      <p:sp>
-        <p:nvSpPr>
-          <p:cNvPr id="2" name="ZoneTexte 1">
-            <a:extLst>
-              <a:ext uri="{FF2B5EF4-FFF2-40B4-BE49-F238E27FC236}">
-                <a16:creationId xmlns:a16="http://schemas.microsoft.com/office/drawing/2014/main" id="{13CBC125-B267-7255-DA86-BC73900125CF}"/>
-              </a:ext>
-            </a:extLst>
-          </p:cNvPr>
+            <a:endParaRPr/>
+          </a:p>
+        </p:txBody>
+      </p:sp>
+      <p:sp>
+        <p:nvSpPr>
+          <p:cNvPr id="2" name="ZoneTexte 1"/>
           <p:cNvSpPr txBox="1"/>
           <p:nvPr/>
         </p:nvSpPr>
-        <p:spPr>
+        <p:spPr bwMode="auto">
           <a:xfrm>
             <a:off x="1357357" y="1428042"/>
             <a:ext cx="9477286" cy="954107"/>
@@ -3901,51 +3752,54 @@
           </a:bodyPr>
           <a:lstStyle/>
           <a:p>
-            <a:pPr algn="ctr"/>
-            <a:r>
-              <a:rPr lang="fr-FR" sz="2800" b="1" dirty="0"/>
+            <a:pPr algn="ctr">
+              <a:defRPr/>
+            </a:pPr>
+            <a:r>
+              <a:rPr lang="fr-FR" sz="2800" b="1"/>
               <a:t>Script pour le découpage des fichiers AudioMoth</a:t>
             </a:r>
             <a:br>
-              <a:rPr lang="fr-FR" sz="2800" b="1" dirty="0"/>
+              <a:rPr lang="fr-FR" sz="2800" b="1"/>
             </a:br>
             <a:r>
-              <a:rPr lang="fr-FR" sz="2800" b="1" dirty="0"/>
+              <a:rPr lang="fr-FR" sz="2800" b="1"/>
               <a:t>de plusieurs sous-dossiers (T.Wav </a:t>
             </a:r>
             <a:r>
-              <a:rPr lang="fr-FR" sz="2800" b="1" dirty="0">
-                <a:sym typeface="Wingdings" panose="05000000000000000000" pitchFamily="2" charset="2"/>
-              </a:rPr>
+              <a:rPr lang="fr-FR" sz="2800" b="1"/>
               <a:t> .Wav)</a:t>
             </a:r>
-            <a:endParaRPr lang="fr-FR" sz="2800" b="1" dirty="0"/>
+            <a:endParaRPr lang="fr-FR" sz="2800" b="1"/>
           </a:p>
         </p:txBody>
       </p:sp>
     </p:spTree>
-    <p:extLst>
-      <p:ext uri="{BB962C8B-B14F-4D97-AF65-F5344CB8AC3E}">
-        <p14:creationId xmlns:p14="http://schemas.microsoft.com/office/powerpoint/2010/main" val="574792220"/>
-      </p:ext>
-    </p:extLst>
   </p:cSld>
   <p:clrMapOvr>
     <a:masterClrMapping/>
   </p:clrMapOvr>
+  <mc:AlternateContent xmlns:mc="http://schemas.openxmlformats.org/markup-compatibility/2006">
+    <mc:Choice xmlns:p14="http://schemas.microsoft.com/office/powerpoint/2010/main" Requires="p14">
+      <p:transition p14:dur="2000" advClick="1"/>
+    </mc:Choice>
+    <mc:Fallback>
+      <p:transition advClick="1"/>
+    </mc:Fallback>
+  </mc:AlternateContent>
 </p:sld>
 </file>
 
 <file path=ppt/slides/slide3.xml><?xml version="1.0" encoding="utf-8"?>
-<p:sld xmlns:a="http://schemas.openxmlformats.org/drawingml/2006/main" xmlns:r="http://schemas.openxmlformats.org/officeDocument/2006/relationships" xmlns:p="http://schemas.openxmlformats.org/presentationml/2006/main">
-  <p:cSld>
+<p:sld xmlns:a="http://schemas.openxmlformats.org/drawingml/2006/main" xmlns:r="http://schemas.openxmlformats.org/officeDocument/2006/relationships" xmlns:p="http://schemas.openxmlformats.org/presentationml/2006/main" xmlns:m="http://schemas.openxmlformats.org/officeDocument/2006/math" xmlns:w="http://schemas.openxmlformats.org/wordprocessingml/2006/main" showMasterPhAnim="0" show="1">
+  <p:cSld name="">
     <p:spTree>
       <p:nvGrpSpPr>
         <p:cNvPr id="1" name=""/>
         <p:cNvGrpSpPr/>
         <p:nvPr/>
       </p:nvGrpSpPr>
-      <p:grpSpPr>
+      <p:grpSpPr bwMode="auto">
         <a:xfrm>
           <a:off x="0" y="0"/>
           <a:ext cx="0" cy="0"/>
@@ -3955,17 +3809,11 @@
       </p:grpSpPr>
       <p:sp>
         <p:nvSpPr>
-          <p:cNvPr id="6" name="ZoneTexte 5">
-            <a:extLst>
-              <a:ext uri="{FF2B5EF4-FFF2-40B4-BE49-F238E27FC236}">
-                <a16:creationId xmlns:a16="http://schemas.microsoft.com/office/drawing/2014/main" id="{37B338AB-5BD3-10FD-5BC4-C19462AA0371}"/>
-              </a:ext>
-            </a:extLst>
-          </p:cNvPr>
+          <p:cNvPr id="6" name="ZoneTexte 5"/>
           <p:cNvSpPr txBox="1"/>
           <p:nvPr/>
         </p:nvSpPr>
-        <p:spPr>
+        <p:spPr bwMode="auto">
           <a:xfrm>
             <a:off x="504203" y="688885"/>
             <a:ext cx="7583936" cy="461665"/>
@@ -3981,26 +3829,24 @@
           </a:bodyPr>
           <a:lstStyle/>
           <a:p>
-            <a:r>
-              <a:rPr lang="fr-FR" sz="2400" b="1" dirty="0"/>
+            <a:pPr>
+              <a:defRPr/>
+            </a:pPr>
+            <a:r>
+              <a:rPr lang="fr-FR" sz="2400" b="1"/>
               <a:t>1. Télécharger le script « TWAV_splitter-main » sur GitHub</a:t>
             </a:r>
-          </a:p>
-        </p:txBody>
-      </p:sp>
-      <p:sp>
-        <p:nvSpPr>
-          <p:cNvPr id="9" name="ZoneTexte 8">
-            <a:extLst>
-              <a:ext uri="{FF2B5EF4-FFF2-40B4-BE49-F238E27FC236}">
-                <a16:creationId xmlns:a16="http://schemas.microsoft.com/office/drawing/2014/main" id="{122A2EB6-AAD3-A287-CBAE-B9551BA5A115}"/>
-              </a:ext>
-            </a:extLst>
-          </p:cNvPr>
+            <a:endParaRPr/>
+          </a:p>
+        </p:txBody>
+      </p:sp>
+      <p:sp>
+        <p:nvSpPr>
+          <p:cNvPr id="9" name="ZoneTexte 8"/>
           <p:cNvSpPr txBox="1"/>
           <p:nvPr/>
         </p:nvSpPr>
-        <p:spPr>
+        <p:spPr bwMode="auto">
           <a:xfrm>
             <a:off x="504203" y="1471548"/>
             <a:ext cx="4288162" cy="646331"/>
@@ -4016,36 +3862,33 @@
           </a:bodyPr>
           <a:lstStyle/>
           <a:p>
-            <a:r>
-              <a:rPr lang="fr-FR" dirty="0"/>
+            <a:pPr>
+              <a:defRPr/>
+            </a:pPr>
+            <a:r>
+              <a:rPr lang="fr-FR"/>
               <a:t>Rendez-vous sur le site : </a:t>
             </a:r>
             <a:br>
-              <a:rPr lang="fr-FR" dirty="0"/>
+              <a:rPr lang="fr-FR"/>
             </a:br>
             <a:r>
-              <a:rPr lang="fr-FR" dirty="0">
-                <a:hlinkClick r:id="rId2"/>
+              <a:rPr lang="fr-FR" u="sng">
+                <a:hlinkClick r:id="rId2" tooltip="https://github.com/CEREMA/TWAV_splitter"/>
               </a:rPr>
               <a:t>https://github.com/CEREMA/TWAV_splitter</a:t>
             </a:r>
-            <a:endParaRPr lang="fr-FR" dirty="0"/>
+            <a:endParaRPr lang="fr-FR"/>
           </a:p>
         </p:txBody>
       </p:sp>
       <p:grpSp>
         <p:nvGrpSpPr>
-          <p:cNvPr id="13" name="Groupe 12">
-            <a:extLst>
-              <a:ext uri="{FF2B5EF4-FFF2-40B4-BE49-F238E27FC236}">
-                <a16:creationId xmlns:a16="http://schemas.microsoft.com/office/drawing/2014/main" id="{2F64A28C-EC00-F834-E863-6D0902CA901E}"/>
-              </a:ext>
-            </a:extLst>
-          </p:cNvPr>
+          <p:cNvPr id="13" name="Groupe 12"/>
           <p:cNvGrpSpPr/>
           <p:nvPr/>
         </p:nvGrpSpPr>
-        <p:grpSpPr>
+        <p:grpSpPr bwMode="auto">
           <a:xfrm>
             <a:off x="504203" y="2438877"/>
             <a:ext cx="5496547" cy="3259547"/>
@@ -4055,13 +3898,7 @@
         </p:grpSpPr>
         <p:pic>
           <p:nvPicPr>
-            <p:cNvPr id="5" name="Image 4">
-              <a:extLst>
-                <a:ext uri="{FF2B5EF4-FFF2-40B4-BE49-F238E27FC236}">
-                  <a16:creationId xmlns:a16="http://schemas.microsoft.com/office/drawing/2014/main" id="{C289F919-470A-1969-EA24-EF20920E8968}"/>
-                </a:ext>
-              </a:extLst>
-            </p:cNvPr>
+            <p:cNvPr id="5" name="Image 4"/>
             <p:cNvPicPr>
               <a:picLocks noChangeAspect="1"/>
             </p:cNvPicPr>
@@ -4069,11 +3906,9 @@
           </p:nvPicPr>
           <p:blipFill>
             <a:blip r:embed="rId3"/>
-            <a:stretch>
-              <a:fillRect/>
-            </a:stretch>
+            <a:stretch/>
           </p:blipFill>
-          <p:spPr>
+          <p:spPr bwMode="auto">
             <a:xfrm>
               <a:off x="504203" y="2161878"/>
               <a:ext cx="6751176" cy="4003564"/>
@@ -4090,17 +3925,11 @@
         </p:pic>
         <p:sp>
           <p:nvSpPr>
-            <p:cNvPr id="10" name="Rectangle 9">
-              <a:extLst>
-                <a:ext uri="{FF2B5EF4-FFF2-40B4-BE49-F238E27FC236}">
-                  <a16:creationId xmlns:a16="http://schemas.microsoft.com/office/drawing/2014/main" id="{5241C381-ADF5-F6C6-06DE-8F213A8C96CD}"/>
-                </a:ext>
-              </a:extLst>
-            </p:cNvPr>
+            <p:cNvPr id="10" name="Rectangle 9"/>
             <p:cNvSpPr/>
             <p:nvPr/>
           </p:nvSpPr>
-          <p:spPr>
+          <p:spPr bwMode="auto">
             <a:xfrm>
               <a:off x="4852988" y="3590925"/>
               <a:ext cx="519906" cy="233110"/>
@@ -4135,38 +3964,26 @@
             <a:bodyPr rtlCol="0" anchor="ctr"/>
             <a:lstStyle/>
             <a:p>
-              <a:pPr algn="ctr"/>
-              <a:endParaRPr lang="fr-FR" dirty="0"/>
+              <a:pPr algn="ctr">
+                <a:defRPr/>
+              </a:pPr>
+              <a:endParaRPr lang="fr-FR"/>
             </a:p>
           </p:txBody>
         </p:sp>
         <p:pic>
           <p:nvPicPr>
-            <p:cNvPr id="11" name="Image 10">
-              <a:extLst>
-                <a:ext uri="{FF2B5EF4-FFF2-40B4-BE49-F238E27FC236}">
-                  <a16:creationId xmlns:a16="http://schemas.microsoft.com/office/drawing/2014/main" id="{0552A64C-B7C5-2772-4A6E-FB66839414C1}"/>
-                </a:ext>
-              </a:extLst>
-            </p:cNvPr>
+            <p:cNvPr id="11" name="Image 10"/>
             <p:cNvPicPr>
               <a:picLocks noChangeAspect="1"/>
             </p:cNvPicPr>
             <p:nvPr/>
           </p:nvPicPr>
           <p:blipFill>
-            <a:blip r:embed="rId4">
-              <a:extLst>
-                <a:ext uri="{28A0092B-C50C-407E-A947-70E740481C1C}">
-                  <a14:useLocalDpi xmlns:a14="http://schemas.microsoft.com/office/drawing/2010/main" val="0"/>
-                </a:ext>
-              </a:extLst>
-            </a:blip>
-            <a:stretch>
-              <a:fillRect/>
-            </a:stretch>
+            <a:blip r:embed="rId4"/>
+            <a:stretch/>
           </p:blipFill>
-          <p:spPr>
+          <p:spPr bwMode="auto">
             <a:xfrm>
               <a:off x="3947159" y="5316273"/>
               <a:ext cx="280141" cy="280141"/>
@@ -4182,17 +3999,11 @@
       </p:grpSp>
       <p:sp>
         <p:nvSpPr>
-          <p:cNvPr id="12" name="ZoneTexte 11">
-            <a:extLst>
-              <a:ext uri="{FF2B5EF4-FFF2-40B4-BE49-F238E27FC236}">
-                <a16:creationId xmlns:a16="http://schemas.microsoft.com/office/drawing/2014/main" id="{C4D68A35-73B2-9204-0B13-A15FF1CBE16B}"/>
-              </a:ext>
-            </a:extLst>
-          </p:cNvPr>
+          <p:cNvPr id="12" name="ZoneTexte 11"/>
           <p:cNvSpPr txBox="1"/>
           <p:nvPr/>
         </p:nvSpPr>
-        <p:spPr>
+        <p:spPr bwMode="auto">
           <a:xfrm>
             <a:off x="627686" y="5808166"/>
             <a:ext cx="5249579" cy="369332"/>
@@ -4208,27 +4019,24 @@
           </a:bodyPr>
           <a:lstStyle/>
           <a:p>
-            <a:pPr algn="ctr"/>
-            <a:r>
-              <a:rPr lang="fr-FR" dirty="0"/>
+            <a:pPr algn="ctr">
+              <a:defRPr/>
+            </a:pPr>
+            <a:r>
+              <a:rPr lang="fr-FR"/>
               <a:t>Cliquer sur le bouton vert Code puis sur Download ZIP</a:t>
             </a:r>
-          </a:p>
-        </p:txBody>
-      </p:sp>
-      <p:sp>
-        <p:nvSpPr>
-          <p:cNvPr id="14" name="ZoneTexte 13">
-            <a:extLst>
-              <a:ext uri="{FF2B5EF4-FFF2-40B4-BE49-F238E27FC236}">
-                <a16:creationId xmlns:a16="http://schemas.microsoft.com/office/drawing/2014/main" id="{D7AAA7A9-7188-710B-910F-3B79EF17B71F}"/>
-              </a:ext>
-            </a:extLst>
-          </p:cNvPr>
+            <a:endParaRPr/>
+          </a:p>
+        </p:txBody>
+      </p:sp>
+      <p:sp>
+        <p:nvSpPr>
+          <p:cNvPr id="14" name="ZoneTexte 13"/>
           <p:cNvSpPr txBox="1"/>
           <p:nvPr/>
         </p:nvSpPr>
-        <p:spPr>
+        <p:spPr bwMode="auto">
           <a:xfrm>
             <a:off x="6407183" y="1471548"/>
             <a:ext cx="2695161" cy="369332"/>
@@ -4244,22 +4052,20 @@
           </a:bodyPr>
           <a:lstStyle/>
           <a:p>
-            <a:r>
-              <a:rPr lang="fr-FR" dirty="0"/>
+            <a:pPr>
+              <a:defRPr/>
+            </a:pPr>
+            <a:r>
+              <a:rPr lang="fr-FR"/>
               <a:t>Extraire les fichiers du ZIP :</a:t>
             </a:r>
+            <a:endParaRPr/>
           </a:p>
         </p:txBody>
       </p:sp>
       <p:pic>
         <p:nvPicPr>
-          <p:cNvPr id="23" name="Image 22">
-            <a:extLst>
-              <a:ext uri="{FF2B5EF4-FFF2-40B4-BE49-F238E27FC236}">
-                <a16:creationId xmlns:a16="http://schemas.microsoft.com/office/drawing/2014/main" id="{1137CDD8-E265-2867-00CA-8DE2D4940E84}"/>
-              </a:ext>
-            </a:extLst>
-          </p:cNvPr>
+          <p:cNvPr id="23" name="Image 22"/>
           <p:cNvPicPr>
             <a:picLocks noChangeAspect="1"/>
           </p:cNvPicPr>
@@ -4267,11 +4073,9 @@
         </p:nvPicPr>
         <p:blipFill>
           <a:blip r:embed="rId5"/>
-          <a:stretch>
-            <a:fillRect/>
-          </a:stretch>
+          <a:stretch/>
         </p:blipFill>
-        <p:spPr>
+        <p:spPr bwMode="auto">
           <a:xfrm>
             <a:off x="6495318" y="2038156"/>
             <a:ext cx="2991581" cy="1091927"/>
@@ -4288,17 +4092,11 @@
       </p:pic>
       <p:sp>
         <p:nvSpPr>
-          <p:cNvPr id="26" name="Rectangle 25">
-            <a:extLst>
-              <a:ext uri="{FF2B5EF4-FFF2-40B4-BE49-F238E27FC236}">
-                <a16:creationId xmlns:a16="http://schemas.microsoft.com/office/drawing/2014/main" id="{42E95AD2-0AD9-8F7E-04A2-7004E48AEAD7}"/>
-              </a:ext>
-            </a:extLst>
-          </p:cNvPr>
+          <p:cNvPr id="26" name="Rectangle 25"/>
           <p:cNvSpPr/>
           <p:nvPr/>
         </p:nvSpPr>
-        <p:spPr>
+        <p:spPr bwMode="auto">
           <a:xfrm>
             <a:off x="7281862" y="2931320"/>
             <a:ext cx="642935" cy="217814"/>
@@ -4333,24 +4131,20 @@
           <a:bodyPr rtlCol="0" anchor="ctr"/>
           <a:lstStyle/>
           <a:p>
-            <a:pPr algn="ctr"/>
-            <a:endParaRPr lang="fr-FR" dirty="0"/>
-          </a:p>
-        </p:txBody>
-      </p:sp>
-      <p:sp>
-        <p:nvSpPr>
-          <p:cNvPr id="35" name="ZoneTexte 34">
-            <a:extLst>
-              <a:ext uri="{FF2B5EF4-FFF2-40B4-BE49-F238E27FC236}">
-                <a16:creationId xmlns:a16="http://schemas.microsoft.com/office/drawing/2014/main" id="{0EE82A0D-C99B-1EE1-1068-FF5364080055}"/>
-              </a:ext>
-            </a:extLst>
-          </p:cNvPr>
+            <a:pPr algn="ctr">
+              <a:defRPr/>
+            </a:pPr>
+            <a:endParaRPr lang="fr-FR"/>
+          </a:p>
+        </p:txBody>
+      </p:sp>
+      <p:sp>
+        <p:nvSpPr>
+          <p:cNvPr id="35" name="ZoneTexte 34"/>
           <p:cNvSpPr txBox="1"/>
           <p:nvPr/>
         </p:nvSpPr>
-        <p:spPr>
+        <p:spPr bwMode="auto">
           <a:xfrm>
             <a:off x="9591672" y="4063237"/>
             <a:ext cx="2517449" cy="923330"/>
@@ -4366,27 +4160,24 @@
           </a:bodyPr>
           <a:lstStyle/>
           <a:p>
-            <a:pPr algn="just"/>
-            <a:r>
-              <a:rPr lang="fr-FR" dirty="0"/>
+            <a:pPr algn="just">
+              <a:defRPr/>
+            </a:pPr>
+            <a:r>
+              <a:rPr lang="fr-FR"/>
               <a:t>Choisissez où extraire les fichiers et appuyer sur le bouton extraire. </a:t>
             </a:r>
+            <a:endParaRPr/>
           </a:p>
         </p:txBody>
       </p:sp>
       <p:grpSp>
         <p:nvGrpSpPr>
-          <p:cNvPr id="39" name="Groupe 38">
-            <a:extLst>
-              <a:ext uri="{FF2B5EF4-FFF2-40B4-BE49-F238E27FC236}">
-                <a16:creationId xmlns:a16="http://schemas.microsoft.com/office/drawing/2014/main" id="{DD53F370-40A0-AD84-E4B0-E249D9D3F6CF}"/>
-              </a:ext>
-            </a:extLst>
-          </p:cNvPr>
+          <p:cNvPr id="39" name="Groupe 38"/>
           <p:cNvGrpSpPr/>
           <p:nvPr/>
         </p:nvGrpSpPr>
-        <p:grpSpPr>
+        <p:grpSpPr bwMode="auto">
           <a:xfrm>
             <a:off x="6495318" y="3354467"/>
             <a:ext cx="2991581" cy="2340870"/>
@@ -4396,13 +4187,7 @@
         </p:grpSpPr>
         <p:pic>
           <p:nvPicPr>
-            <p:cNvPr id="33" name="Image 32">
-              <a:extLst>
-                <a:ext uri="{FF2B5EF4-FFF2-40B4-BE49-F238E27FC236}">
-                  <a16:creationId xmlns:a16="http://schemas.microsoft.com/office/drawing/2014/main" id="{55E0AAF8-9B33-156C-2356-A47AB673FE1B}"/>
-                </a:ext>
-              </a:extLst>
-            </p:cNvPr>
+            <p:cNvPr id="33" name="Image 32"/>
             <p:cNvPicPr>
               <a:picLocks noChangeAspect="1"/>
             </p:cNvPicPr>
@@ -4410,11 +4195,9 @@
           </p:nvPicPr>
           <p:blipFill>
             <a:blip r:embed="rId6"/>
-            <a:stretch>
-              <a:fillRect/>
-            </a:stretch>
+            <a:stretch/>
           </p:blipFill>
-          <p:spPr>
+          <p:spPr bwMode="auto">
             <a:xfrm>
               <a:off x="6495318" y="3260185"/>
               <a:ext cx="2991581" cy="2340870"/>
@@ -4431,31 +4214,17 @@
         </p:pic>
         <p:pic>
           <p:nvPicPr>
-            <p:cNvPr id="34" name="Image 33">
-              <a:extLst>
-                <a:ext uri="{FF2B5EF4-FFF2-40B4-BE49-F238E27FC236}">
-                  <a16:creationId xmlns:a16="http://schemas.microsoft.com/office/drawing/2014/main" id="{0688ACDC-BADB-E2CC-9C9F-E4FA27431EFB}"/>
-                </a:ext>
-              </a:extLst>
-            </p:cNvPr>
+            <p:cNvPr id="34" name="Image 33"/>
             <p:cNvPicPr>
               <a:picLocks noChangeAspect="1"/>
             </p:cNvPicPr>
             <p:nvPr/>
           </p:nvPicPr>
           <p:blipFill>
-            <a:blip r:embed="rId4">
-              <a:extLst>
-                <a:ext uri="{28A0092B-C50C-407E-A947-70E740481C1C}">
-                  <a14:useLocalDpi xmlns:a14="http://schemas.microsoft.com/office/drawing/2010/main" val="0"/>
-                </a:ext>
-              </a:extLst>
-            </a:blip>
-            <a:stretch>
-              <a:fillRect/>
-            </a:stretch>
+            <a:blip r:embed="rId4"/>
+            <a:stretch/>
           </p:blipFill>
-          <p:spPr>
+          <p:spPr bwMode="auto">
             <a:xfrm rot="5400000">
               <a:off x="8538464" y="5356915"/>
               <a:ext cx="228080" cy="228080"/>
@@ -4470,19 +4239,13 @@
         </p:pic>
         <p:sp>
           <p:nvSpPr>
-            <p:cNvPr id="36" name="Rectangle 35">
-              <a:extLst>
-                <a:ext uri="{FF2B5EF4-FFF2-40B4-BE49-F238E27FC236}">
-                  <a16:creationId xmlns:a16="http://schemas.microsoft.com/office/drawing/2014/main" id="{43BF8ED3-9357-A567-69A3-EB3FCFF5374C}"/>
-                </a:ext>
-              </a:extLst>
-            </p:cNvPr>
+            <p:cNvPr id="36" name="Rectangle 35"/>
             <p:cNvSpPr/>
             <p:nvPr/>
           </p:nvSpPr>
-          <p:spPr>
+          <p:spPr bwMode="auto">
             <a:xfrm>
-              <a:off x="8858250" y="4190042"/>
+              <a:off x="8858250" y="4190041"/>
               <a:ext cx="426244" cy="184238"/>
             </a:xfrm>
             <a:prstGeom prst="rect">
@@ -4515,25 +4278,21 @@
             <a:bodyPr rtlCol="0" anchor="ctr"/>
             <a:lstStyle/>
             <a:p>
-              <a:pPr algn="ctr"/>
-              <a:endParaRPr lang="fr-FR" dirty="0"/>
+              <a:pPr algn="ctr">
+                <a:defRPr/>
+              </a:pPr>
+              <a:endParaRPr lang="fr-FR"/>
             </a:p>
           </p:txBody>
         </p:sp>
       </p:grpSp>
       <p:sp>
         <p:nvSpPr>
-          <p:cNvPr id="37" name="ZoneTexte 36">
-            <a:extLst>
-              <a:ext uri="{FF2B5EF4-FFF2-40B4-BE49-F238E27FC236}">
-                <a16:creationId xmlns:a16="http://schemas.microsoft.com/office/drawing/2014/main" id="{F459BE84-620B-2E7A-EDB7-C0CAFD143E56}"/>
-              </a:ext>
-            </a:extLst>
-          </p:cNvPr>
+          <p:cNvPr id="37" name="ZoneTexte 36"/>
           <p:cNvSpPr txBox="1"/>
           <p:nvPr/>
         </p:nvSpPr>
-        <p:spPr>
+        <p:spPr bwMode="auto">
           <a:xfrm>
             <a:off x="9591672" y="2260953"/>
             <a:ext cx="2517449" cy="646331"/>
@@ -4549,37 +4308,43 @@
           </a:bodyPr>
           <a:lstStyle/>
           <a:p>
-            <a:pPr algn="just"/>
-            <a:r>
-              <a:rPr lang="fr-FR" dirty="0"/>
+            <a:pPr algn="just">
+              <a:defRPr/>
+            </a:pPr>
+            <a:r>
+              <a:rPr lang="fr-FR"/>
               <a:t>Clic droit sur le dossier puis Extraire tout…</a:t>
             </a:r>
+            <a:endParaRPr/>
           </a:p>
         </p:txBody>
       </p:sp>
     </p:spTree>
-    <p:extLst>
-      <p:ext uri="{BB962C8B-B14F-4D97-AF65-F5344CB8AC3E}">
-        <p14:creationId xmlns:p14="http://schemas.microsoft.com/office/powerpoint/2010/main" val="378487392"/>
-      </p:ext>
-    </p:extLst>
   </p:cSld>
   <p:clrMapOvr>
     <a:masterClrMapping/>
   </p:clrMapOvr>
+  <mc:AlternateContent xmlns:mc="http://schemas.openxmlformats.org/markup-compatibility/2006">
+    <mc:Choice xmlns:p14="http://schemas.microsoft.com/office/powerpoint/2010/main" Requires="p14">
+      <p:transition p14:dur="2000" advClick="1"/>
+    </mc:Choice>
+    <mc:Fallback>
+      <p:transition advClick="1"/>
+    </mc:Fallback>
+  </mc:AlternateContent>
 </p:sld>
 </file>
 
 <file path=ppt/slides/slide4.xml><?xml version="1.0" encoding="utf-8"?>
-<p:sld xmlns:a="http://schemas.openxmlformats.org/drawingml/2006/main" xmlns:r="http://schemas.openxmlformats.org/officeDocument/2006/relationships" xmlns:p="http://schemas.openxmlformats.org/presentationml/2006/main">
-  <p:cSld>
+<p:sld xmlns:a="http://schemas.openxmlformats.org/drawingml/2006/main" xmlns:r="http://schemas.openxmlformats.org/officeDocument/2006/relationships" xmlns:p="http://schemas.openxmlformats.org/presentationml/2006/main" xmlns:m="http://schemas.openxmlformats.org/officeDocument/2006/math" xmlns:w="http://schemas.openxmlformats.org/wordprocessingml/2006/main" showMasterPhAnim="0" show="1">
+  <p:cSld name="">
     <p:spTree>
       <p:nvGrpSpPr>
         <p:cNvPr id="1" name=""/>
         <p:cNvGrpSpPr/>
         <p:nvPr/>
       </p:nvGrpSpPr>
-      <p:grpSpPr>
+      <p:grpSpPr bwMode="auto">
         <a:xfrm>
           <a:off x="0" y="0"/>
           <a:ext cx="0" cy="0"/>
@@ -4589,17 +4354,11 @@
       </p:grpSpPr>
       <p:sp>
         <p:nvSpPr>
-          <p:cNvPr id="9" name="ZoneTexte 8">
-            <a:extLst>
-              <a:ext uri="{FF2B5EF4-FFF2-40B4-BE49-F238E27FC236}">
-                <a16:creationId xmlns:a16="http://schemas.microsoft.com/office/drawing/2014/main" id="{BE7E9142-4CA7-3DD9-6675-22A589BF34F2}"/>
-              </a:ext>
-            </a:extLst>
-          </p:cNvPr>
+          <p:cNvPr id="9" name="ZoneTexte 8"/>
           <p:cNvSpPr txBox="1"/>
           <p:nvPr/>
         </p:nvSpPr>
-        <p:spPr>
+        <p:spPr bwMode="auto">
           <a:xfrm>
             <a:off x="504203" y="5705386"/>
             <a:ext cx="5040963" cy="646331"/>
@@ -4615,35 +4374,32 @@
           </a:bodyPr>
           <a:lstStyle/>
           <a:p>
-            <a:pPr algn="ctr"/>
-            <a:r>
-              <a:rPr lang="fr-FR" dirty="0"/>
+            <a:pPr algn="ctr">
+              <a:defRPr/>
+            </a:pPr>
+            <a:r>
+              <a:rPr lang="fr-FR"/>
               <a:t>Cliquer ici pour obtenir le chemin d’accès jusqu’au dossier « </a:t>
             </a:r>
             <a:r>
-              <a:rPr lang="fr-FR" dirty="0" err="1"/>
+              <a:rPr lang="fr-FR"/>
               <a:t>TWAV_splitter</a:t>
             </a:r>
             <a:r>
-              <a:rPr lang="fr-FR" dirty="0"/>
+              <a:rPr lang="fr-FR"/>
               <a:t>-main »</a:t>
             </a:r>
-          </a:p>
-        </p:txBody>
-      </p:sp>
-      <p:sp>
-        <p:nvSpPr>
-          <p:cNvPr id="14" name="ZoneTexte 13">
-            <a:extLst>
-              <a:ext uri="{FF2B5EF4-FFF2-40B4-BE49-F238E27FC236}">
-                <a16:creationId xmlns:a16="http://schemas.microsoft.com/office/drawing/2014/main" id="{CE621427-5222-37E0-522F-824E02C71150}"/>
-              </a:ext>
-            </a:extLst>
-          </p:cNvPr>
+            <a:endParaRPr/>
+          </a:p>
+        </p:txBody>
+      </p:sp>
+      <p:sp>
+        <p:nvSpPr>
+          <p:cNvPr id="14" name="ZoneTexte 13"/>
           <p:cNvSpPr txBox="1"/>
           <p:nvPr/>
         </p:nvSpPr>
-        <p:spPr>
+        <p:spPr bwMode="auto">
           <a:xfrm>
             <a:off x="6643261" y="5705385"/>
             <a:ext cx="5040963" cy="369332"/>
@@ -4659,27 +4415,24 @@
           </a:bodyPr>
           <a:lstStyle/>
           <a:p>
-            <a:pPr algn="ctr"/>
-            <a:r>
-              <a:rPr lang="fr-FR" dirty="0"/>
+            <a:pPr algn="ctr">
+              <a:defRPr/>
+            </a:pPr>
+            <a:r>
+              <a:rPr lang="fr-FR"/>
               <a:t>[Ctrl C] pour copier le chemin d’accès</a:t>
             </a:r>
-          </a:p>
-        </p:txBody>
-      </p:sp>
-      <p:sp>
-        <p:nvSpPr>
-          <p:cNvPr id="19" name="ZoneTexte 18">
-            <a:extLst>
-              <a:ext uri="{FF2B5EF4-FFF2-40B4-BE49-F238E27FC236}">
-                <a16:creationId xmlns:a16="http://schemas.microsoft.com/office/drawing/2014/main" id="{22F30263-2387-4D8E-859D-C5EBC4C33433}"/>
-              </a:ext>
-            </a:extLst>
-          </p:cNvPr>
+            <a:endParaRPr/>
+          </a:p>
+        </p:txBody>
+      </p:sp>
+      <p:sp>
+        <p:nvSpPr>
+          <p:cNvPr id="19" name="ZoneTexte 18"/>
           <p:cNvSpPr txBox="1"/>
           <p:nvPr/>
         </p:nvSpPr>
-        <p:spPr>
+        <p:spPr bwMode="auto">
           <a:xfrm>
             <a:off x="504203" y="688885"/>
             <a:ext cx="9005799" cy="461665"/>
@@ -4695,26 +4448,24 @@
           </a:bodyPr>
           <a:lstStyle/>
           <a:p>
-            <a:r>
-              <a:rPr lang="fr-FR" sz="2400" b="1" dirty="0"/>
+            <a:pPr>
+              <a:defRPr/>
+            </a:pPr>
+            <a:r>
+              <a:rPr lang="fr-FR" sz="2400" b="1"/>
               <a:t>2. Récupérer le chemin d’accès au répertoire de travail TWAV_splitter</a:t>
             </a:r>
-          </a:p>
-        </p:txBody>
-      </p:sp>
-      <p:sp>
-        <p:nvSpPr>
-          <p:cNvPr id="4" name="ZoneTexte 3">
-            <a:extLst>
-              <a:ext uri="{FF2B5EF4-FFF2-40B4-BE49-F238E27FC236}">
-                <a16:creationId xmlns:a16="http://schemas.microsoft.com/office/drawing/2014/main" id="{CAF4FCA3-4F91-29B5-FE12-7D4B46D90F1D}"/>
-              </a:ext>
-            </a:extLst>
-          </p:cNvPr>
+            <a:endParaRPr/>
+          </a:p>
+        </p:txBody>
+      </p:sp>
+      <p:sp>
+        <p:nvSpPr>
+          <p:cNvPr id="4" name="ZoneTexte 3"/>
           <p:cNvSpPr txBox="1"/>
           <p:nvPr/>
         </p:nvSpPr>
-        <p:spPr>
+        <p:spPr bwMode="auto">
           <a:xfrm>
             <a:off x="1938897" y="1659486"/>
             <a:ext cx="9745327" cy="923330"/>
@@ -4730,15 +4481,18 @@
           </a:bodyPr>
           <a:lstStyle/>
           <a:p>
-            <a:r>
-              <a:rPr lang="fr-FR" dirty="0"/>
+            <a:pPr>
+              <a:defRPr/>
+            </a:pPr>
+            <a:r>
+              <a:rPr lang="fr-FR"/>
               <a:t>Ouvrir le dossier « TWAV_splitter-main »</a:t>
             </a:r>
             <a:br>
-              <a:rPr lang="fr-FR" dirty="0"/>
+              <a:rPr lang="fr-FR"/>
             </a:br>
             <a:r>
-              <a:rPr lang="fr-FR" dirty="0">
+              <a:rPr lang="fr-FR">
                 <a:solidFill>
                   <a:schemeClr val="bg1">
                     <a:lumMod val="65000"/>
@@ -4747,18 +4501,13 @@
               </a:rPr>
               <a:t>Il se peut que l’extraction des fichiers ait créé un autre dossier du même nom qui contient le dossier « TWAV_splitter-main » ; ouvrez le dernier des deux pour voir tous les fichiers comme ci-dessous :</a:t>
             </a:r>
+            <a:endParaRPr/>
           </a:p>
         </p:txBody>
       </p:sp>
       <p:pic>
         <p:nvPicPr>
-          <p:cNvPr id="5" name="Image 4">
-            <a:extLst>
-              <a:ext uri="{FF2B5EF4-FFF2-40B4-BE49-F238E27FC236}">
-                <a16:creationId xmlns:a16="http://schemas.microsoft.com/office/drawing/2014/main" id="{EEB9CFEB-3864-DD99-E7FD-63BA774D48E5}"/>
-              </a:ext>
-            </a:extLst>
-          </p:cNvPr>
+          <p:cNvPr id="5" name="Image 4"/>
           <p:cNvPicPr>
             <a:picLocks noChangeAspect="1"/>
           </p:cNvPicPr>
@@ -4766,11 +4515,9 @@
         </p:nvPicPr>
         <p:blipFill>
           <a:blip r:embed="rId2"/>
-          <a:stretch>
-            <a:fillRect/>
-          </a:stretch>
+          <a:stretch/>
         </p:blipFill>
-        <p:spPr>
+        <p:spPr bwMode="auto">
           <a:xfrm>
             <a:off x="504203" y="1523004"/>
             <a:ext cx="1288941" cy="1302800"/>
@@ -4787,24 +4534,18 @@
       </p:pic>
       <p:pic>
         <p:nvPicPr>
-          <p:cNvPr id="7" name="Image 6">
-            <a:extLst>
-              <a:ext uri="{FF2B5EF4-FFF2-40B4-BE49-F238E27FC236}">
-                <a16:creationId xmlns:a16="http://schemas.microsoft.com/office/drawing/2014/main" id="{230B4DC0-CA2C-3ABB-4C60-DC85148A7908}"/>
-              </a:ext>
-            </a:extLst>
-          </p:cNvPr>
+          <p:cNvPr id="7" name="Image 6"/>
           <p:cNvPicPr>
             <a:picLocks noChangeAspect="1"/>
           </p:cNvPicPr>
           <p:nvPr/>
         </p:nvPicPr>
-        <p:blipFill rotWithShape="1">
+        <p:blipFill>
           <a:blip r:embed="rId3"/>
-          <a:srcRect b="342"/>
+          <a:srcRect l="0" t="0" r="0" b="341"/>
           <a:stretch/>
         </p:blipFill>
-        <p:spPr>
+        <p:spPr bwMode="auto">
           <a:xfrm>
             <a:off x="632229" y="3156725"/>
             <a:ext cx="4784909" cy="2337203"/>
@@ -4821,31 +4562,17 @@
       </p:pic>
       <p:pic>
         <p:nvPicPr>
-          <p:cNvPr id="10" name="Image 9">
-            <a:extLst>
-              <a:ext uri="{FF2B5EF4-FFF2-40B4-BE49-F238E27FC236}">
-                <a16:creationId xmlns:a16="http://schemas.microsoft.com/office/drawing/2014/main" id="{5FF28F05-B8D5-EC8A-2DA8-100270B09792}"/>
-              </a:ext>
-            </a:extLst>
-          </p:cNvPr>
+          <p:cNvPr id="10" name="Image 9"/>
           <p:cNvPicPr>
             <a:picLocks noChangeAspect="1"/>
           </p:cNvPicPr>
           <p:nvPr/>
         </p:nvPicPr>
         <p:blipFill>
-          <a:blip r:embed="rId4">
-            <a:extLst>
-              <a:ext uri="{28A0092B-C50C-407E-A947-70E740481C1C}">
-                <a14:useLocalDpi xmlns:a14="http://schemas.microsoft.com/office/drawing/2010/main" val="0"/>
-              </a:ext>
-            </a:extLst>
-          </a:blip>
-          <a:stretch>
-            <a:fillRect/>
-          </a:stretch>
+          <a:blip r:embed="rId4"/>
+          <a:stretch/>
         </p:blipFill>
-        <p:spPr>
+        <p:spPr bwMode="auto">
           <a:xfrm>
             <a:off x="1972234" y="3505039"/>
             <a:ext cx="280141" cy="280141"/>
@@ -4857,13 +4584,7 @@
       </p:pic>
       <p:pic>
         <p:nvPicPr>
-          <p:cNvPr id="15" name="Image 14">
-            <a:extLst>
-              <a:ext uri="{FF2B5EF4-FFF2-40B4-BE49-F238E27FC236}">
-                <a16:creationId xmlns:a16="http://schemas.microsoft.com/office/drawing/2014/main" id="{645764B6-E4B1-05B6-9A4D-AA84FCD4B751}"/>
-              </a:ext>
-            </a:extLst>
-          </p:cNvPr>
+          <p:cNvPr id="15" name="Image 14"/>
           <p:cNvPicPr>
             <a:picLocks noChangeAspect="1"/>
           </p:cNvPicPr>
@@ -4871,11 +4592,9 @@
         </p:nvPicPr>
         <p:blipFill>
           <a:blip r:embed="rId5"/>
-          <a:stretch>
-            <a:fillRect/>
-          </a:stretch>
+          <a:stretch/>
         </p:blipFill>
-        <p:spPr>
+        <p:spPr bwMode="auto">
           <a:xfrm>
             <a:off x="6774864" y="3156623"/>
             <a:ext cx="4784910" cy="2337305"/>
@@ -4891,28 +4610,31 @@
         </p:spPr>
       </p:pic>
     </p:spTree>
-    <p:extLst>
-      <p:ext uri="{BB962C8B-B14F-4D97-AF65-F5344CB8AC3E}">
-        <p14:creationId xmlns:p14="http://schemas.microsoft.com/office/powerpoint/2010/main" val="3132208709"/>
-      </p:ext>
-    </p:extLst>
   </p:cSld>
   <p:clrMapOvr>
     <a:masterClrMapping/>
   </p:clrMapOvr>
+  <mc:AlternateContent xmlns:mc="http://schemas.openxmlformats.org/markup-compatibility/2006">
+    <mc:Choice xmlns:p14="http://schemas.microsoft.com/office/powerpoint/2010/main" Requires="p14">
+      <p:transition p14:dur="2000" advClick="1"/>
+    </mc:Choice>
+    <mc:Fallback>
+      <p:transition advClick="1"/>
+    </mc:Fallback>
+  </mc:AlternateContent>
 </p:sld>
 </file>
 
 <file path=ppt/slides/slide5.xml><?xml version="1.0" encoding="utf-8"?>
-<p:sld xmlns:a="http://schemas.openxmlformats.org/drawingml/2006/main" xmlns:r="http://schemas.openxmlformats.org/officeDocument/2006/relationships" xmlns:p="http://schemas.openxmlformats.org/presentationml/2006/main">
-  <p:cSld>
+<p:sld xmlns:a="http://schemas.openxmlformats.org/drawingml/2006/main" xmlns:r="http://schemas.openxmlformats.org/officeDocument/2006/relationships" xmlns:p="http://schemas.openxmlformats.org/presentationml/2006/main" xmlns:m="http://schemas.openxmlformats.org/officeDocument/2006/math" xmlns:w="http://schemas.openxmlformats.org/wordprocessingml/2006/main" showMasterPhAnim="0" show="1">
+  <p:cSld name="">
     <p:spTree>
       <p:nvGrpSpPr>
         <p:cNvPr id="1" name=""/>
         <p:cNvGrpSpPr/>
         <p:nvPr/>
       </p:nvGrpSpPr>
-      <p:grpSpPr>
+      <p:grpSpPr bwMode="auto">
         <a:xfrm>
           <a:off x="0" y="0"/>
           <a:ext cx="0" cy="0"/>
@@ -4922,19 +4644,13 @@
       </p:grpSpPr>
       <p:sp>
         <p:nvSpPr>
-          <p:cNvPr id="4" name="ZoneTexte 3">
-            <a:extLst>
-              <a:ext uri="{FF2B5EF4-FFF2-40B4-BE49-F238E27FC236}">
-                <a16:creationId xmlns:a16="http://schemas.microsoft.com/office/drawing/2014/main" id="{F64181D5-3D5B-12A1-3772-AC7716CB8E58}"/>
-              </a:ext>
-            </a:extLst>
-          </p:cNvPr>
+          <p:cNvPr id="4" name="ZoneTexte 3"/>
           <p:cNvSpPr txBox="1"/>
           <p:nvPr/>
         </p:nvSpPr>
-        <p:spPr>
-          <a:xfrm>
-            <a:off x="504203" y="688886"/>
+        <p:spPr bwMode="auto">
+          <a:xfrm>
+            <a:off x="504203" y="688885"/>
             <a:ext cx="9960355" cy="461665"/>
           </a:xfrm>
           <a:prstGeom prst="rect">
@@ -4948,26 +4664,24 @@
           </a:bodyPr>
           <a:lstStyle/>
           <a:p>
-            <a:r>
-              <a:rPr lang="fr-FR" sz="2400" b="1" dirty="0"/>
+            <a:pPr>
+              <a:defRPr/>
+            </a:pPr>
+            <a:r>
+              <a:rPr lang="fr-FR" sz="2400" b="1"/>
               <a:t>3. Définir le chemin d’accès au répertoire de travail sur l’invite de commande</a:t>
             </a:r>
+            <a:endParaRPr/>
           </a:p>
         </p:txBody>
       </p:sp>
       <p:grpSp>
         <p:nvGrpSpPr>
-          <p:cNvPr id="12" name="Groupe 11">
-            <a:extLst>
-              <a:ext uri="{FF2B5EF4-FFF2-40B4-BE49-F238E27FC236}">
-                <a16:creationId xmlns:a16="http://schemas.microsoft.com/office/drawing/2014/main" id="{785C339C-C594-94BC-C36D-6973E1F77407}"/>
-              </a:ext>
-            </a:extLst>
-          </p:cNvPr>
+          <p:cNvPr id="12" name="Groupe 11"/>
           <p:cNvGrpSpPr/>
           <p:nvPr/>
         </p:nvGrpSpPr>
-        <p:grpSpPr>
+        <p:grpSpPr bwMode="auto">
           <a:xfrm>
             <a:off x="458839" y="1516491"/>
             <a:ext cx="4564287" cy="4194351"/>
@@ -4977,13 +4691,7 @@
         </p:grpSpPr>
         <p:pic>
           <p:nvPicPr>
-            <p:cNvPr id="9" name="Image 8">
-              <a:extLst>
-                <a:ext uri="{FF2B5EF4-FFF2-40B4-BE49-F238E27FC236}">
-                  <a16:creationId xmlns:a16="http://schemas.microsoft.com/office/drawing/2014/main" id="{3B0CDA2A-B9E1-6295-5F21-E98EBDE36D25}"/>
-                </a:ext>
-              </a:extLst>
-            </p:cNvPr>
+            <p:cNvPr id="9" name="Image 8"/>
             <p:cNvPicPr>
               <a:picLocks noChangeAspect="1"/>
             </p:cNvPicPr>
@@ -4991,11 +4699,9 @@
           </p:nvPicPr>
           <p:blipFill>
             <a:blip r:embed="rId2"/>
-            <a:stretch>
-              <a:fillRect/>
-            </a:stretch>
+            <a:stretch/>
           </p:blipFill>
-          <p:spPr>
+          <p:spPr bwMode="auto">
             <a:xfrm>
               <a:off x="390488" y="1712957"/>
               <a:ext cx="4771172" cy="4384467"/>
@@ -5012,17 +4718,11 @@
         </p:pic>
         <p:sp>
           <p:nvSpPr>
-            <p:cNvPr id="10" name="Rectangle 9">
-              <a:extLst>
-                <a:ext uri="{FF2B5EF4-FFF2-40B4-BE49-F238E27FC236}">
-                  <a16:creationId xmlns:a16="http://schemas.microsoft.com/office/drawing/2014/main" id="{D80F7624-F4DD-DCC3-77C5-207671929BE5}"/>
-                </a:ext>
-              </a:extLst>
-            </p:cNvPr>
+            <p:cNvPr id="10" name="Rectangle 9"/>
             <p:cNvSpPr/>
             <p:nvPr/>
           </p:nvSpPr>
-          <p:spPr>
+          <p:spPr bwMode="auto">
             <a:xfrm>
               <a:off x="654845" y="5886450"/>
               <a:ext cx="1550194" cy="210974"/>
@@ -5057,24 +4757,20 @@
             <a:bodyPr rtlCol="0" anchor="ctr"/>
             <a:lstStyle/>
             <a:p>
-              <a:pPr algn="ctr"/>
+              <a:pPr algn="ctr">
+                <a:defRPr/>
+              </a:pPr>
               <a:endParaRPr lang="fr-FR"/>
             </a:p>
           </p:txBody>
         </p:sp>
         <p:sp>
           <p:nvSpPr>
-            <p:cNvPr id="11" name="Ellipse 10">
-              <a:extLst>
-                <a:ext uri="{FF2B5EF4-FFF2-40B4-BE49-F238E27FC236}">
-                  <a16:creationId xmlns:a16="http://schemas.microsoft.com/office/drawing/2014/main" id="{C12C39CD-10A4-3ECB-1801-64206310CC50}"/>
-                </a:ext>
-              </a:extLst>
-            </p:cNvPr>
+            <p:cNvPr id="11" name="Ellipse 10"/>
             <p:cNvSpPr/>
             <p:nvPr/>
           </p:nvSpPr>
-          <p:spPr>
+          <p:spPr bwMode="auto">
             <a:xfrm>
               <a:off x="504203" y="3046276"/>
               <a:ext cx="1361562" cy="457200"/>
@@ -5109,28 +4805,24 @@
             <a:bodyPr rtlCol="0" anchor="ctr"/>
             <a:lstStyle/>
             <a:p>
-              <a:pPr algn="ctr"/>
-              <a:endParaRPr lang="fr-FR" dirty="0"/>
+              <a:pPr algn="ctr">
+                <a:defRPr/>
+              </a:pPr>
+              <a:endParaRPr lang="fr-FR"/>
             </a:p>
           </p:txBody>
         </p:sp>
       </p:grpSp>
       <p:sp>
         <p:nvSpPr>
-          <p:cNvPr id="13" name="ZoneTexte 12">
-            <a:extLst>
-              <a:ext uri="{FF2B5EF4-FFF2-40B4-BE49-F238E27FC236}">
-                <a16:creationId xmlns:a16="http://schemas.microsoft.com/office/drawing/2014/main" id="{ACD45E07-D5AE-4930-2C45-FDBC0C0C6BE0}"/>
-              </a:ext>
-            </a:extLst>
-          </p:cNvPr>
+          <p:cNvPr id="13" name="ZoneTexte 12"/>
           <p:cNvSpPr txBox="1"/>
           <p:nvPr/>
         </p:nvSpPr>
-        <p:spPr>
+        <p:spPr bwMode="auto">
           <a:xfrm>
             <a:off x="1267342" y="5799782"/>
-            <a:ext cx="2947282" cy="369332"/>
+            <a:ext cx="2947281" cy="369332"/>
           </a:xfrm>
           <a:prstGeom prst="rect">
             <a:avLst/>
@@ -5143,27 +4835,24 @@
           </a:bodyPr>
           <a:lstStyle/>
           <a:p>
-            <a:pPr algn="ctr"/>
-            <a:r>
-              <a:rPr lang="fr-FR" dirty="0"/>
+            <a:pPr algn="ctr">
+              <a:defRPr/>
+            </a:pPr>
+            <a:r>
+              <a:rPr lang="fr-FR"/>
               <a:t>Ouvrir l’invite de commandes</a:t>
             </a:r>
-          </a:p>
-        </p:txBody>
-      </p:sp>
-      <p:sp>
-        <p:nvSpPr>
-          <p:cNvPr id="17" name="ZoneTexte 16">
-            <a:extLst>
-              <a:ext uri="{FF2B5EF4-FFF2-40B4-BE49-F238E27FC236}">
-                <a16:creationId xmlns:a16="http://schemas.microsoft.com/office/drawing/2014/main" id="{F6534F37-B3BB-767D-3065-5AD69CCBDB43}"/>
-              </a:ext>
-            </a:extLst>
-          </p:cNvPr>
+            <a:endParaRPr/>
+          </a:p>
+        </p:txBody>
+      </p:sp>
+      <p:sp>
+        <p:nvSpPr>
+          <p:cNvPr id="17" name="ZoneTexte 16"/>
           <p:cNvSpPr txBox="1"/>
           <p:nvPr/>
         </p:nvSpPr>
-        <p:spPr>
+        <p:spPr bwMode="auto">
           <a:xfrm>
             <a:off x="5939538" y="3105834"/>
             <a:ext cx="5793621" cy="646331"/>
@@ -5179,27 +4868,24 @@
           </a:bodyPr>
           <a:lstStyle/>
           <a:p>
-            <a:pPr algn="ctr"/>
-            <a:r>
-              <a:rPr lang="fr-FR" dirty="0"/>
+            <a:pPr algn="ctr">
+              <a:defRPr/>
+            </a:pPr>
+            <a:r>
+              <a:rPr lang="fr-FR"/>
               <a:t>Écrire cd suivi d’un espace et du chemin d’accès [Ctrl V] puis appuyer sur la touche [Entrée] </a:t>
             </a:r>
-          </a:p>
-        </p:txBody>
-      </p:sp>
-      <p:sp>
-        <p:nvSpPr>
-          <p:cNvPr id="22" name="ZoneTexte 21">
-            <a:extLst>
-              <a:ext uri="{FF2B5EF4-FFF2-40B4-BE49-F238E27FC236}">
-                <a16:creationId xmlns:a16="http://schemas.microsoft.com/office/drawing/2014/main" id="{7D9FA73F-76F5-CE34-1BAE-7D1D2578C840}"/>
-              </a:ext>
-            </a:extLst>
-          </p:cNvPr>
+            <a:endParaRPr/>
+          </a:p>
+        </p:txBody>
+      </p:sp>
+      <p:sp>
+        <p:nvSpPr>
+          <p:cNvPr id="22" name="ZoneTexte 21"/>
           <p:cNvSpPr txBox="1"/>
           <p:nvPr/>
         </p:nvSpPr>
-        <p:spPr>
+        <p:spPr bwMode="auto">
           <a:xfrm>
             <a:off x="5939538" y="5476616"/>
             <a:ext cx="5793621" cy="646331"/>
@@ -5215,23 +4901,20 @@
           </a:bodyPr>
           <a:lstStyle/>
           <a:p>
-            <a:pPr algn="ctr"/>
-            <a:r>
-              <a:rPr lang="fr-FR" dirty="0"/>
+            <a:pPr algn="ctr">
+              <a:defRPr/>
+            </a:pPr>
+            <a:r>
+              <a:rPr lang="fr-FR"/>
               <a:t>« \TWAV_splitter-main&gt; » doit maintenant apparaître à la fin du chemin d’accès</a:t>
             </a:r>
+            <a:endParaRPr/>
           </a:p>
         </p:txBody>
       </p:sp>
       <p:pic>
         <p:nvPicPr>
-          <p:cNvPr id="7" name="Image 6">
-            <a:extLst>
-              <a:ext uri="{FF2B5EF4-FFF2-40B4-BE49-F238E27FC236}">
-                <a16:creationId xmlns:a16="http://schemas.microsoft.com/office/drawing/2014/main" id="{082C4A13-5AEB-80B8-415B-8632BC23CEAC}"/>
-              </a:ext>
-            </a:extLst>
-          </p:cNvPr>
+          <p:cNvPr id="7" name="Image 6"/>
           <p:cNvPicPr>
             <a:picLocks noChangeAspect="1"/>
           </p:cNvPicPr>
@@ -5239,11 +4922,9 @@
         </p:nvPicPr>
         <p:blipFill>
           <a:blip r:embed="rId3"/>
-          <a:stretch>
-            <a:fillRect/>
-          </a:stretch>
+          <a:stretch/>
         </p:blipFill>
-        <p:spPr>
+        <p:spPr bwMode="auto">
           <a:xfrm>
             <a:off x="5939538" y="1738175"/>
             <a:ext cx="5793622" cy="1290397"/>
@@ -5260,17 +4941,11 @@
       </p:pic>
       <p:sp>
         <p:nvSpPr>
-          <p:cNvPr id="8" name="Rectangle 7">
-            <a:extLst>
-              <a:ext uri="{FF2B5EF4-FFF2-40B4-BE49-F238E27FC236}">
-                <a16:creationId xmlns:a16="http://schemas.microsoft.com/office/drawing/2014/main" id="{F8D5BC9B-E7D7-B71B-D66D-864E3EA78EE0}"/>
-              </a:ext>
-            </a:extLst>
-          </p:cNvPr>
+          <p:cNvPr id="8" name="Rectangle 7"/>
           <p:cNvSpPr/>
           <p:nvPr/>
         </p:nvSpPr>
-        <p:spPr>
+        <p:spPr bwMode="auto">
           <a:xfrm>
             <a:off x="7434263" y="2391033"/>
             <a:ext cx="3698557" cy="201826"/>
@@ -5305,34 +4980,30 @@
           <a:bodyPr rtlCol="0" anchor="ctr"/>
           <a:lstStyle/>
           <a:p>
-            <a:pPr algn="ctr"/>
-            <a:endParaRPr lang="fr-FR" dirty="0"/>
+            <a:pPr algn="ctr">
+              <a:defRPr/>
+            </a:pPr>
+            <a:endParaRPr lang="fr-FR"/>
           </a:p>
         </p:txBody>
       </p:sp>
       <p:pic>
         <p:nvPicPr>
-          <p:cNvPr id="18" name="Image 17">
-            <a:extLst>
-              <a:ext uri="{FF2B5EF4-FFF2-40B4-BE49-F238E27FC236}">
-                <a16:creationId xmlns:a16="http://schemas.microsoft.com/office/drawing/2014/main" id="{D90C29F4-9898-A270-56D5-F143E2C53BDA}"/>
-              </a:ext>
-            </a:extLst>
-          </p:cNvPr>
+          <p:cNvPr id="18" name="Image 17"/>
           <p:cNvPicPr>
             <a:picLocks noChangeAspect="1"/>
           </p:cNvPicPr>
           <p:nvPr/>
         </p:nvPicPr>
-        <p:blipFill rotWithShape="1">
+        <p:blipFill>
           <a:blip r:embed="rId4"/>
-          <a:srcRect b="29711"/>
+          <a:srcRect l="0" t="0" r="0" b="29711"/>
           <a:stretch/>
         </p:blipFill>
-        <p:spPr>
+        <p:spPr bwMode="auto">
           <a:xfrm>
             <a:off x="5939845" y="4174656"/>
-            <a:ext cx="5793314" cy="1297628"/>
+            <a:ext cx="5793313" cy="1297628"/>
           </a:xfrm>
           <a:prstGeom prst="rect">
             <a:avLst/>
@@ -5346,17 +5017,11 @@
       </p:pic>
       <p:sp>
         <p:nvSpPr>
-          <p:cNvPr id="23" name="Rectangle 22">
-            <a:extLst>
-              <a:ext uri="{FF2B5EF4-FFF2-40B4-BE49-F238E27FC236}">
-                <a16:creationId xmlns:a16="http://schemas.microsoft.com/office/drawing/2014/main" id="{D4F0ED20-EFAD-2D6E-F818-05AFF1F0A950}"/>
-              </a:ext>
-            </a:extLst>
-          </p:cNvPr>
+          <p:cNvPr id="23" name="Rectangle 22"/>
           <p:cNvSpPr/>
           <p:nvPr/>
         </p:nvSpPr>
-        <p:spPr>
+        <p:spPr bwMode="auto">
           <a:xfrm>
             <a:off x="7961313" y="5123120"/>
             <a:ext cx="1468437" cy="201826"/>
@@ -5391,34 +5056,39 @@
           <a:bodyPr rtlCol="0" anchor="ctr"/>
           <a:lstStyle/>
           <a:p>
-            <a:pPr algn="ctr"/>
-            <a:endParaRPr lang="fr-FR" dirty="0"/>
+            <a:pPr algn="ctr">
+              <a:defRPr/>
+            </a:pPr>
+            <a:endParaRPr lang="fr-FR"/>
           </a:p>
         </p:txBody>
       </p:sp>
     </p:spTree>
-    <p:extLst>
-      <p:ext uri="{BB962C8B-B14F-4D97-AF65-F5344CB8AC3E}">
-        <p14:creationId xmlns:p14="http://schemas.microsoft.com/office/powerpoint/2010/main" val="2656967942"/>
-      </p:ext>
-    </p:extLst>
   </p:cSld>
   <p:clrMapOvr>
     <a:masterClrMapping/>
   </p:clrMapOvr>
+  <mc:AlternateContent xmlns:mc="http://schemas.openxmlformats.org/markup-compatibility/2006">
+    <mc:Choice xmlns:p14="http://schemas.microsoft.com/office/powerpoint/2010/main" Requires="p14">
+      <p:transition p14:dur="2000" advClick="1"/>
+    </mc:Choice>
+    <mc:Fallback>
+      <p:transition advClick="1"/>
+    </mc:Fallback>
+  </mc:AlternateContent>
 </p:sld>
 </file>
 
 <file path=ppt/slides/slide6.xml><?xml version="1.0" encoding="utf-8"?>
-<p:sld xmlns:a="http://schemas.openxmlformats.org/drawingml/2006/main" xmlns:r="http://schemas.openxmlformats.org/officeDocument/2006/relationships" xmlns:p="http://schemas.openxmlformats.org/presentationml/2006/main">
-  <p:cSld>
+<p:sld xmlns:a="http://schemas.openxmlformats.org/drawingml/2006/main" xmlns:r="http://schemas.openxmlformats.org/officeDocument/2006/relationships" xmlns:p="http://schemas.openxmlformats.org/presentationml/2006/main" xmlns:m="http://schemas.openxmlformats.org/officeDocument/2006/math" xmlns:w="http://schemas.openxmlformats.org/wordprocessingml/2006/main" showMasterPhAnim="0" show="1">
+  <p:cSld name="">
     <p:spTree>
       <p:nvGrpSpPr>
         <p:cNvPr id="1" name=""/>
         <p:cNvGrpSpPr/>
         <p:nvPr/>
       </p:nvGrpSpPr>
-      <p:grpSpPr>
+      <p:grpSpPr bwMode="auto">
         <a:xfrm>
           <a:off x="0" y="0"/>
           <a:ext cx="0" cy="0"/>
@@ -5428,20 +5098,14 @@
       </p:grpSpPr>
       <p:sp>
         <p:nvSpPr>
-          <p:cNvPr id="5" name="ZoneTexte 4">
-            <a:extLst>
-              <a:ext uri="{FF2B5EF4-FFF2-40B4-BE49-F238E27FC236}">
-                <a16:creationId xmlns:a16="http://schemas.microsoft.com/office/drawing/2014/main" id="{626AA162-95AD-CBC2-B5F0-1D3AB49269BB}"/>
-              </a:ext>
-            </a:extLst>
-          </p:cNvPr>
+          <p:cNvPr id="5" name="ZoneTexte 4"/>
           <p:cNvSpPr txBox="1"/>
           <p:nvPr/>
         </p:nvSpPr>
-        <p:spPr>
-          <a:xfrm>
-            <a:off x="504203" y="688885"/>
-            <a:ext cx="4579202" cy="461665"/>
+        <p:spPr bwMode="auto">
+          <a:xfrm>
+            <a:off x="504202" y="688884"/>
+            <a:ext cx="5776218" cy="457559"/>
           </a:xfrm>
           <a:prstGeom prst="rect">
             <a:avLst/>
@@ -5454,26 +5118,24 @@
           </a:bodyPr>
           <a:lstStyle/>
           <a:p>
-            <a:r>
-              <a:rPr lang="fr-FR" sz="2400" b="1" dirty="0"/>
-              <a:t>4. Exécuter le programme vigie.py </a:t>
-            </a:r>
-          </a:p>
-        </p:txBody>
-      </p:sp>
-      <p:sp>
-        <p:nvSpPr>
-          <p:cNvPr id="8" name="ZoneTexte 7">
-            <a:extLst>
-              <a:ext uri="{FF2B5EF4-FFF2-40B4-BE49-F238E27FC236}">
-                <a16:creationId xmlns:a16="http://schemas.microsoft.com/office/drawing/2014/main" id="{608F3690-D37A-7A77-C561-9551F30E17A3}"/>
-              </a:ext>
-            </a:extLst>
-          </p:cNvPr>
+            <a:pPr>
+              <a:defRPr/>
+            </a:pPr>
+            <a:r>
+              <a:rPr lang="fr-FR" sz="2400" b="1"/>
+              <a:t>4. Exécuter le programme TWAV_Splitter.py </a:t>
+            </a:r>
+            <a:endParaRPr/>
+          </a:p>
+        </p:txBody>
+      </p:sp>
+      <p:sp>
+        <p:nvSpPr>
+          <p:cNvPr id="8" name="ZoneTexte 7"/>
           <p:cNvSpPr txBox="1"/>
           <p:nvPr/>
         </p:nvSpPr>
-        <p:spPr>
+        <p:spPr bwMode="auto">
           <a:xfrm>
             <a:off x="-1" y="5063638"/>
             <a:ext cx="12191999" cy="1354217"/>
@@ -5489,24 +5151,26 @@
           </a:bodyPr>
           <a:lstStyle/>
           <a:p>
-            <a:pPr algn="ctr"/>
-            <a:r>
-              <a:rPr lang="fr-FR" dirty="0"/>
+            <a:pPr algn="ctr">
+              <a:defRPr/>
+            </a:pPr>
+            <a:r>
+              <a:rPr lang="fr-FR"/>
               <a:t>Écrire en respectant les espaces et les majuscules :</a:t>
             </a:r>
             <a:br>
-              <a:rPr lang="fr-FR" dirty="0"/>
+              <a:rPr lang="fr-FR"/>
             </a:br>
             <a:r>
-              <a:rPr lang="fr-FR" dirty="0"/>
+              <a:rPr lang="fr-FR"/>
               <a:t>TWAV_Splitter.py -i </a:t>
             </a:r>
             <a:r>
-              <a:rPr lang="fr-FR" b="1" dirty="0"/>
+              <a:rPr lang="fr-FR" b="1"/>
               <a:t>coller le chemin d’accès au </a:t>
             </a:r>
             <a:r>
-              <a:rPr lang="fr-FR" b="1" dirty="0">
+              <a:rPr lang="fr-FR" b="1">
                 <a:solidFill>
                   <a:srgbClr val="3E8E5B"/>
                 </a:solidFill>
@@ -5514,7 +5178,7 @@
               <a:t>dossier source</a:t>
             </a:r>
             <a:r>
-              <a:rPr lang="fr-FR" dirty="0">
+              <a:rPr lang="fr-FR">
                 <a:solidFill>
                   <a:srgbClr val="3E8E5B"/>
                 </a:solidFill>
@@ -5522,31 +5186,33 @@
               <a:t> </a:t>
             </a:r>
             <a:r>
-              <a:rPr lang="fr-FR" dirty="0"/>
+              <a:rPr lang="fr-FR"/>
               <a:t>-o </a:t>
             </a:r>
             <a:r>
-              <a:rPr lang="fr-FR" b="1" dirty="0"/>
+              <a:rPr lang="fr-FR" b="1"/>
               <a:t>coller le chemin d’accès au </a:t>
             </a:r>
             <a:r>
-              <a:rPr lang="fr-FR" b="1" dirty="0">
+              <a:rPr lang="fr-FR" b="1">
                 <a:solidFill>
                   <a:srgbClr val="3E8E5B"/>
                 </a:solidFill>
               </a:rPr>
               <a:t>dossier de sortie</a:t>
             </a:r>
-            <a:endParaRPr lang="fr-FR" dirty="0"/>
-          </a:p>
-          <a:p>
-            <a:pPr algn="ctr"/>
-            <a:r>
-              <a:rPr lang="fr-FR" sz="1200" dirty="0"/>
+            <a:endParaRPr lang="fr-FR"/>
+          </a:p>
+          <a:p>
+            <a:pPr algn="ctr">
+              <a:defRPr/>
+            </a:pPr>
+            <a:r>
+              <a:rPr lang="fr-FR" sz="1200"/>
               <a:t>(Pour récupérer les chemins d’accès aux dossiers T.Wav (</a:t>
             </a:r>
             <a:r>
-              <a:rPr lang="fr-FR" sz="1200" dirty="0">
+              <a:rPr lang="fr-FR" sz="1200">
                 <a:solidFill>
                   <a:srgbClr val="3E8E5B"/>
                 </a:solidFill>
@@ -5554,11 +5220,11 @@
               <a:t>source</a:t>
             </a:r>
             <a:r>
-              <a:rPr lang="fr-FR" sz="1200" dirty="0"/>
+              <a:rPr lang="fr-FR" sz="1200"/>
               <a:t>) et .Wav (</a:t>
             </a:r>
             <a:r>
-              <a:rPr lang="fr-FR" sz="1200" dirty="0">
+              <a:rPr lang="fr-FR" sz="1200">
                 <a:solidFill>
                   <a:srgbClr val="3E8E5B"/>
                 </a:solidFill>
@@ -5566,33 +5232,32 @@
               <a:t>de sortie</a:t>
             </a:r>
             <a:r>
-              <a:rPr lang="fr-FR" sz="1200" dirty="0"/>
+              <a:rPr lang="fr-FR" sz="1200"/>
               <a:t>), suivre la méthode vu à l’étape 1 : Ouvrir le dossier » cliquer » Copier [Ctrl C] » Coller [Ctrl V])</a:t>
             </a:r>
-          </a:p>
-          <a:p>
-            <a:pPr algn="ctr"/>
-            <a:endParaRPr lang="fr-FR" sz="1400" dirty="0"/>
-          </a:p>
-          <a:p>
-            <a:pPr algn="ctr"/>
-            <a:r>
-              <a:rPr lang="fr-FR" dirty="0"/>
+            <a:endParaRPr/>
+          </a:p>
+          <a:p>
+            <a:pPr algn="ctr">
+              <a:defRPr/>
+            </a:pPr>
+            <a:endParaRPr lang="fr-FR" sz="1400"/>
+          </a:p>
+          <a:p>
+            <a:pPr algn="ctr">
+              <a:defRPr/>
+            </a:pPr>
+            <a:r>
+              <a:rPr lang="fr-FR"/>
               <a:t>Continuer avec l’étape 5 ou exécuter le programme en appuyant sur la touche [Entrée]</a:t>
             </a:r>
-            <a:endParaRPr lang="fr-FR" b="1" dirty="0"/>
+            <a:endParaRPr lang="fr-FR" b="1"/>
           </a:p>
         </p:txBody>
       </p:sp>
       <p:pic>
         <p:nvPicPr>
-          <p:cNvPr id="3" name="Image 2">
-            <a:extLst>
-              <a:ext uri="{FF2B5EF4-FFF2-40B4-BE49-F238E27FC236}">
-                <a16:creationId xmlns:a16="http://schemas.microsoft.com/office/drawing/2014/main" id="{C56FE0C4-44C0-4D54-CF5C-B98755F281AA}"/>
-              </a:ext>
-            </a:extLst>
-          </p:cNvPr>
+          <p:cNvPr id="3" name="Image 2"/>
           <p:cNvPicPr>
             <a:picLocks noChangeAspect="1"/>
           </p:cNvPicPr>
@@ -5600,11 +5265,9 @@
         </p:nvPicPr>
         <p:blipFill>
           <a:blip r:embed="rId2"/>
-          <a:stretch>
-            <a:fillRect/>
-          </a:stretch>
+          <a:stretch/>
         </p:blipFill>
-        <p:spPr>
+        <p:spPr bwMode="auto">
           <a:xfrm>
             <a:off x="885099" y="1418953"/>
             <a:ext cx="10421802" cy="1894135"/>
@@ -5616,17 +5279,11 @@
       </p:pic>
       <p:sp>
         <p:nvSpPr>
-          <p:cNvPr id="6" name="Rectangle 5">
-            <a:extLst>
-              <a:ext uri="{FF2B5EF4-FFF2-40B4-BE49-F238E27FC236}">
-                <a16:creationId xmlns:a16="http://schemas.microsoft.com/office/drawing/2014/main" id="{A643D0C3-418F-6323-649A-102C801DA51B}"/>
-              </a:ext>
-            </a:extLst>
-          </p:cNvPr>
+          <p:cNvPr id="6" name="Rectangle 5"/>
           <p:cNvSpPr/>
           <p:nvPr/>
         </p:nvSpPr>
-        <p:spPr>
+        <p:spPr bwMode="auto">
           <a:xfrm>
             <a:off x="4002881" y="2281776"/>
             <a:ext cx="6703219" cy="201826"/>
@@ -5661,24 +5318,20 @@
           <a:bodyPr rtlCol="0" anchor="ctr"/>
           <a:lstStyle/>
           <a:p>
-            <a:pPr algn="ctr"/>
-            <a:endParaRPr lang="fr-FR" dirty="0"/>
-          </a:p>
-        </p:txBody>
-      </p:sp>
-      <p:sp>
-        <p:nvSpPr>
-          <p:cNvPr id="9" name="ZoneTexte 8">
-            <a:extLst>
-              <a:ext uri="{FF2B5EF4-FFF2-40B4-BE49-F238E27FC236}">
-                <a16:creationId xmlns:a16="http://schemas.microsoft.com/office/drawing/2014/main" id="{07DD5BAC-2620-C092-601F-A4385786692D}"/>
-              </a:ext>
-            </a:extLst>
-          </p:cNvPr>
+            <a:pPr algn="ctr">
+              <a:defRPr/>
+            </a:pPr>
+            <a:endParaRPr lang="fr-FR"/>
+          </a:p>
+        </p:txBody>
+      </p:sp>
+      <p:sp>
+        <p:nvSpPr>
+          <p:cNvPr id="9" name="ZoneTexte 8"/>
           <p:cNvSpPr txBox="1"/>
           <p:nvPr/>
         </p:nvSpPr>
-        <p:spPr>
+        <p:spPr bwMode="auto">
           <a:xfrm>
             <a:off x="885098" y="3259224"/>
             <a:ext cx="343364" cy="369332"/>
@@ -5694,22 +5347,20 @@
           </a:bodyPr>
           <a:lstStyle/>
           <a:p>
-            <a:r>
-              <a:rPr lang="fr-FR" dirty="0"/>
+            <a:pPr>
+              <a:defRPr/>
+            </a:pPr>
+            <a:r>
+              <a:rPr lang="fr-FR"/>
               <a:t>…</a:t>
             </a:r>
+            <a:endParaRPr/>
           </a:p>
         </p:txBody>
       </p:sp>
       <p:pic>
         <p:nvPicPr>
-          <p:cNvPr id="11" name="Image 10">
-            <a:extLst>
-              <a:ext uri="{FF2B5EF4-FFF2-40B4-BE49-F238E27FC236}">
-                <a16:creationId xmlns:a16="http://schemas.microsoft.com/office/drawing/2014/main" id="{CF2E08B2-742D-B1C6-391A-2546D3D24C86}"/>
-              </a:ext>
-            </a:extLst>
-          </p:cNvPr>
+          <p:cNvPr id="11" name="Image 10"/>
           <p:cNvPicPr>
             <a:picLocks noChangeAspect="1"/>
           </p:cNvPicPr>
@@ -5717,11 +5368,9 @@
         </p:nvPicPr>
         <p:blipFill>
           <a:blip r:embed="rId3"/>
-          <a:stretch>
-            <a:fillRect/>
-          </a:stretch>
+          <a:stretch/>
         </p:blipFill>
-        <p:spPr>
+        <p:spPr bwMode="auto">
           <a:xfrm>
             <a:off x="885098" y="3668086"/>
             <a:ext cx="10421803" cy="1040554"/>
@@ -5733,17 +5382,11 @@
       </p:pic>
       <p:sp>
         <p:nvSpPr>
-          <p:cNvPr id="12" name="Rectangle 11">
-            <a:extLst>
-              <a:ext uri="{FF2B5EF4-FFF2-40B4-BE49-F238E27FC236}">
-                <a16:creationId xmlns:a16="http://schemas.microsoft.com/office/drawing/2014/main" id="{67A62301-ADF7-6A22-9B66-BFBDA92B67DD}"/>
-              </a:ext>
-            </a:extLst>
-          </p:cNvPr>
+          <p:cNvPr id="12" name="Rectangle 11"/>
           <p:cNvSpPr/>
           <p:nvPr/>
         </p:nvSpPr>
-        <p:spPr>
+        <p:spPr bwMode="auto">
           <a:xfrm>
             <a:off x="885098" y="4217471"/>
             <a:ext cx="1061812" cy="201826"/>
@@ -5780,27 +5423,23 @@
           <a:bodyPr rtlCol="0" anchor="ctr"/>
           <a:lstStyle/>
           <a:p>
-            <a:pPr algn="ctr"/>
-            <a:endParaRPr lang="fr-FR" dirty="0"/>
-          </a:p>
-        </p:txBody>
-      </p:sp>
-      <p:sp>
-        <p:nvSpPr>
-          <p:cNvPr id="13" name="ZoneTexte 12">
-            <a:extLst>
-              <a:ext uri="{FF2B5EF4-FFF2-40B4-BE49-F238E27FC236}">
-                <a16:creationId xmlns:a16="http://schemas.microsoft.com/office/drawing/2014/main" id="{B6978C69-D1B5-0048-9E50-265C5570EC1D}"/>
-              </a:ext>
-            </a:extLst>
-          </p:cNvPr>
+            <a:pPr algn="ctr">
+              <a:defRPr/>
+            </a:pPr>
+            <a:endParaRPr lang="fr-FR"/>
+          </a:p>
+        </p:txBody>
+      </p:sp>
+      <p:sp>
+        <p:nvSpPr>
+          <p:cNvPr id="13" name="ZoneTexte 12"/>
           <p:cNvSpPr txBox="1"/>
           <p:nvPr/>
         </p:nvSpPr>
-        <p:spPr>
+        <p:spPr bwMode="auto">
           <a:xfrm>
             <a:off x="2026349" y="4133718"/>
-            <a:ext cx="3314818" cy="369332"/>
+            <a:ext cx="3314817" cy="369332"/>
           </a:xfrm>
           <a:prstGeom prst="rect">
             <a:avLst/>
@@ -5813,18 +5452,20 @@
           </a:bodyPr>
           <a:lstStyle/>
           <a:p>
-            <a:r>
-              <a:rPr lang="fr-FR" dirty="0">
+            <a:pPr>
+              <a:defRPr/>
+            </a:pPr>
+            <a:r>
+              <a:rPr lang="fr-FR">
                 <a:solidFill>
                   <a:schemeClr val="accent2">
                     <a:lumMod val="75000"/>
                   </a:schemeClr>
                 </a:solidFill>
-                <a:sym typeface="Wingdings" panose="05000000000000000000" pitchFamily="2" charset="2"/>
               </a:rPr>
               <a:t>durée d’exécution du programme</a:t>
             </a:r>
-            <a:endParaRPr lang="fr-FR" dirty="0">
+            <a:endParaRPr lang="fr-FR">
               <a:solidFill>
                 <a:schemeClr val="accent2">
                   <a:lumMod val="75000"/>
@@ -5835,28 +5476,31 @@
         </p:txBody>
       </p:sp>
     </p:spTree>
-    <p:extLst>
-      <p:ext uri="{BB962C8B-B14F-4D97-AF65-F5344CB8AC3E}">
-        <p14:creationId xmlns:p14="http://schemas.microsoft.com/office/powerpoint/2010/main" val="725568094"/>
-      </p:ext>
-    </p:extLst>
   </p:cSld>
   <p:clrMapOvr>
     <a:masterClrMapping/>
   </p:clrMapOvr>
+  <mc:AlternateContent xmlns:mc="http://schemas.openxmlformats.org/markup-compatibility/2006">
+    <mc:Choice xmlns:p14="http://schemas.microsoft.com/office/powerpoint/2010/main" Requires="p14">
+      <p:transition p14:dur="2000" advClick="1"/>
+    </mc:Choice>
+    <mc:Fallback>
+      <p:transition advClick="1"/>
+    </mc:Fallback>
+  </mc:AlternateContent>
 </p:sld>
 </file>
 
 <file path=ppt/slides/slide7.xml><?xml version="1.0" encoding="utf-8"?>
-<p:sld xmlns:a="http://schemas.openxmlformats.org/drawingml/2006/main" xmlns:r="http://schemas.openxmlformats.org/officeDocument/2006/relationships" xmlns:p="http://schemas.openxmlformats.org/presentationml/2006/main">
-  <p:cSld>
+<p:sld xmlns:a="http://schemas.openxmlformats.org/drawingml/2006/main" xmlns:r="http://schemas.openxmlformats.org/officeDocument/2006/relationships" xmlns:p="http://schemas.openxmlformats.org/presentationml/2006/main" xmlns:m="http://schemas.openxmlformats.org/officeDocument/2006/math" xmlns:w="http://schemas.openxmlformats.org/wordprocessingml/2006/main" showMasterPhAnim="0" show="1">
+  <p:cSld name="">
     <p:spTree>
       <p:nvGrpSpPr>
         <p:cNvPr id="1" name=""/>
         <p:cNvGrpSpPr/>
         <p:nvPr/>
       </p:nvGrpSpPr>
-      <p:grpSpPr>
+      <p:grpSpPr bwMode="auto">
         <a:xfrm>
           <a:off x="0" y="0"/>
           <a:ext cx="0" cy="0"/>
@@ -5866,13 +5510,7 @@
       </p:grpSpPr>
       <p:pic>
         <p:nvPicPr>
-          <p:cNvPr id="12" name="Image 11">
-            <a:extLst>
-              <a:ext uri="{FF2B5EF4-FFF2-40B4-BE49-F238E27FC236}">
-                <a16:creationId xmlns:a16="http://schemas.microsoft.com/office/drawing/2014/main" id="{08136B92-EF90-AFFB-4471-93D4CD157719}"/>
-              </a:ext>
-            </a:extLst>
-          </p:cNvPr>
+          <p:cNvPr id="12" name="Image 11"/>
           <p:cNvPicPr>
             <a:picLocks noChangeAspect="1"/>
           </p:cNvPicPr>
@@ -5880,11 +5518,9 @@
         </p:nvPicPr>
         <p:blipFill>
           <a:blip r:embed="rId2"/>
-          <a:stretch>
-            <a:fillRect/>
-          </a:stretch>
+          <a:stretch/>
         </p:blipFill>
-        <p:spPr>
+        <p:spPr bwMode="auto">
           <a:xfrm>
             <a:off x="358368" y="4807433"/>
             <a:ext cx="9717502" cy="1478415"/>
@@ -5896,17 +5532,11 @@
       </p:pic>
       <p:sp>
         <p:nvSpPr>
-          <p:cNvPr id="5" name="ZoneTexte 4">
-            <a:extLst>
-              <a:ext uri="{FF2B5EF4-FFF2-40B4-BE49-F238E27FC236}">
-                <a16:creationId xmlns:a16="http://schemas.microsoft.com/office/drawing/2014/main" id="{626AA162-95AD-CBC2-B5F0-1D3AB49269BB}"/>
-              </a:ext>
-            </a:extLst>
-          </p:cNvPr>
+          <p:cNvPr id="5" name="ZoneTexte 4"/>
           <p:cNvSpPr txBox="1"/>
           <p:nvPr/>
         </p:nvSpPr>
-        <p:spPr>
+        <p:spPr bwMode="auto">
           <a:xfrm>
             <a:off x="504203" y="688885"/>
             <a:ext cx="10923760" cy="461665"/>
@@ -5922,30 +5552,28 @@
           </a:bodyPr>
           <a:lstStyle/>
           <a:p>
-            <a:r>
-              <a:rPr lang="fr-FR" sz="2400" b="1" dirty="0"/>
+            <a:pPr>
+              <a:defRPr/>
+            </a:pPr>
+            <a:r>
+              <a:rPr lang="fr-FR" sz="2400" b="1"/>
               <a:t>5. Accélérer le traitement en précisant le nombre de processus simultanés </a:t>
             </a:r>
             <a:r>
-              <a:rPr lang="fr-FR" sz="2400" dirty="0"/>
+              <a:rPr lang="fr-FR" sz="2400"/>
               <a:t>(facultatif)</a:t>
             </a:r>
-          </a:p>
-        </p:txBody>
-      </p:sp>
-      <p:sp>
-        <p:nvSpPr>
-          <p:cNvPr id="4" name="ZoneTexte 3">
-            <a:extLst>
-              <a:ext uri="{FF2B5EF4-FFF2-40B4-BE49-F238E27FC236}">
-                <a16:creationId xmlns:a16="http://schemas.microsoft.com/office/drawing/2014/main" id="{DE5FDE47-91B8-F569-DA32-E98A8952B6EB}"/>
-              </a:ext>
-            </a:extLst>
-          </p:cNvPr>
+            <a:endParaRPr/>
+          </a:p>
+        </p:txBody>
+      </p:sp>
+      <p:sp>
+        <p:nvSpPr>
+          <p:cNvPr id="4" name="ZoneTexte 3"/>
           <p:cNvSpPr txBox="1"/>
           <p:nvPr/>
         </p:nvSpPr>
-        <p:spPr>
+        <p:spPr bwMode="auto">
           <a:xfrm>
             <a:off x="0" y="1150550"/>
             <a:ext cx="12191999" cy="923330"/>
@@ -5961,13 +5589,15 @@
           </a:bodyPr>
           <a:lstStyle/>
           <a:p>
-            <a:pPr algn="ctr"/>
-            <a:r>
-              <a:rPr lang="fr-FR" dirty="0"/>
+            <a:pPr algn="ctr">
+              <a:defRPr/>
+            </a:pPr>
+            <a:r>
+              <a:rPr lang="fr-FR"/>
               <a:t>Ajouter en respectant les espaces : </a:t>
             </a:r>
             <a:r>
-              <a:rPr lang="fr-FR" dirty="0">
+              <a:rPr lang="fr-FR">
                 <a:solidFill>
                   <a:schemeClr val="bg1">
                     <a:lumMod val="75000"/>
@@ -5977,11 +5607,11 @@
               <a:t>vigie.py -i dossier source -o dossier de sortie</a:t>
             </a:r>
             <a:r>
-              <a:rPr lang="fr-FR" dirty="0"/>
+              <a:rPr lang="fr-FR"/>
               <a:t> -n </a:t>
             </a:r>
             <a:r>
-              <a:rPr lang="fr-FR" b="1" dirty="0">
+              <a:rPr lang="fr-FR" b="1">
                 <a:solidFill>
                   <a:schemeClr val="accent2">
                     <a:lumMod val="75000"/>
@@ -5990,11 +5620,14 @@
               </a:rPr>
               <a:t>X</a:t>
             </a:r>
-          </a:p>
-          <a:p>
-            <a:pPr algn="ctr"/>
-            <a:r>
-              <a:rPr lang="fr-FR" b="1" dirty="0">
+            <a:endParaRPr/>
+          </a:p>
+          <a:p>
+            <a:pPr algn="ctr">
+              <a:defRPr/>
+            </a:pPr>
+            <a:r>
+              <a:rPr lang="fr-FR" b="1">
                 <a:solidFill>
                   <a:schemeClr val="accent2">
                     <a:lumMod val="75000"/>
@@ -6004,14 +5637,17 @@
               <a:t>X </a:t>
             </a:r>
             <a:r>
-              <a:rPr lang="fr-FR" dirty="0"/>
+              <a:rPr lang="fr-FR"/>
               <a:t>: un chiffre entier ; 2 est la valeur par défaut ; 6 semble bien fonctionner</a:t>
             </a:r>
-          </a:p>
-          <a:p>
-            <a:pPr algn="ctr"/>
-            <a:r>
-              <a:rPr lang="fr-FR" b="1" dirty="0">
+            <a:endParaRPr/>
+          </a:p>
+          <a:p>
+            <a:pPr algn="ctr">
+              <a:defRPr/>
+            </a:pPr>
+            <a:r>
+              <a:rPr lang="fr-FR" b="1">
                 <a:solidFill>
                   <a:schemeClr val="accent2">
                     <a:lumMod val="75000"/>
@@ -6021,10 +5657,10 @@
               <a:t>X</a:t>
             </a:r>
             <a:r>
-              <a:rPr lang="fr-FR" dirty="0"/>
+              <a:rPr lang="fr-FR"/>
               <a:t> est le nombre de fichiers T.Wav traité en même temps, vous pouvez le faire varier pour trouver ce qui fonctionne le mieux</a:t>
             </a:r>
-            <a:endParaRPr lang="fr-FR" b="1" dirty="0">
+            <a:endParaRPr lang="fr-FR" b="1">
               <a:solidFill>
                 <a:schemeClr val="accent2">
                   <a:lumMod val="75000"/>
@@ -6036,17 +5672,11 @@
       </p:sp>
       <p:sp>
         <p:nvSpPr>
-          <p:cNvPr id="19" name="ZoneTexte 18">
-            <a:extLst>
-              <a:ext uri="{FF2B5EF4-FFF2-40B4-BE49-F238E27FC236}">
-                <a16:creationId xmlns:a16="http://schemas.microsoft.com/office/drawing/2014/main" id="{9340EFF1-3B07-2E35-C9AD-8C4CD30F7A3E}"/>
-              </a:ext>
-            </a:extLst>
-          </p:cNvPr>
+          <p:cNvPr id="19" name="ZoneTexte 18"/>
           <p:cNvSpPr txBox="1"/>
           <p:nvPr/>
         </p:nvSpPr>
-        <p:spPr>
+        <p:spPr bwMode="auto">
           <a:xfrm>
             <a:off x="358368" y="2447013"/>
             <a:ext cx="2712024" cy="369332"/>
@@ -6062,26 +5692,24 @@
           </a:bodyPr>
           <a:lstStyle/>
           <a:p>
-            <a:r>
-              <a:rPr lang="fr-FR" dirty="0"/>
+            <a:pPr>
+              <a:defRPr/>
+            </a:pPr>
+            <a:r>
+              <a:rPr lang="fr-FR"/>
               <a:t>Par défaut, 36.8 secondes :</a:t>
             </a:r>
-          </a:p>
-        </p:txBody>
-      </p:sp>
-      <p:sp>
-        <p:nvSpPr>
-          <p:cNvPr id="22" name="ZoneTexte 21">
-            <a:extLst>
-              <a:ext uri="{FF2B5EF4-FFF2-40B4-BE49-F238E27FC236}">
-                <a16:creationId xmlns:a16="http://schemas.microsoft.com/office/drawing/2014/main" id="{401867B0-9988-4114-01FF-0006B71ABBD0}"/>
-              </a:ext>
-            </a:extLst>
-          </p:cNvPr>
+            <a:endParaRPr/>
+          </a:p>
+        </p:txBody>
+      </p:sp>
+      <p:sp>
+        <p:nvSpPr>
+          <p:cNvPr id="22" name="ZoneTexte 21"/>
           <p:cNvSpPr txBox="1"/>
           <p:nvPr/>
         </p:nvSpPr>
-        <p:spPr>
+        <p:spPr bwMode="auto">
           <a:xfrm>
             <a:off x="306883" y="3727733"/>
             <a:ext cx="343364" cy="369332"/>
@@ -6097,26 +5725,24 @@
           </a:bodyPr>
           <a:lstStyle/>
           <a:p>
-            <a:r>
-              <a:rPr lang="fr-FR" dirty="0"/>
+            <a:pPr>
+              <a:defRPr/>
+            </a:pPr>
+            <a:r>
+              <a:rPr lang="fr-FR"/>
               <a:t>…</a:t>
             </a:r>
-          </a:p>
-        </p:txBody>
-      </p:sp>
-      <p:sp>
-        <p:nvSpPr>
-          <p:cNvPr id="27" name="ZoneTexte 26">
-            <a:extLst>
-              <a:ext uri="{FF2B5EF4-FFF2-40B4-BE49-F238E27FC236}">
-                <a16:creationId xmlns:a16="http://schemas.microsoft.com/office/drawing/2014/main" id="{DF63F269-91D3-51CB-56CB-30FD60AB772C}"/>
-              </a:ext>
-            </a:extLst>
-          </p:cNvPr>
+            <a:endParaRPr/>
+          </a:p>
+        </p:txBody>
+      </p:sp>
+      <p:sp>
+        <p:nvSpPr>
+          <p:cNvPr id="27" name="ZoneTexte 26"/>
           <p:cNvSpPr txBox="1"/>
           <p:nvPr/>
         </p:nvSpPr>
-        <p:spPr>
+        <p:spPr bwMode="auto">
           <a:xfrm>
             <a:off x="306883" y="6193754"/>
             <a:ext cx="343364" cy="369332"/>
@@ -6132,26 +5758,24 @@
           </a:bodyPr>
           <a:lstStyle/>
           <a:p>
-            <a:r>
-              <a:rPr lang="fr-FR" dirty="0"/>
+            <a:pPr>
+              <a:defRPr/>
+            </a:pPr>
+            <a:r>
+              <a:rPr lang="fr-FR"/>
               <a:t>…</a:t>
             </a:r>
-          </a:p>
-        </p:txBody>
-      </p:sp>
-      <p:sp>
-        <p:nvSpPr>
-          <p:cNvPr id="30" name="ZoneTexte 29">
-            <a:extLst>
-              <a:ext uri="{FF2B5EF4-FFF2-40B4-BE49-F238E27FC236}">
-                <a16:creationId xmlns:a16="http://schemas.microsoft.com/office/drawing/2014/main" id="{6807A695-3458-0692-87FE-F7C815821061}"/>
-              </a:ext>
-            </a:extLst>
-          </p:cNvPr>
+            <a:endParaRPr/>
+          </a:p>
+        </p:txBody>
+      </p:sp>
+      <p:sp>
+        <p:nvSpPr>
+          <p:cNvPr id="30" name="ZoneTexte 29"/>
           <p:cNvSpPr txBox="1"/>
           <p:nvPr/>
         </p:nvSpPr>
-        <p:spPr>
+        <p:spPr bwMode="auto">
           <a:xfrm>
             <a:off x="358368" y="4430677"/>
             <a:ext cx="11798423" cy="369332"/>
@@ -6167,26 +5791,24 @@
           </a:bodyPr>
           <a:lstStyle/>
           <a:p>
-            <a:r>
-              <a:rPr lang="fr-FR" dirty="0"/>
+            <a:pPr>
+              <a:defRPr/>
+            </a:pPr>
+            <a:r>
+              <a:rPr lang="fr-FR"/>
               <a:t>Avec -n 6, on passe à 17.9 secondes soit plus de 2 fois plus rapide (peut être intéressant avec beaucoup de fichiers à traiter) </a:t>
             </a:r>
-          </a:p>
-        </p:txBody>
-      </p:sp>
-      <p:sp>
-        <p:nvSpPr>
-          <p:cNvPr id="32" name="Rectangle 31">
-            <a:extLst>
-              <a:ext uri="{FF2B5EF4-FFF2-40B4-BE49-F238E27FC236}">
-                <a16:creationId xmlns:a16="http://schemas.microsoft.com/office/drawing/2014/main" id="{ED4DAC33-86D3-0493-D07F-249E3649AD75}"/>
-              </a:ext>
-            </a:extLst>
-          </p:cNvPr>
+            <a:endParaRPr/>
+          </a:p>
+        </p:txBody>
+      </p:sp>
+      <p:sp>
+        <p:nvSpPr>
+          <p:cNvPr id="32" name="Rectangle 31"/>
           <p:cNvSpPr/>
           <p:nvPr/>
         </p:nvSpPr>
-        <p:spPr>
+        <p:spPr bwMode="auto">
           <a:xfrm>
             <a:off x="9628981" y="4798737"/>
             <a:ext cx="402432" cy="141085"/>
@@ -6221,26 +5843,22 @@
           <a:bodyPr rtlCol="0" anchor="ctr"/>
           <a:lstStyle/>
           <a:p>
-            <a:pPr algn="ctr"/>
-            <a:endParaRPr lang="fr-FR" dirty="0"/>
+            <a:pPr algn="ctr">
+              <a:defRPr/>
+            </a:pPr>
+            <a:endParaRPr lang="fr-FR"/>
           </a:p>
         </p:txBody>
       </p:sp>
       <p:cxnSp>
         <p:nvCxnSpPr>
-          <p:cNvPr id="36" name="Connecteur droit 35">
-            <a:extLst>
-              <a:ext uri="{FF2B5EF4-FFF2-40B4-BE49-F238E27FC236}">
-                <a16:creationId xmlns:a16="http://schemas.microsoft.com/office/drawing/2014/main" id="{5187AE8D-452C-557B-25B6-6A20C895FBA7}"/>
-              </a:ext>
-            </a:extLst>
-          </p:cNvPr>
+          <p:cNvPr id="36" name="Connecteur droit 35"/>
           <p:cNvCxnSpPr>
             <a:cxnSpLocks/>
           </p:cNvCxnSpPr>
           <p:nvPr/>
         </p:nvCxnSpPr>
-        <p:spPr>
+        <p:spPr bwMode="auto">
           <a:xfrm>
             <a:off x="7438232" y="5407033"/>
             <a:ext cx="0" cy="752475"/>
@@ -6273,17 +5891,11 @@
       </p:cxnSp>
       <p:sp>
         <p:nvSpPr>
-          <p:cNvPr id="37" name="ZoneTexte 36">
-            <a:extLst>
-              <a:ext uri="{FF2B5EF4-FFF2-40B4-BE49-F238E27FC236}">
-                <a16:creationId xmlns:a16="http://schemas.microsoft.com/office/drawing/2014/main" id="{0E8CBCBE-CD71-9069-5110-9891CC6BCCF1}"/>
-              </a:ext>
-            </a:extLst>
-          </p:cNvPr>
+          <p:cNvPr id="37" name="ZoneTexte 36"/>
           <p:cNvSpPr txBox="1"/>
           <p:nvPr/>
         </p:nvSpPr>
-        <p:spPr>
+        <p:spPr bwMode="auto">
           <a:xfrm>
             <a:off x="7438232" y="5598604"/>
             <a:ext cx="1794850" cy="369332"/>
@@ -6299,8 +5911,11 @@
           </a:bodyPr>
           <a:lstStyle/>
           <a:p>
-            <a:r>
-              <a:rPr lang="fr-FR" dirty="0">
+            <a:pPr>
+              <a:defRPr/>
+            </a:pPr>
+            <a:r>
+              <a:rPr lang="fr-FR">
                 <a:solidFill>
                   <a:schemeClr val="accent2">
                     <a:lumMod val="75000"/>
@@ -6309,29 +5924,24 @@
               </a:rPr>
               <a:t>6 fichiers à la fois</a:t>
             </a:r>
+            <a:endParaRPr/>
           </a:p>
         </p:txBody>
       </p:sp>
       <p:pic>
         <p:nvPicPr>
-          <p:cNvPr id="3" name="Image 2">
-            <a:extLst>
-              <a:ext uri="{FF2B5EF4-FFF2-40B4-BE49-F238E27FC236}">
-                <a16:creationId xmlns:a16="http://schemas.microsoft.com/office/drawing/2014/main" id="{62D32E2A-0B53-8B07-41F5-65D431A704E4}"/>
-              </a:ext>
-            </a:extLst>
-          </p:cNvPr>
+          <p:cNvPr id="3" name="Image 2"/>
           <p:cNvPicPr>
             <a:picLocks noChangeAspect="1"/>
           </p:cNvPicPr>
           <p:nvPr/>
         </p:nvPicPr>
-        <p:blipFill rotWithShape="1">
+        <p:blipFill>
           <a:blip r:embed="rId3"/>
-          <a:srcRect t="42648" r="5353"/>
+          <a:srcRect l="0" t="42648" r="5352" b="0"/>
           <a:stretch/>
         </p:blipFill>
-        <p:spPr>
+        <p:spPr bwMode="auto">
           <a:xfrm>
             <a:off x="358368" y="2811891"/>
             <a:ext cx="9517827" cy="1079700"/>
@@ -6343,19 +5953,13 @@
       </p:pic>
       <p:cxnSp>
         <p:nvCxnSpPr>
-          <p:cNvPr id="7" name="Connecteur droit 6">
-            <a:extLst>
-              <a:ext uri="{FF2B5EF4-FFF2-40B4-BE49-F238E27FC236}">
-                <a16:creationId xmlns:a16="http://schemas.microsoft.com/office/drawing/2014/main" id="{9410EAD6-CCF7-D889-EA4C-EDF3C61A93C1}"/>
-              </a:ext>
-            </a:extLst>
-          </p:cNvPr>
+          <p:cNvPr id="7" name="Connecteur droit 6"/>
           <p:cNvCxnSpPr>
             <a:cxnSpLocks/>
           </p:cNvCxnSpPr>
           <p:nvPr/>
         </p:nvCxnSpPr>
-        <p:spPr>
+        <p:spPr bwMode="auto">
           <a:xfrm>
             <a:off x="7591425" y="3506779"/>
             <a:ext cx="0" cy="222533"/>
@@ -6388,17 +5992,11 @@
       </p:cxnSp>
       <p:sp>
         <p:nvSpPr>
-          <p:cNvPr id="8" name="ZoneTexte 7">
-            <a:extLst>
-              <a:ext uri="{FF2B5EF4-FFF2-40B4-BE49-F238E27FC236}">
-                <a16:creationId xmlns:a16="http://schemas.microsoft.com/office/drawing/2014/main" id="{2E358E8B-1917-6827-028A-27D3C5BB6A43}"/>
-              </a:ext>
-            </a:extLst>
-          </p:cNvPr>
+          <p:cNvPr id="8" name="ZoneTexte 7"/>
           <p:cNvSpPr txBox="1"/>
           <p:nvPr/>
         </p:nvSpPr>
-        <p:spPr>
+        <p:spPr bwMode="auto">
           <a:xfrm>
             <a:off x="7591425" y="3433379"/>
             <a:ext cx="1794850" cy="369332"/>
@@ -6414,8 +6012,11 @@
           </a:bodyPr>
           <a:lstStyle/>
           <a:p>
-            <a:r>
-              <a:rPr lang="fr-FR" dirty="0">
+            <a:pPr>
+              <a:defRPr/>
+            </a:pPr>
+            <a:r>
+              <a:rPr lang="fr-FR">
                 <a:solidFill>
                   <a:schemeClr val="accent2">
                     <a:lumMod val="75000"/>
@@ -6424,29 +6025,24 @@
               </a:rPr>
               <a:t>2 fichiers à la fois</a:t>
             </a:r>
+            <a:endParaRPr/>
           </a:p>
         </p:txBody>
       </p:sp>
       <p:pic>
         <p:nvPicPr>
-          <p:cNvPr id="10" name="Image 9">
-            <a:extLst>
-              <a:ext uri="{FF2B5EF4-FFF2-40B4-BE49-F238E27FC236}">
-                <a16:creationId xmlns:a16="http://schemas.microsoft.com/office/drawing/2014/main" id="{F7AF649B-24F9-A660-2526-8E0EEE281B4C}"/>
-              </a:ext>
-            </a:extLst>
-          </p:cNvPr>
+          <p:cNvPr id="10" name="Image 9"/>
           <p:cNvPicPr>
             <a:picLocks noChangeAspect="1"/>
           </p:cNvPicPr>
           <p:nvPr/>
         </p:nvPicPr>
-        <p:blipFill rotWithShape="1">
+        <p:blipFill>
           <a:blip r:embed="rId4"/>
-          <a:srcRect l="756"/>
+          <a:srcRect l="756" t="0" r="0" b="0"/>
           <a:stretch/>
         </p:blipFill>
-        <p:spPr>
+        <p:spPr bwMode="auto">
           <a:xfrm>
             <a:off x="358368" y="4043009"/>
             <a:ext cx="1125060" cy="200053"/>
@@ -6463,13 +6059,7 @@
       </p:pic>
       <p:pic>
         <p:nvPicPr>
-          <p:cNvPr id="14" name="Image 13">
-            <a:extLst>
-              <a:ext uri="{FF2B5EF4-FFF2-40B4-BE49-F238E27FC236}">
-                <a16:creationId xmlns:a16="http://schemas.microsoft.com/office/drawing/2014/main" id="{6FCD21E3-A56B-4187-9D0F-740548D05B93}"/>
-              </a:ext>
-            </a:extLst>
-          </p:cNvPr>
+          <p:cNvPr id="14" name="Image 13"/>
           <p:cNvPicPr>
             <a:picLocks noChangeAspect="1"/>
           </p:cNvPicPr>
@@ -6477,11 +6067,9 @@
         </p:nvPicPr>
         <p:blipFill>
           <a:blip r:embed="rId5"/>
-          <a:stretch>
-            <a:fillRect/>
-          </a:stretch>
+          <a:stretch/>
         </p:blipFill>
-        <p:spPr>
+        <p:spPr bwMode="auto">
           <a:xfrm>
             <a:off x="358368" y="6563086"/>
             <a:ext cx="1133633" cy="181000"/>
@@ -6497,28 +6085,31 @@
         </p:spPr>
       </p:pic>
     </p:spTree>
-    <p:extLst>
-      <p:ext uri="{BB962C8B-B14F-4D97-AF65-F5344CB8AC3E}">
-        <p14:creationId xmlns:p14="http://schemas.microsoft.com/office/powerpoint/2010/main" val="4004182174"/>
-      </p:ext>
-    </p:extLst>
   </p:cSld>
   <p:clrMapOvr>
     <a:masterClrMapping/>
   </p:clrMapOvr>
+  <mc:AlternateContent xmlns:mc="http://schemas.openxmlformats.org/markup-compatibility/2006">
+    <mc:Choice xmlns:p14="http://schemas.microsoft.com/office/powerpoint/2010/main" Requires="p14">
+      <p:transition p14:dur="2000" advClick="1"/>
+    </mc:Choice>
+    <mc:Fallback>
+      <p:transition advClick="1"/>
+    </mc:Fallback>
+  </mc:AlternateContent>
 </p:sld>
 </file>
 
 <file path=ppt/slides/slide8.xml><?xml version="1.0" encoding="utf-8"?>
-<p:sld xmlns:a="http://schemas.openxmlformats.org/drawingml/2006/main" xmlns:r="http://schemas.openxmlformats.org/officeDocument/2006/relationships" xmlns:p="http://schemas.openxmlformats.org/presentationml/2006/main">
-  <p:cSld>
+<p:sld xmlns:a="http://schemas.openxmlformats.org/drawingml/2006/main" xmlns:r="http://schemas.openxmlformats.org/officeDocument/2006/relationships" xmlns:p="http://schemas.openxmlformats.org/presentationml/2006/main" xmlns:m="http://schemas.openxmlformats.org/officeDocument/2006/math" xmlns:w="http://schemas.openxmlformats.org/wordprocessingml/2006/main" showMasterPhAnim="0" show="1">
+  <p:cSld name="">
     <p:spTree>
       <p:nvGrpSpPr>
         <p:cNvPr id="1" name=""/>
         <p:cNvGrpSpPr/>
         <p:nvPr/>
       </p:nvGrpSpPr>
-      <p:grpSpPr>
+      <p:grpSpPr bwMode="auto">
         <a:xfrm>
           <a:off x="0" y="0"/>
           <a:ext cx="0" cy="0"/>
@@ -6528,17 +6119,11 @@
       </p:grpSpPr>
       <p:sp>
         <p:nvSpPr>
-          <p:cNvPr id="8" name="ZoneTexte 7">
-            <a:extLst>
-              <a:ext uri="{FF2B5EF4-FFF2-40B4-BE49-F238E27FC236}">
-                <a16:creationId xmlns:a16="http://schemas.microsoft.com/office/drawing/2014/main" id="{2185369E-C3EF-995E-92BF-27B317986014}"/>
-              </a:ext>
-            </a:extLst>
-          </p:cNvPr>
+          <p:cNvPr id="8" name="ZoneTexte 7"/>
           <p:cNvSpPr txBox="1"/>
           <p:nvPr/>
         </p:nvSpPr>
-        <p:spPr>
+        <p:spPr bwMode="auto">
           <a:xfrm>
             <a:off x="504203" y="688885"/>
             <a:ext cx="6150595" cy="461665"/>
@@ -6554,31 +6139,28 @@
           </a:bodyPr>
           <a:lstStyle/>
           <a:p>
-            <a:r>
-              <a:rPr lang="fr-FR" sz="2400" b="1" dirty="0"/>
+            <a:pPr>
+              <a:defRPr/>
+            </a:pPr>
+            <a:r>
+              <a:rPr lang="fr-FR" sz="2400" b="1"/>
               <a:t>Modifier les paramètres de découpe des </a:t>
             </a:r>
             <a:r>
-              <a:rPr lang="fr-FR" sz="2400" b="1" dirty="0" err="1"/>
+              <a:rPr lang="fr-FR" sz="2400" b="1"/>
               <a:t>T.Wav</a:t>
             </a:r>
-            <a:endParaRPr lang="fr-FR" sz="2400" dirty="0"/>
-          </a:p>
-        </p:txBody>
-      </p:sp>
-      <p:sp>
-        <p:nvSpPr>
-          <p:cNvPr id="9" name="ZoneTexte 8">
-            <a:extLst>
-              <a:ext uri="{FF2B5EF4-FFF2-40B4-BE49-F238E27FC236}">
-                <a16:creationId xmlns:a16="http://schemas.microsoft.com/office/drawing/2014/main" id="{117D58CE-554E-A868-EC00-03ED41E053FE}"/>
-              </a:ext>
-            </a:extLst>
-          </p:cNvPr>
+            <a:endParaRPr lang="fr-FR" sz="2400"/>
+          </a:p>
+        </p:txBody>
+      </p:sp>
+      <p:sp>
+        <p:nvSpPr>
+          <p:cNvPr id="9" name="ZoneTexte 8"/>
           <p:cNvSpPr txBox="1"/>
           <p:nvPr/>
         </p:nvSpPr>
-        <p:spPr>
+        <p:spPr bwMode="auto">
           <a:xfrm>
             <a:off x="504203" y="1150550"/>
             <a:ext cx="8401724" cy="646331"/>
@@ -6594,8 +6176,11 @@
           </a:bodyPr>
           <a:lstStyle/>
           <a:p>
-            <a:r>
-              <a:rPr lang="fr-FR" dirty="0">
+            <a:pPr>
+              <a:defRPr/>
+            </a:pPr>
+            <a:r>
+              <a:rPr lang="fr-FR">
                 <a:solidFill>
                   <a:srgbClr val="FF0000"/>
                 </a:solidFill>
@@ -6603,7 +6188,7 @@
               <a:t>Attention, à ne </a:t>
             </a:r>
             <a:r>
-              <a:rPr lang="fr-FR" b="1" dirty="0">
+              <a:rPr lang="fr-FR" b="1">
                 <a:solidFill>
                   <a:srgbClr val="FF0000"/>
                 </a:solidFill>
@@ -6611,7 +6196,7 @@
               <a:t>PAS</a:t>
             </a:r>
             <a:r>
-              <a:rPr lang="fr-FR" dirty="0">
+              <a:rPr lang="fr-FR">
                 <a:solidFill>
                   <a:srgbClr val="FF0000"/>
                 </a:solidFill>
@@ -6619,44 +6204,42 @@
               <a:t> faire si vous souhaiter déposer vos données sur le portail Vigie-</a:t>
             </a:r>
             <a:r>
-              <a:rPr lang="fr-FR" dirty="0" err="1">
+              <a:rPr lang="fr-FR">
                 <a:solidFill>
                   <a:srgbClr val="FF0000"/>
                 </a:solidFill>
               </a:rPr>
               <a:t>Chrio</a:t>
             </a:r>
-            <a:endParaRPr lang="fr-FR" dirty="0">
+            <a:endParaRPr lang="fr-FR">
               <a:solidFill>
                 <a:srgbClr val="FF0000"/>
               </a:solidFill>
             </a:endParaRPr>
           </a:p>
           <a:p>
-            <a:r>
-              <a:rPr lang="fr-FR" dirty="0">
+            <a:pPr>
+              <a:defRPr/>
+            </a:pPr>
+            <a:r>
+              <a:rPr lang="fr-FR">
                 <a:solidFill>
                   <a:srgbClr val="FF0000"/>
                 </a:solidFill>
               </a:rPr>
               <a:t>Par défaut les paramètres sont réglés selon la norme Vigie-Chiro comme ci-dessous :</a:t>
             </a:r>
+            <a:endParaRPr/>
           </a:p>
         </p:txBody>
       </p:sp>
       <p:grpSp>
         <p:nvGrpSpPr>
-          <p:cNvPr id="11" name="Groupe 10">
-            <a:extLst>
-              <a:ext uri="{FF2B5EF4-FFF2-40B4-BE49-F238E27FC236}">
-                <a16:creationId xmlns:a16="http://schemas.microsoft.com/office/drawing/2014/main" id="{0735F877-C30F-9F21-5B4C-6D2EAB397DA7}"/>
-              </a:ext>
-            </a:extLst>
-          </p:cNvPr>
+          <p:cNvPr id="11" name="Groupe 10"/>
           <p:cNvGrpSpPr/>
           <p:nvPr/>
         </p:nvGrpSpPr>
-        <p:grpSpPr>
+        <p:grpSpPr bwMode="auto">
           <a:xfrm>
             <a:off x="504202" y="2020765"/>
             <a:ext cx="3959297" cy="4541960"/>
@@ -6666,13 +6249,7 @@
         </p:grpSpPr>
         <p:pic>
           <p:nvPicPr>
-            <p:cNvPr id="12" name="Image 11">
-              <a:extLst>
-                <a:ext uri="{FF2B5EF4-FFF2-40B4-BE49-F238E27FC236}">
-                  <a16:creationId xmlns:a16="http://schemas.microsoft.com/office/drawing/2014/main" id="{B7441E09-7293-0CD1-FEDA-E80804D2A410}"/>
-                </a:ext>
-              </a:extLst>
-            </p:cNvPr>
+            <p:cNvPr id="12" name="Image 11"/>
             <p:cNvPicPr>
               <a:picLocks noChangeAspect="1"/>
             </p:cNvPicPr>
@@ -6680,11 +6257,9 @@
           </p:nvPicPr>
           <p:blipFill>
             <a:blip r:embed="rId2"/>
-            <a:stretch>
-              <a:fillRect/>
-            </a:stretch>
+            <a:stretch/>
           </p:blipFill>
-          <p:spPr>
+          <p:spPr bwMode="auto">
             <a:xfrm>
               <a:off x="5876925" y="507205"/>
               <a:ext cx="5113626" cy="5866163"/>
@@ -6701,17 +6276,11 @@
         </p:pic>
         <p:sp>
           <p:nvSpPr>
-            <p:cNvPr id="13" name="Ellipse 12">
-              <a:extLst>
-                <a:ext uri="{FF2B5EF4-FFF2-40B4-BE49-F238E27FC236}">
-                  <a16:creationId xmlns:a16="http://schemas.microsoft.com/office/drawing/2014/main" id="{B795E34C-E68C-BCB5-8C32-75EDD34DB83E}"/>
-                </a:ext>
-              </a:extLst>
-            </p:cNvPr>
+            <p:cNvPr id="13" name="Ellipse 12"/>
             <p:cNvSpPr/>
             <p:nvPr/>
           </p:nvSpPr>
-          <p:spPr>
+          <p:spPr bwMode="auto">
             <a:xfrm>
               <a:off x="9207374" y="905346"/>
               <a:ext cx="977775" cy="298765"/>
@@ -6746,24 +6315,20 @@
             <a:bodyPr rtlCol="0" anchor="ctr"/>
             <a:lstStyle/>
             <a:p>
-              <a:pPr algn="ctr"/>
-              <a:endParaRPr lang="fr-FR" dirty="0"/>
+              <a:pPr algn="ctr">
+                <a:defRPr/>
+              </a:pPr>
+              <a:endParaRPr lang="fr-FR"/>
             </a:p>
           </p:txBody>
         </p:sp>
         <p:sp>
           <p:nvSpPr>
-            <p:cNvPr id="14" name="Ellipse 13">
-              <a:extLst>
-                <a:ext uri="{FF2B5EF4-FFF2-40B4-BE49-F238E27FC236}">
-                  <a16:creationId xmlns:a16="http://schemas.microsoft.com/office/drawing/2014/main" id="{3D4D3110-64FC-3D87-7C5F-D26E38EC9DF5}"/>
-                </a:ext>
-              </a:extLst>
-            </p:cNvPr>
+            <p:cNvPr id="14" name="Ellipse 13"/>
             <p:cNvSpPr/>
             <p:nvPr/>
           </p:nvSpPr>
-          <p:spPr>
+          <p:spPr bwMode="auto">
             <a:xfrm>
               <a:off x="7849355" y="1584356"/>
               <a:ext cx="371192" cy="588475"/>
@@ -6798,24 +6363,20 @@
             <a:bodyPr rtlCol="0" anchor="ctr"/>
             <a:lstStyle/>
             <a:p>
-              <a:pPr algn="ctr"/>
+              <a:pPr algn="ctr">
+                <a:defRPr/>
+              </a:pPr>
               <a:endParaRPr lang="fr-FR"/>
             </a:p>
           </p:txBody>
         </p:sp>
         <p:sp>
           <p:nvSpPr>
-            <p:cNvPr id="15" name="Ellipse 14">
-              <a:extLst>
-                <a:ext uri="{FF2B5EF4-FFF2-40B4-BE49-F238E27FC236}">
-                  <a16:creationId xmlns:a16="http://schemas.microsoft.com/office/drawing/2014/main" id="{9EBEC1B0-7B4F-C712-ACB3-5E708C584241}"/>
-                </a:ext>
-              </a:extLst>
-            </p:cNvPr>
+            <p:cNvPr id="15" name="Ellipse 14"/>
             <p:cNvSpPr/>
             <p:nvPr/>
           </p:nvSpPr>
-          <p:spPr>
+          <p:spPr bwMode="auto">
             <a:xfrm>
               <a:off x="10500795" y="1348964"/>
               <a:ext cx="271604" cy="271604"/>
@@ -6850,7 +6411,9 @@
             <a:bodyPr rtlCol="0" anchor="ctr"/>
             <a:lstStyle/>
             <a:p>
-              <a:pPr algn="ctr"/>
+              <a:pPr algn="ctr">
+                <a:defRPr/>
+              </a:pPr>
               <a:endParaRPr lang="fr-FR"/>
             </a:p>
           </p:txBody>
@@ -6858,17 +6421,13 @@
       </p:grpSp>
       <p:cxnSp>
         <p:nvCxnSpPr>
-          <p:cNvPr id="3" name="Connecteur droit avec flèche 2">
-            <a:extLst>
-              <a:ext uri="{FF2B5EF4-FFF2-40B4-BE49-F238E27FC236}">
-                <a16:creationId xmlns:a16="http://schemas.microsoft.com/office/drawing/2014/main" id="{7DC0BD7C-3453-837E-6627-9FFD4D3687A8}"/>
-              </a:ext>
-            </a:extLst>
-          </p:cNvPr>
-          <p:cNvCxnSpPr/>
+          <p:cNvPr id="3" name="Connecteur droit avec flèche 2"/>
+          <p:cNvCxnSpPr>
+            <a:cxnSpLocks/>
+          </p:cNvCxnSpPr>
           <p:nvPr/>
         </p:nvCxnSpPr>
-        <p:spPr>
+        <p:spPr bwMode="auto">
           <a:xfrm>
             <a:off x="3962400" y="2436529"/>
             <a:ext cx="1562100" cy="0"/>
@@ -6900,17 +6459,11 @@
       </p:cxnSp>
       <p:sp>
         <p:nvSpPr>
-          <p:cNvPr id="6" name="ZoneTexte 5">
-            <a:extLst>
-              <a:ext uri="{FF2B5EF4-FFF2-40B4-BE49-F238E27FC236}">
-                <a16:creationId xmlns:a16="http://schemas.microsoft.com/office/drawing/2014/main" id="{56BB03B2-7CEA-F62D-A541-AFB3C5EF2A9C}"/>
-              </a:ext>
-            </a:extLst>
-          </p:cNvPr>
+          <p:cNvPr id="6" name="ZoneTexte 5"/>
           <p:cNvSpPr txBox="1"/>
           <p:nvPr/>
         </p:nvSpPr>
-        <p:spPr>
+        <p:spPr bwMode="auto">
           <a:xfrm>
             <a:off x="5524500" y="2290803"/>
             <a:ext cx="6430705" cy="307777"/>
@@ -6926,64 +6479,57 @@
           </a:bodyPr>
           <a:lstStyle/>
           <a:p>
-            <a:r>
-              <a:rPr kumimoji="0" lang="fr-FR" altLang="fr-FR" sz="1400" b="0" i="1" u="none" strike="noStrike" cap="none" normalizeH="0" baseline="0" dirty="0">
+            <a:pPr>
+              <a:defRPr/>
+            </a:pPr>
+            <a:r>
+              <a:rPr lang="fr-FR" sz="1400" b="0" i="1" u="none" strike="noStrike" cap="none">
                 <a:ln>
                   <a:noFill/>
                 </a:ln>
-                <a:effectLst/>
               </a:rPr>
               <a:t>expansionType </a:t>
             </a:r>
             <a:r>
-              <a:rPr kumimoji="0" lang="fr-FR" altLang="fr-FR" sz="1400" b="0" u="none" strike="noStrike" cap="none" normalizeH="0" baseline="0" dirty="0">
+              <a:rPr lang="fr-FR" sz="1400" b="0" u="none" strike="noStrike" cap="none">
                 <a:ln>
                   <a:noFill/>
                 </a:ln>
-                <a:effectLst/>
               </a:rPr>
               <a:t>(</a:t>
             </a:r>
             <a:r>
-              <a:rPr kumimoji="0" lang="fr-FR" altLang="fr-FR" sz="1400" b="1" u="none" strike="noStrike" cap="none" normalizeH="0" baseline="0" dirty="0">
+              <a:rPr lang="fr-FR" sz="1400" b="1" u="none" strike="noStrike" cap="none">
                 <a:ln>
                   <a:noFill/>
                 </a:ln>
                 <a:solidFill>
                   <a:srgbClr val="00CCFF"/>
                 </a:solidFill>
-                <a:effectLst/>
               </a:rPr>
               <a:t>-e</a:t>
             </a:r>
             <a:r>
-              <a:rPr kumimoji="0" lang="fr-FR" altLang="fr-FR" sz="1400" b="0" u="none" strike="noStrike" cap="none" normalizeH="0" baseline="0" dirty="0">
+              <a:rPr lang="fr-FR" sz="1400" b="0" u="none" strike="noStrike" cap="none">
                 <a:ln>
                   <a:noFill/>
                 </a:ln>
-                <a:effectLst/>
               </a:rPr>
               <a:t>) : le découpage peut se baser sur une durée ou sur les évènements</a:t>
             </a:r>
-            <a:endParaRPr lang="fr-FR" sz="1400" i="1" dirty="0"/>
+            <a:endParaRPr lang="fr-FR" sz="1400" i="1"/>
           </a:p>
         </p:txBody>
       </p:sp>
       <p:cxnSp>
         <p:nvCxnSpPr>
-          <p:cNvPr id="7" name="Connecteur droit avec flèche 6">
-            <a:extLst>
-              <a:ext uri="{FF2B5EF4-FFF2-40B4-BE49-F238E27FC236}">
-                <a16:creationId xmlns:a16="http://schemas.microsoft.com/office/drawing/2014/main" id="{684236F7-C574-4CD2-BADC-5667D7F90C40}"/>
-              </a:ext>
-            </a:extLst>
-          </p:cNvPr>
+          <p:cNvPr id="7" name="Connecteur droit avec flèche 6"/>
           <p:cNvCxnSpPr>
             <a:cxnSpLocks/>
           </p:cNvCxnSpPr>
           <p:nvPr/>
         </p:nvCxnSpPr>
-        <p:spPr>
+        <p:spPr bwMode="auto">
           <a:xfrm>
             <a:off x="4336782" y="3000886"/>
             <a:ext cx="1187718" cy="0"/>
@@ -7015,17 +6561,11 @@
       </p:cxnSp>
       <p:sp>
         <p:nvSpPr>
-          <p:cNvPr id="16" name="ZoneTexte 15">
-            <a:extLst>
-              <a:ext uri="{FF2B5EF4-FFF2-40B4-BE49-F238E27FC236}">
-                <a16:creationId xmlns:a16="http://schemas.microsoft.com/office/drawing/2014/main" id="{779FE971-188B-FD8F-F627-ED2FAA920E23}"/>
-              </a:ext>
-            </a:extLst>
-          </p:cNvPr>
+          <p:cNvPr id="16" name="ZoneTexte 15"/>
           <p:cNvSpPr txBox="1"/>
           <p:nvPr/>
         </p:nvSpPr>
-        <p:spPr>
+        <p:spPr bwMode="auto">
           <a:xfrm>
             <a:off x="5524500" y="2846997"/>
             <a:ext cx="6430705" cy="307777"/>
@@ -7041,76 +6581,68 @@
           </a:bodyPr>
           <a:lstStyle/>
           <a:p>
-            <a:r>
-              <a:rPr kumimoji="0" lang="fr-FR" altLang="fr-FR" sz="1400" b="0" i="1" u="none" strike="noStrike" cap="none" normalizeH="0" baseline="0" dirty="0">
+            <a:pPr>
+              <a:defRPr/>
+            </a:pPr>
+            <a:r>
+              <a:rPr lang="fr-FR" sz="1400" b="0" i="1" u="none" strike="noStrike" cap="none">
                 <a:ln>
                   <a:noFill/>
                 </a:ln>
-                <a:effectLst/>
               </a:rPr>
               <a:t>maximumFileDuration </a:t>
             </a:r>
             <a:r>
-              <a:rPr kumimoji="0" lang="fr-FR" altLang="fr-FR" sz="1400" b="0" u="none" strike="noStrike" cap="none" normalizeH="0" baseline="0" dirty="0">
+              <a:rPr lang="fr-FR" sz="1400" b="0" u="none" strike="noStrike" cap="none">
                 <a:ln>
                   <a:noFill/>
                 </a:ln>
-                <a:effectLst/>
               </a:rPr>
               <a:t>(</a:t>
             </a:r>
             <a:r>
-              <a:rPr kumimoji="0" lang="fr-FR" altLang="fr-FR" sz="1400" b="1" u="none" strike="noStrike" cap="none" normalizeH="0" baseline="0" dirty="0">
+              <a:rPr lang="fr-FR" sz="1400" b="1" u="none" strike="noStrike" cap="none">
                 <a:ln>
                   <a:noFill/>
                 </a:ln>
                 <a:solidFill>
                   <a:srgbClr val="7030A0"/>
                 </a:solidFill>
-                <a:effectLst/>
               </a:rPr>
               <a:t>-d</a:t>
             </a:r>
             <a:r>
-              <a:rPr kumimoji="0" lang="fr-FR" altLang="fr-FR" sz="1400" b="0" u="none" strike="noStrike" cap="none" normalizeH="0" baseline="0" dirty="0">
+              <a:rPr lang="fr-FR" sz="1400" b="0" u="none" strike="noStrike" cap="none">
                 <a:ln>
                   <a:noFill/>
                 </a:ln>
-                <a:effectLst/>
               </a:rPr>
               <a:t>) : </a:t>
             </a:r>
             <a:r>
-              <a:rPr kumimoji="0" lang="fr-FR" altLang="fr-FR" sz="1400" b="0" i="0" u="none" strike="noStrike" cap="none" normalizeH="0" baseline="0" dirty="0">
+              <a:rPr lang="fr-FR" sz="1400" b="0" i="0" u="none" strike="noStrike" cap="none">
                 <a:ln>
                   <a:noFill/>
                 </a:ln>
                 <a:solidFill>
                   <a:srgbClr val="000000"/>
                 </a:solidFill>
-                <a:effectLst/>
               </a:rPr>
               <a:t>durée maximale des fichiers en secondes</a:t>
             </a:r>
-            <a:endParaRPr lang="fr-FR" sz="1400" i="1" dirty="0"/>
+            <a:endParaRPr lang="fr-FR" sz="1400" i="1"/>
           </a:p>
         </p:txBody>
       </p:sp>
       <p:cxnSp>
         <p:nvCxnSpPr>
-          <p:cNvPr id="27" name="Connecteur droit avec flèche 26">
-            <a:extLst>
-              <a:ext uri="{FF2B5EF4-FFF2-40B4-BE49-F238E27FC236}">
-                <a16:creationId xmlns:a16="http://schemas.microsoft.com/office/drawing/2014/main" id="{2F283652-0B85-8600-2812-FAD7B20C63E6}"/>
-              </a:ext>
-            </a:extLst>
-          </p:cNvPr>
+          <p:cNvPr id="27" name="Connecteur droit avec flèche 26"/>
           <p:cNvCxnSpPr>
             <a:cxnSpLocks/>
           </p:cNvCxnSpPr>
           <p:nvPr/>
         </p:nvCxnSpPr>
-        <p:spPr>
+        <p:spPr bwMode="auto">
           <a:xfrm>
             <a:off x="4336782" y="3429000"/>
             <a:ext cx="1187718" cy="0"/>
@@ -7142,17 +6674,11 @@
       </p:cxnSp>
       <p:sp>
         <p:nvSpPr>
-          <p:cNvPr id="28" name="ZoneTexte 27">
-            <a:extLst>
-              <a:ext uri="{FF2B5EF4-FFF2-40B4-BE49-F238E27FC236}">
-                <a16:creationId xmlns:a16="http://schemas.microsoft.com/office/drawing/2014/main" id="{9217634A-B1A2-98E9-9EAB-40E73FFC62C1}"/>
-              </a:ext>
-            </a:extLst>
-          </p:cNvPr>
+          <p:cNvPr id="28" name="ZoneTexte 27"/>
           <p:cNvSpPr txBox="1"/>
           <p:nvPr/>
         </p:nvSpPr>
-        <p:spPr>
+        <p:spPr bwMode="auto">
           <a:xfrm>
             <a:off x="5524500" y="3275111"/>
             <a:ext cx="6430705" cy="523220"/>
@@ -7168,81 +6694,73 @@
           </a:bodyPr>
           <a:lstStyle/>
           <a:p>
-            <a:r>
-              <a:rPr kumimoji="0" lang="fr-FR" altLang="fr-FR" sz="1400" b="0" i="1" u="none" strike="noStrike" cap="none" normalizeH="0" baseline="0" dirty="0">
+            <a:pPr>
+              <a:defRPr/>
+            </a:pPr>
+            <a:r>
+              <a:rPr lang="fr-FR" sz="1400" b="0" i="1" u="none" strike="noStrike" cap="none">
                 <a:ln>
                   <a:noFill/>
                 </a:ln>
-                <a:effectLst/>
               </a:rPr>
               <a:t>alignToSecondsTransition </a:t>
             </a:r>
             <a:r>
-              <a:rPr kumimoji="0" lang="fr-FR" altLang="fr-FR" sz="1400" b="0" u="none" strike="noStrike" cap="none" normalizeH="0" baseline="0" dirty="0">
+              <a:rPr lang="fr-FR" sz="1400" b="0" u="none" strike="noStrike" cap="none">
                 <a:ln>
                   <a:noFill/>
                 </a:ln>
-                <a:effectLst/>
               </a:rPr>
               <a:t>(</a:t>
             </a:r>
             <a:r>
-              <a:rPr kumimoji="0" lang="fr-FR" altLang="fr-FR" sz="1400" b="1" u="none" strike="noStrike" cap="none" normalizeH="0" baseline="0" dirty="0">
+              <a:rPr lang="fr-FR" sz="1400" b="1" u="none" strike="noStrike" cap="none">
                 <a:ln>
                   <a:noFill/>
                 </a:ln>
                 <a:solidFill>
                   <a:srgbClr val="006699"/>
                 </a:solidFill>
-                <a:effectLst/>
               </a:rPr>
               <a:t>-a</a:t>
             </a:r>
             <a:r>
-              <a:rPr kumimoji="0" lang="fr-FR" altLang="fr-FR" sz="1400" b="0" u="none" strike="noStrike" cap="none" normalizeH="0" baseline="0" dirty="0">
+              <a:rPr lang="fr-FR" sz="1400" b="0" u="none" strike="noStrike" cap="none">
                 <a:ln>
                   <a:noFill/>
                 </a:ln>
-                <a:effectLst/>
               </a:rPr>
               <a:t>) : </a:t>
             </a:r>
             <a:r>
-              <a:rPr kumimoji="0" lang="fr-FR" altLang="fr-FR" sz="1400" b="0" i="0" u="none" strike="noStrike" cap="none" normalizeH="0" baseline="0" dirty="0">
+              <a:rPr lang="fr-FR" sz="1400" b="0" i="0" u="none" strike="noStrike" cap="none">
                 <a:ln>
                   <a:noFill/>
                 </a:ln>
                 <a:solidFill>
                   <a:srgbClr val="000000"/>
                 </a:solidFill>
-                <a:effectLst/>
               </a:rPr>
               <a:t>ajout de silences avant les évènements pour que les audios débutent pile à la seconde</a:t>
             </a:r>
-            <a:endParaRPr lang="fr-FR" sz="1400" i="1" dirty="0"/>
+            <a:endParaRPr lang="fr-FR" sz="1400" i="1"/>
           </a:p>
         </p:txBody>
       </p:sp>
       <p:pic>
         <p:nvPicPr>
-          <p:cNvPr id="30" name="Image 29">
-            <a:extLst>
-              <a:ext uri="{FF2B5EF4-FFF2-40B4-BE49-F238E27FC236}">
-                <a16:creationId xmlns:a16="http://schemas.microsoft.com/office/drawing/2014/main" id="{21B5591C-0D6C-990A-54B2-695C75632F59}"/>
-              </a:ext>
-            </a:extLst>
-          </p:cNvPr>
+          <p:cNvPr id="30" name="Image 29"/>
           <p:cNvPicPr>
             <a:picLocks noChangeAspect="1"/>
           </p:cNvPicPr>
           <p:nvPr/>
         </p:nvPicPr>
-        <p:blipFill rotWithShape="1">
+        <p:blipFill>
           <a:blip r:embed="rId3"/>
-          <a:srcRect t="16442"/>
+          <a:srcRect l="0" t="16442" r="0" b="0"/>
           <a:stretch/>
         </p:blipFill>
-        <p:spPr>
+        <p:spPr bwMode="auto">
           <a:xfrm>
             <a:off x="4930641" y="5361446"/>
             <a:ext cx="2889656" cy="1002504"/>
@@ -7259,19 +6777,13 @@
       </p:pic>
       <p:cxnSp>
         <p:nvCxnSpPr>
-          <p:cNvPr id="31" name="Connecteur droit avec flèche 30">
-            <a:extLst>
-              <a:ext uri="{FF2B5EF4-FFF2-40B4-BE49-F238E27FC236}">
-                <a16:creationId xmlns:a16="http://schemas.microsoft.com/office/drawing/2014/main" id="{F049BB7E-90B0-5F2B-3EB1-01BC024CD8DC}"/>
-              </a:ext>
-            </a:extLst>
-          </p:cNvPr>
+          <p:cNvPr id="31" name="Connecteur droit avec flèche 30"/>
           <p:cNvCxnSpPr>
             <a:cxnSpLocks/>
           </p:cNvCxnSpPr>
           <p:nvPr/>
         </p:nvCxnSpPr>
-        <p:spPr>
+        <p:spPr bwMode="auto">
           <a:xfrm>
             <a:off x="4336782" y="5057416"/>
             <a:ext cx="1187718" cy="0"/>
@@ -7303,17 +6815,11 @@
       </p:cxnSp>
       <p:sp>
         <p:nvSpPr>
-          <p:cNvPr id="32" name="ZoneTexte 31">
-            <a:extLst>
-              <a:ext uri="{FF2B5EF4-FFF2-40B4-BE49-F238E27FC236}">
-                <a16:creationId xmlns:a16="http://schemas.microsoft.com/office/drawing/2014/main" id="{97AF158F-CA71-82D4-95DC-5A80C76BC675}"/>
-              </a:ext>
-            </a:extLst>
-          </p:cNvPr>
+          <p:cNvPr id="32" name="ZoneTexte 31"/>
           <p:cNvSpPr txBox="1"/>
           <p:nvPr/>
         </p:nvSpPr>
-        <p:spPr>
+        <p:spPr bwMode="auto">
           <a:xfrm>
             <a:off x="5524500" y="4903527"/>
             <a:ext cx="6430705" cy="307777"/>
@@ -7329,85 +6835,76 @@
           </a:bodyPr>
           <a:lstStyle/>
           <a:p>
-            <a:r>
-              <a:rPr kumimoji="0" lang="fr-FR" altLang="fr-FR" sz="1400" b="0" i="1" u="none" strike="noStrike" cap="none" normalizeH="0" baseline="0" dirty="0">
+            <a:pPr>
+              <a:defRPr/>
+            </a:pPr>
+            <a:r>
+              <a:rPr lang="fr-FR" sz="1400" b="0" i="1" u="none" strike="noStrike" cap="none">
                 <a:ln>
                   <a:noFill/>
                 </a:ln>
-                <a:effectLst/>
               </a:rPr>
               <a:t>Add_prefix </a:t>
             </a:r>
             <a:r>
-              <a:rPr kumimoji="0" lang="fr-FR" altLang="fr-FR" sz="1400" b="0" u="none" strike="noStrike" cap="none" normalizeH="0" baseline="0" dirty="0">
+              <a:rPr lang="fr-FR" sz="1400" b="0" u="none" strike="noStrike" cap="none">
                 <a:ln>
                   <a:noFill/>
                 </a:ln>
-                <a:effectLst/>
               </a:rPr>
               <a:t>(</a:t>
             </a:r>
             <a:r>
-              <a:rPr kumimoji="0" lang="fr-FR" altLang="fr-FR" sz="1400" b="1" u="none" strike="noStrike" cap="none" normalizeH="0" baseline="0" dirty="0">
+              <a:rPr lang="fr-FR" sz="1400" b="1" u="none" strike="noStrike" cap="none">
                 <a:ln>
                   <a:noFill/>
                 </a:ln>
                 <a:solidFill>
                   <a:srgbClr val="FFCC30"/>
                 </a:solidFill>
-                <a:effectLst/>
               </a:rPr>
               <a:t>-p</a:t>
             </a:r>
             <a:r>
-              <a:rPr kumimoji="0" lang="fr-FR" altLang="fr-FR" sz="1400" b="0" u="none" strike="noStrike" cap="none" normalizeH="0" baseline="0" dirty="0">
+              <a:rPr lang="fr-FR" sz="1400" b="0" u="none" strike="noStrike" cap="none">
                 <a:ln>
                   <a:noFill/>
                 </a:ln>
-                <a:effectLst/>
               </a:rPr>
               <a:t>) : ajout d’un préfixe devant tous les fichiers .</a:t>
             </a:r>
             <a:r>
-              <a:rPr kumimoji="0" lang="fr-FR" altLang="fr-FR" sz="1400" b="0" u="none" strike="noStrike" cap="none" normalizeH="0" baseline="0" dirty="0" err="1">
+              <a:rPr lang="fr-FR" sz="1400" b="0" u="none" strike="noStrike" cap="none">
                 <a:ln>
                   <a:noFill/>
                 </a:ln>
-                <a:effectLst/>
               </a:rPr>
               <a:t>Wav</a:t>
             </a:r>
             <a:r>
-              <a:rPr kumimoji="0" lang="fr-FR" altLang="fr-FR" sz="1400" b="0" u="none" strike="noStrike" cap="none" normalizeH="0" baseline="0" dirty="0">
+              <a:rPr lang="fr-FR" sz="1400" b="0" u="none" strike="noStrike" cap="none">
                 <a:ln>
                   <a:noFill/>
                 </a:ln>
-                <a:effectLst/>
               </a:rPr>
               <a:t> découpés </a:t>
             </a:r>
-            <a:endParaRPr lang="fr-FR" sz="1400" i="1" dirty="0"/>
+            <a:endParaRPr lang="fr-FR" sz="1400" i="1"/>
           </a:p>
         </p:txBody>
       </p:sp>
       <p:cxnSp>
         <p:nvCxnSpPr>
-          <p:cNvPr id="33" name="Connecteur droit avec flèche 32">
-            <a:extLst>
-              <a:ext uri="{FF2B5EF4-FFF2-40B4-BE49-F238E27FC236}">
-                <a16:creationId xmlns:a16="http://schemas.microsoft.com/office/drawing/2014/main" id="{BBA563C2-068F-D461-6FDC-529B51D674B7}"/>
-              </a:ext>
-            </a:extLst>
-          </p:cNvPr>
+          <p:cNvPr id="33" name="Connecteur droit avec flèche 32"/>
           <p:cNvCxnSpPr>
             <a:cxnSpLocks/>
           </p:cNvCxnSpPr>
           <p:nvPr/>
         </p:nvCxnSpPr>
-        <p:spPr>
+        <p:spPr bwMode="auto">
           <a:xfrm>
             <a:off x="7718209" y="6193393"/>
-            <a:ext cx="640931" cy="0"/>
+            <a:ext cx="640930" cy="0"/>
           </a:xfrm>
           <a:prstGeom prst="straightConnector1">
             <a:avLst/>
@@ -7436,19 +6933,13 @@
       </p:cxnSp>
       <p:sp>
         <p:nvSpPr>
-          <p:cNvPr id="34" name="ZoneTexte 33">
-            <a:extLst>
-              <a:ext uri="{FF2B5EF4-FFF2-40B4-BE49-F238E27FC236}">
-                <a16:creationId xmlns:a16="http://schemas.microsoft.com/office/drawing/2014/main" id="{EEFFF46E-E264-4A64-6888-9B817E31A821}"/>
-              </a:ext>
-            </a:extLst>
-          </p:cNvPr>
+          <p:cNvPr id="34" name="ZoneTexte 33"/>
           <p:cNvSpPr txBox="1"/>
           <p:nvPr/>
         </p:nvSpPr>
-        <p:spPr>
-          <a:xfrm>
-            <a:off x="8359141" y="5824061"/>
+        <p:spPr bwMode="auto">
+          <a:xfrm>
+            <a:off x="8359140" y="5824061"/>
             <a:ext cx="3596064" cy="738664"/>
           </a:xfrm>
           <a:prstGeom prst="rect">
@@ -7462,17 +6953,19 @@
           </a:bodyPr>
           <a:lstStyle/>
           <a:p>
-            <a:r>
-              <a:rPr kumimoji="0" lang="fr-FR" altLang="fr-FR" sz="1400" b="0" i="1" u="none" strike="noStrike" cap="none" normalizeH="0" baseline="0" dirty="0">
+            <a:pPr>
+              <a:defRPr/>
+            </a:pPr>
+            <a:r>
+              <a:rPr lang="fr-FR" sz="1400" b="0" i="1" u="none" strike="noStrike" cap="none">
                 <a:ln>
                   <a:noFill/>
                 </a:ln>
-                <a:effectLst/>
               </a:rPr>
               <a:t>generateSilentFiles</a:t>
             </a:r>
             <a:r>
-              <a:rPr kumimoji="0" lang="fr-FR" altLang="fr-FR" sz="1400" b="0" i="1" u="none" strike="noStrike" cap="none" normalizeH="0" baseline="0" dirty="0">
+              <a:rPr lang="fr-FR" sz="1400" b="0" i="1" u="none" strike="noStrike" cap="none">
                 <a:ln>
                   <a:noFill/>
                 </a:ln>
@@ -7481,74 +6974,62 @@
                     <a:lumMod val="65000"/>
                   </a:schemeClr>
                 </a:solidFill>
-                <a:effectLst/>
               </a:rPr>
               <a:t> </a:t>
             </a:r>
             <a:r>
-              <a:rPr kumimoji="0" lang="fr-FR" altLang="fr-FR" sz="1400" b="0" u="none" strike="noStrike" cap="none" normalizeH="0" baseline="0" dirty="0">
+              <a:rPr lang="fr-FR" sz="1400" b="0" u="none" strike="noStrike" cap="none">
                 <a:ln>
                   <a:noFill/>
                 </a:ln>
-                <a:effectLst/>
               </a:rPr>
               <a:t>(</a:t>
             </a:r>
             <a:r>
-              <a:rPr kumimoji="0" lang="fr-FR" altLang="fr-FR" sz="1400" b="1" u="none" strike="noStrike" cap="none" normalizeH="0" baseline="0" dirty="0">
+              <a:rPr lang="fr-FR" sz="1400" b="1" u="none" strike="noStrike" cap="none">
                 <a:ln>
                   <a:noFill/>
                 </a:ln>
                 <a:solidFill>
                   <a:srgbClr val="CC0066"/>
                 </a:solidFill>
-                <a:effectLst/>
               </a:rPr>
               <a:t>-s</a:t>
             </a:r>
             <a:r>
-              <a:rPr kumimoji="0" lang="fr-FR" altLang="fr-FR" sz="1400" b="0" u="none" strike="noStrike" cap="none" normalizeH="0" baseline="0" dirty="0">
+              <a:rPr lang="fr-FR" sz="1400" b="0" u="none" strike="noStrike" cap="none">
                 <a:ln>
                   <a:noFill/>
                 </a:ln>
-                <a:effectLst/>
               </a:rPr>
               <a:t>) :</a:t>
             </a:r>
             <a:br>
-              <a:rPr kumimoji="0" lang="fr-FR" altLang="fr-FR" sz="1400" b="0" u="none" strike="noStrike" cap="none" normalizeH="0" baseline="0" dirty="0">
+              <a:rPr lang="fr-FR" sz="1400" b="0" u="none" strike="noStrike" cap="none">
                 <a:ln>
                   <a:noFill/>
                 </a:ln>
-                <a:effectLst/>
               </a:rPr>
             </a:br>
             <a:r>
-              <a:rPr kumimoji="0" lang="fr-FR" altLang="fr-FR" sz="1400" b="0" u="none" strike="noStrike" cap="none" normalizeH="0" baseline="0" dirty="0">
+              <a:rPr lang="fr-FR" sz="1400" b="0" u="none" strike="noStrike" cap="none">
                 <a:ln>
                   <a:noFill/>
                 </a:ln>
-                <a:effectLst/>
               </a:rPr>
               <a:t>ajout des périodes de silence non enregistrées car inférieure au seuil d’amplitude</a:t>
             </a:r>
-            <a:endParaRPr lang="fr-FR" sz="1400" i="1" dirty="0"/>
-          </a:p>
-        </p:txBody>
-      </p:sp>
-      <p:sp>
-        <p:nvSpPr>
-          <p:cNvPr id="2" name="Ellipse 1">
-            <a:extLst>
-              <a:ext uri="{FF2B5EF4-FFF2-40B4-BE49-F238E27FC236}">
-                <a16:creationId xmlns:a16="http://schemas.microsoft.com/office/drawing/2014/main" id="{0E8F09AC-0016-C59B-F4E7-1F2090173BF8}"/>
-              </a:ext>
-            </a:extLst>
-          </p:cNvPr>
+            <a:endParaRPr lang="fr-FR" sz="1400" i="1"/>
+          </a:p>
+        </p:txBody>
+      </p:sp>
+      <p:sp>
+        <p:nvSpPr>
+          <p:cNvPr id="2" name="Ellipse 1"/>
           <p:cNvSpPr/>
           <p:nvPr/>
         </p:nvSpPr>
-        <p:spPr>
+        <p:spPr bwMode="auto">
           <a:xfrm>
             <a:off x="5301781" y="5363762"/>
             <a:ext cx="757056" cy="231323"/>
@@ -7583,34 +7064,39 @@
           <a:bodyPr rtlCol="0" anchor="ctr"/>
           <a:lstStyle/>
           <a:p>
-            <a:pPr algn="ctr"/>
-            <a:endParaRPr lang="fr-FR" dirty="0"/>
+            <a:pPr algn="ctr">
+              <a:defRPr/>
+            </a:pPr>
+            <a:endParaRPr lang="fr-FR"/>
           </a:p>
         </p:txBody>
       </p:sp>
     </p:spTree>
-    <p:extLst>
-      <p:ext uri="{BB962C8B-B14F-4D97-AF65-F5344CB8AC3E}">
-        <p14:creationId xmlns:p14="http://schemas.microsoft.com/office/powerpoint/2010/main" val="3284194986"/>
-      </p:ext>
-    </p:extLst>
   </p:cSld>
   <p:clrMapOvr>
     <a:masterClrMapping/>
   </p:clrMapOvr>
+  <mc:AlternateContent xmlns:mc="http://schemas.openxmlformats.org/markup-compatibility/2006">
+    <mc:Choice xmlns:p14="http://schemas.microsoft.com/office/powerpoint/2010/main" Requires="p14">
+      <p:transition p14:dur="2000" advClick="1"/>
+    </mc:Choice>
+    <mc:Fallback>
+      <p:transition advClick="1"/>
+    </mc:Fallback>
+  </mc:AlternateContent>
 </p:sld>
 </file>
 
 <file path=ppt/slides/slide9.xml><?xml version="1.0" encoding="utf-8"?>
-<p:sld xmlns:a="http://schemas.openxmlformats.org/drawingml/2006/main" xmlns:r="http://schemas.openxmlformats.org/officeDocument/2006/relationships" xmlns:p="http://schemas.openxmlformats.org/presentationml/2006/main">
-  <p:cSld>
+<p:sld xmlns:a="http://schemas.openxmlformats.org/drawingml/2006/main" xmlns:r="http://schemas.openxmlformats.org/officeDocument/2006/relationships" xmlns:p="http://schemas.openxmlformats.org/presentationml/2006/main" xmlns:m="http://schemas.openxmlformats.org/officeDocument/2006/math" xmlns:w="http://schemas.openxmlformats.org/wordprocessingml/2006/main" showMasterPhAnim="0" show="1">
+  <p:cSld name="">
     <p:spTree>
       <p:nvGrpSpPr>
         <p:cNvPr id="1" name=""/>
         <p:cNvGrpSpPr/>
         <p:nvPr/>
       </p:nvGrpSpPr>
-      <p:grpSpPr>
+      <p:grpSpPr bwMode="auto">
         <a:xfrm>
           <a:off x="0" y="0"/>
           <a:ext cx="0" cy="0"/>
@@ -7620,13 +7106,7 @@
       </p:grpSpPr>
       <p:pic>
         <p:nvPicPr>
-          <p:cNvPr id="5" name="Image 4">
-            <a:extLst>
-              <a:ext uri="{FF2B5EF4-FFF2-40B4-BE49-F238E27FC236}">
-                <a16:creationId xmlns:a16="http://schemas.microsoft.com/office/drawing/2014/main" id="{6A4D97FE-63B9-20E6-4E4D-53DC423417ED}"/>
-              </a:ext>
-            </a:extLst>
-          </p:cNvPr>
+          <p:cNvPr id="5" name="Image 4"/>
           <p:cNvPicPr>
             <a:picLocks noChangeAspect="1"/>
           </p:cNvPicPr>
@@ -7634,11 +7114,9 @@
         </p:nvPicPr>
         <p:blipFill>
           <a:blip r:embed="rId2"/>
-          <a:stretch>
-            <a:fillRect/>
-          </a:stretch>
+          <a:stretch/>
         </p:blipFill>
-        <p:spPr>
+        <p:spPr bwMode="auto">
           <a:xfrm>
             <a:off x="570729" y="4711822"/>
             <a:ext cx="11050542" cy="1362265"/>
@@ -7655,17 +7133,11 @@
       </p:pic>
       <p:sp>
         <p:nvSpPr>
-          <p:cNvPr id="8" name="ZoneTexte 7">
-            <a:extLst>
-              <a:ext uri="{FF2B5EF4-FFF2-40B4-BE49-F238E27FC236}">
-                <a16:creationId xmlns:a16="http://schemas.microsoft.com/office/drawing/2014/main" id="{2185369E-C3EF-995E-92BF-27B317986014}"/>
-              </a:ext>
-            </a:extLst>
-          </p:cNvPr>
+          <p:cNvPr id="8" name="ZoneTexte 7"/>
           <p:cNvSpPr txBox="1"/>
           <p:nvPr/>
         </p:nvSpPr>
-        <p:spPr>
+        <p:spPr bwMode="auto">
           <a:xfrm>
             <a:off x="504203" y="688885"/>
             <a:ext cx="6150595" cy="461665"/>
@@ -7681,31 +7153,28 @@
           </a:bodyPr>
           <a:lstStyle/>
           <a:p>
-            <a:r>
-              <a:rPr lang="fr-FR" sz="2400" b="1" dirty="0"/>
+            <a:pPr>
+              <a:defRPr/>
+            </a:pPr>
+            <a:r>
+              <a:rPr lang="fr-FR" sz="2400" b="1"/>
               <a:t>Modifier les paramètres de découpe des </a:t>
             </a:r>
             <a:r>
-              <a:rPr lang="fr-FR" sz="2400" b="1" dirty="0" err="1"/>
+              <a:rPr lang="fr-FR" sz="2400" b="1"/>
               <a:t>T.Wav</a:t>
             </a:r>
-            <a:endParaRPr lang="fr-FR" sz="2400" dirty="0"/>
-          </a:p>
-        </p:txBody>
-      </p:sp>
-      <p:sp>
-        <p:nvSpPr>
-          <p:cNvPr id="9" name="ZoneTexte 8">
-            <a:extLst>
-              <a:ext uri="{FF2B5EF4-FFF2-40B4-BE49-F238E27FC236}">
-                <a16:creationId xmlns:a16="http://schemas.microsoft.com/office/drawing/2014/main" id="{117D58CE-554E-A868-EC00-03ED41E053FE}"/>
-              </a:ext>
-            </a:extLst>
-          </p:cNvPr>
+            <a:endParaRPr lang="fr-FR" sz="2400"/>
+          </a:p>
+        </p:txBody>
+      </p:sp>
+      <p:sp>
+        <p:nvSpPr>
+          <p:cNvPr id="9" name="ZoneTexte 8"/>
           <p:cNvSpPr txBox="1"/>
           <p:nvPr/>
         </p:nvSpPr>
-        <p:spPr>
+        <p:spPr bwMode="auto">
           <a:xfrm>
             <a:off x="504203" y="1150550"/>
             <a:ext cx="8401724" cy="646331"/>
@@ -7721,8 +7190,11 @@
           </a:bodyPr>
           <a:lstStyle/>
           <a:p>
-            <a:r>
-              <a:rPr lang="fr-FR" dirty="0">
+            <a:pPr>
+              <a:defRPr/>
+            </a:pPr>
+            <a:r>
+              <a:rPr lang="fr-FR">
                 <a:solidFill>
                   <a:srgbClr val="FF0000"/>
                 </a:solidFill>
@@ -7730,7 +7202,7 @@
               <a:t>Attention, à ne </a:t>
             </a:r>
             <a:r>
-              <a:rPr lang="fr-FR" b="1" dirty="0">
+              <a:rPr lang="fr-FR" b="1">
                 <a:solidFill>
                   <a:srgbClr val="FF0000"/>
                 </a:solidFill>
@@ -7738,7 +7210,7 @@
               <a:t>PAS</a:t>
             </a:r>
             <a:r>
-              <a:rPr lang="fr-FR" dirty="0">
+              <a:rPr lang="fr-FR">
                 <a:solidFill>
                   <a:srgbClr val="FF0000"/>
                 </a:solidFill>
@@ -7746,22 +7218,25 @@
               <a:t> faire si vous souhaiter déposer vos données sur le portail Vigie-</a:t>
             </a:r>
             <a:r>
-              <a:rPr lang="fr-FR" dirty="0" err="1">
+              <a:rPr lang="fr-FR">
                 <a:solidFill>
                   <a:srgbClr val="FF0000"/>
                 </a:solidFill>
               </a:rPr>
               <a:t>Chrio</a:t>
             </a:r>
-            <a:endParaRPr lang="fr-FR" dirty="0">
+            <a:endParaRPr lang="fr-FR">
               <a:solidFill>
                 <a:srgbClr val="FF0000"/>
               </a:solidFill>
             </a:endParaRPr>
           </a:p>
           <a:p>
-            <a:r>
-              <a:rPr lang="fr-FR" dirty="0">
+            <a:pPr>
+              <a:defRPr/>
+            </a:pPr>
+            <a:r>
+              <a:rPr lang="fr-FR">
                 <a:solidFill>
                   <a:srgbClr val="FF0000"/>
                 </a:solidFill>
@@ -7776,7 +7251,7 @@
               </a:rPr>
               <a:t>, procédez ainsi :</a:t>
             </a:r>
-            <a:endParaRPr lang="fr-FR" dirty="0">
+            <a:endParaRPr lang="fr-FR">
               <a:solidFill>
                 <a:srgbClr val="FF0000"/>
               </a:solidFill>
@@ -7786,13 +7261,7 @@
       </p:sp>
       <p:sp>
         <p:nvSpPr>
-          <p:cNvPr id="10" name="Rectangle 1">
-            <a:extLst>
-              <a:ext uri="{FF2B5EF4-FFF2-40B4-BE49-F238E27FC236}">
-                <a16:creationId xmlns:a16="http://schemas.microsoft.com/office/drawing/2014/main" id="{A03DE4A2-B10F-7D42-5387-263C90918D2B}"/>
-              </a:ext>
-            </a:extLst>
-          </p:cNvPr>
+          <p:cNvPr id="10" name="Rectangle 1"/>
           <p:cNvSpPr>
             <a:spLocks noChangeArrowheads="1"/>
           </p:cNvSpPr>
@@ -7811,116 +7280,84 @@
             <a:noFill/>
           </a:ln>
           <a:effectLst/>
-          <a:extLst>
-            <a:ext uri="{909E8E84-426E-40DD-AFC4-6F175D3DCCD1}">
-              <a14:hiddenFill xmlns:a14="http://schemas.microsoft.com/office/drawing/2010/main">
-                <a:solidFill>
-                  <a:schemeClr val="accent1"/>
-                </a:solidFill>
-              </a14:hiddenFill>
-            </a:ext>
-            <a:ext uri="{91240B29-F687-4F45-9708-019B960494DF}">
-              <a14:hiddenLine xmlns:a14="http://schemas.microsoft.com/office/drawing/2010/main" w="9525">
-                <a:solidFill>
-                  <a:schemeClr val="tx1"/>
-                </a:solidFill>
-                <a:miter lim="800000"/>
-                <a:headEnd/>
-                <a:tailEnd/>
-              </a14:hiddenLine>
-            </a:ext>
-            <a:ext uri="{AF507438-7753-43E0-B8FC-AC1667EBCBE1}">
-              <a14:hiddenEffects xmlns:a14="http://schemas.microsoft.com/office/drawing/2010/main">
-                <a:effectLst>
-                  <a:outerShdw dist="35921" dir="2700000" algn="ctr" rotWithShape="0">
-                    <a:schemeClr val="bg2"/>
-                  </a:outerShdw>
-                </a:effectLst>
-              </a14:hiddenEffects>
-            </a:ext>
-          </a:extLst>
         </p:spPr>
         <p:txBody>
           <a:bodyPr vert="horz" wrap="square" lIns="91440" tIns="45720" rIns="91440" bIns="45720" numCol="1" anchor="ctr" anchorCtr="0" compatLnSpc="1">
-            <a:prstTxWarp prst="textNoShape">
-              <a:avLst/>
-            </a:prstTxWarp>
+            <a:prstTxWarp prst="textNoShape"/>
             <a:spAutoFit/>
           </a:bodyPr>
           <a:lstStyle/>
           <a:p>
-            <a:pPr marL="0" marR="0" lvl="0" indent="0" algn="l" defTabSz="914400" rtl="0" eaLnBrk="0" fontAlgn="base" latinLnBrk="0" hangingPunct="0">
+            <a:pPr marL="0" marR="0" lvl="0" indent="0" algn="l" defTabSz="914400">
               <a:lnSpc>
                 <a:spcPct val="100000"/>
               </a:lnSpc>
               <a:spcBef>
-                <a:spcPct val="0"/>
+                <a:spcPts val="0"/>
               </a:spcBef>
               <a:spcAft>
-                <a:spcPct val="0"/>
+                <a:spcPts val="0"/>
               </a:spcAft>
               <a:buClrTx/>
               <a:buSzTx/>
               <a:buFontTx/>
               <a:buNone/>
-              <a:tabLst/>
-            </a:pPr>
-            <a:r>
-              <a:rPr kumimoji="0" lang="fr-FR" altLang="fr-FR" b="0" i="0" u="none" strike="noStrike" cap="none" normalizeH="0" baseline="0" dirty="0">
+              <a:defRPr/>
+            </a:pPr>
+            <a:r>
+              <a:rPr lang="fr-FR" b="0" i="0" u="none" strike="noStrike" cap="none">
                 <a:ln>
                   <a:noFill/>
                 </a:ln>
                 <a:solidFill>
                   <a:srgbClr val="28A745"/>
                 </a:solidFill>
-                <a:effectLst/>
               </a:rPr>
               <a:t>En plus de la commande de base qui utilise les paramètres par défaut…</a:t>
             </a:r>
-          </a:p>
-          <a:p>
-            <a:pPr marL="0" marR="0" lvl="0" indent="0" algn="l" defTabSz="914400" rtl="0" eaLnBrk="0" fontAlgn="base" latinLnBrk="0" hangingPunct="0">
+            <a:endParaRPr/>
+          </a:p>
+          <a:p>
+            <a:pPr marL="0" marR="0" lvl="0" indent="0" algn="l" defTabSz="914400">
               <a:lnSpc>
                 <a:spcPct val="100000"/>
               </a:lnSpc>
               <a:spcBef>
-                <a:spcPct val="0"/>
+                <a:spcPts val="0"/>
               </a:spcBef>
               <a:spcAft>
-                <a:spcPct val="0"/>
+                <a:spcPts val="0"/>
               </a:spcAft>
               <a:buClrTx/>
               <a:buSzTx/>
               <a:buFontTx/>
               <a:buNone/>
-              <a:tabLst/>
-            </a:pPr>
-            <a:r>
-              <a:rPr kumimoji="0" lang="fr-FR" altLang="fr-FR" b="0" i="0" u="none" strike="noStrike" cap="none" normalizeH="0" baseline="0" dirty="0">
+              <a:defRPr/>
+            </a:pPr>
+            <a:r>
+              <a:rPr lang="fr-FR" b="0" i="0" u="none" strike="noStrike" cap="none">
                 <a:ln>
                   <a:noFill/>
                 </a:ln>
                 <a:solidFill>
                   <a:srgbClr val="000000"/>
                 </a:solidFill>
-                <a:effectLst/>
               </a:rPr>
               <a:t>TWAV_Splitter.py </a:t>
             </a:r>
             <a:r>
-              <a:rPr kumimoji="0" lang="fr-FR" altLang="fr-FR" b="1" i="0" u="none" strike="noStrike" cap="none" normalizeH="0" baseline="0" dirty="0">
+              <a:rPr lang="fr-FR" b="1" i="0" u="none" strike="noStrike" cap="none">
                 <a:ln>
                   <a:noFill/>
                 </a:ln>
                 <a:solidFill>
                   <a:srgbClr val="000000"/>
                 </a:solidFill>
-                <a:effectLst/>
               </a:rPr>
               <a:t>-i </a:t>
             </a:r>
             <a:r>
-              <a:rPr kumimoji="0" lang="fr-FR" altLang="fr-FR" b="0" i="0" u="none" strike="noStrike" cap="none" normalizeH="0" baseline="0" dirty="0">
+              <a:rPr lang="fr-FR" b="0" i="0" u="none" strike="noStrike" cap="none">
                 <a:ln>
                   <a:noFill/>
                 </a:ln>
@@ -7929,12 +7366,11 @@
                     <a:lumMod val="65000"/>
                   </a:schemeClr>
                 </a:solidFill>
-                <a:effectLst/>
               </a:rPr>
               <a:t>(inputdirectory</a:t>
             </a:r>
             <a:r>
-              <a:rPr lang="fr-FR" altLang="fr-FR" dirty="0">
+              <a:rPr lang="fr-FR">
                 <a:solidFill>
                   <a:schemeClr val="bg1">
                     <a:lumMod val="65000"/>
@@ -7944,7 +7380,7 @@
               <a:t>)</a:t>
             </a:r>
             <a:r>
-              <a:rPr kumimoji="0" lang="fr-FR" altLang="fr-FR" b="0" i="0" u="none" strike="noStrike" cap="none" normalizeH="0" baseline="0" dirty="0">
+              <a:rPr lang="fr-FR" b="0" i="0" u="none" strike="noStrike" cap="none">
                 <a:ln>
                   <a:noFill/>
                 </a:ln>
@@ -7953,24 +7389,22 @@
                     <a:lumMod val="65000"/>
                   </a:schemeClr>
                 </a:solidFill>
-                <a:effectLst/>
               </a:rPr>
               <a:t> </a:t>
             </a:r>
             <a:r>
-              <a:rPr kumimoji="0" lang="fr-FR" altLang="fr-FR" b="1" i="0" u="none" strike="noStrike" cap="none" normalizeH="0" baseline="0" dirty="0">
+              <a:rPr lang="fr-FR" b="1" i="0" u="none" strike="noStrike" cap="none">
                 <a:ln>
                   <a:noFill/>
                 </a:ln>
                 <a:solidFill>
                   <a:srgbClr val="000000"/>
                 </a:solidFill>
-                <a:effectLst/>
               </a:rPr>
               <a:t>-o </a:t>
             </a:r>
             <a:r>
-              <a:rPr kumimoji="0" lang="fr-FR" altLang="fr-FR" b="0" i="0" u="none" strike="noStrike" cap="none" normalizeH="0" baseline="0" dirty="0">
+              <a:rPr lang="fr-FR" b="0" i="0" u="none" strike="noStrike" cap="none">
                 <a:ln>
                   <a:noFill/>
                 </a:ln>
@@ -7979,11 +7413,10 @@
                     <a:lumMod val="65000"/>
                   </a:schemeClr>
                 </a:solidFill>
-                <a:effectLst/>
               </a:rPr>
               <a:t>(outputdirectory)</a:t>
             </a:r>
-            <a:endParaRPr lang="fr-FR" altLang="fr-FR" dirty="0">
+            <a:endParaRPr lang="fr-FR">
               <a:solidFill>
                 <a:schemeClr val="bg1">
                   <a:lumMod val="65000"/>
@@ -7992,66 +7425,65 @@
             </a:endParaRPr>
           </a:p>
           <a:p>
-            <a:pPr marL="0" marR="0" lvl="0" indent="0" algn="l" defTabSz="914400" rtl="0" eaLnBrk="0" fontAlgn="base" latinLnBrk="0" hangingPunct="0">
+            <a:pPr marL="0" marR="0" lvl="0" indent="0" algn="l" defTabSz="914400">
               <a:lnSpc>
                 <a:spcPct val="100000"/>
               </a:lnSpc>
               <a:spcBef>
-                <a:spcPct val="0"/>
+                <a:spcPts val="0"/>
               </a:spcBef>
               <a:spcAft>
-                <a:spcPct val="0"/>
+                <a:spcPts val="0"/>
               </a:spcAft>
               <a:buClrTx/>
               <a:buSzTx/>
               <a:buFontTx/>
               <a:buNone/>
-              <a:tabLst/>
-            </a:pPr>
-            <a:r>
-              <a:rPr kumimoji="0" lang="fr-FR" altLang="fr-FR" b="0" i="0" u="none" strike="noStrike" cap="none" normalizeH="0" baseline="0" dirty="0">
+              <a:defRPr/>
+            </a:pPr>
+            <a:r>
+              <a:rPr lang="fr-FR" b="0" i="0" u="none" strike="noStrike" cap="none">
                 <a:ln>
                   <a:noFill/>
                 </a:ln>
                 <a:solidFill>
                   <a:srgbClr val="28A745"/>
                 </a:solidFill>
-                <a:effectLst/>
               </a:rPr>
               <a:t>…Il est possible de modifier la valeur de ces paramètres en ajoutant [Espace] [-][paramètre] [espace] [valeur] :</a:t>
             </a:r>
-          </a:p>
-          <a:p>
-            <a:pPr marL="171450" marR="0" lvl="0" indent="-171450" algn="l" defTabSz="914400" rtl="0" eaLnBrk="0" fontAlgn="base" latinLnBrk="0" hangingPunct="0">
+            <a:endParaRPr/>
+          </a:p>
+          <a:p>
+            <a:pPr marL="171450" marR="0" lvl="0" indent="-171450" algn="l" defTabSz="914400">
               <a:lnSpc>
                 <a:spcPct val="100000"/>
               </a:lnSpc>
               <a:spcBef>
-                <a:spcPct val="0"/>
+                <a:spcPts val="0"/>
               </a:spcBef>
               <a:spcAft>
-                <a:spcPct val="0"/>
+                <a:spcPts val="0"/>
               </a:spcAft>
               <a:buClrTx/>
               <a:buSzTx/>
-              <a:buFont typeface="Arial" panose="020B0604020202020204" pitchFamily="34" charset="0"/>
+              <a:buFont typeface="Arial"/>
               <a:buChar char="•"/>
-              <a:tabLst/>
-            </a:pPr>
-            <a:r>
-              <a:rPr kumimoji="0" lang="fr-FR" altLang="fr-FR" b="1" i="0" u="none" strike="noStrike" cap="none" normalizeH="0" baseline="0" dirty="0">
+              <a:defRPr/>
+            </a:pPr>
+            <a:r>
+              <a:rPr lang="fr-FR" b="1" i="0" u="none" strike="noStrike" cap="none">
                 <a:ln>
                   <a:noFill/>
                 </a:ln>
                 <a:solidFill>
                   <a:srgbClr val="EE853E"/>
                 </a:solidFill>
-                <a:effectLst/>
               </a:rPr>
               <a:t>-n </a:t>
             </a:r>
             <a:r>
-              <a:rPr kumimoji="0" lang="fr-FR" altLang="fr-FR" b="0" i="1" u="none" strike="noStrike" cap="none" normalizeH="0" baseline="0" dirty="0">
+              <a:rPr lang="fr-FR" b="0" i="1" u="none" strike="noStrike" cap="none">
                 <a:ln>
                   <a:noFill/>
                 </a:ln>
@@ -8060,12 +7492,11 @@
                     <a:lumMod val="65000"/>
                   </a:schemeClr>
                 </a:solidFill>
-                <a:effectLst/>
               </a:rPr>
               <a:t>(nombre de processus - </a:t>
             </a:r>
             <a:r>
-              <a:rPr kumimoji="0" lang="fr-FR" altLang="fr-FR" b="0" i="1" u="none" strike="noStrike" cap="none" normalizeH="0" baseline="0" dirty="0">
+              <a:rPr lang="fr-FR" b="0" i="1" u="sng" strike="noStrike" cap="none">
                 <a:ln>
                   <a:noFill/>
                 </a:ln>
@@ -8074,19 +7505,12 @@
                     <a:lumMod val="65000"/>
                   </a:schemeClr>
                 </a:solidFill>
-                <a:effectLst/>
-                <a:hlinkClick r:id="rId3" action="ppaction://hlinksldjump">
-                  <a:extLst>
-                    <a:ext uri="{A12FA001-AC4F-418D-AE19-62706E023703}">
-                      <ahyp:hlinkClr xmlns:ahyp="http://schemas.microsoft.com/office/drawing/2018/hyperlinkcolor" val="tx"/>
-                    </a:ext>
-                  </a:extLst>
-                </a:hlinkClick>
+                <a:hlinkClick r:id="rId3" action="ppaction://hlinksldjump" tooltip="ppaction://hlinksldjumpslide6"/>
               </a:rPr>
               <a:t>étape 5</a:t>
             </a:r>
             <a:r>
-              <a:rPr kumimoji="0" lang="fr-FR" altLang="fr-FR" b="0" i="1" u="none" strike="noStrike" cap="none" normalizeH="0" baseline="0" dirty="0">
+              <a:rPr lang="fr-FR" b="0" i="1" u="none" strike="noStrike" cap="none">
                 <a:ln>
                   <a:noFill/>
                 </a:ln>
@@ -8095,78 +7519,74 @@
                     <a:lumMod val="65000"/>
                   </a:schemeClr>
                 </a:solidFill>
-                <a:effectLst/>
               </a:rPr>
               <a:t> -) </a:t>
             </a:r>
             <a:r>
-              <a:rPr kumimoji="0" lang="fr-FR" altLang="fr-FR" b="0" i="0" u="none" strike="noStrike" cap="none" normalizeH="0" baseline="0" dirty="0">
+              <a:rPr lang="fr-FR" b="0" i="0" u="none" strike="noStrike" cap="none">
                 <a:ln>
                   <a:noFill/>
                 </a:ln>
                 <a:solidFill>
                   <a:srgbClr val="000000"/>
                 </a:solidFill>
-                <a:effectLst/>
               </a:rPr>
               <a:t>: traitement simultané de plusieurs fichiers (par défaut </a:t>
             </a:r>
             <a:r>
-              <a:rPr kumimoji="0" lang="fr-FR" altLang="fr-FR" b="1" i="0" u="none" strike="noStrike" cap="none" normalizeH="0" baseline="0" dirty="0">
+              <a:rPr lang="fr-FR" b="1" i="0" u="none" strike="noStrike" cap="none">
                 <a:ln>
                   <a:noFill/>
                 </a:ln>
                 <a:solidFill>
                   <a:srgbClr val="000000"/>
                 </a:solidFill>
-                <a:effectLst/>
               </a:rPr>
               <a:t>2</a:t>
             </a:r>
             <a:r>
-              <a:rPr kumimoji="0" lang="fr-FR" altLang="fr-FR" b="0" i="0" u="none" strike="noStrike" cap="none" normalizeH="0" baseline="0" dirty="0">
+              <a:rPr lang="fr-FR" b="0" i="0" u="none" strike="noStrike" cap="none">
                 <a:ln>
                   <a:noFill/>
                 </a:ln>
                 <a:solidFill>
                   <a:srgbClr val="000000"/>
                 </a:solidFill>
-                <a:effectLst/>
               </a:rPr>
               <a:t>)</a:t>
             </a:r>
-          </a:p>
-          <a:p>
-            <a:pPr marL="171450" marR="0" lvl="0" indent="-171450" algn="l" defTabSz="914400" rtl="0" eaLnBrk="0" fontAlgn="base" latinLnBrk="0" hangingPunct="0">
+            <a:endParaRPr/>
+          </a:p>
+          <a:p>
+            <a:pPr marL="171450" marR="0" lvl="0" indent="-171450" algn="l" defTabSz="914400">
               <a:lnSpc>
                 <a:spcPct val="100000"/>
               </a:lnSpc>
               <a:spcBef>
-                <a:spcPct val="0"/>
+                <a:spcPts val="0"/>
               </a:spcBef>
               <a:spcAft>
-                <a:spcPct val="0"/>
+                <a:spcPts val="0"/>
               </a:spcAft>
               <a:buClrTx/>
               <a:buSzTx/>
-              <a:buFont typeface="Arial" panose="020B0604020202020204" pitchFamily="34" charset="0"/>
+              <a:buFont typeface="Arial"/>
               <a:buChar char="•"/>
-              <a:tabLst/>
-            </a:pPr>
-            <a:r>
-              <a:rPr kumimoji="0" lang="fr-FR" altLang="fr-FR" b="1" i="0" u="none" strike="noStrike" cap="none" normalizeH="0" baseline="0" dirty="0">
+              <a:defRPr/>
+            </a:pPr>
+            <a:r>
+              <a:rPr lang="fr-FR" b="1" i="0" u="none" strike="noStrike" cap="none">
                 <a:ln>
                   <a:noFill/>
                 </a:ln>
                 <a:solidFill>
                   <a:srgbClr val="FFCC30"/>
                 </a:solidFill>
-                <a:effectLst/>
               </a:rPr>
               <a:t>-p </a:t>
             </a:r>
             <a:r>
-              <a:rPr kumimoji="0" lang="fr-FR" altLang="fr-FR" b="0" i="1" u="none" strike="noStrike" cap="none" normalizeH="0" baseline="0" dirty="0">
+              <a:rPr lang="fr-FR" b="0" i="1" u="none" strike="noStrike" cap="none">
                 <a:ln>
                   <a:noFill/>
                 </a:ln>
@@ -8175,12 +7595,11 @@
                     <a:lumMod val="65000"/>
                   </a:schemeClr>
                 </a:solidFill>
-                <a:effectLst/>
               </a:rPr>
               <a:t>(Add_prefix</a:t>
             </a:r>
             <a:r>
-              <a:rPr lang="fr-FR" altLang="fr-FR" i="1" dirty="0">
+              <a:rPr lang="fr-FR" i="1">
                 <a:solidFill>
                   <a:schemeClr val="bg1">
                     <a:lumMod val="65000"/>
@@ -8190,7 +7609,7 @@
               <a:t>)</a:t>
             </a:r>
             <a:r>
-              <a:rPr kumimoji="0" lang="fr-FR" altLang="fr-FR" b="0" i="1" u="none" strike="noStrike" cap="none" normalizeH="0" baseline="0" dirty="0">
+              <a:rPr lang="fr-FR" b="0" i="1" u="none" strike="noStrike" cap="none">
                 <a:ln>
                   <a:noFill/>
                 </a:ln>
@@ -8199,78 +7618,74 @@
                     <a:lumMod val="65000"/>
                   </a:schemeClr>
                 </a:solidFill>
-                <a:effectLst/>
               </a:rPr>
               <a:t> </a:t>
             </a:r>
             <a:r>
-              <a:rPr kumimoji="0" lang="fr-FR" altLang="fr-FR" b="0" i="0" u="none" strike="noStrike" cap="none" normalizeH="0" baseline="0" dirty="0">
+              <a:rPr lang="fr-FR" b="0" i="0" u="none" strike="noStrike" cap="none">
                 <a:ln>
                   <a:noFill/>
                 </a:ln>
                 <a:solidFill>
                   <a:srgbClr val="000000"/>
                 </a:solidFill>
-                <a:effectLst/>
               </a:rPr>
               <a:t>: chaine de caractères à ajouter comme préfixe des noms des fichiers (par défaut </a:t>
             </a:r>
             <a:r>
-              <a:rPr kumimoji="0" lang="fr-FR" altLang="fr-FR" b="1" i="0" u="none" strike="noStrike" cap="none" normalizeH="0" baseline="0" dirty="0">
+              <a:rPr lang="fr-FR" b="1" i="0" u="none" strike="noStrike" cap="none">
                 <a:ln>
                   <a:noFill/>
                 </a:ln>
                 <a:solidFill>
                   <a:srgbClr val="000000"/>
                 </a:solidFill>
-                <a:effectLst/>
               </a:rPr>
               <a:t>‘’</a:t>
             </a:r>
             <a:r>
-              <a:rPr kumimoji="0" lang="fr-FR" altLang="fr-FR" b="0" i="0" u="none" strike="noStrike" cap="none" normalizeH="0" baseline="0" dirty="0">
+              <a:rPr lang="fr-FR" b="0" i="0" u="none" strike="noStrike" cap="none">
                 <a:ln>
                   <a:noFill/>
                 </a:ln>
                 <a:solidFill>
                   <a:srgbClr val="000000"/>
                 </a:solidFill>
-                <a:effectLst/>
               </a:rPr>
               <a:t>) </a:t>
             </a:r>
-          </a:p>
-          <a:p>
-            <a:pPr marL="171450" marR="0" lvl="0" indent="-171450" algn="l" defTabSz="914400" rtl="0" eaLnBrk="0" fontAlgn="base" latinLnBrk="0" hangingPunct="0">
+            <a:endParaRPr/>
+          </a:p>
+          <a:p>
+            <a:pPr marL="171450" marR="0" lvl="0" indent="-171450" algn="l" defTabSz="914400">
               <a:lnSpc>
                 <a:spcPct val="100000"/>
               </a:lnSpc>
               <a:spcBef>
-                <a:spcPct val="0"/>
+                <a:spcPts val="0"/>
               </a:spcBef>
               <a:spcAft>
-                <a:spcPct val="0"/>
+                <a:spcPts val="0"/>
               </a:spcAft>
               <a:buClrTx/>
               <a:buSzTx/>
-              <a:buFont typeface="Arial" panose="020B0604020202020204" pitchFamily="34" charset="0"/>
+              <a:buFont typeface="Arial"/>
               <a:buChar char="•"/>
-              <a:tabLst/>
-            </a:pPr>
-            <a:r>
-              <a:rPr kumimoji="0" lang="fr-FR" altLang="fr-FR" b="1" i="0" u="none" strike="noStrike" cap="none" normalizeH="0" baseline="0" dirty="0">
+              <a:defRPr/>
+            </a:pPr>
+            <a:r>
+              <a:rPr lang="fr-FR" b="1" i="0" u="none" strike="noStrike" cap="none">
                 <a:ln>
                   <a:noFill/>
                 </a:ln>
                 <a:solidFill>
                   <a:srgbClr val="00CCFF"/>
                 </a:solidFill>
-                <a:effectLst/>
               </a:rPr>
               <a:t>-e </a:t>
             </a:r>
             <a:r>
-              <a:rPr kumimoji="0" lang="fr-FR" altLang="fr-FR" b="0" i="1" u="none" strike="noStrike" cap="none" normalizeH="0" baseline="0" dirty="0">
+              <a:rPr lang="fr-FR" b="0" i="1" u="none" strike="noStrike" cap="none">
                 <a:ln>
                   <a:noFill/>
                 </a:ln>
@@ -8279,12 +7694,11 @@
                     <a:lumMod val="65000"/>
                   </a:schemeClr>
                 </a:solidFill>
-                <a:effectLst/>
               </a:rPr>
               <a:t>(expansionType</a:t>
             </a:r>
             <a:r>
-              <a:rPr lang="fr-FR" altLang="fr-FR" i="1" dirty="0">
+              <a:rPr lang="fr-FR" i="1">
                 <a:solidFill>
                   <a:schemeClr val="bg1">
                     <a:lumMod val="65000"/>
@@ -8294,7 +7708,7 @@
               <a:t>)</a:t>
             </a:r>
             <a:r>
-              <a:rPr kumimoji="0" lang="fr-FR" altLang="fr-FR" b="0" i="1" u="none" strike="noStrike" cap="none" normalizeH="0" baseline="0" dirty="0">
+              <a:rPr lang="fr-FR" b="0" i="1" u="none" strike="noStrike" cap="none">
                 <a:ln>
                   <a:noFill/>
                 </a:ln>
@@ -8303,78 +7717,74 @@
                     <a:lumMod val="65000"/>
                   </a:schemeClr>
                 </a:solidFill>
-                <a:effectLst/>
               </a:rPr>
               <a:t> </a:t>
             </a:r>
             <a:r>
-              <a:rPr kumimoji="0" lang="fr-FR" altLang="fr-FR" b="0" i="0" u="none" strike="noStrike" cap="none" normalizeH="0" baseline="0" dirty="0">
+              <a:rPr lang="fr-FR" b="0" i="0" u="none" strike="noStrike" cap="none">
                 <a:ln>
                   <a:noFill/>
                 </a:ln>
                 <a:solidFill>
                   <a:srgbClr val="000000"/>
                 </a:solidFill>
-                <a:effectLst/>
               </a:rPr>
               <a:t>: 'EVENT' ou 'DURATION' (par défaut </a:t>
             </a:r>
             <a:r>
-              <a:rPr kumimoji="0" lang="fr-FR" altLang="fr-FR" b="1" i="0" u="none" strike="noStrike" cap="none" normalizeH="0" baseline="0" dirty="0">
+              <a:rPr lang="fr-FR" b="1" i="0" u="none" strike="noStrike" cap="none">
                 <a:ln>
                   <a:noFill/>
                 </a:ln>
                 <a:solidFill>
                   <a:srgbClr val="000000"/>
                 </a:solidFill>
-                <a:effectLst/>
               </a:rPr>
               <a:t>'EVENT</a:t>
             </a:r>
             <a:r>
-              <a:rPr kumimoji="0" lang="fr-FR" altLang="fr-FR" b="0" i="0" u="none" strike="noStrike" cap="none" normalizeH="0" baseline="0" dirty="0">
+              <a:rPr lang="fr-FR" b="0" i="0" u="none" strike="noStrike" cap="none">
                 <a:ln>
                   <a:noFill/>
                 </a:ln>
                 <a:solidFill>
                   <a:srgbClr val="000000"/>
                 </a:solidFill>
-                <a:effectLst/>
               </a:rPr>
               <a:t>’) </a:t>
             </a:r>
-          </a:p>
-          <a:p>
-            <a:pPr marL="171450" marR="0" lvl="0" indent="-171450" algn="l" defTabSz="914400" rtl="0" eaLnBrk="0" fontAlgn="base" latinLnBrk="0" hangingPunct="0">
+            <a:endParaRPr/>
+          </a:p>
+          <a:p>
+            <a:pPr marL="171450" marR="0" lvl="0" indent="-171450" algn="l" defTabSz="914400">
               <a:lnSpc>
                 <a:spcPct val="100000"/>
               </a:lnSpc>
               <a:spcBef>
-                <a:spcPct val="0"/>
+                <a:spcPts val="0"/>
               </a:spcBef>
               <a:spcAft>
-                <a:spcPct val="0"/>
+                <a:spcPts val="0"/>
               </a:spcAft>
               <a:buClrTx/>
               <a:buSzTx/>
-              <a:buFont typeface="Arial" panose="020B0604020202020204" pitchFamily="34" charset="0"/>
+              <a:buFont typeface="Arial"/>
               <a:buChar char="•"/>
-              <a:tabLst/>
-            </a:pPr>
-            <a:r>
-              <a:rPr kumimoji="0" lang="fr-FR" altLang="fr-FR" b="1" i="0" u="none" strike="noStrike" cap="none" normalizeH="0" baseline="0" dirty="0">
+              <a:defRPr/>
+            </a:pPr>
+            <a:r>
+              <a:rPr lang="fr-FR" b="1" i="0" u="none" strike="noStrike" cap="none">
                 <a:ln>
                   <a:noFill/>
                 </a:ln>
                 <a:solidFill>
                   <a:srgbClr val="7030A0"/>
                 </a:solidFill>
-                <a:effectLst/>
               </a:rPr>
               <a:t>-d </a:t>
             </a:r>
             <a:r>
-              <a:rPr kumimoji="0" lang="fr-FR" altLang="fr-FR" b="0" i="1" u="none" strike="noStrike" cap="none" normalizeH="0" baseline="0" dirty="0">
+              <a:rPr lang="fr-FR" b="0" i="1" u="none" strike="noStrike" cap="none">
                 <a:ln>
                   <a:noFill/>
                 </a:ln>
@@ -8383,12 +7793,11 @@
                     <a:lumMod val="65000"/>
                   </a:schemeClr>
                 </a:solidFill>
-                <a:effectLst/>
               </a:rPr>
               <a:t>(maximumFileDuration</a:t>
             </a:r>
             <a:r>
-              <a:rPr lang="fr-FR" altLang="fr-FR" i="1" dirty="0">
+              <a:rPr lang="fr-FR" i="1">
                 <a:solidFill>
                   <a:schemeClr val="bg1">
                     <a:lumMod val="65000"/>
@@ -8398,7 +7807,7 @@
               <a:t>)</a:t>
             </a:r>
             <a:r>
-              <a:rPr kumimoji="0" lang="fr-FR" altLang="fr-FR" b="0" i="1" u="none" strike="noStrike" cap="none" normalizeH="0" baseline="0" dirty="0">
+              <a:rPr lang="fr-FR" b="0" i="1" u="none" strike="noStrike" cap="none">
                 <a:ln>
                   <a:noFill/>
                 </a:ln>
@@ -8407,78 +7816,74 @@
                     <a:lumMod val="65000"/>
                   </a:schemeClr>
                 </a:solidFill>
-                <a:effectLst/>
               </a:rPr>
               <a:t> </a:t>
             </a:r>
             <a:r>
-              <a:rPr kumimoji="0" lang="fr-FR" altLang="fr-FR" b="0" i="0" u="none" strike="noStrike" cap="none" normalizeH="0" baseline="0" dirty="0">
+              <a:rPr lang="fr-FR" b="0" i="0" u="none" strike="noStrike" cap="none">
                 <a:ln>
                   <a:noFill/>
                 </a:ln>
                 <a:solidFill>
                   <a:srgbClr val="000000"/>
                 </a:solidFill>
-                <a:effectLst/>
               </a:rPr>
               <a:t>: durée maximale des fichiers en secondes (par défaut </a:t>
             </a:r>
             <a:r>
-              <a:rPr kumimoji="0" lang="fr-FR" altLang="fr-FR" b="1" i="0" u="none" strike="noStrike" cap="none" normalizeH="0" baseline="0" dirty="0">
+              <a:rPr lang="fr-FR" b="1" i="0" u="none" strike="noStrike" cap="none">
                 <a:ln>
                   <a:noFill/>
                 </a:ln>
                 <a:solidFill>
                   <a:srgbClr val="000000"/>
                 </a:solidFill>
-                <a:effectLst/>
               </a:rPr>
               <a:t>5</a:t>
             </a:r>
             <a:r>
-              <a:rPr kumimoji="0" lang="fr-FR" altLang="fr-FR" b="0" i="0" u="none" strike="noStrike" cap="none" normalizeH="0" baseline="0" dirty="0">
+              <a:rPr lang="fr-FR" b="0" i="0" u="none" strike="noStrike" cap="none">
                 <a:ln>
                   <a:noFill/>
                 </a:ln>
                 <a:solidFill>
                   <a:srgbClr val="000000"/>
                 </a:solidFill>
-                <a:effectLst/>
               </a:rPr>
               <a:t>)</a:t>
             </a:r>
-          </a:p>
-          <a:p>
-            <a:pPr marL="171450" marR="0" lvl="0" indent="-171450" algn="l" defTabSz="914400" rtl="0" eaLnBrk="0" fontAlgn="base" latinLnBrk="0" hangingPunct="0">
+            <a:endParaRPr/>
+          </a:p>
+          <a:p>
+            <a:pPr marL="171450" marR="0" lvl="0" indent="-171450" algn="l" defTabSz="914400">
               <a:lnSpc>
                 <a:spcPct val="100000"/>
               </a:lnSpc>
               <a:spcBef>
-                <a:spcPct val="0"/>
+                <a:spcPts val="0"/>
               </a:spcBef>
               <a:spcAft>
-                <a:spcPct val="0"/>
+                <a:spcPts val="0"/>
               </a:spcAft>
               <a:buClrTx/>
               <a:buSzTx/>
-              <a:buFont typeface="Arial" panose="020B0604020202020204" pitchFamily="34" charset="0"/>
+              <a:buFont typeface="Arial"/>
               <a:buChar char="•"/>
-              <a:tabLst/>
-            </a:pPr>
-            <a:r>
-              <a:rPr kumimoji="0" lang="fr-FR" altLang="fr-FR" b="1" i="0" u="none" strike="noStrike" cap="none" normalizeH="0" baseline="0" dirty="0">
+              <a:defRPr/>
+            </a:pPr>
+            <a:r>
+              <a:rPr lang="fr-FR" b="1" i="0" u="none" strike="noStrike" cap="none">
                 <a:ln>
                   <a:noFill/>
                 </a:ln>
                 <a:solidFill>
                   <a:srgbClr val="CC0066"/>
                 </a:solidFill>
-                <a:effectLst/>
               </a:rPr>
               <a:t>-s </a:t>
             </a:r>
             <a:r>
-              <a:rPr kumimoji="0" lang="fr-FR" altLang="fr-FR" b="0" i="1" u="none" strike="noStrike" cap="none" normalizeH="0" baseline="0" dirty="0">
+              <a:rPr lang="fr-FR" b="0" i="1" u="none" strike="noStrike" cap="none">
                 <a:ln>
                   <a:noFill/>
                 </a:ln>
@@ -8487,12 +7892,11 @@
                     <a:lumMod val="65000"/>
                   </a:schemeClr>
                 </a:solidFill>
-                <a:effectLst/>
               </a:rPr>
               <a:t>(generateSilentFiles</a:t>
             </a:r>
             <a:r>
-              <a:rPr lang="fr-FR" altLang="fr-FR" i="1" dirty="0">
+              <a:rPr lang="fr-FR" i="1">
                 <a:solidFill>
                   <a:schemeClr val="bg1">
                     <a:lumMod val="65000"/>
@@ -8502,7 +7906,7 @@
               <a:t>)</a:t>
             </a:r>
             <a:r>
-              <a:rPr kumimoji="0" lang="fr-FR" altLang="fr-FR" b="0" i="1" u="none" strike="noStrike" cap="none" normalizeH="0" baseline="0" dirty="0">
+              <a:rPr lang="fr-FR" b="0" i="1" u="none" strike="noStrike" cap="none">
                 <a:ln>
                   <a:noFill/>
                 </a:ln>
@@ -8511,127 +7915,118 @@
                     <a:lumMod val="65000"/>
                   </a:schemeClr>
                 </a:solidFill>
-                <a:effectLst/>
               </a:rPr>
               <a:t> </a:t>
             </a:r>
             <a:r>
-              <a:rPr kumimoji="0" lang="fr-FR" altLang="fr-FR" b="0" i="0" u="none" strike="noStrike" cap="none" normalizeH="0" baseline="0" dirty="0">
+              <a:rPr lang="fr-FR" b="0" i="0" u="none" strike="noStrike" cap="none">
                 <a:ln>
                   <a:noFill/>
                 </a:ln>
                 <a:solidFill>
                   <a:srgbClr val="000000"/>
                 </a:solidFill>
-                <a:effectLst/>
               </a:rPr>
               <a:t>: True ou False (par défaut </a:t>
             </a:r>
             <a:r>
-              <a:rPr kumimoji="0" lang="fr-FR" altLang="fr-FR" b="1" i="0" u="none" strike="noStrike" cap="none" normalizeH="0" baseline="0" dirty="0">
+              <a:rPr lang="fr-FR" b="1" i="0" u="none" strike="noStrike" cap="none">
                 <a:ln>
                   <a:noFill/>
                 </a:ln>
                 <a:solidFill>
                   <a:srgbClr val="000000"/>
                 </a:solidFill>
-                <a:effectLst/>
               </a:rPr>
               <a:t>False</a:t>
             </a:r>
             <a:r>
-              <a:rPr kumimoji="0" lang="fr-FR" altLang="fr-FR" b="0" i="0" u="none" strike="noStrike" cap="none" normalizeH="0" baseline="0" dirty="0">
+              <a:rPr lang="fr-FR" b="0" i="0" u="none" strike="noStrike" cap="none">
                 <a:ln>
                   <a:noFill/>
                 </a:ln>
                 <a:solidFill>
                   <a:srgbClr val="000000"/>
                 </a:solidFill>
-                <a:effectLst/>
               </a:rPr>
               <a:t>)</a:t>
             </a:r>
             <a:r>
-              <a:rPr kumimoji="0" lang="fr-FR" altLang="fr-FR" sz="1200" b="0" i="0" u="none" strike="noStrike" cap="none" normalizeH="0" baseline="0" dirty="0">
+              <a:rPr lang="fr-FR" sz="1200" b="0" i="0" u="none" strike="noStrike" cap="none">
                 <a:ln>
                   <a:noFill/>
                 </a:ln>
                 <a:solidFill>
                   <a:srgbClr val="000000"/>
                 </a:solidFill>
-                <a:effectLst/>
               </a:rPr>
               <a:t> </a:t>
             </a:r>
             <a:r>
-              <a:rPr kumimoji="0" lang="fr-FR" altLang="fr-FR" sz="1200" b="0" i="1" u="none" strike="noStrike" cap="none" normalizeH="0" baseline="0" dirty="0">
+              <a:rPr lang="fr-FR" sz="1200" b="0" i="1" u="none" strike="noStrike" cap="none">
                 <a:ln>
                   <a:noFill/>
                 </a:ln>
                 <a:solidFill>
                   <a:srgbClr val="000000"/>
                 </a:solidFill>
-                <a:effectLst/>
               </a:rPr>
               <a:t>// uniquement utilisable avec expansionType = ‘</a:t>
             </a:r>
             <a:r>
-              <a:rPr kumimoji="0" lang="fr-FR" altLang="fr-FR" sz="1200" b="0" i="1" u="none" strike="noStrike" cap="none" normalizeH="0" baseline="0" dirty="0">
+              <a:rPr lang="fr-FR" sz="1200" b="0" i="1" u="none" strike="noStrike" cap="none">
                 <a:ln>
                   <a:noFill/>
                 </a:ln>
                 <a:solidFill>
                   <a:srgbClr val="00CCFF"/>
                 </a:solidFill>
-                <a:effectLst/>
               </a:rPr>
               <a:t>DURATION</a:t>
             </a:r>
             <a:r>
-              <a:rPr kumimoji="0" lang="fr-FR" altLang="fr-FR" sz="1200" b="0" i="1" u="none" strike="noStrike" cap="none" normalizeH="0" baseline="0" dirty="0">
+              <a:rPr lang="fr-FR" sz="1200" b="0" i="1" u="none" strike="noStrike" cap="none">
                 <a:ln>
                   <a:noFill/>
                 </a:ln>
                 <a:solidFill>
                   <a:srgbClr val="000000"/>
                 </a:solidFill>
-                <a:effectLst/>
               </a:rPr>
               <a:t>’</a:t>
             </a:r>
-          </a:p>
-          <a:p>
-            <a:pPr marL="171450" marR="0" lvl="0" indent="-171450" algn="l" defTabSz="914400" rtl="0" eaLnBrk="0" fontAlgn="base" latinLnBrk="0" hangingPunct="0">
+            <a:endParaRPr/>
+          </a:p>
+          <a:p>
+            <a:pPr marL="171450" marR="0" lvl="0" indent="-171450" algn="l" defTabSz="914400">
               <a:lnSpc>
                 <a:spcPct val="100000"/>
               </a:lnSpc>
               <a:spcBef>
-                <a:spcPct val="0"/>
+                <a:spcPts val="0"/>
               </a:spcBef>
               <a:spcAft>
-                <a:spcPct val="0"/>
+                <a:spcPts val="0"/>
               </a:spcAft>
               <a:buClrTx/>
               <a:buSzTx/>
-              <a:buFont typeface="Arial" panose="020B0604020202020204" pitchFamily="34" charset="0"/>
+              <a:buFont typeface="Arial"/>
               <a:buChar char="•"/>
-              <a:tabLst/>
-              <a:defRPr/>
-            </a:pPr>
-            <a:r>
-              <a:rPr kumimoji="0" lang="fr-FR" altLang="fr-FR" b="1" i="0" u="none" strike="noStrike" cap="none" normalizeH="0" baseline="0" dirty="0">
+              <a:defRPr/>
+            </a:pPr>
+            <a:r>
+              <a:rPr lang="fr-FR" b="1" i="0" u="none" strike="noStrike" cap="none">
                 <a:ln>
                   <a:noFill/>
                 </a:ln>
                 <a:solidFill>
                   <a:srgbClr val="006699"/>
                 </a:solidFill>
-                <a:effectLst/>
               </a:rPr>
               <a:t>-a </a:t>
             </a:r>
             <a:r>
-              <a:rPr kumimoji="0" lang="fr-FR" altLang="fr-FR" b="0" i="1" u="none" strike="noStrike" cap="none" normalizeH="0" baseline="0" dirty="0">
+              <a:rPr lang="fr-FR" b="0" i="1" u="none" strike="noStrike" cap="none">
                 <a:ln>
                   <a:noFill/>
                 </a:ln>
@@ -8640,12 +8035,11 @@
                     <a:lumMod val="65000"/>
                   </a:schemeClr>
                 </a:solidFill>
-                <a:effectLst/>
               </a:rPr>
               <a:t>(alignToSecondsTransition</a:t>
             </a:r>
             <a:r>
-              <a:rPr lang="fr-FR" altLang="fr-FR" i="1" dirty="0">
+              <a:rPr lang="fr-FR" i="1">
                 <a:solidFill>
                   <a:schemeClr val="bg1">
                     <a:lumMod val="65000"/>
@@ -8655,7 +8049,7 @@
               <a:t>)</a:t>
             </a:r>
             <a:r>
-              <a:rPr kumimoji="0" lang="fr-FR" altLang="fr-FR" b="0" i="1" u="none" strike="noStrike" cap="none" normalizeH="0" baseline="0" dirty="0">
+              <a:rPr lang="fr-FR" b="0" i="1" u="none" strike="noStrike" cap="none">
                 <a:ln>
                   <a:noFill/>
                 </a:ln>
@@ -8664,120 +8058,103 @@
                     <a:lumMod val="65000"/>
                   </a:schemeClr>
                 </a:solidFill>
-                <a:effectLst/>
               </a:rPr>
               <a:t> </a:t>
             </a:r>
             <a:r>
-              <a:rPr kumimoji="0" lang="fr-FR" altLang="fr-FR" b="0" i="0" u="none" strike="noStrike" cap="none" normalizeH="0" baseline="0" dirty="0">
+              <a:rPr lang="fr-FR" b="0" i="0" u="none" strike="noStrike" cap="none">
                 <a:ln>
                   <a:noFill/>
                 </a:ln>
                 <a:solidFill>
                   <a:srgbClr val="000000"/>
                 </a:solidFill>
-                <a:effectLst/>
               </a:rPr>
               <a:t>: True ou False (par défaut </a:t>
             </a:r>
             <a:r>
-              <a:rPr kumimoji="0" lang="fr-FR" altLang="fr-FR" b="1" i="0" u="none" strike="noStrike" cap="none" normalizeH="0" baseline="0" dirty="0">
+              <a:rPr lang="fr-FR" b="1" i="0" u="none" strike="noStrike" cap="none">
                 <a:ln>
                   <a:noFill/>
                 </a:ln>
                 <a:solidFill>
                   <a:srgbClr val="000000"/>
                 </a:solidFill>
-                <a:effectLst/>
               </a:rPr>
               <a:t>False</a:t>
             </a:r>
             <a:r>
-              <a:rPr kumimoji="0" lang="fr-FR" altLang="fr-FR" b="0" i="0" u="none" strike="noStrike" cap="none" normalizeH="0" baseline="0" dirty="0">
+              <a:rPr lang="fr-FR" b="0" i="0" u="none" strike="noStrike" cap="none">
                 <a:ln>
                   <a:noFill/>
                 </a:ln>
                 <a:solidFill>
                   <a:srgbClr val="000000"/>
                 </a:solidFill>
-                <a:effectLst/>
               </a:rPr>
               <a:t>)</a:t>
             </a:r>
             <a:r>
-              <a:rPr kumimoji="0" lang="fr-FR" altLang="fr-FR" b="0" i="0" u="none" strike="noStrike" cap="none" normalizeH="0" baseline="0" dirty="0">
+              <a:rPr lang="fr-FR" b="0" i="0" u="none" strike="noStrike" cap="none">
                 <a:ln>
                   <a:noFill/>
                 </a:ln>
                 <a:solidFill>
                   <a:srgbClr val="067D17"/>
                 </a:solidFill>
-                <a:effectLst/>
               </a:rPr>
               <a:t> </a:t>
             </a:r>
             <a:r>
-              <a:rPr kumimoji="0" lang="fr-FR" altLang="fr-FR" sz="1200" b="0" i="1" u="none" strike="noStrike" kern="1200" cap="none" spc="0" normalizeH="0" baseline="0" noProof="0" dirty="0">
+              <a:rPr lang="fr-FR" sz="1200" b="0" i="1" u="none" strike="noStrike" cap="none" spc="0">
                 <a:ln>
                   <a:noFill/>
                 </a:ln>
                 <a:solidFill>
                   <a:srgbClr val="000000"/>
                 </a:solidFill>
-                <a:effectLst/>
-                <a:uLnTx/>
-                <a:uFillTx/>
-                <a:latin typeface="Calibri" panose="020F0502020204030204"/>
+                <a:latin typeface="Calibri"/>
                 <a:ea typeface="+mn-ea"/>
                 <a:cs typeface="+mn-cs"/>
               </a:rPr>
               <a:t>// uniquement utilisable avec expansionType = ‘</a:t>
             </a:r>
             <a:r>
-              <a:rPr kumimoji="0" lang="fr-FR" altLang="fr-FR" sz="1200" b="0" i="1" u="none" strike="noStrike" kern="1200" cap="none" spc="0" normalizeH="0" baseline="0" noProof="0" dirty="0">
+              <a:rPr lang="fr-FR" sz="1200" b="0" i="1" u="none" strike="noStrike" cap="none" spc="0">
                 <a:ln>
                   <a:noFill/>
                 </a:ln>
                 <a:solidFill>
                   <a:srgbClr val="00CCFF"/>
                 </a:solidFill>
-                <a:effectLst/>
-                <a:uLnTx/>
-                <a:uFillTx/>
-                <a:latin typeface="Calibri" panose="020F0502020204030204"/>
+                <a:latin typeface="Calibri"/>
                 <a:ea typeface="+mn-ea"/>
                 <a:cs typeface="+mn-cs"/>
               </a:rPr>
               <a:t>EVENT</a:t>
             </a:r>
             <a:r>
-              <a:rPr kumimoji="0" lang="fr-FR" altLang="fr-FR" sz="1200" b="0" i="1" u="none" strike="noStrike" kern="1200" cap="none" spc="0" normalizeH="0" baseline="0" noProof="0" dirty="0">
+              <a:rPr lang="fr-FR" sz="1200" b="0" i="1" u="none" strike="noStrike" cap="none" spc="0">
                 <a:ln>
                   <a:noFill/>
                 </a:ln>
                 <a:solidFill>
                   <a:srgbClr val="000000"/>
                 </a:solidFill>
-                <a:effectLst/>
-                <a:uLnTx/>
-                <a:uFillTx/>
-                <a:latin typeface="Calibri" panose="020F0502020204030204"/>
+                <a:latin typeface="Calibri"/>
                 <a:ea typeface="+mn-ea"/>
                 <a:cs typeface="+mn-cs"/>
               </a:rPr>
               <a:t>’</a:t>
             </a:r>
-            <a:endParaRPr kumimoji="0" lang="fr-FR" altLang="fr-FR" sz="1800" b="0" i="1" u="none" strike="noStrike" kern="1200" cap="none" spc="0" normalizeH="0" baseline="0" noProof="0" dirty="0">
+            <a:endParaRPr lang="fr-FR" sz="1800" b="0" i="1" u="none" strike="noStrike" cap="none" spc="0">
               <a:ln>
                 <a:noFill/>
               </a:ln>
               <a:solidFill>
                 <a:srgbClr val="000000"/>
               </a:solidFill>
-              <a:effectLst/>
-              <a:uLnTx/>
-              <a:uFillTx/>
-              <a:latin typeface="Calibri" panose="020F0502020204030204"/>
+              <a:latin typeface="Calibri"/>
               <a:ea typeface="+mn-ea"/>
               <a:cs typeface="+mn-cs"/>
             </a:endParaRPr>
@@ -8786,17 +8163,11 @@
       </p:sp>
       <p:grpSp>
         <p:nvGrpSpPr>
-          <p:cNvPr id="11" name="Groupe 10">
-            <a:extLst>
-              <a:ext uri="{FF2B5EF4-FFF2-40B4-BE49-F238E27FC236}">
-                <a16:creationId xmlns:a16="http://schemas.microsoft.com/office/drawing/2014/main" id="{0735F877-C30F-9F21-5B4C-6D2EAB397DA7}"/>
-              </a:ext>
-            </a:extLst>
-          </p:cNvPr>
+          <p:cNvPr id="11" name="Groupe 10"/>
           <p:cNvGrpSpPr/>
           <p:nvPr/>
         </p:nvGrpSpPr>
-        <p:grpSpPr>
+        <p:grpSpPr bwMode="auto">
           <a:xfrm>
             <a:off x="12954772" y="41185"/>
             <a:ext cx="5465688" cy="6270036"/>
@@ -8806,13 +8177,7 @@
         </p:grpSpPr>
         <p:pic>
           <p:nvPicPr>
-            <p:cNvPr id="12" name="Image 11">
-              <a:extLst>
-                <a:ext uri="{FF2B5EF4-FFF2-40B4-BE49-F238E27FC236}">
-                  <a16:creationId xmlns:a16="http://schemas.microsoft.com/office/drawing/2014/main" id="{B7441E09-7293-0CD1-FEDA-E80804D2A410}"/>
-                </a:ext>
-              </a:extLst>
-            </p:cNvPr>
+            <p:cNvPr id="12" name="Image 11"/>
             <p:cNvPicPr>
               <a:picLocks noChangeAspect="1"/>
             </p:cNvPicPr>
@@ -8820,11 +8185,9 @@
           </p:nvPicPr>
           <p:blipFill>
             <a:blip r:embed="rId4"/>
-            <a:stretch>
-              <a:fillRect/>
-            </a:stretch>
+            <a:stretch/>
           </p:blipFill>
-          <p:spPr>
+          <p:spPr bwMode="auto">
             <a:xfrm>
               <a:off x="5876925" y="507205"/>
               <a:ext cx="5113626" cy="5866163"/>
@@ -8841,17 +8204,11 @@
         </p:pic>
         <p:sp>
           <p:nvSpPr>
-            <p:cNvPr id="13" name="Ellipse 12">
-              <a:extLst>
-                <a:ext uri="{FF2B5EF4-FFF2-40B4-BE49-F238E27FC236}">
-                  <a16:creationId xmlns:a16="http://schemas.microsoft.com/office/drawing/2014/main" id="{B795E34C-E68C-BCB5-8C32-75EDD34DB83E}"/>
-                </a:ext>
-              </a:extLst>
-            </p:cNvPr>
+            <p:cNvPr id="13" name="Ellipse 12"/>
             <p:cNvSpPr/>
             <p:nvPr/>
           </p:nvSpPr>
-          <p:spPr>
+          <p:spPr bwMode="auto">
             <a:xfrm>
               <a:off x="9207374" y="905346"/>
               <a:ext cx="977775" cy="298765"/>
@@ -8886,24 +8243,20 @@
             <a:bodyPr rtlCol="0" anchor="ctr"/>
             <a:lstStyle/>
             <a:p>
-              <a:pPr algn="ctr"/>
+              <a:pPr algn="ctr">
+                <a:defRPr/>
+              </a:pPr>
               <a:endParaRPr lang="fr-FR"/>
             </a:p>
           </p:txBody>
         </p:sp>
         <p:sp>
           <p:nvSpPr>
-            <p:cNvPr id="14" name="Ellipse 13">
-              <a:extLst>
-                <a:ext uri="{FF2B5EF4-FFF2-40B4-BE49-F238E27FC236}">
-                  <a16:creationId xmlns:a16="http://schemas.microsoft.com/office/drawing/2014/main" id="{3D4D3110-64FC-3D87-7C5F-D26E38EC9DF5}"/>
-                </a:ext>
-              </a:extLst>
-            </p:cNvPr>
+            <p:cNvPr id="14" name="Ellipse 13"/>
             <p:cNvSpPr/>
             <p:nvPr/>
           </p:nvSpPr>
-          <p:spPr>
+          <p:spPr bwMode="auto">
             <a:xfrm>
               <a:off x="7849355" y="1584356"/>
               <a:ext cx="371192" cy="588475"/>
@@ -8938,24 +8291,20 @@
             <a:bodyPr rtlCol="0" anchor="ctr"/>
             <a:lstStyle/>
             <a:p>
-              <a:pPr algn="ctr"/>
+              <a:pPr algn="ctr">
+                <a:defRPr/>
+              </a:pPr>
               <a:endParaRPr lang="fr-FR"/>
             </a:p>
           </p:txBody>
         </p:sp>
         <p:sp>
           <p:nvSpPr>
-            <p:cNvPr id="15" name="Ellipse 14">
-              <a:extLst>
-                <a:ext uri="{FF2B5EF4-FFF2-40B4-BE49-F238E27FC236}">
-                  <a16:creationId xmlns:a16="http://schemas.microsoft.com/office/drawing/2014/main" id="{9EBEC1B0-7B4F-C712-ACB3-5E708C584241}"/>
-                </a:ext>
-              </a:extLst>
-            </p:cNvPr>
+            <p:cNvPr id="15" name="Ellipse 14"/>
             <p:cNvSpPr/>
             <p:nvPr/>
           </p:nvSpPr>
-          <p:spPr>
+          <p:spPr bwMode="auto">
             <a:xfrm>
               <a:off x="10500795" y="1348964"/>
               <a:ext cx="271604" cy="271604"/>
@@ -8990,7 +8339,9 @@
             <a:bodyPr rtlCol="0" anchor="ctr"/>
             <a:lstStyle/>
             <a:p>
-              <a:pPr algn="ctr"/>
+              <a:pPr algn="ctr">
+                <a:defRPr/>
+              </a:pPr>
               <a:endParaRPr lang="fr-FR"/>
             </a:p>
           </p:txBody>
@@ -8998,17 +8349,11 @@
       </p:grpSp>
       <p:sp>
         <p:nvSpPr>
-          <p:cNvPr id="17" name="ZoneTexte 16">
-            <a:extLst>
-              <a:ext uri="{FF2B5EF4-FFF2-40B4-BE49-F238E27FC236}">
-                <a16:creationId xmlns:a16="http://schemas.microsoft.com/office/drawing/2014/main" id="{6CF99381-6191-54EE-F5FF-3A1D0F25D87B}"/>
-              </a:ext>
-            </a:extLst>
-          </p:cNvPr>
+          <p:cNvPr id="17" name="ZoneTexte 16"/>
           <p:cNvSpPr txBox="1"/>
           <p:nvPr/>
         </p:nvSpPr>
-        <p:spPr>
+        <p:spPr bwMode="auto">
           <a:xfrm>
             <a:off x="570729" y="6074087"/>
             <a:ext cx="11050542" cy="646331"/>
@@ -9024,9 +8369,11 @@
           </a:bodyPr>
           <a:lstStyle/>
           <a:p>
-            <a:pPr algn="ctr"/>
-            <a:r>
-              <a:rPr lang="fr-FR" sz="1800" dirty="0">
+            <a:pPr algn="ctr">
+              <a:defRPr/>
+            </a:pPr>
+            <a:r>
+              <a:rPr lang="fr-FR" sz="1800">
                 <a:solidFill>
                   <a:schemeClr val="bg1">
                     <a:lumMod val="65000"/>
@@ -9036,7 +8383,7 @@
               <a:t>Exemple pour 6 fichiers traités simultanément, avec l’ajout du préfixe ‘</a:t>
             </a:r>
             <a:r>
-              <a:rPr lang="fr-FR" sz="1800" dirty="0" err="1">
+              <a:rPr lang="fr-FR" sz="1800">
                 <a:solidFill>
                   <a:schemeClr val="bg1">
                     <a:lumMod val="65000"/>
@@ -9046,7 +8393,7 @@
               <a:t>test_prefix</a:t>
             </a:r>
             <a:r>
-              <a:rPr lang="fr-FR" sz="1800" dirty="0">
+              <a:rPr lang="fr-FR" sz="1800">
                 <a:solidFill>
                   <a:schemeClr val="bg1">
                     <a:lumMod val="65000"/>
@@ -9056,7 +8403,7 @@
               <a:t>’ aux fichiers .</a:t>
             </a:r>
             <a:r>
-              <a:rPr lang="fr-FR" sz="1800" dirty="0" err="1">
+              <a:rPr lang="fr-FR" sz="1800">
                 <a:solidFill>
                   <a:schemeClr val="bg1">
                     <a:lumMod val="65000"/>
@@ -9066,7 +8413,7 @@
               <a:t>Wav</a:t>
             </a:r>
             <a:r>
-              <a:rPr lang="fr-FR" sz="1800" dirty="0">
+              <a:rPr lang="fr-FR" sz="1800">
                 <a:solidFill>
                   <a:schemeClr val="bg1">
                     <a:lumMod val="65000"/>
@@ -9075,22 +8422,17 @@
               </a:rPr>
               <a:t>, en utilisant la méthode basée sur une durée de 15 secondes max et en ajoutant les silences </a:t>
             </a:r>
-          </a:p>
-        </p:txBody>
-      </p:sp>
-      <p:sp>
-        <p:nvSpPr>
-          <p:cNvPr id="18" name="Rectangle 17">
-            <a:extLst>
-              <a:ext uri="{FF2B5EF4-FFF2-40B4-BE49-F238E27FC236}">
-                <a16:creationId xmlns:a16="http://schemas.microsoft.com/office/drawing/2014/main" id="{8551960A-B61F-035F-CD7D-BE2EEFA66364}"/>
-              </a:ext>
-            </a:extLst>
-          </p:cNvPr>
+            <a:endParaRPr/>
+          </a:p>
+        </p:txBody>
+      </p:sp>
+      <p:sp>
+        <p:nvSpPr>
+          <p:cNvPr id="18" name="Rectangle 17"/>
           <p:cNvSpPr/>
           <p:nvPr/>
         </p:nvSpPr>
-        <p:spPr>
+        <p:spPr bwMode="auto">
           <a:xfrm>
             <a:off x="570730" y="5907489"/>
             <a:ext cx="403996" cy="153988"/>
@@ -9125,24 +8467,20 @@
           <a:bodyPr rtlCol="0" anchor="ctr"/>
           <a:lstStyle/>
           <a:p>
-            <a:pPr algn="ctr"/>
+            <a:pPr algn="ctr">
+              <a:defRPr/>
+            </a:pPr>
             <a:endParaRPr lang="fr-FR"/>
           </a:p>
         </p:txBody>
       </p:sp>
       <p:sp>
         <p:nvSpPr>
-          <p:cNvPr id="19" name="Rectangle 18">
-            <a:extLst>
-              <a:ext uri="{FF2B5EF4-FFF2-40B4-BE49-F238E27FC236}">
-                <a16:creationId xmlns:a16="http://schemas.microsoft.com/office/drawing/2014/main" id="{B49F7DDA-9D43-7324-D901-ACF334B81339}"/>
-              </a:ext>
-            </a:extLst>
-          </p:cNvPr>
+          <p:cNvPr id="19" name="Rectangle 18"/>
           <p:cNvSpPr/>
           <p:nvPr/>
         </p:nvSpPr>
-        <p:spPr>
+        <p:spPr bwMode="auto">
           <a:xfrm>
             <a:off x="1029719" y="5907489"/>
             <a:ext cx="1218182" cy="153988"/>
@@ -9177,24 +8515,20 @@
           <a:bodyPr rtlCol="0" anchor="ctr"/>
           <a:lstStyle/>
           <a:p>
-            <a:pPr algn="ctr"/>
+            <a:pPr algn="ctr">
+              <a:defRPr/>
+            </a:pPr>
             <a:endParaRPr lang="fr-FR"/>
           </a:p>
         </p:txBody>
       </p:sp>
       <p:sp>
         <p:nvSpPr>
-          <p:cNvPr id="20" name="Rectangle 19">
-            <a:extLst>
-              <a:ext uri="{FF2B5EF4-FFF2-40B4-BE49-F238E27FC236}">
-                <a16:creationId xmlns:a16="http://schemas.microsoft.com/office/drawing/2014/main" id="{6E2C58B8-977D-475F-08A7-B398B9682D8D}"/>
-              </a:ext>
-            </a:extLst>
-          </p:cNvPr>
+          <p:cNvPr id="20" name="Rectangle 19"/>
           <p:cNvSpPr/>
           <p:nvPr/>
         </p:nvSpPr>
-        <p:spPr>
+        <p:spPr bwMode="auto">
           <a:xfrm>
             <a:off x="3398789" y="5907489"/>
             <a:ext cx="398512" cy="153988"/>
@@ -9229,24 +8563,20 @@
           <a:bodyPr rtlCol="0" anchor="ctr"/>
           <a:lstStyle/>
           <a:p>
-            <a:pPr algn="ctr"/>
+            <a:pPr algn="ctr">
+              <a:defRPr/>
+            </a:pPr>
             <a:endParaRPr lang="fr-FR"/>
           </a:p>
         </p:txBody>
       </p:sp>
       <p:sp>
         <p:nvSpPr>
-          <p:cNvPr id="21" name="Rectangle 20">
-            <a:extLst>
-              <a:ext uri="{FF2B5EF4-FFF2-40B4-BE49-F238E27FC236}">
-                <a16:creationId xmlns:a16="http://schemas.microsoft.com/office/drawing/2014/main" id="{70B72E05-8945-15F6-B0F8-71484DACABB7}"/>
-              </a:ext>
-            </a:extLst>
-          </p:cNvPr>
+          <p:cNvPr id="21" name="Rectangle 20"/>
           <p:cNvSpPr/>
           <p:nvPr/>
         </p:nvSpPr>
-        <p:spPr>
+        <p:spPr bwMode="auto">
           <a:xfrm>
             <a:off x="2331244" y="5907489"/>
             <a:ext cx="977107" cy="153988"/>
@@ -9281,24 +8611,20 @@
           <a:bodyPr rtlCol="0" anchor="ctr"/>
           <a:lstStyle/>
           <a:p>
-            <a:pPr algn="ctr"/>
+            <a:pPr algn="ctr">
+              <a:defRPr/>
+            </a:pPr>
             <a:endParaRPr lang="fr-FR"/>
           </a:p>
         </p:txBody>
       </p:sp>
       <p:sp>
         <p:nvSpPr>
-          <p:cNvPr id="22" name="Rectangle 21">
-            <a:extLst>
-              <a:ext uri="{FF2B5EF4-FFF2-40B4-BE49-F238E27FC236}">
-                <a16:creationId xmlns:a16="http://schemas.microsoft.com/office/drawing/2014/main" id="{748D90E6-4D6E-1C01-A673-485054BA3DB8}"/>
-              </a:ext>
-            </a:extLst>
-          </p:cNvPr>
+          <p:cNvPr id="22" name="Rectangle 21"/>
           <p:cNvSpPr/>
           <p:nvPr/>
         </p:nvSpPr>
-        <p:spPr>
+        <p:spPr bwMode="auto">
           <a:xfrm>
             <a:off x="3859934" y="5907489"/>
             <a:ext cx="534266" cy="153988"/>
@@ -9333,26 +8659,31 @@
           <a:bodyPr rtlCol="0" anchor="ctr"/>
           <a:lstStyle/>
           <a:p>
-            <a:pPr algn="ctr"/>
+            <a:pPr algn="ctr">
+              <a:defRPr/>
+            </a:pPr>
             <a:endParaRPr lang="fr-FR"/>
           </a:p>
         </p:txBody>
       </p:sp>
     </p:spTree>
-    <p:extLst>
-      <p:ext uri="{BB962C8B-B14F-4D97-AF65-F5344CB8AC3E}">
-        <p14:creationId xmlns:p14="http://schemas.microsoft.com/office/powerpoint/2010/main" val="113467961"/>
-      </p:ext>
-    </p:extLst>
   </p:cSld>
   <p:clrMapOvr>
     <a:masterClrMapping/>
   </p:clrMapOvr>
+  <mc:AlternateContent xmlns:mc="http://schemas.openxmlformats.org/markup-compatibility/2006">
+    <mc:Choice xmlns:p14="http://schemas.microsoft.com/office/powerpoint/2010/main" Requires="p14">
+      <p:transition p14:dur="2000" advClick="1"/>
+    </mc:Choice>
+    <mc:Fallback>
+      <p:transition advClick="1"/>
+    </mc:Fallback>
+  </mc:AlternateContent>
 </p:sld>
 </file>
 
 <file path=ppt/theme/theme1.xml><?xml version="1.0" encoding="utf-8"?>
-<a:theme xmlns:a="http://schemas.openxmlformats.org/drawingml/2006/main" name="Thème Office">
+<a:theme xmlns:a="http://schemas.openxmlformats.org/drawingml/2006/main" xmlns:r="http://schemas.openxmlformats.org/officeDocument/2006/relationships" xmlns:p="http://schemas.openxmlformats.org/presentationml/2006/main" name="Thème Office">
   <a:themeElements>
     <a:clrScheme name="Office">
       <a:dk1>
@@ -9394,108 +8725,14 @@
     </a:clrScheme>
     <a:fontScheme name="Office">
       <a:majorFont>
-        <a:latin typeface="Calibri Light" panose="020F0302020204030204"/>
-        <a:ea typeface=""/>
-        <a:cs typeface=""/>
-        <a:font script="Jpan" typeface="游ゴシック Light"/>
-        <a:font script="Hang" typeface="맑은 고딕"/>
-        <a:font script="Hans" typeface="等线 Light"/>
-        <a:font script="Hant" typeface="新細明體"/>
-        <a:font script="Arab" typeface="Times New Roman"/>
-        <a:font script="Hebr" typeface="Times New Roman"/>
-        <a:font script="Thai" typeface="Angsana New"/>
-        <a:font script="Ethi" typeface="Nyala"/>
-        <a:font script="Beng" typeface="Vrinda"/>
-        <a:font script="Gujr" typeface="Shruti"/>
-        <a:font script="Khmr" typeface="MoolBoran"/>
-        <a:font script="Knda" typeface="Tunga"/>
-        <a:font script="Guru" typeface="Raavi"/>
-        <a:font script="Cans" typeface="Euphemia"/>
-        <a:font script="Cher" typeface="Plantagenet Cherokee"/>
-        <a:font script="Yiii" typeface="Microsoft Yi Baiti"/>
-        <a:font script="Tibt" typeface="Microsoft Himalaya"/>
-        <a:font script="Thaa" typeface="MV Boli"/>
-        <a:font script="Deva" typeface="Mangal"/>
-        <a:font script="Telu" typeface="Gautami"/>
-        <a:font script="Taml" typeface="Latha"/>
-        <a:font script="Syrc" typeface="Estrangelo Edessa"/>
-        <a:font script="Orya" typeface="Kalinga"/>
-        <a:font script="Mlym" typeface="Kartika"/>
-        <a:font script="Laoo" typeface="DokChampa"/>
-        <a:font script="Sinh" typeface="Iskoola Pota"/>
-        <a:font script="Mong" typeface="Mongolian Baiti"/>
-        <a:font script="Viet" typeface="Times New Roman"/>
-        <a:font script="Uigh" typeface="Microsoft Uighur"/>
-        <a:font script="Geor" typeface="Sylfaen"/>
-        <a:font script="Armn" typeface="Arial"/>
-        <a:font script="Bugi" typeface="Leelawadee UI"/>
-        <a:font script="Bopo" typeface="Microsoft JhengHei"/>
-        <a:font script="Java" typeface="Javanese Text"/>
-        <a:font script="Lisu" typeface="Segoe UI"/>
-        <a:font script="Mymr" typeface="Myanmar Text"/>
-        <a:font script="Nkoo" typeface="Ebrima"/>
-        <a:font script="Olck" typeface="Nirmala UI"/>
-        <a:font script="Osma" typeface="Ebrima"/>
-        <a:font script="Phag" typeface="Phagspa"/>
-        <a:font script="Syrn" typeface="Estrangelo Edessa"/>
-        <a:font script="Syrj" typeface="Estrangelo Edessa"/>
-        <a:font script="Syre" typeface="Estrangelo Edessa"/>
-        <a:font script="Sora" typeface="Nirmala UI"/>
-        <a:font script="Tale" typeface="Microsoft Tai Le"/>
-        <a:font script="Talu" typeface="Microsoft New Tai Lue"/>
-        <a:font script="Tfng" typeface="Ebrima"/>
+        <a:latin typeface="Calibri Light"/>
+        <a:ea typeface="Arial"/>
+        <a:cs typeface="Arial"/>
       </a:majorFont>
       <a:minorFont>
-        <a:latin typeface="Calibri" panose="020F0502020204030204"/>
-        <a:ea typeface=""/>
-        <a:cs typeface=""/>
-        <a:font script="Jpan" typeface="游ゴシック"/>
-        <a:font script="Hang" typeface="맑은 고딕"/>
-        <a:font script="Hans" typeface="等线"/>
-        <a:font script="Hant" typeface="新細明體"/>
-        <a:font script="Arab" typeface="Arial"/>
-        <a:font script="Hebr" typeface="Arial"/>
-        <a:font script="Thai" typeface="Cordia New"/>
-        <a:font script="Ethi" typeface="Nyala"/>
-        <a:font script="Beng" typeface="Vrinda"/>
-        <a:font script="Gujr" typeface="Shruti"/>
-        <a:font script="Khmr" typeface="DaunPenh"/>
-        <a:font script="Knda" typeface="Tunga"/>
-        <a:font script="Guru" typeface="Raavi"/>
-        <a:font script="Cans" typeface="Euphemia"/>
-        <a:font script="Cher" typeface="Plantagenet Cherokee"/>
-        <a:font script="Yiii" typeface="Microsoft Yi Baiti"/>
-        <a:font script="Tibt" typeface="Microsoft Himalaya"/>
-        <a:font script="Thaa" typeface="MV Boli"/>
-        <a:font script="Deva" typeface="Mangal"/>
-        <a:font script="Telu" typeface="Gautami"/>
-        <a:font script="Taml" typeface="Latha"/>
-        <a:font script="Syrc" typeface="Estrangelo Edessa"/>
-        <a:font script="Orya" typeface="Kalinga"/>
-        <a:font script="Mlym" typeface="Kartika"/>
-        <a:font script="Laoo" typeface="DokChampa"/>
-        <a:font script="Sinh" typeface="Iskoola Pota"/>
-        <a:font script="Mong" typeface="Mongolian Baiti"/>
-        <a:font script="Viet" typeface="Arial"/>
-        <a:font script="Uigh" typeface="Microsoft Uighur"/>
-        <a:font script="Geor" typeface="Sylfaen"/>
-        <a:font script="Armn" typeface="Arial"/>
-        <a:font script="Bugi" typeface="Leelawadee UI"/>
-        <a:font script="Bopo" typeface="Microsoft JhengHei"/>
-        <a:font script="Java" typeface="Javanese Text"/>
-        <a:font script="Lisu" typeface="Segoe UI"/>
-        <a:font script="Mymr" typeface="Myanmar Text"/>
-        <a:font script="Nkoo" typeface="Ebrima"/>
-        <a:font script="Olck" typeface="Nirmala UI"/>
-        <a:font script="Osma" typeface="Ebrima"/>
-        <a:font script="Phag" typeface="Phagspa"/>
-        <a:font script="Syrn" typeface="Estrangelo Edessa"/>
-        <a:font script="Syrj" typeface="Estrangelo Edessa"/>
-        <a:font script="Syre" typeface="Estrangelo Edessa"/>
-        <a:font script="Sora" typeface="Nirmala UI"/>
-        <a:font script="Tale" typeface="Microsoft Tai Le"/>
-        <a:font script="Talu" typeface="Microsoft New Tai Lue"/>
-        <a:font script="Tfng" typeface="Ebrima"/>
+        <a:latin typeface="Calibri"/>
+        <a:ea typeface="Arial"/>
+        <a:cs typeface="Arial"/>
       </a:minorFont>
     </a:fontScheme>
     <a:fmtScheme name="Office">
@@ -9503,7 +8740,7 @@
         <a:solidFill>
           <a:schemeClr val="phClr"/>
         </a:solidFill>
-        <a:gradFill rotWithShape="1">
+        <a:gradFill>
           <a:gsLst>
             <a:gs pos="0">
               <a:schemeClr val="phClr">
@@ -9529,7 +8766,7 @@
           </a:gsLst>
           <a:lin ang="5400000" scaled="0"/>
         </a:gradFill>
-        <a:gradFill rotWithShape="1">
+        <a:gradFill>
           <a:gsLst>
             <a:gs pos="0">
               <a:schemeClr val="phClr">
@@ -9581,16 +8818,28 @@
       </a:lnStyleLst>
       <a:effectStyleLst>
         <a:effectStyle>
-          <a:effectLst/>
-        </a:effectStyle>
-        <a:effectStyle>
-          <a:effectLst/>
+          <a:effectLst>
+            <a:outerShdw blurRad="40000" dist="20000" dir="5400000" rotWithShape="0">
+              <a:srgbClr val="000000">
+                <a:alpha val="38000"/>
+              </a:srgbClr>
+            </a:outerShdw>
+          </a:effectLst>
         </a:effectStyle>
         <a:effectStyle>
           <a:effectLst>
-            <a:outerShdw blurRad="57150" dist="19050" dir="5400000" algn="ctr" rotWithShape="0">
+            <a:outerShdw blurRad="40000" dist="23000" dir="5400000" rotWithShape="0">
               <a:srgbClr val="000000">
-                <a:alpha val="63000"/>
+                <a:alpha val="35000"/>
+              </a:srgbClr>
+            </a:outerShdw>
+          </a:effectLst>
+        </a:effectStyle>
+        <a:effectStyle>
+          <a:effectLst>
+            <a:outerShdw blurRad="40000" dist="23000" dir="5400000" rotWithShape="0">
+              <a:srgbClr val="000000">
+                <a:alpha val="35000"/>
               </a:srgbClr>
             </a:outerShdw>
           </a:effectLst>
@@ -9606,7 +8855,7 @@
             <a:satMod val="170000"/>
           </a:schemeClr>
         </a:solidFill>
-        <a:gradFill rotWithShape="1">
+        <a:gradFill>
           <a:gsLst>
             <a:gs pos="0">
               <a:schemeClr val="phClr">
@@ -9637,11 +8886,5 @@
     </a:fmtScheme>
   </a:themeElements>
   <a:objectDefaults/>
-  <a:extraClrSchemeLst/>
-  <a:extLst>
-    <a:ext uri="{05A4C25C-085E-4340-85A3-A5531E510DB2}">
-      <thm15:themeFamily xmlns:thm15="http://schemas.microsoft.com/office/thememl/2012/main" name="Office Theme" id="{62F939B6-93AF-4DB8-9C6B-D6C7DFDC589F}" vid="{4A3C46E8-61CC-4603-A589-7422A47A8E4A}"/>
-    </a:ext>
-  </a:extLst>
 </a:theme>
 </file>